--- a/courses/apcsp/lect19.pptx
+++ b/courses/apcsp/lect19.pptx
@@ -136,7 +136,7 @@
 <file path=ppt/revisionInfo.xml><?xml version="1.0" encoding="utf-8"?>
 <p1510:revInfo xmlns:a="http://schemas.openxmlformats.org/drawingml/2006/main" xmlns:r="http://schemas.openxmlformats.org/officeDocument/2006/relationships" xmlns:p1510="http://schemas.microsoft.com/office/powerpoint/2015/10/main">
   <p1510:revLst>
-    <p1510:client id="{20E1AE71-974B-2D41-AC34-69C850DFDC19}" v="487" dt="2020-03-08T14:02:24.971"/>
+    <p1510:client id="{20E1AE71-974B-2D41-AC34-69C850DFDC19}" v="488" dt="2020-03-16T17:49:13.061"/>
   </p1510:revLst>
 </p1510:revInfo>
 </file>
@@ -2209,7 +2209,7 @@
   <pc:docChgLst>
     <pc:chgData name="Long B Nguyen" userId="f59fb8f3-a021-417a-8bc1-65c8d471c621" providerId="ADAL" clId="{20E1AE71-974B-2D41-AC34-69C850DFDC19}"/>
     <pc:docChg chg="addSld delSld modSld">
-      <pc:chgData name="Long B Nguyen" userId="f59fb8f3-a021-417a-8bc1-65c8d471c621" providerId="ADAL" clId="{20E1AE71-974B-2D41-AC34-69C850DFDC19}" dt="2020-03-08T14:02:24.971" v="621" actId="20577"/>
+      <pc:chgData name="Long B Nguyen" userId="f59fb8f3-a021-417a-8bc1-65c8d471c621" providerId="ADAL" clId="{20E1AE71-974B-2D41-AC34-69C850DFDC19}" dt="2020-03-16T17:50:12.029" v="624"/>
       <pc:docMkLst>
         <pc:docMk/>
       </pc:docMkLst>
@@ -2750,12 +2750,20 @@
           </ac:spMkLst>
         </pc:spChg>
       </pc:sldChg>
-      <pc:sldChg chg="modSp add modAnim">
-        <pc:chgData name="Long B Nguyen" userId="f59fb8f3-a021-417a-8bc1-65c8d471c621" providerId="ADAL" clId="{20E1AE71-974B-2D41-AC34-69C850DFDC19}" dt="2020-03-08T12:36:43.699" v="192" actId="20577"/>
+      <pc:sldChg chg="addSp delSp modSp add modAnim">
+        <pc:chgData name="Long B Nguyen" userId="f59fb8f3-a021-417a-8bc1-65c8d471c621" providerId="ADAL" clId="{20E1AE71-974B-2D41-AC34-69C850DFDC19}" dt="2020-03-16T17:50:12.029" v="624"/>
         <pc:sldMkLst>
           <pc:docMk/>
           <pc:sldMk cId="2430561500" sldId="609"/>
         </pc:sldMkLst>
+        <pc:spChg chg="add del mod">
+          <ac:chgData name="Long B Nguyen" userId="f59fb8f3-a021-417a-8bc1-65c8d471c621" providerId="ADAL" clId="{20E1AE71-974B-2D41-AC34-69C850DFDC19}" dt="2020-03-16T17:50:12.029" v="624"/>
+          <ac:spMkLst>
+            <pc:docMk/>
+            <pc:sldMk cId="2430561500" sldId="609"/>
+            <ac:spMk id="2" creationId="{3D4C4230-2B39-5E4F-A592-6A2ECBBDF748}"/>
+          </ac:spMkLst>
+        </pc:spChg>
         <pc:spChg chg="mod">
           <ac:chgData name="Long B Nguyen" userId="f59fb8f3-a021-417a-8bc1-65c8d471c621" providerId="ADAL" clId="{20E1AE71-974B-2D41-AC34-69C850DFDC19}" dt="2020-03-08T12:36:43.699" v="192" actId="20577"/>
           <ac:spMkLst>
@@ -3588,7 +3596,7 @@
           <a:p>
             <a:fld id="{6EDD99D2-A624-5E4F-A4E3-584054837B5A}" type="datetimeFigureOut">
               <a:rPr lang="en-US" smtClean="0"/>
-              <a:t>3/8/20</a:t>
+              <a:t>3/15/20</a:t>
             </a:fld>
             <a:endParaRPr lang="en-US"/>
           </a:p>
@@ -8594,7 +8602,7 @@
           <a:p>
             <a:fld id="{4AAD347D-5ACD-4C99-B74B-A9C85AD731AF}" type="datetimeFigureOut">
               <a:rPr lang="en-US" smtClean="0"/>
-              <a:t>3/8/20</a:t>
+              <a:t>3/15/20</a:t>
             </a:fld>
             <a:endParaRPr lang="en-US" dirty="0"/>
           </a:p>
@@ -8764,7 +8772,7 @@
           <a:p>
             <a:fld id="{4509A250-FF31-4206-8172-F9D3106AACB1}" type="datetimeFigureOut">
               <a:rPr lang="en-US" smtClean="0"/>
-              <a:t>3/8/20</a:t>
+              <a:t>3/15/20</a:t>
             </a:fld>
             <a:endParaRPr lang="en-US" dirty="0"/>
           </a:p>
@@ -8944,7 +8952,7 @@
           <a:p>
             <a:fld id="{4509A250-FF31-4206-8172-F9D3106AACB1}" type="datetimeFigureOut">
               <a:rPr lang="en-US" smtClean="0"/>
-              <a:t>3/8/20</a:t>
+              <a:t>3/15/20</a:t>
             </a:fld>
             <a:endParaRPr lang="en-US" dirty="0"/>
           </a:p>
@@ -9114,7 +9122,7 @@
           <a:p>
             <a:fld id="{4509A250-FF31-4206-8172-F9D3106AACB1}" type="datetimeFigureOut">
               <a:rPr lang="en-US" smtClean="0"/>
-              <a:t>3/8/20</a:t>
+              <a:t>3/15/20</a:t>
             </a:fld>
             <a:endParaRPr lang="en-US" dirty="0"/>
           </a:p>
@@ -9360,7 +9368,7 @@
           <a:p>
             <a:fld id="{9796027F-7875-4030-9381-8BD8C4F21935}" type="datetimeFigureOut">
               <a:rPr lang="en-US" smtClean="0"/>
-              <a:t>3/8/20</a:t>
+              <a:t>3/15/20</a:t>
             </a:fld>
             <a:endParaRPr lang="en-US" dirty="0"/>
           </a:p>
@@ -9592,7 +9600,7 @@
           <a:p>
             <a:fld id="{9796027F-7875-4030-9381-8BD8C4F21935}" type="datetimeFigureOut">
               <a:rPr lang="en-US" smtClean="0"/>
-              <a:t>3/8/20</a:t>
+              <a:t>3/15/20</a:t>
             </a:fld>
             <a:endParaRPr lang="en-US" dirty="0"/>
           </a:p>
@@ -9959,7 +9967,7 @@
           <a:p>
             <a:fld id="{9796027F-7875-4030-9381-8BD8C4F21935}" type="datetimeFigureOut">
               <a:rPr lang="en-US" smtClean="0"/>
-              <a:t>3/8/20</a:t>
+              <a:t>3/15/20</a:t>
             </a:fld>
             <a:endParaRPr lang="en-US" dirty="0"/>
           </a:p>
@@ -10077,7 +10085,7 @@
           <a:p>
             <a:fld id="{4509A250-FF31-4206-8172-F9D3106AACB1}" type="datetimeFigureOut">
               <a:rPr lang="en-US" smtClean="0"/>
-              <a:t>3/8/20</a:t>
+              <a:t>3/15/20</a:t>
             </a:fld>
             <a:endParaRPr lang="en-US" dirty="0"/>
           </a:p>
@@ -10172,7 +10180,7 @@
           <a:p>
             <a:fld id="{4509A250-FF31-4206-8172-F9D3106AACB1}" type="datetimeFigureOut">
               <a:rPr lang="en-US" smtClean="0"/>
-              <a:t>3/8/20</a:t>
+              <a:t>3/15/20</a:t>
             </a:fld>
             <a:endParaRPr lang="en-US" dirty="0"/>
           </a:p>
@@ -10449,7 +10457,7 @@
           <a:p>
             <a:fld id="{4509A250-FF31-4206-8172-F9D3106AACB1}" type="datetimeFigureOut">
               <a:rPr lang="en-US" smtClean="0"/>
-              <a:t>3/8/20</a:t>
+              <a:t>3/15/20</a:t>
             </a:fld>
             <a:endParaRPr lang="en-US" dirty="0"/>
           </a:p>
@@ -10706,7 +10714,7 @@
           <a:p>
             <a:fld id="{4509A250-FF31-4206-8172-F9D3106AACB1}" type="datetimeFigureOut">
               <a:rPr lang="en-US" smtClean="0"/>
-              <a:t>3/8/20</a:t>
+              <a:t>3/15/20</a:t>
             </a:fld>
             <a:endParaRPr lang="en-US" dirty="0"/>
           </a:p>
@@ -10919,7 +10927,7 @@
           <a:p>
             <a:fld id="{4AAD347D-5ACD-4C99-B74B-A9C85AD731AF}" type="datetimeFigureOut">
               <a:rPr lang="en-US" smtClean="0"/>
-              <a:t>3/8/20</a:t>
+              <a:t>3/15/20</a:t>
             </a:fld>
             <a:endParaRPr lang="en-US" dirty="0"/>
           </a:p>

--- a/courses/apcsp/lect19.pptx
+++ b/courses/apcsp/lect19.pptx
@@ -5,7 +5,7 @@
     <p:sldMasterId id="2147483791" r:id="rId1"/>
   </p:sldMasterIdLst>
   <p:notesMasterIdLst>
-    <p:notesMasterId r:id="rId35"/>
+    <p:notesMasterId r:id="rId33"/>
   </p:notesMasterIdLst>
   <p:sldIdLst>
     <p:sldId id="256" r:id="rId2"/>
@@ -24,8 +24,8 @@
     <p:sldId id="600" r:id="rId15"/>
     <p:sldId id="601" r:id="rId16"/>
     <p:sldId id="625" r:id="rId17"/>
-    <p:sldId id="603" r:id="rId18"/>
-    <p:sldId id="527" r:id="rId19"/>
+    <p:sldId id="527" r:id="rId18"/>
+    <p:sldId id="542" r:id="rId19"/>
     <p:sldId id="529" r:id="rId20"/>
     <p:sldId id="560" r:id="rId21"/>
     <p:sldId id="564" r:id="rId22"/>
@@ -37,10 +37,8 @@
     <p:sldId id="536" r:id="rId28"/>
     <p:sldId id="537" r:id="rId29"/>
     <p:sldId id="541" r:id="rId30"/>
-    <p:sldId id="542" r:id="rId31"/>
-    <p:sldId id="556" r:id="rId32"/>
-    <p:sldId id="485" r:id="rId33"/>
-    <p:sldId id="612" r:id="rId34"/>
+    <p:sldId id="556" r:id="rId31"/>
+    <p:sldId id="612" r:id="rId32"/>
   </p:sldIdLst>
   <p:sldSz cx="9144000" cy="5715000" type="screen16x10"/>
   <p:notesSz cx="6858000" cy="9144000"/>
@@ -150,7 +148,7 @@
 <file path=ppt/revisionInfo.xml><?xml version="1.0" encoding="utf-8"?>
 <p1510:revInfo xmlns:a="http://schemas.openxmlformats.org/drawingml/2006/main" xmlns:r="http://schemas.openxmlformats.org/officeDocument/2006/relationships" xmlns:p1510="http://schemas.microsoft.com/office/powerpoint/2015/10/main">
   <p1510:revLst>
-    <p1510:client id="{EAA1E8DF-C35C-6A46-BAE7-931DFAE42A5E}" v="1135" dt="2021-03-31T02:59:04.110"/>
+    <p1510:client id="{EAA1E8DF-C35C-6A46-BAE7-931DFAE42A5E}" v="1628" dt="2021-04-05T12:56:00.499"/>
   </p1510:revLst>
 </p1510:revInfo>
 </file>
@@ -656,7 +654,7 @@
   <pc:docChgLst>
     <pc:chgData name="Long B Nguyen" userId="f59fb8f3-a021-417a-8bc1-65c8d471c621" providerId="ADAL" clId="{EAA1E8DF-C35C-6A46-BAE7-931DFAE42A5E}"/>
     <pc:docChg chg="undo custSel addSld delSld modSld">
-      <pc:chgData name="Long B Nguyen" userId="f59fb8f3-a021-417a-8bc1-65c8d471c621" providerId="ADAL" clId="{EAA1E8DF-C35C-6A46-BAE7-931DFAE42A5E}" dt="2021-03-31T02:59:04.109" v="2426" actId="113"/>
+      <pc:chgData name="Long B Nguyen" userId="f59fb8f3-a021-417a-8bc1-65c8d471c621" providerId="ADAL" clId="{EAA1E8DF-C35C-6A46-BAE7-931DFAE42A5E}" dt="2021-04-05T12:56:00.499" v="2931" actId="20577"/>
       <pc:docMkLst>
         <pc:docMk/>
       </pc:docMkLst>
@@ -675,12 +673,27 @@
           </ac:spMkLst>
         </pc:spChg>
       </pc:sldChg>
-      <pc:sldChg chg="add">
-        <pc:chgData name="Long B Nguyen" userId="f59fb8f3-a021-417a-8bc1-65c8d471c621" providerId="ADAL" clId="{EAA1E8DF-C35C-6A46-BAE7-931DFAE42A5E}" dt="2021-03-31T02:44:06.151" v="2353"/>
+      <pc:sldChg chg="del">
+        <pc:chgData name="Long B Nguyen" userId="f59fb8f3-a021-417a-8bc1-65c8d471c621" providerId="ADAL" clId="{EAA1E8DF-C35C-6A46-BAE7-931DFAE42A5E}" dt="2021-04-05T12:47:20.397" v="2760" actId="2696"/>
+        <pc:sldMkLst>
+          <pc:docMk/>
+          <pc:sldMk cId="2902676313" sldId="485"/>
+        </pc:sldMkLst>
+      </pc:sldChg>
+      <pc:sldChg chg="modSp add">
+        <pc:chgData name="Long B Nguyen" userId="f59fb8f3-a021-417a-8bc1-65c8d471c621" providerId="ADAL" clId="{EAA1E8DF-C35C-6A46-BAE7-931DFAE42A5E}" dt="2021-04-05T12:36:37.968" v="2617" actId="20577"/>
         <pc:sldMkLst>
           <pc:docMk/>
           <pc:sldMk cId="2588250059" sldId="527"/>
         </pc:sldMkLst>
+        <pc:spChg chg="mod">
+          <ac:chgData name="Long B Nguyen" userId="f59fb8f3-a021-417a-8bc1-65c8d471c621" providerId="ADAL" clId="{EAA1E8DF-C35C-6A46-BAE7-931DFAE42A5E}" dt="2021-04-05T12:36:37.968" v="2617" actId="20577"/>
+          <ac:spMkLst>
+            <pc:docMk/>
+            <pc:sldMk cId="2588250059" sldId="527"/>
+            <ac:spMk id="16386" creationId="{60062ACF-10D9-6E42-9C85-ED9949A40D46}"/>
+          </ac:spMkLst>
+        </pc:spChg>
       </pc:sldChg>
       <pc:sldChg chg="add del">
         <pc:chgData name="Long B Nguyen" userId="f59fb8f3-a021-417a-8bc1-65c8d471c621" providerId="ADAL" clId="{EAA1E8DF-C35C-6A46-BAE7-931DFAE42A5E}" dt="2021-03-31T02:44:19.867" v="2354" actId="2696"/>
@@ -690,13 +703,13 @@
         </pc:sldMkLst>
       </pc:sldChg>
       <pc:sldChg chg="modSp add mod modAnim">
-        <pc:chgData name="Long B Nguyen" userId="f59fb8f3-a021-417a-8bc1-65c8d471c621" providerId="ADAL" clId="{EAA1E8DF-C35C-6A46-BAE7-931DFAE42A5E}" dt="2021-03-31T02:59:04.109" v="2426" actId="113"/>
+        <pc:chgData name="Long B Nguyen" userId="f59fb8f3-a021-417a-8bc1-65c8d471c621" providerId="ADAL" clId="{EAA1E8DF-C35C-6A46-BAE7-931DFAE42A5E}" dt="2021-04-05T12:56:00.499" v="2931" actId="20577"/>
         <pc:sldMkLst>
           <pc:docMk/>
           <pc:sldMk cId="351843145" sldId="529"/>
         </pc:sldMkLst>
         <pc:spChg chg="mod">
-          <ac:chgData name="Long B Nguyen" userId="f59fb8f3-a021-417a-8bc1-65c8d471c621" providerId="ADAL" clId="{EAA1E8DF-C35C-6A46-BAE7-931DFAE42A5E}" dt="2021-03-31T02:59:04.109" v="2426" actId="113"/>
+          <ac:chgData name="Long B Nguyen" userId="f59fb8f3-a021-417a-8bc1-65c8d471c621" providerId="ADAL" clId="{EAA1E8DF-C35C-6A46-BAE7-931DFAE42A5E}" dt="2021-04-05T12:56:00.499" v="2931" actId="20577"/>
           <ac:spMkLst>
             <pc:docMk/>
             <pc:sldMk cId="351843145" sldId="529"/>
@@ -704,7 +717,7 @@
           </ac:spMkLst>
         </pc:spChg>
         <pc:spChg chg="mod">
-          <ac:chgData name="Long B Nguyen" userId="f59fb8f3-a021-417a-8bc1-65c8d471c621" providerId="ADAL" clId="{EAA1E8DF-C35C-6A46-BAE7-931DFAE42A5E}" dt="2021-03-31T02:58:51.664" v="2425" actId="20577"/>
+          <ac:chgData name="Long B Nguyen" userId="f59fb8f3-a021-417a-8bc1-65c8d471c621" providerId="ADAL" clId="{EAA1E8DF-C35C-6A46-BAE7-931DFAE42A5E}" dt="2021-04-05T12:54:00.435" v="2799" actId="20577"/>
           <ac:spMkLst>
             <pc:docMk/>
             <pc:sldMk cId="351843145" sldId="529"/>
@@ -759,13 +772,13 @@
         </pc:spChg>
       </pc:sldChg>
       <pc:sldChg chg="modSp add modAnim">
-        <pc:chgData name="Long B Nguyen" userId="f59fb8f3-a021-417a-8bc1-65c8d471c621" providerId="ADAL" clId="{EAA1E8DF-C35C-6A46-BAE7-931DFAE42A5E}" dt="2021-03-31T02:47:24.151" v="2370" actId="20577"/>
+        <pc:chgData name="Long B Nguyen" userId="f59fb8f3-a021-417a-8bc1-65c8d471c621" providerId="ADAL" clId="{EAA1E8DF-C35C-6A46-BAE7-931DFAE42A5E}" dt="2021-04-05T12:21:00.829" v="2476" actId="20577"/>
         <pc:sldMkLst>
           <pc:docMk/>
           <pc:sldMk cId="3875593504" sldId="534"/>
         </pc:sldMkLst>
         <pc:spChg chg="mod">
-          <ac:chgData name="Long B Nguyen" userId="f59fb8f3-a021-417a-8bc1-65c8d471c621" providerId="ADAL" clId="{EAA1E8DF-C35C-6A46-BAE7-931DFAE42A5E}" dt="2021-03-31T02:47:24.151" v="2370" actId="20577"/>
+          <ac:chgData name="Long B Nguyen" userId="f59fb8f3-a021-417a-8bc1-65c8d471c621" providerId="ADAL" clId="{EAA1E8DF-C35C-6A46-BAE7-931DFAE42A5E}" dt="2021-04-05T12:21:00.829" v="2476" actId="20577"/>
           <ac:spMkLst>
             <pc:docMk/>
             <pc:sldMk cId="3875593504" sldId="534"/>
@@ -823,7 +836,30 @@
         </pc:sldMkLst>
       </pc:sldChg>
       <pc:sldChg chg="modSp add mod modAnim">
-        <pc:chgData name="Long B Nguyen" userId="f59fb8f3-a021-417a-8bc1-65c8d471c621" providerId="ADAL" clId="{EAA1E8DF-C35C-6A46-BAE7-931DFAE42A5E}" dt="2021-03-31T02:56:50.121" v="2391" actId="21"/>
+        <pc:chgData name="Long B Nguyen" userId="f59fb8f3-a021-417a-8bc1-65c8d471c621" providerId="ADAL" clId="{EAA1E8DF-C35C-6A46-BAE7-931DFAE42A5E}" dt="2021-04-05T12:54:55.563" v="2811" actId="20577"/>
+        <pc:sldMkLst>
+          <pc:docMk/>
+          <pc:sldMk cId="3478205103" sldId="542"/>
+        </pc:sldMkLst>
+        <pc:spChg chg="mod">
+          <ac:chgData name="Long B Nguyen" userId="f59fb8f3-a021-417a-8bc1-65c8d471c621" providerId="ADAL" clId="{EAA1E8DF-C35C-6A46-BAE7-931DFAE42A5E}" dt="2021-04-05T12:54:55.563" v="2811" actId="20577"/>
+          <ac:spMkLst>
+            <pc:docMk/>
+            <pc:sldMk cId="3478205103" sldId="542"/>
+            <ac:spMk id="16386" creationId="{9A30423C-6B4C-234F-9526-1365818F2724}"/>
+          </ac:spMkLst>
+        </pc:spChg>
+        <pc:spChg chg="mod">
+          <ac:chgData name="Long B Nguyen" userId="f59fb8f3-a021-417a-8bc1-65c8d471c621" providerId="ADAL" clId="{EAA1E8DF-C35C-6A46-BAE7-931DFAE42A5E}" dt="2021-04-05T12:53:48.481" v="2782" actId="1076"/>
+          <ac:spMkLst>
+            <pc:docMk/>
+            <pc:sldMk cId="3478205103" sldId="542"/>
+            <ac:spMk id="49153" creationId="{E509825C-AE08-2A49-9ED7-6F6BA260A8C1}"/>
+          </ac:spMkLst>
+        </pc:spChg>
+      </pc:sldChg>
+      <pc:sldChg chg="modSp add del mod modAnim">
+        <pc:chgData name="Long B Nguyen" userId="f59fb8f3-a021-417a-8bc1-65c8d471c621" providerId="ADAL" clId="{EAA1E8DF-C35C-6A46-BAE7-931DFAE42A5E}" dt="2021-04-01T12:13:18.014" v="2427" actId="2696"/>
         <pc:sldMkLst>
           <pc:docMk/>
           <pc:sldMk cId="3821874163" sldId="542"/>
@@ -867,12 +903,20 @@
           </ac:spMkLst>
         </pc:spChg>
       </pc:sldChg>
-      <pc:sldChg chg="add">
-        <pc:chgData name="Long B Nguyen" userId="f59fb8f3-a021-417a-8bc1-65c8d471c621" providerId="ADAL" clId="{EAA1E8DF-C35C-6A46-BAE7-931DFAE42A5E}" dt="2021-03-31T02:44:06.151" v="2353"/>
+      <pc:sldChg chg="modSp add">
+        <pc:chgData name="Long B Nguyen" userId="f59fb8f3-a021-417a-8bc1-65c8d471c621" providerId="ADAL" clId="{EAA1E8DF-C35C-6A46-BAE7-931DFAE42A5E}" dt="2021-04-05T12:23:15.073" v="2477" actId="113"/>
         <pc:sldMkLst>
           <pc:docMk/>
           <pc:sldMk cId="154962666" sldId="556"/>
         </pc:sldMkLst>
+        <pc:spChg chg="mod">
+          <ac:chgData name="Long B Nguyen" userId="f59fb8f3-a021-417a-8bc1-65c8d471c621" providerId="ADAL" clId="{EAA1E8DF-C35C-6A46-BAE7-931DFAE42A5E}" dt="2021-04-05T12:23:15.073" v="2477" actId="113"/>
+          <ac:spMkLst>
+            <pc:docMk/>
+            <pc:sldMk cId="154962666" sldId="556"/>
+            <ac:spMk id="47106" creationId="{64F0002E-82C3-5B47-91CB-42BC1288860E}"/>
+          </ac:spMkLst>
+        </pc:spChg>
       </pc:sldChg>
       <pc:sldChg chg="add">
         <pc:chgData name="Long B Nguyen" userId="f59fb8f3-a021-417a-8bc1-65c8d471c621" providerId="ADAL" clId="{EAA1E8DF-C35C-6A46-BAE7-931DFAE42A5E}" dt="2021-03-31T02:44:06.151" v="2353"/>
@@ -920,7 +964,7 @@
         </pc:picChg>
       </pc:sldChg>
       <pc:sldChg chg="modSp mod modAnim">
-        <pc:chgData name="Long B Nguyen" userId="f59fb8f3-a021-417a-8bc1-65c8d471c621" providerId="ADAL" clId="{EAA1E8DF-C35C-6A46-BAE7-931DFAE42A5E}" dt="2021-03-26T15:42:52.426" v="181" actId="20577"/>
+        <pc:chgData name="Long B Nguyen" userId="f59fb8f3-a021-417a-8bc1-65c8d471c621" providerId="ADAL" clId="{EAA1E8DF-C35C-6A46-BAE7-931DFAE42A5E}" dt="2021-04-05T12:08:59.180" v="2431"/>
         <pc:sldMkLst>
           <pc:docMk/>
           <pc:sldMk cId="4205479306" sldId="594"/>
@@ -1086,8 +1130,8 @@
           <pc:sldMk cId="2482297390" sldId="602"/>
         </pc:sldMkLst>
       </pc:sldChg>
-      <pc:sldChg chg="modSp mod">
-        <pc:chgData name="Long B Nguyen" userId="f59fb8f3-a021-417a-8bc1-65c8d471c621" providerId="ADAL" clId="{EAA1E8DF-C35C-6A46-BAE7-931DFAE42A5E}" dt="2021-03-30T16:44:03.511" v="2166" actId="1076"/>
+      <pc:sldChg chg="modSp del mod">
+        <pc:chgData name="Long B Nguyen" userId="f59fb8f3-a021-417a-8bc1-65c8d471c621" providerId="ADAL" clId="{EAA1E8DF-C35C-6A46-BAE7-931DFAE42A5E}" dt="2021-04-05T12:16:39.560" v="2471" actId="2696"/>
         <pc:sldMkLst>
           <pc:docMk/>
           <pc:sldMk cId="3316801220" sldId="603"/>
@@ -1183,6 +1227,21 @@
           <pc:sldMk cId="1203333742" sldId="611"/>
         </pc:sldMkLst>
       </pc:sldChg>
+      <pc:sldChg chg="modSp mod">
+        <pc:chgData name="Long B Nguyen" userId="f59fb8f3-a021-417a-8bc1-65c8d471c621" providerId="ADAL" clId="{EAA1E8DF-C35C-6A46-BAE7-931DFAE42A5E}" dt="2021-04-05T12:47:23.052" v="2764" actId="20577"/>
+        <pc:sldMkLst>
+          <pc:docMk/>
+          <pc:sldMk cId="186989517" sldId="612"/>
+        </pc:sldMkLst>
+        <pc:spChg chg="mod">
+          <ac:chgData name="Long B Nguyen" userId="f59fb8f3-a021-417a-8bc1-65c8d471c621" providerId="ADAL" clId="{EAA1E8DF-C35C-6A46-BAE7-931DFAE42A5E}" dt="2021-04-05T12:47:23.052" v="2764" actId="20577"/>
+          <ac:spMkLst>
+            <pc:docMk/>
+            <pc:sldMk cId="186989517" sldId="612"/>
+            <ac:spMk id="50178" creationId="{327CB0B4-2578-5740-B0E0-F346965CCB10}"/>
+          </ac:spMkLst>
+        </pc:spChg>
+      </pc:sldChg>
       <pc:sldChg chg="modSp add modAnim">
         <pc:chgData name="Long B Nguyen" userId="f59fb8f3-a021-417a-8bc1-65c8d471c621" providerId="ADAL" clId="{EAA1E8DF-C35C-6A46-BAE7-931DFAE42A5E}" dt="2021-03-30T16:24:37.113" v="1928"/>
         <pc:sldMkLst>
@@ -1213,8 +1272,8 @@
           </ac:spMkLst>
         </pc:spChg>
       </pc:sldChg>
-      <pc:sldChg chg="modSp add mod">
-        <pc:chgData name="Long B Nguyen" userId="f59fb8f3-a021-417a-8bc1-65c8d471c621" providerId="ADAL" clId="{EAA1E8DF-C35C-6A46-BAE7-931DFAE42A5E}" dt="2021-03-29T12:58:35.902" v="1184" actId="20577"/>
+      <pc:sldChg chg="modSp add mod modAnim">
+        <pc:chgData name="Long B Nguyen" userId="f59fb8f3-a021-417a-8bc1-65c8d471c621" providerId="ADAL" clId="{EAA1E8DF-C35C-6A46-BAE7-931DFAE42A5E}" dt="2021-04-05T12:11:43.238" v="2453"/>
         <pc:sldMkLst>
           <pc:docMk/>
           <pc:sldMk cId="3965959204" sldId="615"/>
@@ -1228,7 +1287,7 @@
           </ac:spMkLst>
         </pc:spChg>
         <pc:spChg chg="mod">
-          <ac:chgData name="Long B Nguyen" userId="f59fb8f3-a021-417a-8bc1-65c8d471c621" providerId="ADAL" clId="{EAA1E8DF-C35C-6A46-BAE7-931DFAE42A5E}" dt="2021-03-29T12:58:35.902" v="1184" actId="20577"/>
+          <ac:chgData name="Long B Nguyen" userId="f59fb8f3-a021-417a-8bc1-65c8d471c621" providerId="ADAL" clId="{EAA1E8DF-C35C-6A46-BAE7-931DFAE42A5E}" dt="2021-04-05T12:09:19.473" v="2436" actId="20577"/>
           <ac:spMkLst>
             <pc:docMk/>
             <pc:sldMk cId="3965959204" sldId="615"/>
@@ -1251,8 +1310,8 @@
           </ac:spMkLst>
         </pc:spChg>
       </pc:sldChg>
-      <pc:sldChg chg="addSp delSp modSp add mod">
-        <pc:chgData name="Long B Nguyen" userId="f59fb8f3-a021-417a-8bc1-65c8d471c621" providerId="ADAL" clId="{EAA1E8DF-C35C-6A46-BAE7-931DFAE42A5E}" dt="2021-03-29T12:58:44.272" v="1185" actId="1076"/>
+      <pc:sldChg chg="addSp delSp modSp add mod modAnim">
+        <pc:chgData name="Long B Nguyen" userId="f59fb8f3-a021-417a-8bc1-65c8d471c621" providerId="ADAL" clId="{EAA1E8DF-C35C-6A46-BAE7-931DFAE42A5E}" dt="2021-04-05T12:09:45.217" v="2440"/>
         <pc:sldMkLst>
           <pc:docMk/>
           <pc:sldMk cId="75961963" sldId="617"/>
@@ -1282,14 +1341,14 @@
           </ac:spMkLst>
         </pc:spChg>
       </pc:sldChg>
-      <pc:sldChg chg="modSp add mod">
-        <pc:chgData name="Long B Nguyen" userId="f59fb8f3-a021-417a-8bc1-65c8d471c621" providerId="ADAL" clId="{EAA1E8DF-C35C-6A46-BAE7-931DFAE42A5E}" dt="2021-03-29T13:00:19.097" v="1198"/>
+      <pc:sldChg chg="modSp add mod modAnim">
+        <pc:chgData name="Long B Nguyen" userId="f59fb8f3-a021-417a-8bc1-65c8d471c621" providerId="ADAL" clId="{EAA1E8DF-C35C-6A46-BAE7-931DFAE42A5E}" dt="2021-04-05T12:45:13.739" v="2618" actId="113"/>
         <pc:sldMkLst>
           <pc:docMk/>
           <pc:sldMk cId="876878470" sldId="618"/>
         </pc:sldMkLst>
         <pc:spChg chg="mod">
-          <ac:chgData name="Long B Nguyen" userId="f59fb8f3-a021-417a-8bc1-65c8d471c621" providerId="ADAL" clId="{EAA1E8DF-C35C-6A46-BAE7-931DFAE42A5E}" dt="2021-03-29T13:00:19.097" v="1198"/>
+          <ac:chgData name="Long B Nguyen" userId="f59fb8f3-a021-417a-8bc1-65c8d471c621" providerId="ADAL" clId="{EAA1E8DF-C35C-6A46-BAE7-931DFAE42A5E}" dt="2021-04-05T12:45:13.739" v="2618" actId="113"/>
           <ac:spMkLst>
             <pc:docMk/>
             <pc:sldMk cId="876878470" sldId="618"/>
@@ -1329,13 +1388,13 @@
         </pc:spChg>
       </pc:sldChg>
       <pc:sldChg chg="modSp add mod modAnim">
-        <pc:chgData name="Long B Nguyen" userId="f59fb8f3-a021-417a-8bc1-65c8d471c621" providerId="ADAL" clId="{EAA1E8DF-C35C-6A46-BAE7-931DFAE42A5E}" dt="2021-03-31T02:26:42.159" v="2324" actId="20577"/>
+        <pc:chgData name="Long B Nguyen" userId="f59fb8f3-a021-417a-8bc1-65c8d471c621" providerId="ADAL" clId="{EAA1E8DF-C35C-6A46-BAE7-931DFAE42A5E}" dt="2021-04-05T12:46:53.021" v="2759" actId="20577"/>
         <pc:sldMkLst>
           <pc:docMk/>
           <pc:sldMk cId="655231489" sldId="620"/>
         </pc:sldMkLst>
         <pc:spChg chg="mod">
-          <ac:chgData name="Long B Nguyen" userId="f59fb8f3-a021-417a-8bc1-65c8d471c621" providerId="ADAL" clId="{EAA1E8DF-C35C-6A46-BAE7-931DFAE42A5E}" dt="2021-03-31T02:26:42.159" v="2324" actId="20577"/>
+          <ac:chgData name="Long B Nguyen" userId="f59fb8f3-a021-417a-8bc1-65c8d471c621" providerId="ADAL" clId="{EAA1E8DF-C35C-6A46-BAE7-931DFAE42A5E}" dt="2021-04-05T12:46:53.021" v="2759" actId="20577"/>
           <ac:spMkLst>
             <pc:docMk/>
             <pc:sldMk cId="655231489" sldId="620"/>
@@ -1413,13 +1472,13 @@
         </pc:spChg>
       </pc:sldChg>
       <pc:sldChg chg="addSp modSp add mod modAnim">
-        <pc:chgData name="Long B Nguyen" userId="f59fb8f3-a021-417a-8bc1-65c8d471c621" providerId="ADAL" clId="{EAA1E8DF-C35C-6A46-BAE7-931DFAE42A5E}" dt="2021-03-31T02:27:52.252" v="2335" actId="14100"/>
+        <pc:chgData name="Long B Nguyen" userId="f59fb8f3-a021-417a-8bc1-65c8d471c621" providerId="ADAL" clId="{EAA1E8DF-C35C-6A46-BAE7-931DFAE42A5E}" dt="2021-04-05T12:13:52.530" v="2470" actId="20577"/>
         <pc:sldMkLst>
           <pc:docMk/>
           <pc:sldMk cId="2025038453" sldId="623"/>
         </pc:sldMkLst>
         <pc:spChg chg="mod">
-          <ac:chgData name="Long B Nguyen" userId="f59fb8f3-a021-417a-8bc1-65c8d471c621" providerId="ADAL" clId="{EAA1E8DF-C35C-6A46-BAE7-931DFAE42A5E}" dt="2021-03-31T02:27:43.051" v="2331" actId="14100"/>
+          <ac:chgData name="Long B Nguyen" userId="f59fb8f3-a021-417a-8bc1-65c8d471c621" providerId="ADAL" clId="{EAA1E8DF-C35C-6A46-BAE7-931DFAE42A5E}" dt="2021-04-05T12:13:52.530" v="2470" actId="20577"/>
           <ac:spMkLst>
             <pc:docMk/>
             <pc:sldMk cId="2025038453" sldId="623"/>
@@ -1444,7 +1503,7 @@
         </pc:picChg>
       </pc:sldChg>
       <pc:sldChg chg="delSp modSp add mod modAnim">
-        <pc:chgData name="Long B Nguyen" userId="f59fb8f3-a021-417a-8bc1-65c8d471c621" providerId="ADAL" clId="{EAA1E8DF-C35C-6A46-BAE7-931DFAE42A5E}" dt="2021-03-31T02:28:25.778" v="2340" actId="113"/>
+        <pc:chgData name="Long B Nguyen" userId="f59fb8f3-a021-417a-8bc1-65c8d471c621" providerId="ADAL" clId="{EAA1E8DF-C35C-6A46-BAE7-931DFAE42A5E}" dt="2021-04-05T12:11:30.280" v="2452"/>
         <pc:sldMkLst>
           <pc:docMk/>
           <pc:sldMk cId="3330740156" sldId="624"/>
@@ -4479,7 +4538,7 @@
           <a:p>
             <a:fld id="{6EDD99D2-A624-5E4F-A4E3-584054837B5A}" type="datetimeFigureOut">
               <a:rPr lang="en-US" smtClean="0"/>
-              <a:t>3/30/21</a:t>
+              <a:t>4/5/21</a:t>
             </a:fld>
             <a:endParaRPr lang="en-US"/>
           </a:p>
@@ -6781,294 +6840,6 @@
       </p:grpSpPr>
       <p:sp>
         <p:nvSpPr>
-          <p:cNvPr id="35841" name="Rectangle 7">
-            <a:extLst>
-              <a:ext uri="{FF2B5EF4-FFF2-40B4-BE49-F238E27FC236}">
-                <a16:creationId xmlns:a16="http://schemas.microsoft.com/office/drawing/2014/main" id="{3E260733-2FFE-4741-B7BB-609376F1F09E}"/>
-              </a:ext>
-            </a:extLst>
-          </p:cNvPr>
-          <p:cNvSpPr>
-            <a:spLocks noGrp="1" noChangeArrowheads="1"/>
-          </p:cNvSpPr>
-          <p:nvPr>
-            <p:ph type="sldNum" sz="quarter" idx="5"/>
-          </p:nvPr>
-        </p:nvSpPr>
-        <p:spPr bwMode="auto">
-          <a:noFill/>
-          <a:extLst>
-            <a:ext uri="{909E8E84-426E-40DD-AFC4-6F175D3DCCD1}">
-              <a14:hiddenFill xmlns:a14="http://schemas.microsoft.com/office/drawing/2010/main">
-                <a:solidFill>
-                  <a:srgbClr val="FFFFFF"/>
-                </a:solidFill>
-              </a14:hiddenFill>
-            </a:ext>
-            <a:ext uri="{91240B29-F687-4F45-9708-019B960494DF}">
-              <a14:hiddenLine xmlns:a14="http://schemas.microsoft.com/office/drawing/2010/main" w="9525">
-                <a:solidFill>
-                  <a:srgbClr val="000000"/>
-                </a:solidFill>
-                <a:miter lim="800000"/>
-                <a:headEnd/>
-                <a:tailEnd/>
-              </a14:hiddenLine>
-            </a:ext>
-          </a:extLst>
-        </p:spPr>
-        <p:txBody>
-          <a:bodyPr/>
-          <a:lstStyle>
-            <a:lvl1pPr>
-              <a:defRPr>
-                <a:solidFill>
-                  <a:schemeClr val="tx1"/>
-                </a:solidFill>
-                <a:latin typeface="Arial" panose="020B0604020202020204" pitchFamily="34" charset="0"/>
-                <a:ea typeface="ＭＳ Ｐゴシック" panose="020B0600070205080204" pitchFamily="34" charset="-128"/>
-              </a:defRPr>
-            </a:lvl1pPr>
-            <a:lvl2pPr marL="742950" indent="-285750">
-              <a:defRPr>
-                <a:solidFill>
-                  <a:schemeClr val="tx1"/>
-                </a:solidFill>
-                <a:latin typeface="Arial" panose="020B0604020202020204" pitchFamily="34" charset="0"/>
-                <a:ea typeface="ＭＳ Ｐゴシック" panose="020B0600070205080204" pitchFamily="34" charset="-128"/>
-              </a:defRPr>
-            </a:lvl2pPr>
-            <a:lvl3pPr marL="1143000" indent="-228600">
-              <a:defRPr>
-                <a:solidFill>
-                  <a:schemeClr val="tx1"/>
-                </a:solidFill>
-                <a:latin typeface="Arial" panose="020B0604020202020204" pitchFamily="34" charset="0"/>
-                <a:ea typeface="ＭＳ Ｐゴシック" panose="020B0600070205080204" pitchFamily="34" charset="-128"/>
-              </a:defRPr>
-            </a:lvl3pPr>
-            <a:lvl4pPr marL="1600200" indent="-228600">
-              <a:defRPr>
-                <a:solidFill>
-                  <a:schemeClr val="tx1"/>
-                </a:solidFill>
-                <a:latin typeface="Arial" panose="020B0604020202020204" pitchFamily="34" charset="0"/>
-                <a:ea typeface="ＭＳ Ｐゴシック" panose="020B0600070205080204" pitchFamily="34" charset="-128"/>
-              </a:defRPr>
-            </a:lvl4pPr>
-            <a:lvl5pPr marL="2057400" indent="-228600">
-              <a:defRPr>
-                <a:solidFill>
-                  <a:schemeClr val="tx1"/>
-                </a:solidFill>
-                <a:latin typeface="Arial" panose="020B0604020202020204" pitchFamily="34" charset="0"/>
-                <a:ea typeface="ＭＳ Ｐゴシック" panose="020B0600070205080204" pitchFamily="34" charset="-128"/>
-              </a:defRPr>
-            </a:lvl5pPr>
-            <a:lvl6pPr marL="2514600" indent="-228600" eaLnBrk="0" fontAlgn="base" hangingPunct="0">
-              <a:spcBef>
-                <a:spcPct val="0"/>
-              </a:spcBef>
-              <a:spcAft>
-                <a:spcPct val="0"/>
-              </a:spcAft>
-              <a:defRPr>
-                <a:solidFill>
-                  <a:schemeClr val="tx1"/>
-                </a:solidFill>
-                <a:latin typeface="Arial" panose="020B0604020202020204" pitchFamily="34" charset="0"/>
-                <a:ea typeface="ＭＳ Ｐゴシック" panose="020B0600070205080204" pitchFamily="34" charset="-128"/>
-              </a:defRPr>
-            </a:lvl6pPr>
-            <a:lvl7pPr marL="2971800" indent="-228600" eaLnBrk="0" fontAlgn="base" hangingPunct="0">
-              <a:spcBef>
-                <a:spcPct val="0"/>
-              </a:spcBef>
-              <a:spcAft>
-                <a:spcPct val="0"/>
-              </a:spcAft>
-              <a:defRPr>
-                <a:solidFill>
-                  <a:schemeClr val="tx1"/>
-                </a:solidFill>
-                <a:latin typeface="Arial" panose="020B0604020202020204" pitchFamily="34" charset="0"/>
-                <a:ea typeface="ＭＳ Ｐゴシック" panose="020B0600070205080204" pitchFamily="34" charset="-128"/>
-              </a:defRPr>
-            </a:lvl7pPr>
-            <a:lvl8pPr marL="3429000" indent="-228600" eaLnBrk="0" fontAlgn="base" hangingPunct="0">
-              <a:spcBef>
-                <a:spcPct val="0"/>
-              </a:spcBef>
-              <a:spcAft>
-                <a:spcPct val="0"/>
-              </a:spcAft>
-              <a:defRPr>
-                <a:solidFill>
-                  <a:schemeClr val="tx1"/>
-                </a:solidFill>
-                <a:latin typeface="Arial" panose="020B0604020202020204" pitchFamily="34" charset="0"/>
-                <a:ea typeface="ＭＳ Ｐゴシック" panose="020B0600070205080204" pitchFamily="34" charset="-128"/>
-              </a:defRPr>
-            </a:lvl8pPr>
-            <a:lvl9pPr marL="3886200" indent="-228600" eaLnBrk="0" fontAlgn="base" hangingPunct="0">
-              <a:spcBef>
-                <a:spcPct val="0"/>
-              </a:spcBef>
-              <a:spcAft>
-                <a:spcPct val="0"/>
-              </a:spcAft>
-              <a:defRPr>
-                <a:solidFill>
-                  <a:schemeClr val="tx1"/>
-                </a:solidFill>
-                <a:latin typeface="Arial" panose="020B0604020202020204" pitchFamily="34" charset="0"/>
-                <a:ea typeface="ＭＳ Ｐゴシック" panose="020B0600070205080204" pitchFamily="34" charset="-128"/>
-              </a:defRPr>
-            </a:lvl9pPr>
-          </a:lstStyle>
-          <a:p>
-            <a:fld id="{8E5623AE-0990-D343-AC3A-F1C6144A2319}" type="slidenum">
-              <a:rPr lang="en-US" altLang="en-US"/>
-              <a:pPr/>
-              <a:t>17</a:t>
-            </a:fld>
-            <a:endParaRPr lang="en-US" altLang="en-US"/>
-          </a:p>
-        </p:txBody>
-      </p:sp>
-      <p:sp>
-        <p:nvSpPr>
-          <p:cNvPr id="35842" name="Rectangle 2">
-            <a:extLst>
-              <a:ext uri="{FF2B5EF4-FFF2-40B4-BE49-F238E27FC236}">
-                <a16:creationId xmlns:a16="http://schemas.microsoft.com/office/drawing/2014/main" id="{1072A9D3-7FE8-A849-8994-DD63DA30FAF4}"/>
-              </a:ext>
-            </a:extLst>
-          </p:cNvPr>
-          <p:cNvSpPr>
-            <a:spLocks noGrp="1" noRot="1" noChangeAspect="1" noChangeArrowheads="1" noTextEdit="1"/>
-          </p:cNvSpPr>
-          <p:nvPr>
-            <p:ph type="sldImg"/>
-          </p:nvPr>
-        </p:nvSpPr>
-        <p:spPr bwMode="auto">
-          <a:xfrm>
-            <a:off x="687388" y="685800"/>
-            <a:ext cx="5486400" cy="3429000"/>
-          </a:xfrm>
-          <a:noFill/>
-          <a:ln>
-            <a:solidFill>
-              <a:srgbClr val="000000"/>
-            </a:solidFill>
-            <a:miter lim="800000"/>
-            <a:headEnd/>
-            <a:tailEnd/>
-          </a:ln>
-          <a:extLst>
-            <a:ext uri="{909E8E84-426E-40DD-AFC4-6F175D3DCCD1}">
-              <a14:hiddenFill xmlns:a14="http://schemas.microsoft.com/office/drawing/2010/main">
-                <a:solidFill>
-                  <a:srgbClr val="FFFFFF"/>
-                </a:solidFill>
-              </a14:hiddenFill>
-            </a:ext>
-          </a:extLst>
-        </p:spPr>
-      </p:sp>
-      <p:sp>
-        <p:nvSpPr>
-          <p:cNvPr id="35843" name="Rectangle 3">
-            <a:extLst>
-              <a:ext uri="{FF2B5EF4-FFF2-40B4-BE49-F238E27FC236}">
-                <a16:creationId xmlns:a16="http://schemas.microsoft.com/office/drawing/2014/main" id="{B3033E4A-0C28-7442-8D3B-074EA81D874E}"/>
-              </a:ext>
-            </a:extLst>
-          </p:cNvPr>
-          <p:cNvSpPr>
-            <a:spLocks noGrp="1" noChangeArrowheads="1"/>
-          </p:cNvSpPr>
-          <p:nvPr>
-            <p:ph type="body" idx="1"/>
-          </p:nvPr>
-        </p:nvSpPr>
-        <p:spPr bwMode="auto">
-          <a:xfrm>
-            <a:off x="914400" y="4343400"/>
-            <a:ext cx="5029200" cy="4114800"/>
-          </a:xfrm>
-          <a:noFill/>
-          <a:extLst>
-            <a:ext uri="{909E8E84-426E-40DD-AFC4-6F175D3DCCD1}">
-              <a14:hiddenFill xmlns:a14="http://schemas.microsoft.com/office/drawing/2010/main">
-                <a:solidFill>
-                  <a:srgbClr val="FFFFFF"/>
-                </a:solidFill>
-              </a14:hiddenFill>
-            </a:ext>
-            <a:ext uri="{91240B29-F687-4F45-9708-019B960494DF}">
-              <a14:hiddenLine xmlns:a14="http://schemas.microsoft.com/office/drawing/2010/main" w="9525">
-                <a:solidFill>
-                  <a:srgbClr val="000000"/>
-                </a:solidFill>
-                <a:miter lim="800000"/>
-                <a:headEnd/>
-                <a:tailEnd/>
-              </a14:hiddenLine>
-            </a:ext>
-          </a:extLst>
-        </p:spPr>
-        <p:txBody>
-          <a:bodyPr wrap="square" numCol="1" anchor="t" anchorCtr="0" compatLnSpc="1">
-            <a:prstTxWarp prst="textNoShape">
-              <a:avLst/>
-            </a:prstTxWarp>
-          </a:bodyPr>
-          <a:lstStyle/>
-          <a:p>
-            <a:pPr eaLnBrk="1" hangingPunct="1"/>
-            <a:r>
-              <a:rPr lang="en-US" altLang="en-US">
-                <a:ea typeface="ＭＳ Ｐゴシック" panose="020B0600070205080204" pitchFamily="34" charset="-128"/>
-              </a:rPr>
-              <a:t>https://www.smartgrid.gov/the_smart_grid/smart_grid.html</a:t>
-            </a:r>
-          </a:p>
-        </p:txBody>
-      </p:sp>
-    </p:spTree>
-    <p:extLst>
-      <p:ext uri="{BB962C8B-B14F-4D97-AF65-F5344CB8AC3E}">
-        <p14:creationId xmlns:p14="http://schemas.microsoft.com/office/powerpoint/2010/main" val="3354647459"/>
-      </p:ext>
-    </p:extLst>
-  </p:cSld>
-  <p:clrMapOvr>
-    <a:masterClrMapping/>
-  </p:clrMapOvr>
-</p:notes>
-</file>
-
-<file path=ppt/notesSlides/notesSlide17.xml><?xml version="1.0" encoding="utf-8"?>
-<p:notes xmlns:a="http://schemas.openxmlformats.org/drawingml/2006/main" xmlns:r="http://schemas.openxmlformats.org/officeDocument/2006/relationships" xmlns:p="http://schemas.openxmlformats.org/presentationml/2006/main">
-  <p:cSld>
-    <p:spTree>
-      <p:nvGrpSpPr>
-        <p:cNvPr id="1" name=""/>
-        <p:cNvGrpSpPr/>
-        <p:nvPr/>
-      </p:nvGrpSpPr>
-      <p:grpSpPr>
-        <a:xfrm>
-          <a:off x="0" y="0"/>
-          <a:ext cx="0" cy="0"/>
-          <a:chOff x="0" y="0"/>
-          <a:chExt cx="0" cy="0"/>
-        </a:xfrm>
-      </p:grpSpPr>
-      <p:sp>
-        <p:nvSpPr>
           <p:cNvPr id="17409" name="Rectangle 7">
             <a:extLst>
               <a:ext uri="{FF2B5EF4-FFF2-40B4-BE49-F238E27FC236}">
@@ -7218,7 +6989,7 @@
             <a:fld id="{C4F95CCF-C3C3-E043-ADE9-381A81BFA129}" type="slidenum">
               <a:rPr lang="en-US" altLang="en-US"/>
               <a:pPr/>
-              <a:t>18</a:t>
+              <a:t>17</a:t>
             </a:fld>
             <a:endParaRPr lang="en-US" altLang="en-US"/>
           </a:p>
@@ -7329,6 +7100,294 @@
     <p:extLst>
       <p:ext uri="{BB962C8B-B14F-4D97-AF65-F5344CB8AC3E}">
         <p14:creationId xmlns:p14="http://schemas.microsoft.com/office/powerpoint/2010/main" val="3180656115"/>
+      </p:ext>
+    </p:extLst>
+  </p:cSld>
+  <p:clrMapOvr>
+    <a:masterClrMapping/>
+  </p:clrMapOvr>
+</p:notes>
+</file>
+
+<file path=ppt/notesSlides/notesSlide17.xml><?xml version="1.0" encoding="utf-8"?>
+<p:notes xmlns:a="http://schemas.openxmlformats.org/drawingml/2006/main" xmlns:r="http://schemas.openxmlformats.org/officeDocument/2006/relationships" xmlns:p="http://schemas.openxmlformats.org/presentationml/2006/main">
+  <p:cSld>
+    <p:spTree>
+      <p:nvGrpSpPr>
+        <p:cNvPr id="1" name=""/>
+        <p:cNvGrpSpPr/>
+        <p:nvPr/>
+      </p:nvGrpSpPr>
+      <p:grpSpPr>
+        <a:xfrm>
+          <a:off x="0" y="0"/>
+          <a:ext cx="0" cy="0"/>
+          <a:chOff x="0" y="0"/>
+          <a:chExt cx="0" cy="0"/>
+        </a:xfrm>
+      </p:grpSpPr>
+      <p:sp>
+        <p:nvSpPr>
+          <p:cNvPr id="50177" name="Rectangle 7">
+            <a:extLst>
+              <a:ext uri="{FF2B5EF4-FFF2-40B4-BE49-F238E27FC236}">
+                <a16:creationId xmlns:a16="http://schemas.microsoft.com/office/drawing/2014/main" id="{663CCAB0-127F-2A4D-8078-A63ED7A5F612}"/>
+              </a:ext>
+            </a:extLst>
+          </p:cNvPr>
+          <p:cNvSpPr>
+            <a:spLocks noGrp="1" noChangeArrowheads="1"/>
+          </p:cNvSpPr>
+          <p:nvPr>
+            <p:ph type="sldNum" sz="quarter" idx="5"/>
+          </p:nvPr>
+        </p:nvSpPr>
+        <p:spPr bwMode="auto">
+          <a:noFill/>
+          <a:extLst>
+            <a:ext uri="{909E8E84-426E-40DD-AFC4-6F175D3DCCD1}">
+              <a14:hiddenFill xmlns:a14="http://schemas.microsoft.com/office/drawing/2010/main">
+                <a:solidFill>
+                  <a:srgbClr val="FFFFFF"/>
+                </a:solidFill>
+              </a14:hiddenFill>
+            </a:ext>
+            <a:ext uri="{91240B29-F687-4F45-9708-019B960494DF}">
+              <a14:hiddenLine xmlns:a14="http://schemas.microsoft.com/office/drawing/2010/main" w="9525">
+                <a:solidFill>
+                  <a:srgbClr val="000000"/>
+                </a:solidFill>
+                <a:miter lim="800000"/>
+                <a:headEnd/>
+                <a:tailEnd/>
+              </a14:hiddenLine>
+            </a:ext>
+          </a:extLst>
+        </p:spPr>
+        <p:txBody>
+          <a:bodyPr/>
+          <a:lstStyle>
+            <a:lvl1pPr>
+              <a:defRPr>
+                <a:solidFill>
+                  <a:schemeClr val="tx1"/>
+                </a:solidFill>
+                <a:latin typeface="Arial" panose="020B0604020202020204" pitchFamily="34" charset="0"/>
+                <a:ea typeface="ＭＳ Ｐゴシック" panose="020B0600070205080204" pitchFamily="34" charset="-128"/>
+              </a:defRPr>
+            </a:lvl1pPr>
+            <a:lvl2pPr marL="742950" indent="-285750">
+              <a:defRPr>
+                <a:solidFill>
+                  <a:schemeClr val="tx1"/>
+                </a:solidFill>
+                <a:latin typeface="Arial" panose="020B0604020202020204" pitchFamily="34" charset="0"/>
+                <a:ea typeface="ＭＳ Ｐゴシック" panose="020B0600070205080204" pitchFamily="34" charset="-128"/>
+              </a:defRPr>
+            </a:lvl2pPr>
+            <a:lvl3pPr marL="1143000" indent="-228600">
+              <a:defRPr>
+                <a:solidFill>
+                  <a:schemeClr val="tx1"/>
+                </a:solidFill>
+                <a:latin typeface="Arial" panose="020B0604020202020204" pitchFamily="34" charset="0"/>
+                <a:ea typeface="ＭＳ Ｐゴシック" panose="020B0600070205080204" pitchFamily="34" charset="-128"/>
+              </a:defRPr>
+            </a:lvl3pPr>
+            <a:lvl4pPr marL="1600200" indent="-228600">
+              <a:defRPr>
+                <a:solidFill>
+                  <a:schemeClr val="tx1"/>
+                </a:solidFill>
+                <a:latin typeface="Arial" panose="020B0604020202020204" pitchFamily="34" charset="0"/>
+                <a:ea typeface="ＭＳ Ｐゴシック" panose="020B0600070205080204" pitchFamily="34" charset="-128"/>
+              </a:defRPr>
+            </a:lvl4pPr>
+            <a:lvl5pPr marL="2057400" indent="-228600">
+              <a:defRPr>
+                <a:solidFill>
+                  <a:schemeClr val="tx1"/>
+                </a:solidFill>
+                <a:latin typeface="Arial" panose="020B0604020202020204" pitchFamily="34" charset="0"/>
+                <a:ea typeface="ＭＳ Ｐゴシック" panose="020B0600070205080204" pitchFamily="34" charset="-128"/>
+              </a:defRPr>
+            </a:lvl5pPr>
+            <a:lvl6pPr marL="2514600" indent="-228600" eaLnBrk="0" fontAlgn="base" hangingPunct="0">
+              <a:spcBef>
+                <a:spcPct val="0"/>
+              </a:spcBef>
+              <a:spcAft>
+                <a:spcPct val="0"/>
+              </a:spcAft>
+              <a:defRPr>
+                <a:solidFill>
+                  <a:schemeClr val="tx1"/>
+                </a:solidFill>
+                <a:latin typeface="Arial" panose="020B0604020202020204" pitchFamily="34" charset="0"/>
+                <a:ea typeface="ＭＳ Ｐゴシック" panose="020B0600070205080204" pitchFamily="34" charset="-128"/>
+              </a:defRPr>
+            </a:lvl6pPr>
+            <a:lvl7pPr marL="2971800" indent="-228600" eaLnBrk="0" fontAlgn="base" hangingPunct="0">
+              <a:spcBef>
+                <a:spcPct val="0"/>
+              </a:spcBef>
+              <a:spcAft>
+                <a:spcPct val="0"/>
+              </a:spcAft>
+              <a:defRPr>
+                <a:solidFill>
+                  <a:schemeClr val="tx1"/>
+                </a:solidFill>
+                <a:latin typeface="Arial" panose="020B0604020202020204" pitchFamily="34" charset="0"/>
+                <a:ea typeface="ＭＳ Ｐゴシック" panose="020B0600070205080204" pitchFamily="34" charset="-128"/>
+              </a:defRPr>
+            </a:lvl7pPr>
+            <a:lvl8pPr marL="3429000" indent="-228600" eaLnBrk="0" fontAlgn="base" hangingPunct="0">
+              <a:spcBef>
+                <a:spcPct val="0"/>
+              </a:spcBef>
+              <a:spcAft>
+                <a:spcPct val="0"/>
+              </a:spcAft>
+              <a:defRPr>
+                <a:solidFill>
+                  <a:schemeClr val="tx1"/>
+                </a:solidFill>
+                <a:latin typeface="Arial" panose="020B0604020202020204" pitchFamily="34" charset="0"/>
+                <a:ea typeface="ＭＳ Ｐゴシック" panose="020B0600070205080204" pitchFamily="34" charset="-128"/>
+              </a:defRPr>
+            </a:lvl8pPr>
+            <a:lvl9pPr marL="3886200" indent="-228600" eaLnBrk="0" fontAlgn="base" hangingPunct="0">
+              <a:spcBef>
+                <a:spcPct val="0"/>
+              </a:spcBef>
+              <a:spcAft>
+                <a:spcPct val="0"/>
+              </a:spcAft>
+              <a:defRPr>
+                <a:solidFill>
+                  <a:schemeClr val="tx1"/>
+                </a:solidFill>
+                <a:latin typeface="Arial" panose="020B0604020202020204" pitchFamily="34" charset="0"/>
+                <a:ea typeface="ＭＳ Ｐゴシック" panose="020B0600070205080204" pitchFamily="34" charset="-128"/>
+              </a:defRPr>
+            </a:lvl9pPr>
+          </a:lstStyle>
+          <a:p>
+            <a:fld id="{15B86C48-2F16-C440-BE26-4CAFB7E7AFD4}" type="slidenum">
+              <a:rPr lang="en-US" altLang="en-US"/>
+              <a:pPr/>
+              <a:t>18</a:t>
+            </a:fld>
+            <a:endParaRPr lang="en-US" altLang="en-US"/>
+          </a:p>
+        </p:txBody>
+      </p:sp>
+      <p:sp>
+        <p:nvSpPr>
+          <p:cNvPr id="50178" name="Rectangle 2">
+            <a:extLst>
+              <a:ext uri="{FF2B5EF4-FFF2-40B4-BE49-F238E27FC236}">
+                <a16:creationId xmlns:a16="http://schemas.microsoft.com/office/drawing/2014/main" id="{DE19E7F6-D008-6641-B26C-99C7C143518E}"/>
+              </a:ext>
+            </a:extLst>
+          </p:cNvPr>
+          <p:cNvSpPr>
+            <a:spLocks noGrp="1" noRot="1" noChangeAspect="1" noChangeArrowheads="1" noTextEdit="1"/>
+          </p:cNvSpPr>
+          <p:nvPr>
+            <p:ph type="sldImg"/>
+          </p:nvPr>
+        </p:nvSpPr>
+        <p:spPr bwMode="auto">
+          <a:xfrm>
+            <a:off x="687388" y="685800"/>
+            <a:ext cx="5486400" cy="3429000"/>
+          </a:xfrm>
+          <a:noFill/>
+          <a:ln>
+            <a:solidFill>
+              <a:srgbClr val="000000"/>
+            </a:solidFill>
+            <a:miter lim="800000"/>
+            <a:headEnd/>
+            <a:tailEnd/>
+          </a:ln>
+          <a:extLst>
+            <a:ext uri="{909E8E84-426E-40DD-AFC4-6F175D3DCCD1}">
+              <a14:hiddenFill xmlns:a14="http://schemas.microsoft.com/office/drawing/2010/main">
+                <a:solidFill>
+                  <a:srgbClr val="FFFFFF"/>
+                </a:solidFill>
+              </a14:hiddenFill>
+            </a:ext>
+          </a:extLst>
+        </p:spPr>
+      </p:sp>
+      <p:sp>
+        <p:nvSpPr>
+          <p:cNvPr id="50179" name="Rectangle 3">
+            <a:extLst>
+              <a:ext uri="{FF2B5EF4-FFF2-40B4-BE49-F238E27FC236}">
+                <a16:creationId xmlns:a16="http://schemas.microsoft.com/office/drawing/2014/main" id="{1FB21643-42F1-764B-B9F8-45D5CB9B5E3D}"/>
+              </a:ext>
+            </a:extLst>
+          </p:cNvPr>
+          <p:cNvSpPr>
+            <a:spLocks noGrp="1" noChangeArrowheads="1"/>
+          </p:cNvSpPr>
+          <p:nvPr>
+            <p:ph type="body" idx="1"/>
+          </p:nvPr>
+        </p:nvSpPr>
+        <p:spPr bwMode="auto">
+          <a:xfrm>
+            <a:off x="914400" y="4343400"/>
+            <a:ext cx="5029200" cy="4114800"/>
+          </a:xfrm>
+          <a:noFill/>
+          <a:extLst>
+            <a:ext uri="{909E8E84-426E-40DD-AFC4-6F175D3DCCD1}">
+              <a14:hiddenFill xmlns:a14="http://schemas.microsoft.com/office/drawing/2010/main">
+                <a:solidFill>
+                  <a:srgbClr val="FFFFFF"/>
+                </a:solidFill>
+              </a14:hiddenFill>
+            </a:ext>
+            <a:ext uri="{91240B29-F687-4F45-9708-019B960494DF}">
+              <a14:hiddenLine xmlns:a14="http://schemas.microsoft.com/office/drawing/2010/main" w="9525">
+                <a:solidFill>
+                  <a:srgbClr val="000000"/>
+                </a:solidFill>
+                <a:miter lim="800000"/>
+                <a:headEnd/>
+                <a:tailEnd/>
+              </a14:hiddenLine>
+            </a:ext>
+          </a:extLst>
+        </p:spPr>
+        <p:txBody>
+          <a:bodyPr wrap="square" numCol="1" anchor="t" anchorCtr="0" compatLnSpc="1">
+            <a:prstTxWarp prst="textNoShape">
+              <a:avLst/>
+            </a:prstTxWarp>
+          </a:bodyPr>
+          <a:lstStyle/>
+          <a:p>
+            <a:pPr eaLnBrk="1" hangingPunct="1"/>
+            <a:r>
+              <a:rPr lang="en-US" altLang="en-US">
+                <a:ea typeface="ＭＳ Ｐゴシック" panose="020B0600070205080204" pitchFamily="34" charset="-128"/>
+              </a:rPr>
+              <a:t>https://www.bitsighttech.com/blog/attack-vectors-types-of-security-breaches</a:t>
+            </a:r>
+          </a:p>
+        </p:txBody>
+      </p:sp>
+    </p:spTree>
+    <p:extLst>
+      <p:ext uri="{BB962C8B-B14F-4D97-AF65-F5344CB8AC3E}">
+        <p14:creationId xmlns:p14="http://schemas.microsoft.com/office/powerpoint/2010/main" val="2330944935"/>
       </p:ext>
     </p:extLst>
   </p:cSld>
@@ -10813,10 +10872,10 @@
       </p:grpSpPr>
       <p:sp>
         <p:nvSpPr>
-          <p:cNvPr id="50177" name="Rectangle 7">
+          <p:cNvPr id="52225" name="Rectangle 7">
             <a:extLst>
               <a:ext uri="{FF2B5EF4-FFF2-40B4-BE49-F238E27FC236}">
-                <a16:creationId xmlns:a16="http://schemas.microsoft.com/office/drawing/2014/main" id="{663CCAB0-127F-2A4D-8078-A63ED7A5F612}"/>
+                <a16:creationId xmlns:a16="http://schemas.microsoft.com/office/drawing/2014/main" id="{D673CDAE-B700-4847-A2B2-A99DDC67E6BA}"/>
               </a:ext>
             </a:extLst>
           </p:cNvPr>
@@ -10959,7 +11018,7 @@
             </a:lvl9pPr>
           </a:lstStyle>
           <a:p>
-            <a:fld id="{15B86C48-2F16-C440-BE26-4CAFB7E7AFD4}" type="slidenum">
+            <a:fld id="{8E5AD221-5FA2-A345-95A3-3FAB4ED816BE}" type="slidenum">
               <a:rPr lang="en-US" altLang="en-US"/>
               <a:pPr/>
               <a:t>30</a:t>
@@ -10970,10 +11029,10 @@
       </p:sp>
       <p:sp>
         <p:nvSpPr>
-          <p:cNvPr id="50178" name="Rectangle 2">
+          <p:cNvPr id="52226" name="Rectangle 2">
             <a:extLst>
               <a:ext uri="{FF2B5EF4-FFF2-40B4-BE49-F238E27FC236}">
-                <a16:creationId xmlns:a16="http://schemas.microsoft.com/office/drawing/2014/main" id="{DE19E7F6-D008-6641-B26C-99C7C143518E}"/>
+                <a16:creationId xmlns:a16="http://schemas.microsoft.com/office/drawing/2014/main" id="{4A1501AF-2720-914B-A1D5-B624452B810D}"/>
               </a:ext>
             </a:extLst>
           </p:cNvPr>
@@ -11011,10 +11070,10 @@
       </p:sp>
       <p:sp>
         <p:nvSpPr>
-          <p:cNvPr id="50179" name="Rectangle 3">
+          <p:cNvPr id="52227" name="Rectangle 3">
             <a:extLst>
               <a:ext uri="{FF2B5EF4-FFF2-40B4-BE49-F238E27FC236}">
-                <a16:creationId xmlns:a16="http://schemas.microsoft.com/office/drawing/2014/main" id="{1FB21643-42F1-764B-B9F8-45D5CB9B5E3D}"/>
+                <a16:creationId xmlns:a16="http://schemas.microsoft.com/office/drawing/2014/main" id="{9332E88E-00FB-134C-B339-805F55B7E807}"/>
               </a:ext>
             </a:extLst>
           </p:cNvPr>
@@ -11072,7 +11131,7 @@
     </p:spTree>
     <p:extLst>
       <p:ext uri="{BB962C8B-B14F-4D97-AF65-F5344CB8AC3E}">
-        <p14:creationId xmlns:p14="http://schemas.microsoft.com/office/powerpoint/2010/main" val="689758393"/>
+        <p14:creationId xmlns:p14="http://schemas.microsoft.com/office/powerpoint/2010/main" val="115922076"/>
       </p:ext>
     </p:extLst>
   </p:cSld>
@@ -11361,294 +11420,6 @@
     <p:extLst>
       <p:ext uri="{BB962C8B-B14F-4D97-AF65-F5344CB8AC3E}">
         <p14:creationId xmlns:p14="http://schemas.microsoft.com/office/powerpoint/2010/main" val="694108678"/>
-      </p:ext>
-    </p:extLst>
-  </p:cSld>
-  <p:clrMapOvr>
-    <a:masterClrMapping/>
-  </p:clrMapOvr>
-</p:notes>
-</file>
-
-<file path=ppt/notesSlides/notesSlide30.xml><?xml version="1.0" encoding="utf-8"?>
-<p:notes xmlns:a="http://schemas.openxmlformats.org/drawingml/2006/main" xmlns:r="http://schemas.openxmlformats.org/officeDocument/2006/relationships" xmlns:p="http://schemas.openxmlformats.org/presentationml/2006/main">
-  <p:cSld>
-    <p:spTree>
-      <p:nvGrpSpPr>
-        <p:cNvPr id="1" name=""/>
-        <p:cNvGrpSpPr/>
-        <p:nvPr/>
-      </p:nvGrpSpPr>
-      <p:grpSpPr>
-        <a:xfrm>
-          <a:off x="0" y="0"/>
-          <a:ext cx="0" cy="0"/>
-          <a:chOff x="0" y="0"/>
-          <a:chExt cx="0" cy="0"/>
-        </a:xfrm>
-      </p:grpSpPr>
-      <p:sp>
-        <p:nvSpPr>
-          <p:cNvPr id="52225" name="Rectangle 7">
-            <a:extLst>
-              <a:ext uri="{FF2B5EF4-FFF2-40B4-BE49-F238E27FC236}">
-                <a16:creationId xmlns:a16="http://schemas.microsoft.com/office/drawing/2014/main" id="{D673CDAE-B700-4847-A2B2-A99DDC67E6BA}"/>
-              </a:ext>
-            </a:extLst>
-          </p:cNvPr>
-          <p:cNvSpPr>
-            <a:spLocks noGrp="1" noChangeArrowheads="1"/>
-          </p:cNvSpPr>
-          <p:nvPr>
-            <p:ph type="sldNum" sz="quarter" idx="5"/>
-          </p:nvPr>
-        </p:nvSpPr>
-        <p:spPr bwMode="auto">
-          <a:noFill/>
-          <a:extLst>
-            <a:ext uri="{909E8E84-426E-40DD-AFC4-6F175D3DCCD1}">
-              <a14:hiddenFill xmlns:a14="http://schemas.microsoft.com/office/drawing/2010/main">
-                <a:solidFill>
-                  <a:srgbClr val="FFFFFF"/>
-                </a:solidFill>
-              </a14:hiddenFill>
-            </a:ext>
-            <a:ext uri="{91240B29-F687-4F45-9708-019B960494DF}">
-              <a14:hiddenLine xmlns:a14="http://schemas.microsoft.com/office/drawing/2010/main" w="9525">
-                <a:solidFill>
-                  <a:srgbClr val="000000"/>
-                </a:solidFill>
-                <a:miter lim="800000"/>
-                <a:headEnd/>
-                <a:tailEnd/>
-              </a14:hiddenLine>
-            </a:ext>
-          </a:extLst>
-        </p:spPr>
-        <p:txBody>
-          <a:bodyPr/>
-          <a:lstStyle>
-            <a:lvl1pPr>
-              <a:defRPr>
-                <a:solidFill>
-                  <a:schemeClr val="tx1"/>
-                </a:solidFill>
-                <a:latin typeface="Arial" panose="020B0604020202020204" pitchFamily="34" charset="0"/>
-                <a:ea typeface="ＭＳ Ｐゴシック" panose="020B0600070205080204" pitchFamily="34" charset="-128"/>
-              </a:defRPr>
-            </a:lvl1pPr>
-            <a:lvl2pPr marL="742950" indent="-285750">
-              <a:defRPr>
-                <a:solidFill>
-                  <a:schemeClr val="tx1"/>
-                </a:solidFill>
-                <a:latin typeface="Arial" panose="020B0604020202020204" pitchFamily="34" charset="0"/>
-                <a:ea typeface="ＭＳ Ｐゴシック" panose="020B0600070205080204" pitchFamily="34" charset="-128"/>
-              </a:defRPr>
-            </a:lvl2pPr>
-            <a:lvl3pPr marL="1143000" indent="-228600">
-              <a:defRPr>
-                <a:solidFill>
-                  <a:schemeClr val="tx1"/>
-                </a:solidFill>
-                <a:latin typeface="Arial" panose="020B0604020202020204" pitchFamily="34" charset="0"/>
-                <a:ea typeface="ＭＳ Ｐゴシック" panose="020B0600070205080204" pitchFamily="34" charset="-128"/>
-              </a:defRPr>
-            </a:lvl3pPr>
-            <a:lvl4pPr marL="1600200" indent="-228600">
-              <a:defRPr>
-                <a:solidFill>
-                  <a:schemeClr val="tx1"/>
-                </a:solidFill>
-                <a:latin typeface="Arial" panose="020B0604020202020204" pitchFamily="34" charset="0"/>
-                <a:ea typeface="ＭＳ Ｐゴシック" panose="020B0600070205080204" pitchFamily="34" charset="-128"/>
-              </a:defRPr>
-            </a:lvl4pPr>
-            <a:lvl5pPr marL="2057400" indent="-228600">
-              <a:defRPr>
-                <a:solidFill>
-                  <a:schemeClr val="tx1"/>
-                </a:solidFill>
-                <a:latin typeface="Arial" panose="020B0604020202020204" pitchFamily="34" charset="0"/>
-                <a:ea typeface="ＭＳ Ｐゴシック" panose="020B0600070205080204" pitchFamily="34" charset="-128"/>
-              </a:defRPr>
-            </a:lvl5pPr>
-            <a:lvl6pPr marL="2514600" indent="-228600" eaLnBrk="0" fontAlgn="base" hangingPunct="0">
-              <a:spcBef>
-                <a:spcPct val="0"/>
-              </a:spcBef>
-              <a:spcAft>
-                <a:spcPct val="0"/>
-              </a:spcAft>
-              <a:defRPr>
-                <a:solidFill>
-                  <a:schemeClr val="tx1"/>
-                </a:solidFill>
-                <a:latin typeface="Arial" panose="020B0604020202020204" pitchFamily="34" charset="0"/>
-                <a:ea typeface="ＭＳ Ｐゴシック" panose="020B0600070205080204" pitchFamily="34" charset="-128"/>
-              </a:defRPr>
-            </a:lvl6pPr>
-            <a:lvl7pPr marL="2971800" indent="-228600" eaLnBrk="0" fontAlgn="base" hangingPunct="0">
-              <a:spcBef>
-                <a:spcPct val="0"/>
-              </a:spcBef>
-              <a:spcAft>
-                <a:spcPct val="0"/>
-              </a:spcAft>
-              <a:defRPr>
-                <a:solidFill>
-                  <a:schemeClr val="tx1"/>
-                </a:solidFill>
-                <a:latin typeface="Arial" panose="020B0604020202020204" pitchFamily="34" charset="0"/>
-                <a:ea typeface="ＭＳ Ｐゴシック" panose="020B0600070205080204" pitchFamily="34" charset="-128"/>
-              </a:defRPr>
-            </a:lvl7pPr>
-            <a:lvl8pPr marL="3429000" indent="-228600" eaLnBrk="0" fontAlgn="base" hangingPunct="0">
-              <a:spcBef>
-                <a:spcPct val="0"/>
-              </a:spcBef>
-              <a:spcAft>
-                <a:spcPct val="0"/>
-              </a:spcAft>
-              <a:defRPr>
-                <a:solidFill>
-                  <a:schemeClr val="tx1"/>
-                </a:solidFill>
-                <a:latin typeface="Arial" panose="020B0604020202020204" pitchFamily="34" charset="0"/>
-                <a:ea typeface="ＭＳ Ｐゴシック" panose="020B0600070205080204" pitchFamily="34" charset="-128"/>
-              </a:defRPr>
-            </a:lvl8pPr>
-            <a:lvl9pPr marL="3886200" indent="-228600" eaLnBrk="0" fontAlgn="base" hangingPunct="0">
-              <a:spcBef>
-                <a:spcPct val="0"/>
-              </a:spcBef>
-              <a:spcAft>
-                <a:spcPct val="0"/>
-              </a:spcAft>
-              <a:defRPr>
-                <a:solidFill>
-                  <a:schemeClr val="tx1"/>
-                </a:solidFill>
-                <a:latin typeface="Arial" panose="020B0604020202020204" pitchFamily="34" charset="0"/>
-                <a:ea typeface="ＭＳ Ｐゴシック" panose="020B0600070205080204" pitchFamily="34" charset="-128"/>
-              </a:defRPr>
-            </a:lvl9pPr>
-          </a:lstStyle>
-          <a:p>
-            <a:fld id="{8E5AD221-5FA2-A345-95A3-3FAB4ED816BE}" type="slidenum">
-              <a:rPr lang="en-US" altLang="en-US"/>
-              <a:pPr/>
-              <a:t>31</a:t>
-            </a:fld>
-            <a:endParaRPr lang="en-US" altLang="en-US"/>
-          </a:p>
-        </p:txBody>
-      </p:sp>
-      <p:sp>
-        <p:nvSpPr>
-          <p:cNvPr id="52226" name="Rectangle 2">
-            <a:extLst>
-              <a:ext uri="{FF2B5EF4-FFF2-40B4-BE49-F238E27FC236}">
-                <a16:creationId xmlns:a16="http://schemas.microsoft.com/office/drawing/2014/main" id="{4A1501AF-2720-914B-A1D5-B624452B810D}"/>
-              </a:ext>
-            </a:extLst>
-          </p:cNvPr>
-          <p:cNvSpPr>
-            <a:spLocks noGrp="1" noRot="1" noChangeAspect="1" noChangeArrowheads="1" noTextEdit="1"/>
-          </p:cNvSpPr>
-          <p:nvPr>
-            <p:ph type="sldImg"/>
-          </p:nvPr>
-        </p:nvSpPr>
-        <p:spPr bwMode="auto">
-          <a:xfrm>
-            <a:off x="687388" y="685800"/>
-            <a:ext cx="5486400" cy="3429000"/>
-          </a:xfrm>
-          <a:noFill/>
-          <a:ln>
-            <a:solidFill>
-              <a:srgbClr val="000000"/>
-            </a:solidFill>
-            <a:miter lim="800000"/>
-            <a:headEnd/>
-            <a:tailEnd/>
-          </a:ln>
-          <a:extLst>
-            <a:ext uri="{909E8E84-426E-40DD-AFC4-6F175D3DCCD1}">
-              <a14:hiddenFill xmlns:a14="http://schemas.microsoft.com/office/drawing/2010/main">
-                <a:solidFill>
-                  <a:srgbClr val="FFFFFF"/>
-                </a:solidFill>
-              </a14:hiddenFill>
-            </a:ext>
-          </a:extLst>
-        </p:spPr>
-      </p:sp>
-      <p:sp>
-        <p:nvSpPr>
-          <p:cNvPr id="52227" name="Rectangle 3">
-            <a:extLst>
-              <a:ext uri="{FF2B5EF4-FFF2-40B4-BE49-F238E27FC236}">
-                <a16:creationId xmlns:a16="http://schemas.microsoft.com/office/drawing/2014/main" id="{9332E88E-00FB-134C-B339-805F55B7E807}"/>
-              </a:ext>
-            </a:extLst>
-          </p:cNvPr>
-          <p:cNvSpPr>
-            <a:spLocks noGrp="1" noChangeArrowheads="1"/>
-          </p:cNvSpPr>
-          <p:nvPr>
-            <p:ph type="body" idx="1"/>
-          </p:nvPr>
-        </p:nvSpPr>
-        <p:spPr bwMode="auto">
-          <a:xfrm>
-            <a:off x="914400" y="4343400"/>
-            <a:ext cx="5029200" cy="4114800"/>
-          </a:xfrm>
-          <a:noFill/>
-          <a:extLst>
-            <a:ext uri="{909E8E84-426E-40DD-AFC4-6F175D3DCCD1}">
-              <a14:hiddenFill xmlns:a14="http://schemas.microsoft.com/office/drawing/2010/main">
-                <a:solidFill>
-                  <a:srgbClr val="FFFFFF"/>
-                </a:solidFill>
-              </a14:hiddenFill>
-            </a:ext>
-            <a:ext uri="{91240B29-F687-4F45-9708-019B960494DF}">
-              <a14:hiddenLine xmlns:a14="http://schemas.microsoft.com/office/drawing/2010/main" w="9525">
-                <a:solidFill>
-                  <a:srgbClr val="000000"/>
-                </a:solidFill>
-                <a:miter lim="800000"/>
-                <a:headEnd/>
-                <a:tailEnd/>
-              </a14:hiddenLine>
-            </a:ext>
-          </a:extLst>
-        </p:spPr>
-        <p:txBody>
-          <a:bodyPr wrap="square" numCol="1" anchor="t" anchorCtr="0" compatLnSpc="1">
-            <a:prstTxWarp prst="textNoShape">
-              <a:avLst/>
-            </a:prstTxWarp>
-          </a:bodyPr>
-          <a:lstStyle/>
-          <a:p>
-            <a:pPr eaLnBrk="1" hangingPunct="1"/>
-            <a:r>
-              <a:rPr lang="en-US" altLang="en-US">
-                <a:ea typeface="ＭＳ Ｐゴシック" panose="020B0600070205080204" pitchFamily="34" charset="-128"/>
-              </a:rPr>
-              <a:t>https://www.bitsighttech.com/blog/attack-vectors-types-of-security-breaches</a:t>
-            </a:r>
-          </a:p>
-        </p:txBody>
-      </p:sp>
-    </p:spTree>
-    <p:extLst>
-      <p:ext uri="{BB962C8B-B14F-4D97-AF65-F5344CB8AC3E}">
-        <p14:creationId xmlns:p14="http://schemas.microsoft.com/office/powerpoint/2010/main" val="115922076"/>
       </p:ext>
     </p:extLst>
   </p:cSld>
@@ -13517,7 +13288,7 @@
           <a:p>
             <a:fld id="{4AAD347D-5ACD-4C99-B74B-A9C85AD731AF}" type="datetimeFigureOut">
               <a:rPr lang="en-US" smtClean="0"/>
-              <a:t>3/30/21</a:t>
+              <a:t>4/5/21</a:t>
             </a:fld>
             <a:endParaRPr lang="en-US" dirty="0"/>
           </a:p>
@@ -13687,7 +13458,7 @@
           <a:p>
             <a:fld id="{4509A250-FF31-4206-8172-F9D3106AACB1}" type="datetimeFigureOut">
               <a:rPr lang="en-US" smtClean="0"/>
-              <a:t>3/30/21</a:t>
+              <a:t>4/5/21</a:t>
             </a:fld>
             <a:endParaRPr lang="en-US" dirty="0"/>
           </a:p>
@@ -13867,7 +13638,7 @@
           <a:p>
             <a:fld id="{4509A250-FF31-4206-8172-F9D3106AACB1}" type="datetimeFigureOut">
               <a:rPr lang="en-US" smtClean="0"/>
-              <a:t>3/30/21</a:t>
+              <a:t>4/5/21</a:t>
             </a:fld>
             <a:endParaRPr lang="en-US" dirty="0"/>
           </a:p>
@@ -14037,7 +13808,7 @@
           <a:p>
             <a:fld id="{4509A250-FF31-4206-8172-F9D3106AACB1}" type="datetimeFigureOut">
               <a:rPr lang="en-US" smtClean="0"/>
-              <a:t>3/30/21</a:t>
+              <a:t>4/5/21</a:t>
             </a:fld>
             <a:endParaRPr lang="en-US" dirty="0"/>
           </a:p>
@@ -14283,7 +14054,7 @@
           <a:p>
             <a:fld id="{9796027F-7875-4030-9381-8BD8C4F21935}" type="datetimeFigureOut">
               <a:rPr lang="en-US" smtClean="0"/>
-              <a:t>3/30/21</a:t>
+              <a:t>4/5/21</a:t>
             </a:fld>
             <a:endParaRPr lang="en-US" dirty="0"/>
           </a:p>
@@ -14515,7 +14286,7 @@
           <a:p>
             <a:fld id="{9796027F-7875-4030-9381-8BD8C4F21935}" type="datetimeFigureOut">
               <a:rPr lang="en-US" smtClean="0"/>
-              <a:t>3/30/21</a:t>
+              <a:t>4/5/21</a:t>
             </a:fld>
             <a:endParaRPr lang="en-US" dirty="0"/>
           </a:p>
@@ -14882,7 +14653,7 @@
           <a:p>
             <a:fld id="{9796027F-7875-4030-9381-8BD8C4F21935}" type="datetimeFigureOut">
               <a:rPr lang="en-US" smtClean="0"/>
-              <a:t>3/30/21</a:t>
+              <a:t>4/5/21</a:t>
             </a:fld>
             <a:endParaRPr lang="en-US" dirty="0"/>
           </a:p>
@@ -15000,7 +14771,7 @@
           <a:p>
             <a:fld id="{4509A250-FF31-4206-8172-F9D3106AACB1}" type="datetimeFigureOut">
               <a:rPr lang="en-US" smtClean="0"/>
-              <a:t>3/30/21</a:t>
+              <a:t>4/5/21</a:t>
             </a:fld>
             <a:endParaRPr lang="en-US" dirty="0"/>
           </a:p>
@@ -15095,7 +14866,7 @@
           <a:p>
             <a:fld id="{4509A250-FF31-4206-8172-F9D3106AACB1}" type="datetimeFigureOut">
               <a:rPr lang="en-US" smtClean="0"/>
-              <a:t>3/30/21</a:t>
+              <a:t>4/5/21</a:t>
             </a:fld>
             <a:endParaRPr lang="en-US" dirty="0"/>
           </a:p>
@@ -15372,7 +15143,7 @@
           <a:p>
             <a:fld id="{4509A250-FF31-4206-8172-F9D3106AACB1}" type="datetimeFigureOut">
               <a:rPr lang="en-US" smtClean="0"/>
-              <a:t>3/30/21</a:t>
+              <a:t>4/5/21</a:t>
             </a:fld>
             <a:endParaRPr lang="en-US" dirty="0"/>
           </a:p>
@@ -15629,7 +15400,7 @@
           <a:p>
             <a:fld id="{4509A250-FF31-4206-8172-F9D3106AACB1}" type="datetimeFigureOut">
               <a:rPr lang="en-US" smtClean="0"/>
-              <a:t>3/30/21</a:t>
+              <a:t>4/5/21</a:t>
             </a:fld>
             <a:endParaRPr lang="en-US" dirty="0"/>
           </a:p>
@@ -15842,7 +15613,7 @@
           <a:p>
             <a:fld id="{4AAD347D-5ACD-4C99-B74B-A9C85AD731AF}" type="datetimeFigureOut">
               <a:rPr lang="en-US" smtClean="0"/>
-              <a:t>3/30/21</a:t>
+              <a:t>4/5/21</a:t>
             </a:fld>
             <a:endParaRPr lang="en-US" dirty="0"/>
           </a:p>
@@ -16825,7 +16596,7 @@
               <a:rPr lang="en-US" altLang="en-US" dirty="0">
                 <a:latin typeface="Tahoma" panose="020B0604030504040204" pitchFamily="34" charset="0"/>
               </a:rPr>
-              <a:t> has completed digitizing the archives of The New York Times and books from Google Books, as of 2011 and digitized books that are too illegible to be scanned by computers in 2015.</a:t>
+              <a:t> has completed digitizing the archives of The New York Times and books from Google Books that are too illegible to be scanned by computers.</a:t>
             </a:r>
           </a:p>
           <a:p>
@@ -17031,6 +16802,51 @@
                                               <p:pRg st="2" end="2"/>
                                             </p:txEl>
                                           </p:spTgt>
+                                        </p:tgtEl>
+                                        <p:attrNameLst>
+                                          <p:attrName>style.visibility</p:attrName>
+                                        </p:attrNameLst>
+                                      </p:cBhvr>
+                                      <p:to>
+                                        <p:strVal val="visible"/>
+                                      </p:to>
+                                    </p:set>
+                                  </p:childTnLst>
+                                </p:cTn>
+                              </p:par>
+                            </p:childTnLst>
+                          </p:cTn>
+                        </p:par>
+                      </p:childTnLst>
+                    </p:cTn>
+                  </p:par>
+                  <p:par>
+                    <p:cTn id="15" fill="hold">
+                      <p:stCondLst>
+                        <p:cond delay="indefinite"/>
+                      </p:stCondLst>
+                      <p:childTnLst>
+                        <p:par>
+                          <p:cTn id="16" fill="hold">
+                            <p:stCondLst>
+                              <p:cond delay="0"/>
+                            </p:stCondLst>
+                            <p:childTnLst>
+                              <p:par>
+                                <p:cTn id="17" presetID="1" presetClass="entr" presetSubtype="0" fill="hold" nodeType="clickEffect">
+                                  <p:stCondLst>
+                                    <p:cond delay="0"/>
+                                  </p:stCondLst>
+                                  <p:childTnLst>
+                                    <p:set>
+                                      <p:cBhvr>
+                                        <p:cTn id="18" dur="1" fill="hold">
+                                          <p:stCondLst>
+                                            <p:cond delay="0"/>
+                                          </p:stCondLst>
+                                        </p:cTn>
+                                        <p:tgtEl>
+                                          <p:spTgt spid="1026"/>
                                         </p:tgtEl>
                                         <p:attrNameLst>
                                           <p:attrName>style.visibility</p:attrName>
@@ -18854,11 +18670,7 @@
                                           </p:stCondLst>
                                         </p:cTn>
                                         <p:tgtEl>
-                                          <p:spTgt spid="16386">
-                                            <p:txEl>
-                                              <p:pRg st="5" end="5"/>
-                                            </p:txEl>
-                                          </p:spTgt>
+                                          <p:spTgt spid="26627"/>
                                         </p:tgtEl>
                                         <p:attrNameLst>
                                           <p:attrName>style.visibility</p:attrName>
@@ -18905,9 +18717,148 @@
                                         <p:tgtEl>
                                           <p:spTgt spid="16386">
                                             <p:txEl>
+                                              <p:pRg st="5" end="5"/>
+                                            </p:txEl>
+                                          </p:spTgt>
+                                        </p:tgtEl>
+                                        <p:attrNameLst>
+                                          <p:attrName>style.visibility</p:attrName>
+                                        </p:attrNameLst>
+                                      </p:cBhvr>
+                                      <p:to>
+                                        <p:strVal val="visible"/>
+                                      </p:to>
+                                    </p:set>
+                                  </p:childTnLst>
+                                </p:cTn>
+                              </p:par>
+                            </p:childTnLst>
+                          </p:cTn>
+                        </p:par>
+                      </p:childTnLst>
+                    </p:cTn>
+                  </p:par>
+                  <p:par>
+                    <p:cTn id="19" fill="hold">
+                      <p:stCondLst>
+                        <p:cond delay="indefinite"/>
+                      </p:stCondLst>
+                      <p:childTnLst>
+                        <p:par>
+                          <p:cTn id="20" fill="hold">
+                            <p:stCondLst>
+                              <p:cond delay="0"/>
+                            </p:stCondLst>
+                            <p:childTnLst>
+                              <p:par>
+                                <p:cTn id="21" presetID="1" presetClass="entr" presetSubtype="0" fill="hold" nodeType="clickEffect">
+                                  <p:stCondLst>
+                                    <p:cond delay="0"/>
+                                  </p:stCondLst>
+                                  <p:childTnLst>
+                                    <p:set>
+                                      <p:cBhvr>
+                                        <p:cTn id="22" dur="1" fill="hold">
+                                          <p:stCondLst>
+                                            <p:cond delay="0"/>
+                                          </p:stCondLst>
+                                        </p:cTn>
+                                        <p:tgtEl>
+                                          <p:spTgt spid="16386">
+                                            <p:txEl>
                                               <p:pRg st="7" end="7"/>
                                             </p:txEl>
                                           </p:spTgt>
+                                        </p:tgtEl>
+                                        <p:attrNameLst>
+                                          <p:attrName>style.visibility</p:attrName>
+                                        </p:attrNameLst>
+                                      </p:cBhvr>
+                                      <p:to>
+                                        <p:strVal val="visible"/>
+                                      </p:to>
+                                    </p:set>
+                                  </p:childTnLst>
+                                </p:cTn>
+                              </p:par>
+                            </p:childTnLst>
+                          </p:cTn>
+                        </p:par>
+                      </p:childTnLst>
+                    </p:cTn>
+                  </p:par>
+                  <p:par>
+                    <p:cTn id="23" fill="hold">
+                      <p:stCondLst>
+                        <p:cond delay="indefinite"/>
+                      </p:stCondLst>
+                      <p:childTnLst>
+                        <p:par>
+                          <p:cTn id="24" fill="hold">
+                            <p:stCondLst>
+                              <p:cond delay="0"/>
+                            </p:stCondLst>
+                            <p:childTnLst>
+                              <p:par>
+                                <p:cTn id="25" presetID="1" presetClass="entr" presetSubtype="0" fill="hold" nodeType="clickEffect">
+                                  <p:stCondLst>
+                                    <p:cond delay="0"/>
+                                  </p:stCondLst>
+                                  <p:childTnLst>
+                                    <p:set>
+                                      <p:cBhvr>
+                                        <p:cTn id="26" dur="1" fill="hold">
+                                          <p:stCondLst>
+                                            <p:cond delay="0"/>
+                                          </p:stCondLst>
+                                        </p:cTn>
+                                        <p:tgtEl>
+                                          <p:spTgt spid="26629"/>
+                                        </p:tgtEl>
+                                        <p:attrNameLst>
+                                          <p:attrName>style.visibility</p:attrName>
+                                        </p:attrNameLst>
+                                      </p:cBhvr>
+                                      <p:to>
+                                        <p:strVal val="visible"/>
+                                      </p:to>
+                                    </p:set>
+                                  </p:childTnLst>
+                                </p:cTn>
+                              </p:par>
+                            </p:childTnLst>
+                          </p:cTn>
+                        </p:par>
+                      </p:childTnLst>
+                    </p:cTn>
+                  </p:par>
+                  <p:par>
+                    <p:cTn id="27" fill="hold">
+                      <p:stCondLst>
+                        <p:cond delay="indefinite"/>
+                      </p:stCondLst>
+                      <p:childTnLst>
+                        <p:par>
+                          <p:cTn id="28" fill="hold">
+                            <p:stCondLst>
+                              <p:cond delay="0"/>
+                            </p:stCondLst>
+                            <p:childTnLst>
+                              <p:par>
+                                <p:cTn id="29" presetID="1" presetClass="entr" presetSubtype="0" fill="hold" grpId="0" nodeType="clickEffect">
+                                  <p:stCondLst>
+                                    <p:cond delay="0"/>
+                                  </p:stCondLst>
+                                  <p:childTnLst>
+                                    <p:set>
+                                      <p:cBhvr>
+                                        <p:cTn id="30" dur="1" fill="hold">
+                                          <p:stCondLst>
+                                            <p:cond delay="0"/>
+                                          </p:stCondLst>
+                                        </p:cTn>
+                                        <p:tgtEl>
+                                          <p:spTgt spid="26630"/>
                                         </p:tgtEl>
                                         <p:attrNameLst>
                                           <p:attrName>style.visibility</p:attrName>
@@ -18947,6 +18898,9 @@
         </p:cTn>
       </p:par>
     </p:tnLst>
+    <p:bldLst>
+      <p:bldP spid="26630" grpId="0"/>
+    </p:bldLst>
   </p:timing>
 </p:sld>
 </file>
@@ -20917,487 +20871,6 @@
       </p:grpSpPr>
       <p:sp>
         <p:nvSpPr>
-          <p:cNvPr id="34817" name="Rectangle 2">
-            <a:extLst>
-              <a:ext uri="{FF2B5EF4-FFF2-40B4-BE49-F238E27FC236}">
-                <a16:creationId xmlns:a16="http://schemas.microsoft.com/office/drawing/2014/main" id="{0DBE2AEE-399E-404E-BC68-4C2DA6AAC63B}"/>
-              </a:ext>
-            </a:extLst>
-          </p:cNvPr>
-          <p:cNvSpPr>
-            <a:spLocks noGrp="1" noChangeArrowheads="1"/>
-          </p:cNvSpPr>
-          <p:nvPr>
-            <p:ph type="title"/>
-          </p:nvPr>
-        </p:nvSpPr>
-        <p:spPr>
-          <a:xfrm>
-            <a:off x="71919" y="0"/>
-            <a:ext cx="7938071" cy="786137"/>
-          </a:xfrm>
-        </p:spPr>
-        <p:txBody>
-          <a:bodyPr/>
-          <a:lstStyle/>
-          <a:p>
-            <a:pPr eaLnBrk="1" hangingPunct="1"/>
-            <a:r>
-              <a:rPr lang="en-US" altLang="en-US" dirty="0">
-                <a:latin typeface="Tahoma" panose="020B0604030504040204" pitchFamily="34" charset="0"/>
-                <a:ea typeface="ＭＳ Ｐゴシック" panose="020B0600070205080204" pitchFamily="34" charset="-128"/>
-              </a:rPr>
-              <a:t>Proxy Server</a:t>
-            </a:r>
-          </a:p>
-        </p:txBody>
-      </p:sp>
-      <p:sp>
-        <p:nvSpPr>
-          <p:cNvPr id="16386" name="Rectangle 3">
-            <a:extLst>
-              <a:ext uri="{FF2B5EF4-FFF2-40B4-BE49-F238E27FC236}">
-                <a16:creationId xmlns:a16="http://schemas.microsoft.com/office/drawing/2014/main" id="{62F9A7B8-3A42-B54D-9D39-DC0EC3FB546A}"/>
-              </a:ext>
-            </a:extLst>
-          </p:cNvPr>
-          <p:cNvSpPr>
-            <a:spLocks noGrp="1" noChangeArrowheads="1"/>
-          </p:cNvSpPr>
-          <p:nvPr>
-            <p:ph type="body" idx="1"/>
-          </p:nvPr>
-        </p:nvSpPr>
-        <p:spPr>
-          <a:xfrm>
-            <a:off x="174661" y="698643"/>
-            <a:ext cx="8897420" cy="4821148"/>
-          </a:xfrm>
-        </p:spPr>
-        <p:txBody>
-          <a:bodyPr>
-            <a:normAutofit/>
-          </a:bodyPr>
-          <a:lstStyle/>
-          <a:p>
-            <a:pPr marL="0" indent="0" eaLnBrk="1" hangingPunct="1">
-              <a:buNone/>
-            </a:pPr>
-            <a:r>
-              <a:rPr lang="en-US" altLang="en-US" sz="1800" dirty="0">
-                <a:latin typeface="Tahoma" panose="020B0604030504040204" pitchFamily="34" charset="0"/>
-                <a:ea typeface="ＭＳ Ｐゴシック" panose="020B0600070205080204" pitchFamily="34" charset="-128"/>
-              </a:rPr>
-              <a:t>Anonymity in online interactions can be enabled through the use of online anonymity software and </a:t>
-            </a:r>
-            <a:r>
-              <a:rPr lang="en-US" altLang="en-US" sz="1800" b="1" dirty="0">
-                <a:latin typeface="Tahoma" panose="020B0604030504040204" pitchFamily="34" charset="0"/>
-                <a:ea typeface="ＭＳ Ｐゴシック" panose="020B0600070205080204" pitchFamily="34" charset="-128"/>
-              </a:rPr>
-              <a:t>proxy servers</a:t>
-            </a:r>
-            <a:r>
-              <a:rPr lang="en-US" altLang="en-US" sz="1800" dirty="0">
-                <a:latin typeface="Tahoma" panose="020B0604030504040204" pitchFamily="34" charset="0"/>
-                <a:ea typeface="ＭＳ Ｐゴシック" panose="020B0600070205080204" pitchFamily="34" charset="-128"/>
-              </a:rPr>
-              <a:t>.</a:t>
-            </a:r>
-          </a:p>
-          <a:p>
-            <a:pPr marL="0" indent="0" eaLnBrk="1" hangingPunct="1">
-              <a:buNone/>
-            </a:pPr>
-            <a:endParaRPr lang="en-US" altLang="en-US" sz="1800" dirty="0">
-              <a:latin typeface="Tahoma" panose="020B0604030504040204" pitchFamily="34" charset="0"/>
-              <a:ea typeface="ＭＳ Ｐゴシック" panose="020B0600070205080204" pitchFamily="34" charset="-128"/>
-            </a:endParaRPr>
-          </a:p>
-          <a:p>
-            <a:pPr marL="0" indent="0" eaLnBrk="1" hangingPunct="1">
-              <a:buNone/>
-            </a:pPr>
-            <a:r>
-              <a:rPr lang="en-US" altLang="en-US" sz="1800" dirty="0">
-                <a:latin typeface="Tahoma" panose="020B0604030504040204" pitchFamily="34" charset="0"/>
-                <a:ea typeface="ＭＳ Ｐゴシック" panose="020B0600070205080204" pitchFamily="34" charset="-128"/>
-              </a:rPr>
-              <a:t>The idea behind proxy servers is similar to that behind NAT(Network Address Translation) and private IP addresses. </a:t>
-            </a:r>
-          </a:p>
-          <a:p>
-            <a:pPr marL="0" indent="0" eaLnBrk="1" hangingPunct="1">
-              <a:buNone/>
-            </a:pPr>
-            <a:endParaRPr lang="en-US" altLang="en-US" sz="1800" dirty="0">
-              <a:latin typeface="Tahoma" panose="020B0604030504040204" pitchFamily="34" charset="0"/>
-              <a:ea typeface="ＭＳ Ｐゴシック" panose="020B0600070205080204" pitchFamily="34" charset="-128"/>
-            </a:endParaRPr>
-          </a:p>
-          <a:p>
-            <a:pPr marL="0" indent="0" eaLnBrk="1" hangingPunct="1">
-              <a:buNone/>
-            </a:pPr>
-            <a:r>
-              <a:rPr lang="en-US" altLang="en-US" sz="1800" dirty="0">
-                <a:latin typeface="Tahoma" panose="020B0604030504040204" pitchFamily="34" charset="0"/>
-              </a:rPr>
-              <a:t>Remember, when you make a request from a private IP address, the server is tricked into thinking that the request actually came from another device, which is the router.</a:t>
-            </a:r>
-          </a:p>
-          <a:p>
-            <a:pPr marL="0" indent="0" eaLnBrk="1" hangingPunct="1">
-              <a:buNone/>
-            </a:pPr>
-            <a:endParaRPr lang="en-US" altLang="en-US" sz="1800" dirty="0">
-              <a:latin typeface="Tahoma" panose="020B0604030504040204" pitchFamily="34" charset="0"/>
-              <a:ea typeface="ＭＳ Ｐゴシック" panose="020B0600070205080204" pitchFamily="34" charset="-128"/>
-            </a:endParaRPr>
-          </a:p>
-          <a:p>
-            <a:pPr marL="0" indent="0" eaLnBrk="1" hangingPunct="1">
-              <a:buNone/>
-            </a:pPr>
-            <a:r>
-              <a:rPr lang="en-US" altLang="en-US" sz="1800" dirty="0">
-                <a:latin typeface="Tahoma" panose="020B0604030504040204" pitchFamily="34" charset="0"/>
-                <a:ea typeface="ＭＳ Ｐゴシック" panose="020B0600070205080204" pitchFamily="34" charset="-128"/>
-              </a:rPr>
-              <a:t>With a proxy server, you can essentially do the same thing: after connecting to a proxy, it can make requests to other web pages on your behalf and then forward you the responses.</a:t>
-            </a:r>
-          </a:p>
-          <a:p>
-            <a:pPr marL="0" indent="0" eaLnBrk="1" hangingPunct="1">
-              <a:buNone/>
-            </a:pPr>
-            <a:endParaRPr lang="en-US" altLang="en-US" sz="1800" dirty="0">
-              <a:latin typeface="Tahoma" panose="020B0604030504040204" pitchFamily="34" charset="0"/>
-              <a:ea typeface="ＭＳ Ｐゴシック" panose="020B0600070205080204" pitchFamily="34" charset="-128"/>
-            </a:endParaRPr>
-          </a:p>
-          <a:p>
-            <a:pPr marL="0" indent="0" eaLnBrk="1" hangingPunct="1">
-              <a:buNone/>
-            </a:pPr>
-            <a:r>
-              <a:rPr lang="en-US" altLang="en-US" sz="1800" dirty="0">
-                <a:latin typeface="Tahoma" panose="020B0604030504040204" pitchFamily="34" charset="0"/>
-                <a:ea typeface="ＭＳ Ｐゴシック" panose="020B0600070205080204" pitchFamily="34" charset="-128"/>
-              </a:rPr>
-              <a:t>That way, only the proxy knows what your IP address actually is, and the websites you're browsing only see the IP address of the proxy.</a:t>
-            </a:r>
-          </a:p>
-        </p:txBody>
-      </p:sp>
-    </p:spTree>
-    <p:extLst>
-      <p:ext uri="{BB962C8B-B14F-4D97-AF65-F5344CB8AC3E}">
-        <p14:creationId xmlns:p14="http://schemas.microsoft.com/office/powerpoint/2010/main" val="3316801220"/>
-      </p:ext>
-    </p:extLst>
-  </p:cSld>
-  <p:clrMapOvr>
-    <a:masterClrMapping/>
-  </p:clrMapOvr>
-  <p:transition/>
-  <p:timing>
-    <p:tnLst>
-      <p:par>
-        <p:cTn id="1" dur="indefinite" restart="never" nodeType="tmRoot">
-          <p:childTnLst>
-            <p:seq concurrent="1" nextAc="seek">
-              <p:cTn id="2" dur="indefinite" nodeType="mainSeq">
-                <p:childTnLst>
-                  <p:par>
-                    <p:cTn id="3" fill="hold" nodeType="clickPar">
-                      <p:stCondLst>
-                        <p:cond delay="indefinite"/>
-                      </p:stCondLst>
-                      <p:childTnLst>
-                        <p:par>
-                          <p:cTn id="4" fill="hold" nodeType="withGroup">
-                            <p:stCondLst>
-                              <p:cond delay="0"/>
-                            </p:stCondLst>
-                            <p:childTnLst>
-                              <p:par>
-                                <p:cTn id="5" presetID="1" presetClass="entr" presetSubtype="0" fill="hold" nodeType="clickEffect">
-                                  <p:stCondLst>
-                                    <p:cond delay="0"/>
-                                  </p:stCondLst>
-                                  <p:childTnLst>
-                                    <p:set>
-                                      <p:cBhvr>
-                                        <p:cTn id="6" dur="1" fill="hold">
-                                          <p:stCondLst>
-                                            <p:cond delay="0"/>
-                                          </p:stCondLst>
-                                        </p:cTn>
-                                        <p:tgtEl>
-                                          <p:spTgt spid="16386">
-                                            <p:txEl>
-                                              <p:pRg st="0" end="0"/>
-                                            </p:txEl>
-                                          </p:spTgt>
-                                        </p:tgtEl>
-                                        <p:attrNameLst>
-                                          <p:attrName>style.visibility</p:attrName>
-                                        </p:attrNameLst>
-                                      </p:cBhvr>
-                                      <p:to>
-                                        <p:strVal val="visible"/>
-                                      </p:to>
-                                    </p:set>
-                                  </p:childTnLst>
-                                </p:cTn>
-                              </p:par>
-                            </p:childTnLst>
-                          </p:cTn>
-                        </p:par>
-                      </p:childTnLst>
-                    </p:cTn>
-                  </p:par>
-                  <p:par>
-                    <p:cTn id="7" fill="hold">
-                      <p:stCondLst>
-                        <p:cond delay="indefinite"/>
-                      </p:stCondLst>
-                      <p:childTnLst>
-                        <p:par>
-                          <p:cTn id="8" fill="hold">
-                            <p:stCondLst>
-                              <p:cond delay="0"/>
-                            </p:stCondLst>
-                            <p:childTnLst>
-                              <p:par>
-                                <p:cTn id="9" presetID="1" presetClass="entr" presetSubtype="0" fill="hold" nodeType="clickEffect">
-                                  <p:stCondLst>
-                                    <p:cond delay="0"/>
-                                  </p:stCondLst>
-                                  <p:childTnLst>
-                                    <p:set>
-                                      <p:cBhvr>
-                                        <p:cTn id="10" dur="1" fill="hold">
-                                          <p:stCondLst>
-                                            <p:cond delay="0"/>
-                                          </p:stCondLst>
-                                        </p:cTn>
-                                        <p:tgtEl>
-                                          <p:spTgt spid="16386">
-                                            <p:txEl>
-                                              <p:pRg st="2" end="2"/>
-                                            </p:txEl>
-                                          </p:spTgt>
-                                        </p:tgtEl>
-                                        <p:attrNameLst>
-                                          <p:attrName>style.visibility</p:attrName>
-                                        </p:attrNameLst>
-                                      </p:cBhvr>
-                                      <p:to>
-                                        <p:strVal val="visible"/>
-                                      </p:to>
-                                    </p:set>
-                                  </p:childTnLst>
-                                </p:cTn>
-                              </p:par>
-                            </p:childTnLst>
-                          </p:cTn>
-                        </p:par>
-                      </p:childTnLst>
-                    </p:cTn>
-                  </p:par>
-                  <p:par>
-                    <p:cTn id="11" fill="hold">
-                      <p:stCondLst>
-                        <p:cond delay="indefinite"/>
-                      </p:stCondLst>
-                      <p:childTnLst>
-                        <p:par>
-                          <p:cTn id="12" fill="hold">
-                            <p:stCondLst>
-                              <p:cond delay="0"/>
-                            </p:stCondLst>
-                            <p:childTnLst>
-                              <p:par>
-                                <p:cTn id="13" presetID="1" presetClass="entr" presetSubtype="0" fill="hold" nodeType="clickEffect">
-                                  <p:stCondLst>
-                                    <p:cond delay="0"/>
-                                  </p:stCondLst>
-                                  <p:childTnLst>
-                                    <p:set>
-                                      <p:cBhvr>
-                                        <p:cTn id="14" dur="1" fill="hold">
-                                          <p:stCondLst>
-                                            <p:cond delay="0"/>
-                                          </p:stCondLst>
-                                        </p:cTn>
-                                        <p:tgtEl>
-                                          <p:spTgt spid="16386">
-                                            <p:txEl>
-                                              <p:pRg st="4" end="4"/>
-                                            </p:txEl>
-                                          </p:spTgt>
-                                        </p:tgtEl>
-                                        <p:attrNameLst>
-                                          <p:attrName>style.visibility</p:attrName>
-                                        </p:attrNameLst>
-                                      </p:cBhvr>
-                                      <p:to>
-                                        <p:strVal val="visible"/>
-                                      </p:to>
-                                    </p:set>
-                                  </p:childTnLst>
-                                </p:cTn>
-                              </p:par>
-                            </p:childTnLst>
-                          </p:cTn>
-                        </p:par>
-                      </p:childTnLst>
-                    </p:cTn>
-                  </p:par>
-                  <p:par>
-                    <p:cTn id="15" fill="hold" nodeType="clickPar">
-                      <p:stCondLst>
-                        <p:cond delay="indefinite"/>
-                      </p:stCondLst>
-                      <p:childTnLst>
-                        <p:par>
-                          <p:cTn id="16" fill="hold" nodeType="withGroup">
-                            <p:stCondLst>
-                              <p:cond delay="0"/>
-                            </p:stCondLst>
-                            <p:childTnLst>
-                              <p:par>
-                                <p:cTn id="17" presetID="1" presetClass="entr" presetSubtype="0" fill="hold" nodeType="clickEffect">
-                                  <p:stCondLst>
-                                    <p:cond delay="0"/>
-                                  </p:stCondLst>
-                                  <p:childTnLst>
-                                    <p:set>
-                                      <p:cBhvr>
-                                        <p:cTn id="18" dur="1" fill="hold">
-                                          <p:stCondLst>
-                                            <p:cond delay="0"/>
-                                          </p:stCondLst>
-                                        </p:cTn>
-                                        <p:tgtEl>
-                                          <p:spTgt spid="16386">
-                                            <p:txEl>
-                                              <p:pRg st="6" end="6"/>
-                                            </p:txEl>
-                                          </p:spTgt>
-                                        </p:tgtEl>
-                                        <p:attrNameLst>
-                                          <p:attrName>style.visibility</p:attrName>
-                                        </p:attrNameLst>
-                                      </p:cBhvr>
-                                      <p:to>
-                                        <p:strVal val="visible"/>
-                                      </p:to>
-                                    </p:set>
-                                  </p:childTnLst>
-                                </p:cTn>
-                              </p:par>
-                            </p:childTnLst>
-                          </p:cTn>
-                        </p:par>
-                      </p:childTnLst>
-                    </p:cTn>
-                  </p:par>
-                  <p:par>
-                    <p:cTn id="19" fill="hold">
-                      <p:stCondLst>
-                        <p:cond delay="indefinite"/>
-                      </p:stCondLst>
-                      <p:childTnLst>
-                        <p:par>
-                          <p:cTn id="20" fill="hold">
-                            <p:stCondLst>
-                              <p:cond delay="0"/>
-                            </p:stCondLst>
-                            <p:childTnLst>
-                              <p:par>
-                                <p:cTn id="21" presetID="1" presetClass="entr" presetSubtype="0" fill="hold" nodeType="clickEffect">
-                                  <p:stCondLst>
-                                    <p:cond delay="0"/>
-                                  </p:stCondLst>
-                                  <p:childTnLst>
-                                    <p:set>
-                                      <p:cBhvr>
-                                        <p:cTn id="22" dur="1" fill="hold">
-                                          <p:stCondLst>
-                                            <p:cond delay="0"/>
-                                          </p:stCondLst>
-                                        </p:cTn>
-                                        <p:tgtEl>
-                                          <p:spTgt spid="16386">
-                                            <p:txEl>
-                                              <p:pRg st="8" end="8"/>
-                                            </p:txEl>
-                                          </p:spTgt>
-                                        </p:tgtEl>
-                                        <p:attrNameLst>
-                                          <p:attrName>style.visibility</p:attrName>
-                                        </p:attrNameLst>
-                                      </p:cBhvr>
-                                      <p:to>
-                                        <p:strVal val="visible"/>
-                                      </p:to>
-                                    </p:set>
-                                  </p:childTnLst>
-                                </p:cTn>
-                              </p:par>
-                            </p:childTnLst>
-                          </p:cTn>
-                        </p:par>
-                      </p:childTnLst>
-                    </p:cTn>
-                  </p:par>
-                </p:childTnLst>
-              </p:cTn>
-              <p:prevCondLst>
-                <p:cond evt="onPrev" delay="0">
-                  <p:tgtEl>
-                    <p:sldTgt/>
-                  </p:tgtEl>
-                </p:cond>
-              </p:prevCondLst>
-              <p:nextCondLst>
-                <p:cond evt="onNext" delay="0">
-                  <p:tgtEl>
-                    <p:sldTgt/>
-                  </p:tgtEl>
-                </p:cond>
-              </p:nextCondLst>
-            </p:seq>
-          </p:childTnLst>
-        </p:cTn>
-      </p:par>
-    </p:tnLst>
-  </p:timing>
-</p:sld>
-</file>
-
-<file path=ppt/slides/slide18.xml><?xml version="1.0" encoding="utf-8"?>
-<p:sld xmlns:a="http://schemas.openxmlformats.org/drawingml/2006/main" xmlns:r="http://schemas.openxmlformats.org/officeDocument/2006/relationships" xmlns:p="http://schemas.openxmlformats.org/presentationml/2006/main">
-  <p:cSld>
-    <p:spTree>
-      <p:nvGrpSpPr>
-        <p:cNvPr id="1" name=""/>
-        <p:cNvGrpSpPr/>
-        <p:nvPr/>
-      </p:nvGrpSpPr>
-      <p:grpSpPr>
-        <a:xfrm>
-          <a:off x="0" y="0"/>
-          <a:ext cx="0" cy="0"/>
-          <a:chOff x="0" y="0"/>
-          <a:chExt cx="0" cy="0"/>
-        </a:xfrm>
-      </p:grpSpPr>
-      <p:sp>
-        <p:nvSpPr>
           <p:cNvPr id="16385" name="Rectangle 2">
             <a:extLst>
               <a:ext uri="{FF2B5EF4-FFF2-40B4-BE49-F238E27FC236}">
@@ -21575,13 +21048,13 @@
               <a:rPr lang="en-US" altLang="en-US" sz="1500" b="1" dirty="0">
                 <a:latin typeface="Tahoma" panose="020B0604030504040204" pitchFamily="34" charset="0"/>
               </a:rPr>
-              <a:t>Denial of Service(DoS)</a:t>
+              <a:t>Distributed Denial of Service(DDoS)</a:t>
             </a:r>
             <a:r>
               <a:rPr lang="en-US" altLang="en-US" sz="1500" dirty="0">
                 <a:latin typeface="Tahoma" panose="020B0604030504040204" pitchFamily="34" charset="0"/>
               </a:rPr>
-              <a:t> attacks: Hackers overload a server with fake requests rendering the server slow or </a:t>
+              <a:t> attacks: Hackers overload a server with fake requests/traffic using compromised computers to render the server slow or </a:t>
             </a:r>
             <a:r>
               <a:rPr lang="en-US" altLang="en-US" sz="1500" dirty="0" err="1">
@@ -21910,6 +21383,466 @@
 </p:sld>
 </file>
 
+<file path=ppt/slides/slide18.xml><?xml version="1.0" encoding="utf-8"?>
+<p:sld xmlns:a="http://schemas.openxmlformats.org/drawingml/2006/main" xmlns:r="http://schemas.openxmlformats.org/officeDocument/2006/relationships" xmlns:p="http://schemas.openxmlformats.org/presentationml/2006/main">
+  <p:cSld>
+    <p:spTree>
+      <p:nvGrpSpPr>
+        <p:cNvPr id="1" name=""/>
+        <p:cNvGrpSpPr/>
+        <p:nvPr/>
+      </p:nvGrpSpPr>
+      <p:grpSpPr>
+        <a:xfrm>
+          <a:off x="0" y="0"/>
+          <a:ext cx="0" cy="0"/>
+          <a:chOff x="0" y="0"/>
+          <a:chExt cx="0" cy="0"/>
+        </a:xfrm>
+      </p:grpSpPr>
+      <p:sp>
+        <p:nvSpPr>
+          <p:cNvPr id="49153" name="Rectangle 2">
+            <a:extLst>
+              <a:ext uri="{FF2B5EF4-FFF2-40B4-BE49-F238E27FC236}">
+                <a16:creationId xmlns:a16="http://schemas.microsoft.com/office/drawing/2014/main" id="{E509825C-AE08-2A49-9ED7-6F6BA260A8C1}"/>
+              </a:ext>
+            </a:extLst>
+          </p:cNvPr>
+          <p:cNvSpPr>
+            <a:spLocks noGrp="1" noChangeArrowheads="1"/>
+          </p:cNvSpPr>
+          <p:nvPr>
+            <p:ph type="title"/>
+          </p:nvPr>
+        </p:nvSpPr>
+        <p:spPr>
+          <a:xfrm>
+            <a:off x="0" y="127000"/>
+            <a:ext cx="8053013" cy="751189"/>
+          </a:xfrm>
+        </p:spPr>
+        <p:txBody>
+          <a:bodyPr/>
+          <a:lstStyle/>
+          <a:p>
+            <a:pPr eaLnBrk="1" hangingPunct="1"/>
+            <a:r>
+              <a:rPr lang="en-US" altLang="en-US" dirty="0">
+                <a:latin typeface="Tahoma" panose="020B0604030504040204" pitchFamily="34" charset="0"/>
+                <a:ea typeface="ＭＳ Ｐゴシック" panose="020B0600070205080204" pitchFamily="34" charset="-128"/>
+              </a:rPr>
+              <a:t>How Hackers Hack</a:t>
+            </a:r>
+          </a:p>
+        </p:txBody>
+      </p:sp>
+      <p:sp>
+        <p:nvSpPr>
+          <p:cNvPr id="16386" name="Rectangle 3">
+            <a:extLst>
+              <a:ext uri="{FF2B5EF4-FFF2-40B4-BE49-F238E27FC236}">
+                <a16:creationId xmlns:a16="http://schemas.microsoft.com/office/drawing/2014/main" id="{9A30423C-6B4C-234F-9526-1365818F2724}"/>
+              </a:ext>
+            </a:extLst>
+          </p:cNvPr>
+          <p:cNvSpPr>
+            <a:spLocks noGrp="1" noChangeArrowheads="1"/>
+          </p:cNvSpPr>
+          <p:nvPr>
+            <p:ph type="body" idx="1"/>
+          </p:nvPr>
+        </p:nvSpPr>
+        <p:spPr>
+          <a:xfrm>
+            <a:off x="201478" y="878189"/>
+            <a:ext cx="8654846" cy="4709811"/>
+          </a:xfrm>
+        </p:spPr>
+        <p:txBody>
+          <a:bodyPr/>
+          <a:lstStyle/>
+          <a:p>
+            <a:pPr marL="0" indent="0" eaLnBrk="1" hangingPunct="1">
+              <a:buNone/>
+            </a:pPr>
+            <a:r>
+              <a:rPr lang="en-US" altLang="en-US" sz="2000" dirty="0">
+                <a:latin typeface="Tahoma" panose="020B0604030504040204" pitchFamily="34" charset="0"/>
+                <a:ea typeface="ＭＳ Ｐゴシック" panose="020B0600070205080204" pitchFamily="34" charset="-128"/>
+              </a:rPr>
+              <a:t>most common way hackers get into a computer system isn’t by hacking; it’s by tricking people into letting them in. </a:t>
+            </a:r>
+            <a:r>
+              <a:rPr lang="en-US" altLang="en-US" sz="2000" b="1" dirty="0">
+                <a:latin typeface="Tahoma" panose="020B0604030504040204" pitchFamily="34" charset="0"/>
+                <a:ea typeface="ＭＳ Ｐゴシック" panose="020B0600070205080204" pitchFamily="34" charset="-128"/>
+              </a:rPr>
+              <a:t>social engineering</a:t>
+            </a:r>
+            <a:r>
+              <a:rPr lang="en-US" altLang="en-US" sz="2000" dirty="0">
+                <a:latin typeface="Tahoma" panose="020B0604030504040204" pitchFamily="34" charset="0"/>
+                <a:ea typeface="ＭＳ Ｐゴシック" panose="020B0600070205080204" pitchFamily="34" charset="-128"/>
+              </a:rPr>
+              <a:t>: a person is tricked into revealing confidential information.</a:t>
+            </a:r>
+          </a:p>
+          <a:p>
+            <a:pPr marL="0" indent="0" eaLnBrk="1" hangingPunct="1">
+              <a:buNone/>
+            </a:pPr>
+            <a:endParaRPr lang="en-US" altLang="en-US" sz="2000" dirty="0">
+              <a:latin typeface="Tahoma" panose="020B0604030504040204" pitchFamily="34" charset="0"/>
+              <a:ea typeface="ＭＳ Ｐゴシック" panose="020B0600070205080204" pitchFamily="34" charset="-128"/>
+            </a:endParaRPr>
+          </a:p>
+          <a:p>
+            <a:pPr marL="0" indent="0">
+              <a:buNone/>
+            </a:pPr>
+            <a:r>
+              <a:rPr lang="en-US" altLang="en-US" sz="1667" b="1" dirty="0">
+                <a:latin typeface="Tahoma" panose="020B0604030504040204" pitchFamily="34" charset="0"/>
+                <a:ea typeface="ＭＳ Ｐゴシック" panose="020B0600070205080204" pitchFamily="34" charset="-128"/>
+              </a:rPr>
+              <a:t>Phishing</a:t>
+            </a:r>
+            <a:r>
+              <a:rPr lang="en-US" altLang="en-US" sz="1667" dirty="0">
+                <a:latin typeface="Tahoma" panose="020B0604030504040204" pitchFamily="34" charset="0"/>
+                <a:ea typeface="ＭＳ Ｐゴシック" panose="020B0600070205080204" pitchFamily="34" charset="-128"/>
+              </a:rPr>
+              <a:t> attacks: a hacker impersonate either a legitimate person or a corporation through an email that asks the user to take an action that would give the phisher an access point to critical data or information.</a:t>
+            </a:r>
+          </a:p>
+          <a:p>
+            <a:pPr lvl="1"/>
+            <a:r>
+              <a:rPr lang="en-US" altLang="en-US" sz="1700" dirty="0">
+                <a:latin typeface="Tahoma" panose="020B0604030504040204" pitchFamily="34" charset="0"/>
+              </a:rPr>
+              <a:t>Phisher spoofs the logo or website of a well-known corporation or individual so their email request appears legitimate.</a:t>
+            </a:r>
+          </a:p>
+          <a:p>
+            <a:pPr lvl="1"/>
+            <a:r>
+              <a:rPr lang="en-US" altLang="en-US" sz="1700" dirty="0">
+                <a:latin typeface="Tahoma" panose="020B0604030504040204" pitchFamily="34" charset="0"/>
+                <a:ea typeface="ＭＳ Ｐゴシック" panose="020B0600070205080204" pitchFamily="34" charset="-128"/>
+              </a:rPr>
+              <a:t>Contact HR department, posing as a trusted source, to get info(W2, SS#, etc..)</a:t>
+            </a:r>
+            <a:endParaRPr lang="en-US" altLang="en-US" sz="2000" dirty="0">
+              <a:latin typeface="Tahoma" panose="020B0604030504040204" pitchFamily="34" charset="0"/>
+              <a:ea typeface="ＭＳ Ｐゴシック" panose="020B0600070205080204" pitchFamily="34" charset="-128"/>
+            </a:endParaRPr>
+          </a:p>
+          <a:p>
+            <a:pPr lvl="1" eaLnBrk="1" hangingPunct="1"/>
+            <a:r>
+              <a:rPr lang="en-US" altLang="en-US" sz="1667" dirty="0">
+                <a:latin typeface="Tahoma" panose="020B0604030504040204" pitchFamily="34" charset="0"/>
+              </a:rPr>
+              <a:t>example: an email from Bank of America asking to reset the password by clicking on a link to a Bank of America clone site. Login credentials is compromised if account holders attempt to log </a:t>
+            </a:r>
+            <a:r>
+              <a:rPr lang="en-US" altLang="en-US" sz="1667" dirty="0" err="1">
+                <a:latin typeface="Tahoma" panose="020B0604030504040204" pitchFamily="34" charset="0"/>
+              </a:rPr>
+              <a:t>on.even</a:t>
+            </a:r>
+            <a:r>
+              <a:rPr lang="en-US" altLang="en-US" sz="1667" dirty="0">
+                <a:latin typeface="Tahoma" panose="020B0604030504040204" pitchFamily="34" charset="0"/>
+              </a:rPr>
+              <a:t> if less than 1% of success rate, a million phishing emails can possibly yield thousands of accounts. </a:t>
+            </a:r>
+          </a:p>
+          <a:p>
+            <a:pPr lvl="1" eaLnBrk="1" hangingPunct="1"/>
+            <a:endParaRPr lang="en-US" altLang="en-US" sz="1667" dirty="0">
+              <a:latin typeface="Tahoma" panose="020B0604030504040204" pitchFamily="34" charset="0"/>
+            </a:endParaRPr>
+          </a:p>
+          <a:p>
+            <a:pPr lvl="1" eaLnBrk="1" hangingPunct="1"/>
+            <a:endParaRPr lang="en-US" altLang="en-US" sz="1667" dirty="0">
+              <a:latin typeface="Tahoma" panose="020B0604030504040204" pitchFamily="34" charset="0"/>
+            </a:endParaRPr>
+          </a:p>
+          <a:p>
+            <a:pPr eaLnBrk="1" hangingPunct="1">
+              <a:buFontTx/>
+              <a:buNone/>
+            </a:pPr>
+            <a:endParaRPr lang="en-US" altLang="en-US" sz="2000" dirty="0">
+              <a:latin typeface="Tahoma" panose="020B0604030504040204" pitchFamily="34" charset="0"/>
+              <a:ea typeface="ＭＳ Ｐゴシック" panose="020B0600070205080204" pitchFamily="34" charset="-128"/>
+            </a:endParaRPr>
+          </a:p>
+          <a:p>
+            <a:pPr eaLnBrk="1" hangingPunct="1">
+              <a:buFontTx/>
+              <a:buNone/>
+            </a:pPr>
+            <a:r>
+              <a:rPr lang="en-US" altLang="en-US" sz="2000" dirty="0">
+                <a:latin typeface="Tahoma" panose="020B0604030504040204" pitchFamily="34" charset="0"/>
+                <a:ea typeface="ＭＳ Ｐゴシック" panose="020B0600070205080204" pitchFamily="34" charset="-128"/>
+              </a:rPr>
+              <a:t> </a:t>
+            </a:r>
+          </a:p>
+          <a:p>
+            <a:pPr lvl="1" eaLnBrk="1" hangingPunct="1"/>
+            <a:endParaRPr lang="en-US" altLang="en-US" sz="1667" dirty="0">
+              <a:latin typeface="Tahoma" panose="020B0604030504040204" pitchFamily="34" charset="0"/>
+            </a:endParaRPr>
+          </a:p>
+        </p:txBody>
+      </p:sp>
+    </p:spTree>
+    <p:extLst>
+      <p:ext uri="{BB962C8B-B14F-4D97-AF65-F5344CB8AC3E}">
+        <p14:creationId xmlns:p14="http://schemas.microsoft.com/office/powerpoint/2010/main" val="3478205103"/>
+      </p:ext>
+    </p:extLst>
+  </p:cSld>
+  <p:clrMapOvr>
+    <a:masterClrMapping/>
+  </p:clrMapOvr>
+  <p:transition/>
+  <p:timing>
+    <p:tnLst>
+      <p:par>
+        <p:cTn id="1" dur="indefinite" restart="never" nodeType="tmRoot">
+          <p:childTnLst>
+            <p:seq concurrent="1" nextAc="seek">
+              <p:cTn id="2" dur="indefinite" nodeType="mainSeq">
+                <p:childTnLst>
+                  <p:par>
+                    <p:cTn id="3" fill="hold">
+                      <p:stCondLst>
+                        <p:cond delay="indefinite"/>
+                      </p:stCondLst>
+                      <p:childTnLst>
+                        <p:par>
+                          <p:cTn id="4" fill="hold">
+                            <p:stCondLst>
+                              <p:cond delay="0"/>
+                            </p:stCondLst>
+                            <p:childTnLst>
+                              <p:par>
+                                <p:cTn id="5" presetID="1" presetClass="entr" presetSubtype="0" fill="hold" nodeType="clickEffect">
+                                  <p:stCondLst>
+                                    <p:cond delay="0"/>
+                                  </p:stCondLst>
+                                  <p:childTnLst>
+                                    <p:set>
+                                      <p:cBhvr>
+                                        <p:cTn id="6" dur="1" fill="hold">
+                                          <p:stCondLst>
+                                            <p:cond delay="0"/>
+                                          </p:stCondLst>
+                                        </p:cTn>
+                                        <p:tgtEl>
+                                          <p:spTgt spid="16386">
+                                            <p:txEl>
+                                              <p:pRg st="2" end="2"/>
+                                            </p:txEl>
+                                          </p:spTgt>
+                                        </p:tgtEl>
+                                        <p:attrNameLst>
+                                          <p:attrName>style.visibility</p:attrName>
+                                        </p:attrNameLst>
+                                      </p:cBhvr>
+                                      <p:to>
+                                        <p:strVal val="visible"/>
+                                      </p:to>
+                                    </p:set>
+                                  </p:childTnLst>
+                                </p:cTn>
+                              </p:par>
+                            </p:childTnLst>
+                          </p:cTn>
+                        </p:par>
+                      </p:childTnLst>
+                    </p:cTn>
+                  </p:par>
+                  <p:par>
+                    <p:cTn id="7" fill="hold">
+                      <p:stCondLst>
+                        <p:cond delay="indefinite"/>
+                      </p:stCondLst>
+                      <p:childTnLst>
+                        <p:par>
+                          <p:cTn id="8" fill="hold">
+                            <p:stCondLst>
+                              <p:cond delay="0"/>
+                            </p:stCondLst>
+                            <p:childTnLst>
+                              <p:par>
+                                <p:cTn id="9" presetID="1" presetClass="entr" presetSubtype="0" fill="hold" nodeType="clickEffect">
+                                  <p:stCondLst>
+                                    <p:cond delay="0"/>
+                                  </p:stCondLst>
+                                  <p:childTnLst>
+                                    <p:set>
+                                      <p:cBhvr>
+                                        <p:cTn id="10" dur="1" fill="hold">
+                                          <p:stCondLst>
+                                            <p:cond delay="0"/>
+                                          </p:stCondLst>
+                                        </p:cTn>
+                                        <p:tgtEl>
+                                          <p:spTgt spid="16386">
+                                            <p:txEl>
+                                              <p:pRg st="3" end="3"/>
+                                            </p:txEl>
+                                          </p:spTgt>
+                                        </p:tgtEl>
+                                        <p:attrNameLst>
+                                          <p:attrName>style.visibility</p:attrName>
+                                        </p:attrNameLst>
+                                      </p:cBhvr>
+                                      <p:to>
+                                        <p:strVal val="visible"/>
+                                      </p:to>
+                                    </p:set>
+                                  </p:childTnLst>
+                                </p:cTn>
+                              </p:par>
+                            </p:childTnLst>
+                          </p:cTn>
+                        </p:par>
+                      </p:childTnLst>
+                    </p:cTn>
+                  </p:par>
+                  <p:par>
+                    <p:cTn id="11" fill="hold">
+                      <p:stCondLst>
+                        <p:cond delay="indefinite"/>
+                      </p:stCondLst>
+                      <p:childTnLst>
+                        <p:par>
+                          <p:cTn id="12" fill="hold">
+                            <p:stCondLst>
+                              <p:cond delay="0"/>
+                            </p:stCondLst>
+                            <p:childTnLst>
+                              <p:par>
+                                <p:cTn id="13" presetID="1" presetClass="entr" presetSubtype="0" fill="hold" nodeType="clickEffect">
+                                  <p:stCondLst>
+                                    <p:cond delay="0"/>
+                                  </p:stCondLst>
+                                  <p:childTnLst>
+                                    <p:set>
+                                      <p:cBhvr>
+                                        <p:cTn id="14" dur="1" fill="hold">
+                                          <p:stCondLst>
+                                            <p:cond delay="0"/>
+                                          </p:stCondLst>
+                                        </p:cTn>
+                                        <p:tgtEl>
+                                          <p:spTgt spid="16386">
+                                            <p:txEl>
+                                              <p:pRg st="4" end="4"/>
+                                            </p:txEl>
+                                          </p:spTgt>
+                                        </p:tgtEl>
+                                        <p:attrNameLst>
+                                          <p:attrName>style.visibility</p:attrName>
+                                        </p:attrNameLst>
+                                      </p:cBhvr>
+                                      <p:to>
+                                        <p:strVal val="visible"/>
+                                      </p:to>
+                                    </p:set>
+                                  </p:childTnLst>
+                                </p:cTn>
+                              </p:par>
+                            </p:childTnLst>
+                          </p:cTn>
+                        </p:par>
+                      </p:childTnLst>
+                    </p:cTn>
+                  </p:par>
+                  <p:par>
+                    <p:cTn id="15" fill="hold" nodeType="clickPar">
+                      <p:stCondLst>
+                        <p:cond delay="indefinite"/>
+                      </p:stCondLst>
+                      <p:childTnLst>
+                        <p:par>
+                          <p:cTn id="16" fill="hold" nodeType="withGroup">
+                            <p:stCondLst>
+                              <p:cond delay="0"/>
+                            </p:stCondLst>
+                            <p:childTnLst>
+                              <p:par>
+                                <p:cTn id="17" presetID="1" presetClass="entr" presetSubtype="0" fill="hold" nodeType="clickEffect">
+                                  <p:stCondLst>
+                                    <p:cond delay="0"/>
+                                  </p:stCondLst>
+                                  <p:childTnLst>
+                                    <p:set>
+                                      <p:cBhvr>
+                                        <p:cTn id="18" dur="1" fill="hold">
+                                          <p:stCondLst>
+                                            <p:cond delay="0"/>
+                                          </p:stCondLst>
+                                        </p:cTn>
+                                        <p:tgtEl>
+                                          <p:spTgt spid="16386">
+                                            <p:txEl>
+                                              <p:pRg st="5" end="5"/>
+                                            </p:txEl>
+                                          </p:spTgt>
+                                        </p:tgtEl>
+                                        <p:attrNameLst>
+                                          <p:attrName>style.visibility</p:attrName>
+                                        </p:attrNameLst>
+                                      </p:cBhvr>
+                                      <p:to>
+                                        <p:strVal val="visible"/>
+                                      </p:to>
+                                    </p:set>
+                                  </p:childTnLst>
+                                </p:cTn>
+                              </p:par>
+                            </p:childTnLst>
+                          </p:cTn>
+                        </p:par>
+                      </p:childTnLst>
+                    </p:cTn>
+                  </p:par>
+                </p:childTnLst>
+              </p:cTn>
+              <p:prevCondLst>
+                <p:cond evt="onPrev" delay="0">
+                  <p:tgtEl>
+                    <p:sldTgt/>
+                  </p:tgtEl>
+                </p:cond>
+              </p:prevCondLst>
+              <p:nextCondLst>
+                <p:cond evt="onNext" delay="0">
+                  <p:tgtEl>
+                    <p:sldTgt/>
+                  </p:tgtEl>
+                </p:cond>
+              </p:nextCondLst>
+            </p:seq>
+          </p:childTnLst>
+        </p:cTn>
+      </p:par>
+    </p:tnLst>
+  </p:timing>
+</p:sld>
+</file>
+
 <file path=ppt/slides/slide19.xml><?xml version="1.0" encoding="utf-8"?>
 <p:sld xmlns:a="http://schemas.openxmlformats.org/drawingml/2006/main" xmlns:r="http://schemas.openxmlformats.org/officeDocument/2006/relationships" xmlns:p="http://schemas.openxmlformats.org/presentationml/2006/main">
   <p:cSld>
@@ -21959,7 +21892,7 @@
                 <a:latin typeface="Tahoma" panose="020B0604030504040204" pitchFamily="34" charset="0"/>
                 <a:ea typeface="ＭＳ Ｐゴシック" panose="020B0600070205080204" pitchFamily="34" charset="-128"/>
               </a:rPr>
-              <a:t>Common Attacks</a:t>
+              <a:t>How Hackers Hack</a:t>
             </a:r>
           </a:p>
         </p:txBody>
@@ -21994,18 +21927,11 @@
               <a:buNone/>
             </a:pPr>
             <a:r>
-              <a:rPr lang="en-US" altLang="en-US" sz="1667" b="1" dirty="0">
-                <a:latin typeface="Tahoma" panose="020B0604030504040204" pitchFamily="34" charset="0"/>
-                <a:ea typeface="ＭＳ Ｐゴシック" panose="020B0600070205080204" pitchFamily="34" charset="-128"/>
-              </a:rPr>
-              <a:t>Phishing</a:t>
-            </a:r>
-            <a:r>
               <a:rPr lang="en-US" altLang="en-US" sz="1667" dirty="0">
                 <a:latin typeface="Tahoma" panose="020B0604030504040204" pitchFamily="34" charset="0"/>
                 <a:ea typeface="ＭＳ Ｐゴシック" panose="020B0600070205080204" pitchFamily="34" charset="-128"/>
               </a:rPr>
-              <a:t> attacks: a hacker impersonate either a legitimate person or a corporation through an email that asks the user to take an action that would give the phisher an access point to critical data or information.</a:t>
+              <a:t>To avoid a phishing attack:</a:t>
             </a:r>
           </a:p>
           <a:p>
@@ -22014,79 +21940,112 @@
               <a:rPr lang="en-US" altLang="en-US" sz="1700" dirty="0">
                 <a:latin typeface="Tahoma" panose="020B0604030504040204" pitchFamily="34" charset="0"/>
               </a:rPr>
-              <a:t>Phisher spoofs the logo or website of a well-known corporation or individual so their email request appears legitimate.</a:t>
+              <a:t>Pay attention to anything that may be slightly wrong with an email, including misspellings, strange syntax, or logos that have been slightly altered.</a:t>
             </a:r>
           </a:p>
           <a:p>
             <a:pPr lvl="1" eaLnBrk="1" hangingPunct="1"/>
-            <a:endParaRPr lang="en-US" altLang="en-US" sz="1700" dirty="0">
+            <a:r>
+              <a:rPr lang="en-US" altLang="en-US" sz="1700" dirty="0">
+                <a:latin typeface="Tahoma" panose="020B0604030504040204" pitchFamily="34" charset="0"/>
+              </a:rPr>
+              <a:t>Never to click on a suspicious link within an email. For example, link to Bank of America to reset password.</a:t>
+            </a:r>
+            <a:endParaRPr lang="en-US" altLang="en-US" sz="1967" dirty="0">
               <a:latin typeface="Tahoma" panose="020B0604030504040204" pitchFamily="34" charset="0"/>
             </a:endParaRPr>
-          </a:p>
-          <a:p>
-            <a:pPr lvl="1"/>
-            <a:r>
-              <a:rPr lang="en-US" altLang="en-US" sz="1700" dirty="0">
-                <a:latin typeface="Tahoma" panose="020B0604030504040204" pitchFamily="34" charset="0"/>
-                <a:ea typeface="ＭＳ Ｐゴシック" panose="020B0600070205080204" pitchFamily="34" charset="-128"/>
-              </a:rPr>
-              <a:t>Contact HR department, posing as a trusted source, to get info(W2, SS#, etc..)</a:t>
-            </a:r>
-          </a:p>
-          <a:p>
-            <a:pPr marL="0" indent="0" eaLnBrk="1" hangingPunct="1">
-              <a:buNone/>
-            </a:pPr>
-            <a:r>
-              <a:rPr lang="en-US" altLang="en-US" sz="1667" dirty="0">
-                <a:latin typeface="Tahoma" panose="020B0604030504040204" pitchFamily="34" charset="0"/>
-                <a:ea typeface="ＭＳ Ｐゴシック" panose="020B0600070205080204" pitchFamily="34" charset="-128"/>
-              </a:rPr>
-              <a:t>To avoid a phishing attack:</a:t>
-            </a:r>
-          </a:p>
-          <a:p>
-            <a:pPr lvl="1" eaLnBrk="1" hangingPunct="1"/>
-            <a:r>
-              <a:rPr lang="en-US" altLang="en-US" sz="1700" dirty="0">
-                <a:latin typeface="Tahoma" panose="020B0604030504040204" pitchFamily="34" charset="0"/>
-              </a:rPr>
-              <a:t>Pay attention to anything that may be slightly wrong with an email, including misspellings, strange syntax, or logos that have been slightly altered.</a:t>
-            </a:r>
-          </a:p>
-          <a:p>
-            <a:pPr lvl="1" eaLnBrk="1" hangingPunct="1"/>
-            <a:r>
-              <a:rPr lang="en-US" altLang="en-US" sz="1700" dirty="0">
-                <a:latin typeface="Tahoma" panose="020B0604030504040204" pitchFamily="34" charset="0"/>
-              </a:rPr>
-              <a:t>Never to click on a link within an email. For example, if an employee is contacted by their bank and encouraged to reset a password, it’s best to go directly to the bank’s website.</a:t>
-            </a:r>
           </a:p>
           <a:p>
             <a:pPr marL="0" indent="0">
               <a:buNone/>
             </a:pPr>
-            <a:endParaRPr lang="en-US" altLang="en-US" sz="1967" b="1" dirty="0">
-              <a:latin typeface="Tahoma" panose="020B0604030504040204" pitchFamily="34" charset="0"/>
-            </a:endParaRPr>
+            <a:r>
+              <a:rPr lang="en-US" altLang="en-US" sz="1967" dirty="0">
+                <a:latin typeface="Tahoma" panose="020B0604030504040204" pitchFamily="34" charset="0"/>
+              </a:rPr>
+              <a:t>Data sent over public networks can be intercepted, analyzed, and modified. One way that this can happen is through a </a:t>
+            </a:r>
+            <a:r>
+              <a:rPr lang="en-US" altLang="en-US" sz="1967" b="1" dirty="0">
+                <a:latin typeface="Tahoma" panose="020B0604030504040204" pitchFamily="34" charset="0"/>
+              </a:rPr>
+              <a:t>rogue access point</a:t>
+            </a:r>
+            <a:r>
+              <a:rPr lang="en-US" altLang="en-US" sz="1967" dirty="0">
+                <a:latin typeface="Tahoma" panose="020B0604030504040204" pitchFamily="34" charset="0"/>
+              </a:rPr>
+              <a:t>: wireless access point that gives unauthorized access to secure networks. </a:t>
+            </a:r>
           </a:p>
           <a:p>
             <a:pPr marL="0" indent="0">
               <a:buNone/>
             </a:pPr>
-            <a:r>
-              <a:rPr lang="en-US" altLang="en-US" sz="1967" b="1" dirty="0">
-                <a:latin typeface="Tahoma" panose="020B0604030504040204" pitchFamily="34" charset="0"/>
-              </a:rPr>
-              <a:t>Keylogging</a:t>
-            </a:r>
+            <a:endParaRPr lang="en-US" altLang="en-US" sz="1967" dirty="0">
+              <a:latin typeface="Tahoma" panose="020B0604030504040204" pitchFamily="34" charset="0"/>
+            </a:endParaRPr>
+          </a:p>
+          <a:p>
+            <a:pPr marL="0" indent="0">
+              <a:buNone/>
+            </a:pPr>
             <a:r>
               <a:rPr lang="en-US" altLang="en-US" sz="1967" dirty="0">
                 <a:latin typeface="Tahoma" panose="020B0604030504040204" pitchFamily="34" charset="0"/>
               </a:rPr>
-              <a:t> is the use of a program to record every keystroke made by a computer user in order to gain fraudulent access to passwords and other confidential information. </a:t>
-            </a:r>
+              <a:t>Through the use of a rogue access point, keylogging programs may be installed without permission</a:t>
+            </a:r>
+            <a:r>
+              <a:rPr lang="en-US" altLang="en-US" sz="1967">
+                <a:latin typeface="Tahoma" panose="020B0604030504040204" pitchFamily="34" charset="0"/>
+              </a:rPr>
+              <a:t>. </a:t>
+            </a:r>
+            <a:r>
+              <a:rPr lang="en-US" altLang="en-US" sz="1967" b="1">
+                <a:latin typeface="Tahoma" panose="020B0604030504040204" pitchFamily="34" charset="0"/>
+              </a:rPr>
+              <a:t>Keylogging</a:t>
+            </a:r>
+            <a:r>
+              <a:rPr lang="en-US" altLang="en-US" sz="1967">
+                <a:latin typeface="Tahoma" panose="020B0604030504040204" pitchFamily="34" charset="0"/>
+              </a:rPr>
+              <a:t> </a:t>
+            </a:r>
+            <a:r>
+              <a:rPr lang="en-US" altLang="en-US" sz="1967" dirty="0">
+                <a:latin typeface="Tahoma" panose="020B0604030504040204" pitchFamily="34" charset="0"/>
+              </a:rPr>
+              <a:t>is the use of a program to record every keystroke made by a computer user in order to gain fraudulent access to passwords and other confidential information. </a:t>
+            </a:r>
+          </a:p>
+          <a:p>
+            <a:pPr marL="0" indent="0">
+              <a:buNone/>
+            </a:pPr>
+            <a:endParaRPr lang="en-US" altLang="en-US" sz="1967" dirty="0">
+              <a:latin typeface="Tahoma" panose="020B0604030504040204" pitchFamily="34" charset="0"/>
+            </a:endParaRPr>
+          </a:p>
+          <a:p>
+            <a:pPr marL="0" indent="0">
+              <a:buNone/>
+            </a:pPr>
+            <a:endParaRPr lang="en-US" altLang="en-US" sz="1967" dirty="0">
+              <a:latin typeface="Tahoma" panose="020B0604030504040204" pitchFamily="34" charset="0"/>
+            </a:endParaRPr>
+          </a:p>
+          <a:p>
+            <a:endParaRPr lang="en-US" altLang="en-US" sz="1967" dirty="0">
+              <a:latin typeface="Tahoma" panose="020B0604030504040204" pitchFamily="34" charset="0"/>
+            </a:endParaRPr>
+          </a:p>
+          <a:p>
+            <a:endParaRPr lang="en-US" altLang="en-US" sz="1967" dirty="0">
+              <a:latin typeface="Tahoma" panose="020B0604030504040204" pitchFamily="34" charset="0"/>
+            </a:endParaRPr>
           </a:p>
           <a:p>
             <a:pPr lvl="1" eaLnBrk="1" hangingPunct="1">
@@ -22153,6 +22112,9 @@
                     <p:cTn id="3" fill="hold" nodeType="clickPar">
                       <p:stCondLst>
                         <p:cond delay="indefinite"/>
+                        <p:cond evt="onBegin" delay="0">
+                          <p:tn val="2"/>
+                        </p:cond>
                       </p:stCondLst>
                       <p:childTnLst>
                         <p:par>
@@ -22162,7 +22124,7 @@
                             </p:stCondLst>
                             <p:childTnLst>
                               <p:par>
-                                <p:cTn id="5" presetID="1" presetClass="entr" presetSubtype="0" fill="hold" nodeType="clickEffect">
+                                <p:cTn id="5" presetID="1" presetClass="entr" presetSubtype="0" fill="hold" nodeType="withEffect">
                                   <p:stCondLst>
                                     <p:cond delay="0"/>
                                   </p:stCondLst>
@@ -22223,6 +22185,37 @@
                                   </p:childTnLst>
                                 </p:cTn>
                               </p:par>
+                              <p:par>
+                                <p:cTn id="9" presetID="1" presetClass="entr" presetSubtype="0" fill="hold" nodeType="withEffect">
+                                  <p:stCondLst>
+                                    <p:cond delay="0"/>
+                                  </p:stCondLst>
+                                  <p:childTnLst>
+                                    <p:set>
+                                      <p:cBhvr>
+                                        <p:cTn id="10" dur="1" fill="hold">
+                                          <p:stCondLst>
+                                            <p:cond delay="0"/>
+                                          </p:stCondLst>
+                                        </p:cTn>
+                                        <p:tgtEl>
+                                          <p:spTgt spid="16386">
+                                            <p:txEl>
+                                              <p:pRg st="2" end="2"/>
+                                            </p:txEl>
+                                          </p:spTgt>
+                                        </p:tgtEl>
+                                        <p:attrNameLst>
+                                          <p:attrName>style.visibility</p:attrName>
+                                        </p:attrNameLst>
+                                      </p:cBhvr>
+                                      <p:to>
+                                        <p:strVal val="visible"/>
+                                      </p:to>
+                                    </p:set>
+                                  </p:childTnLst>
+                                </p:cTn>
+                              </p:par>
                             </p:childTnLst>
                           </p:cTn>
                         </p:par>
@@ -22230,26 +22223,26 @@
                     </p:cTn>
                   </p:par>
                   <p:par>
-                    <p:cTn id="9" fill="hold" nodeType="clickPar">
+                    <p:cTn id="11" fill="hold">
                       <p:stCondLst>
                         <p:cond delay="indefinite"/>
                       </p:stCondLst>
                       <p:childTnLst>
                         <p:par>
-                          <p:cTn id="10" fill="hold" nodeType="withGroup">
+                          <p:cTn id="12" fill="hold">
                             <p:stCondLst>
                               <p:cond delay="0"/>
                             </p:stCondLst>
                             <p:childTnLst>
                               <p:par>
-                                <p:cTn id="11" presetID="1" presetClass="entr" presetSubtype="0" fill="hold" nodeType="clickEffect">
+                                <p:cTn id="13" presetID="1" presetClass="entr" presetSubtype="0" fill="hold" nodeType="clickEffect">
                                   <p:stCondLst>
                                     <p:cond delay="0"/>
                                   </p:stCondLst>
                                   <p:childTnLst>
                                     <p:set>
                                       <p:cBhvr>
-                                        <p:cTn id="12" dur="1" fill="hold">
+                                        <p:cTn id="14" dur="1" fill="hold">
                                           <p:stCondLst>
                                             <p:cond delay="0"/>
                                           </p:stCondLst>
@@ -22272,70 +22265,26 @@
                                   </p:childTnLst>
                                 </p:cTn>
                               </p:par>
+                            </p:childTnLst>
+                          </p:cTn>
+                        </p:par>
+                      </p:childTnLst>
+                    </p:cTn>
+                  </p:par>
+                  <p:par>
+                    <p:cTn id="15" fill="hold">
+                      <p:stCondLst>
+                        <p:cond delay="indefinite"/>
+                      </p:stCondLst>
+                      <p:childTnLst>
+                        <p:par>
+                          <p:cTn id="16" fill="hold">
+                            <p:stCondLst>
+                              <p:cond delay="0"/>
+                            </p:stCondLst>
+                            <p:childTnLst>
                               <p:par>
-                                <p:cTn id="13" presetID="1" presetClass="entr" presetSubtype="0" fill="hold" nodeType="withEffect">
-                                  <p:stCondLst>
-                                    <p:cond delay="0"/>
-                                  </p:stCondLst>
-                                  <p:childTnLst>
-                                    <p:set>
-                                      <p:cBhvr>
-                                        <p:cTn id="14" dur="1" fill="hold">
-                                          <p:stCondLst>
-                                            <p:cond delay="0"/>
-                                          </p:stCondLst>
-                                        </p:cTn>
-                                        <p:tgtEl>
-                                          <p:spTgt spid="16386">
-                                            <p:txEl>
-                                              <p:pRg st="4" end="4"/>
-                                            </p:txEl>
-                                          </p:spTgt>
-                                        </p:tgtEl>
-                                        <p:attrNameLst>
-                                          <p:attrName>style.visibility</p:attrName>
-                                        </p:attrNameLst>
-                                      </p:cBhvr>
-                                      <p:to>
-                                        <p:strVal val="visible"/>
-                                      </p:to>
-                                    </p:set>
-                                  </p:childTnLst>
-                                </p:cTn>
-                              </p:par>
-                              <p:par>
-                                <p:cTn id="15" presetID="1" presetClass="entr" presetSubtype="0" fill="hold" nodeType="withEffect">
-                                  <p:stCondLst>
-                                    <p:cond delay="0"/>
-                                  </p:stCondLst>
-                                  <p:childTnLst>
-                                    <p:set>
-                                      <p:cBhvr>
-                                        <p:cTn id="16" dur="1" fill="hold">
-                                          <p:stCondLst>
-                                            <p:cond delay="0"/>
-                                          </p:stCondLst>
-                                        </p:cTn>
-                                        <p:tgtEl>
-                                          <p:spTgt spid="16386">
-                                            <p:txEl>
-                                              <p:pRg st="5" end="5"/>
-                                            </p:txEl>
-                                          </p:spTgt>
-                                        </p:tgtEl>
-                                        <p:attrNameLst>
-                                          <p:attrName>style.visibility</p:attrName>
-                                        </p:attrNameLst>
-                                      </p:cBhvr>
-                                      <p:to>
-                                        <p:strVal val="visible"/>
-                                      </p:to>
-                                    </p:set>
-                                  </p:childTnLst>
-                                </p:cTn>
-                              </p:par>
-                              <p:par>
-                                <p:cTn id="17" presetID="1" presetClass="entr" presetSubtype="0" fill="hold" nodeType="withEffect">
+                                <p:cTn id="17" presetID="1" presetClass="entr" presetSubtype="0" fill="hold" nodeType="clickEffect">
                                   <p:stCondLst>
                                     <p:cond delay="0"/>
                                   </p:stCondLst>
@@ -22350,38 +22299,7 @@
                                         <p:tgtEl>
                                           <p:spTgt spid="16386">
                                             <p:txEl>
-                                              <p:pRg st="6" end="6"/>
-                                            </p:txEl>
-                                          </p:spTgt>
-                                        </p:tgtEl>
-                                        <p:attrNameLst>
-                                          <p:attrName>style.visibility</p:attrName>
-                                        </p:attrNameLst>
-                                      </p:cBhvr>
-                                      <p:to>
-                                        <p:strVal val="visible"/>
-                                      </p:to>
-                                    </p:set>
-                                  </p:childTnLst>
-                                </p:cTn>
-                              </p:par>
-                              <p:par>
-                                <p:cTn id="19" presetID="1" presetClass="entr" presetSubtype="0" fill="hold" nodeType="withEffect">
-                                  <p:stCondLst>
-                                    <p:cond delay="0"/>
-                                  </p:stCondLst>
-                                  <p:childTnLst>
-                                    <p:set>
-                                      <p:cBhvr>
-                                        <p:cTn id="20" dur="1" fill="hold">
-                                          <p:stCondLst>
-                                            <p:cond delay="0"/>
-                                          </p:stCondLst>
-                                        </p:cTn>
-                                        <p:tgtEl>
-                                          <p:spTgt spid="16386">
-                                            <p:txEl>
-                                              <p:pRg st="8" end="8"/>
+                                              <p:pRg st="5" end="5"/>
                                             </p:txEl>
                                           </p:spTgt>
                                         </p:tgtEl>
@@ -22632,6 +22550,183 @@
     <a:masterClrMapping/>
   </p:clrMapOvr>
   <p:transition/>
+  <p:timing>
+    <p:tnLst>
+      <p:par>
+        <p:cTn id="1" dur="indefinite" restart="never" nodeType="tmRoot">
+          <p:childTnLst>
+            <p:seq concurrent="1" nextAc="seek">
+              <p:cTn id="2" dur="indefinite" nodeType="mainSeq">
+                <p:childTnLst>
+                  <p:par>
+                    <p:cTn id="3" fill="hold">
+                      <p:stCondLst>
+                        <p:cond delay="indefinite"/>
+                      </p:stCondLst>
+                      <p:childTnLst>
+                        <p:par>
+                          <p:cTn id="4" fill="hold">
+                            <p:stCondLst>
+                              <p:cond delay="0"/>
+                            </p:stCondLst>
+                            <p:childTnLst>
+                              <p:par>
+                                <p:cTn id="5" presetID="1" presetClass="entr" presetSubtype="0" fill="hold" nodeType="clickEffect">
+                                  <p:stCondLst>
+                                    <p:cond delay="0"/>
+                                  </p:stCondLst>
+                                  <p:childTnLst>
+                                    <p:set>
+                                      <p:cBhvr>
+                                        <p:cTn id="6" dur="1" fill="hold">
+                                          <p:stCondLst>
+                                            <p:cond delay="0"/>
+                                          </p:stCondLst>
+                                        </p:cTn>
+                                        <p:tgtEl>
+                                          <p:spTgt spid="16386">
+                                            <p:txEl>
+                                              <p:pRg st="2" end="2"/>
+                                            </p:txEl>
+                                          </p:spTgt>
+                                        </p:tgtEl>
+                                        <p:attrNameLst>
+                                          <p:attrName>style.visibility</p:attrName>
+                                        </p:attrNameLst>
+                                      </p:cBhvr>
+                                      <p:to>
+                                        <p:strVal val="visible"/>
+                                      </p:to>
+                                    </p:set>
+                                  </p:childTnLst>
+                                </p:cTn>
+                              </p:par>
+                            </p:childTnLst>
+                          </p:cTn>
+                        </p:par>
+                      </p:childTnLst>
+                    </p:cTn>
+                  </p:par>
+                  <p:par>
+                    <p:cTn id="7" fill="hold">
+                      <p:stCondLst>
+                        <p:cond delay="indefinite"/>
+                      </p:stCondLst>
+                      <p:childTnLst>
+                        <p:par>
+                          <p:cTn id="8" fill="hold">
+                            <p:stCondLst>
+                              <p:cond delay="0"/>
+                            </p:stCondLst>
+                            <p:childTnLst>
+                              <p:par>
+                                <p:cTn id="9" presetID="1" presetClass="entr" presetSubtype="0" fill="hold" nodeType="clickEffect">
+                                  <p:stCondLst>
+                                    <p:cond delay="0"/>
+                                  </p:stCondLst>
+                                  <p:childTnLst>
+                                    <p:set>
+                                      <p:cBhvr>
+                                        <p:cTn id="10" dur="1" fill="hold">
+                                          <p:stCondLst>
+                                            <p:cond delay="0"/>
+                                          </p:stCondLst>
+                                        </p:cTn>
+                                        <p:tgtEl>
+                                          <p:spTgt spid="16386">
+                                            <p:txEl>
+                                              <p:pRg st="4" end="4"/>
+                                            </p:txEl>
+                                          </p:spTgt>
+                                        </p:tgtEl>
+                                        <p:attrNameLst>
+                                          <p:attrName>style.visibility</p:attrName>
+                                        </p:attrNameLst>
+                                      </p:cBhvr>
+                                      <p:to>
+                                        <p:strVal val="visible"/>
+                                      </p:to>
+                                    </p:set>
+                                  </p:childTnLst>
+                                </p:cTn>
+                              </p:par>
+                            </p:childTnLst>
+                          </p:cTn>
+                        </p:par>
+                      </p:childTnLst>
+                    </p:cTn>
+                  </p:par>
+                  <p:par>
+                    <p:cTn id="11" fill="hold">
+                      <p:stCondLst>
+                        <p:cond delay="indefinite"/>
+                      </p:stCondLst>
+                      <p:childTnLst>
+                        <p:par>
+                          <p:cTn id="12" fill="hold">
+                            <p:stCondLst>
+                              <p:cond delay="0"/>
+                            </p:stCondLst>
+                            <p:childTnLst>
+                              <p:par>
+                                <p:cTn id="13" presetID="1" presetClass="entr" presetSubtype="0" fill="hold" nodeType="clickEffect">
+                                  <p:stCondLst>
+                                    <p:cond delay="0"/>
+                                  </p:stCondLst>
+                                  <p:childTnLst>
+                                    <p:set>
+                                      <p:cBhvr>
+                                        <p:cTn id="14" dur="1" fill="hold">
+                                          <p:stCondLst>
+                                            <p:cond delay="0"/>
+                                          </p:stCondLst>
+                                        </p:cTn>
+                                        <p:tgtEl>
+                                          <p:spTgt spid="16386">
+                                            <p:txEl>
+                                              <p:pRg st="6" end="6"/>
+                                            </p:txEl>
+                                          </p:spTgt>
+                                        </p:tgtEl>
+                                        <p:attrNameLst>
+                                          <p:attrName>style.visibility</p:attrName>
+                                        </p:attrNameLst>
+                                      </p:cBhvr>
+                                      <p:to>
+                                        <p:strVal val="visible"/>
+                                      </p:to>
+                                    </p:set>
+                                  </p:childTnLst>
+                                </p:cTn>
+                              </p:par>
+                            </p:childTnLst>
+                          </p:cTn>
+                        </p:par>
+                      </p:childTnLst>
+                    </p:cTn>
+                  </p:par>
+                </p:childTnLst>
+              </p:cTn>
+              <p:prevCondLst>
+                <p:cond evt="onPrev" delay="0">
+                  <p:tgtEl>
+                    <p:sldTgt/>
+                  </p:tgtEl>
+                </p:cond>
+              </p:prevCondLst>
+              <p:nextCondLst>
+                <p:cond evt="onNext" delay="0">
+                  <p:tgtEl>
+                    <p:sldTgt/>
+                  </p:tgtEl>
+                </p:cond>
+              </p:nextCondLst>
+            </p:seq>
+          </p:childTnLst>
+        </p:cTn>
+      </p:par>
+    </p:tnLst>
+  </p:timing>
 </p:sld>
 </file>
 
@@ -24408,32 +24503,6 @@
             </a:r>
           </a:p>
           <a:p>
-            <a:pPr lvl="2" eaLnBrk="1" hangingPunct="1">
-              <a:defRPr/>
-            </a:pPr>
-            <a:r>
-              <a:rPr lang="en-US" dirty="0">
-                <a:latin typeface="Tahoma"/>
-                <a:cs typeface="Tahoma"/>
-              </a:rPr>
-              <a:t>A famous successful brute force attack = The </a:t>
-            </a:r>
-            <a:r>
-              <a:rPr lang="en-US" dirty="0" err="1">
-                <a:latin typeface="Tahoma"/>
-                <a:cs typeface="Tahoma"/>
-              </a:rPr>
-              <a:t>Fappening</a:t>
-            </a:r>
-            <a:r>
-              <a:rPr lang="en-US" dirty="0">
-                <a:latin typeface="Tahoma"/>
-                <a:cs typeface="Tahoma"/>
-              </a:rPr>
-              <a:t>(See slide #24)</a:t>
-            </a:r>
-          </a:p>
-          <a:p>
             <a:pPr lvl="1" eaLnBrk="1" hangingPunct="1">
               <a:defRPr/>
             </a:pPr>
@@ -24624,15 +24693,33 @@
                                   </p:childTnLst>
                                 </p:cTn>
                               </p:par>
+                            </p:childTnLst>
+                          </p:cTn>
+                        </p:par>
+                      </p:childTnLst>
+                    </p:cTn>
+                  </p:par>
+                  <p:par>
+                    <p:cTn id="11" fill="hold" nodeType="clickPar">
+                      <p:stCondLst>
+                        <p:cond delay="indefinite"/>
+                      </p:stCondLst>
+                      <p:childTnLst>
+                        <p:par>
+                          <p:cTn id="12" fill="hold" nodeType="withGroup">
+                            <p:stCondLst>
+                              <p:cond delay="0"/>
+                            </p:stCondLst>
+                            <p:childTnLst>
                               <p:par>
-                                <p:cTn id="11" presetID="1" presetClass="entr" presetSubtype="0" fill="hold" nodeType="withEffect">
+                                <p:cTn id="13" presetID="1" presetClass="entr" presetSubtype="0" fill="hold" nodeType="clickEffect">
                                   <p:stCondLst>
                                     <p:cond delay="0"/>
                                   </p:stCondLst>
                                   <p:childTnLst>
                                     <p:set>
                                       <p:cBhvr>
-                                        <p:cTn id="12" dur="1" fill="hold">
+                                        <p:cTn id="14" dur="1" fill="hold">
                                           <p:stCondLst>
                                             <p:cond delay="0"/>
                                           </p:stCondLst>
@@ -24655,26 +24742,8 @@
                                   </p:childTnLst>
                                 </p:cTn>
                               </p:par>
-                            </p:childTnLst>
-                          </p:cTn>
-                        </p:par>
-                      </p:childTnLst>
-                    </p:cTn>
-                  </p:par>
-                  <p:par>
-                    <p:cTn id="13" fill="hold" nodeType="clickPar">
-                      <p:stCondLst>
-                        <p:cond delay="indefinite"/>
-                      </p:stCondLst>
-                      <p:childTnLst>
-                        <p:par>
-                          <p:cTn id="14" fill="hold" nodeType="withGroup">
-                            <p:stCondLst>
-                              <p:cond delay="0"/>
-                            </p:stCondLst>
-                            <p:childTnLst>
                               <p:par>
-                                <p:cTn id="15" presetID="1" presetClass="entr" presetSubtype="0" fill="hold" nodeType="clickEffect">
+                                <p:cTn id="15" presetID="1" presetClass="entr" presetSubtype="0" fill="hold" nodeType="withEffect">
                                   <p:stCondLst>
                                     <p:cond delay="0"/>
                                   </p:stCondLst>
@@ -24690,37 +24759,6 @@
                                           <p:spTgt spid="16386">
                                             <p:txEl>
                                               <p:pRg st="7" end="7"/>
-                                            </p:txEl>
-                                          </p:spTgt>
-                                        </p:tgtEl>
-                                        <p:attrNameLst>
-                                          <p:attrName>style.visibility</p:attrName>
-                                        </p:attrNameLst>
-                                      </p:cBhvr>
-                                      <p:to>
-                                        <p:strVal val="visible"/>
-                                      </p:to>
-                                    </p:set>
-                                  </p:childTnLst>
-                                </p:cTn>
-                              </p:par>
-                              <p:par>
-                                <p:cTn id="17" presetID="1" presetClass="entr" presetSubtype="0" fill="hold" nodeType="withEffect">
-                                  <p:stCondLst>
-                                    <p:cond delay="0"/>
-                                  </p:stCondLst>
-                                  <p:childTnLst>
-                                    <p:set>
-                                      <p:cBhvr>
-                                        <p:cTn id="18" dur="1" fill="hold">
-                                          <p:stCondLst>
-                                            <p:cond delay="0"/>
-                                          </p:stCondLst>
-                                        </p:cTn>
-                                        <p:tgtEl>
-                                          <p:spTgt spid="16386">
-                                            <p:txEl>
-                                              <p:pRg st="8" end="8"/>
                                             </p:txEl>
                                           </p:spTgt>
                                         </p:tgtEl>
@@ -27287,7 +27325,7 @@
           <a:p>
             <a:r>
               <a:rPr lang="en-US" dirty="0"/>
-              <a:t>bullying  and hate groups</a:t>
+              <a:t>bullying and hate groups</a:t>
             </a:r>
           </a:p>
           <a:p>
@@ -27327,215 +27365,6 @@
     <p:extLst>
       <p:ext uri="{BB962C8B-B14F-4D97-AF65-F5344CB8AC3E}">
         <p14:creationId xmlns:p14="http://schemas.microsoft.com/office/powerpoint/2010/main" val="3965959204"/>
-      </p:ext>
-    </p:extLst>
-  </p:cSld>
-  <p:clrMapOvr>
-    <a:masterClrMapping/>
-  </p:clrMapOvr>
-  <p:transition/>
-</p:sld>
-</file>
-
-<file path=ppt/slides/slide30.xml><?xml version="1.0" encoding="utf-8"?>
-<p:sld xmlns:a="http://schemas.openxmlformats.org/drawingml/2006/main" xmlns:r="http://schemas.openxmlformats.org/officeDocument/2006/relationships" xmlns:p="http://schemas.openxmlformats.org/presentationml/2006/main">
-  <p:cSld>
-    <p:spTree>
-      <p:nvGrpSpPr>
-        <p:cNvPr id="1" name=""/>
-        <p:cNvGrpSpPr/>
-        <p:nvPr/>
-      </p:nvGrpSpPr>
-      <p:grpSpPr>
-        <a:xfrm>
-          <a:off x="0" y="0"/>
-          <a:ext cx="0" cy="0"/>
-          <a:chOff x="0" y="0"/>
-          <a:chExt cx="0" cy="0"/>
-        </a:xfrm>
-      </p:grpSpPr>
-      <p:sp>
-        <p:nvSpPr>
-          <p:cNvPr id="49153" name="Rectangle 2">
-            <a:extLst>
-              <a:ext uri="{FF2B5EF4-FFF2-40B4-BE49-F238E27FC236}">
-                <a16:creationId xmlns:a16="http://schemas.microsoft.com/office/drawing/2014/main" id="{E509825C-AE08-2A49-9ED7-6F6BA260A8C1}"/>
-              </a:ext>
-            </a:extLst>
-          </p:cNvPr>
-          <p:cNvSpPr>
-            <a:spLocks noGrp="1" noChangeArrowheads="1"/>
-          </p:cNvSpPr>
-          <p:nvPr>
-            <p:ph type="title"/>
-          </p:nvPr>
-        </p:nvSpPr>
-        <p:spPr>
-          <a:xfrm>
-            <a:off x="166313" y="127000"/>
-            <a:ext cx="7886700" cy="1104636"/>
-          </a:xfrm>
-        </p:spPr>
-        <p:txBody>
-          <a:bodyPr/>
-          <a:lstStyle/>
-          <a:p>
-            <a:pPr eaLnBrk="1" hangingPunct="1"/>
-            <a:r>
-              <a:rPr lang="en-US" altLang="en-US" dirty="0">
-                <a:latin typeface="Tahoma" panose="020B0604030504040204" pitchFamily="34" charset="0"/>
-                <a:ea typeface="ＭＳ Ｐゴシック" panose="020B0600070205080204" pitchFamily="34" charset="-128"/>
-              </a:rPr>
-              <a:t>How Hackers Hack</a:t>
-            </a:r>
-          </a:p>
-        </p:txBody>
-      </p:sp>
-      <p:sp>
-        <p:nvSpPr>
-          <p:cNvPr id="16386" name="Rectangle 3">
-            <a:extLst>
-              <a:ext uri="{FF2B5EF4-FFF2-40B4-BE49-F238E27FC236}">
-                <a16:creationId xmlns:a16="http://schemas.microsoft.com/office/drawing/2014/main" id="{9A30423C-6B4C-234F-9526-1365818F2724}"/>
-              </a:ext>
-            </a:extLst>
-          </p:cNvPr>
-          <p:cNvSpPr>
-            <a:spLocks noGrp="1" noChangeArrowheads="1"/>
-          </p:cNvSpPr>
-          <p:nvPr>
-            <p:ph type="body" idx="1"/>
-          </p:nvPr>
-        </p:nvSpPr>
-        <p:spPr>
-          <a:xfrm>
-            <a:off x="277402" y="1079500"/>
-            <a:ext cx="8578922" cy="4508500"/>
-          </a:xfrm>
-        </p:spPr>
-        <p:txBody>
-          <a:bodyPr/>
-          <a:lstStyle/>
-          <a:p>
-            <a:pPr marL="0" indent="0" eaLnBrk="1" hangingPunct="1">
-              <a:buNone/>
-            </a:pPr>
-            <a:r>
-              <a:rPr lang="en-US" altLang="en-US" sz="2000" dirty="0">
-                <a:latin typeface="Tahoma" panose="020B0604030504040204" pitchFamily="34" charset="0"/>
-                <a:ea typeface="ＭＳ Ｐゴシック" panose="020B0600070205080204" pitchFamily="34" charset="-128"/>
-              </a:rPr>
-              <a:t>most common way hackers get into a computer system isn’t by hacking; it’s by tricking people into letting them in.</a:t>
-            </a:r>
-          </a:p>
-          <a:p>
-            <a:pPr marL="0" indent="0" eaLnBrk="1" hangingPunct="1">
-              <a:buNone/>
-            </a:pPr>
-            <a:endParaRPr lang="en-US" altLang="en-US" sz="2000" b="1" dirty="0">
-              <a:latin typeface="Tahoma" panose="020B0604030504040204" pitchFamily="34" charset="0"/>
-              <a:ea typeface="ＭＳ Ｐゴシック" panose="020B0600070205080204" pitchFamily="34" charset="-128"/>
-            </a:endParaRPr>
-          </a:p>
-          <a:p>
-            <a:pPr marL="0" indent="0" eaLnBrk="1" hangingPunct="1">
-              <a:buNone/>
-            </a:pPr>
-            <a:r>
-              <a:rPr lang="en-US" altLang="en-US" sz="2000" b="1" dirty="0">
-                <a:latin typeface="Tahoma" panose="020B0604030504040204" pitchFamily="34" charset="0"/>
-                <a:ea typeface="ＭＳ Ｐゴシック" panose="020B0600070205080204" pitchFamily="34" charset="-128"/>
-              </a:rPr>
-              <a:t>social engineering</a:t>
-            </a:r>
-            <a:r>
-              <a:rPr lang="en-US" altLang="en-US" sz="2000" dirty="0">
-                <a:latin typeface="Tahoma" panose="020B0604030504040204" pitchFamily="34" charset="0"/>
-                <a:ea typeface="ＭＳ Ｐゴシック" panose="020B0600070205080204" pitchFamily="34" charset="-128"/>
-              </a:rPr>
-              <a:t>: a person is tricked into revealing confidential information.</a:t>
-            </a:r>
-          </a:p>
-          <a:p>
-            <a:pPr lvl="1" eaLnBrk="1" hangingPunct="1"/>
-            <a:r>
-              <a:rPr lang="en-US" altLang="en-US" sz="1667" dirty="0">
-                <a:latin typeface="Tahoma" panose="020B0604030504040204" pitchFamily="34" charset="0"/>
-              </a:rPr>
-              <a:t>most common type of attack is phishing. For example, an email from Bank of America asking to reset the password by clicking on a link to a Bank of America clone site. Login credentials is compromised if account holders attempt to log on.</a:t>
-            </a:r>
-          </a:p>
-          <a:p>
-            <a:pPr lvl="1" eaLnBrk="1" hangingPunct="1"/>
-            <a:r>
-              <a:rPr lang="en-US" altLang="en-US" sz="1667" dirty="0">
-                <a:latin typeface="Tahoma" panose="020B0604030504040204" pitchFamily="34" charset="0"/>
-              </a:rPr>
-              <a:t>even if less than 1% of success rate, a million phishing emails can possibly yield thousands of accounts. </a:t>
-            </a:r>
-          </a:p>
-          <a:p>
-            <a:pPr lvl="1" eaLnBrk="1" hangingPunct="1"/>
-            <a:r>
-              <a:rPr lang="en-US" altLang="en-US" sz="1667" b="1" dirty="0">
-                <a:latin typeface="Tahoma" panose="020B0604030504040204" pitchFamily="34" charset="0"/>
-              </a:rPr>
-              <a:t>pretexting</a:t>
-            </a:r>
-            <a:r>
-              <a:rPr lang="en-US" altLang="en-US" sz="1667" dirty="0">
-                <a:latin typeface="Tahoma" panose="020B0604030504040204" pitchFamily="34" charset="0"/>
-              </a:rPr>
-              <a:t>: an attacker called a company and pretend to be from the IT department and convince a user to configure their computer in a compromising way. </a:t>
-            </a:r>
-          </a:p>
-          <a:p>
-            <a:pPr lvl="1" eaLnBrk="1" hangingPunct="1"/>
-            <a:endParaRPr lang="en-US" altLang="en-US" sz="1667" dirty="0">
-              <a:latin typeface="Tahoma" panose="020B0604030504040204" pitchFamily="34" charset="0"/>
-            </a:endParaRPr>
-          </a:p>
-          <a:p>
-            <a:pPr lvl="1" eaLnBrk="1" hangingPunct="1"/>
-            <a:endParaRPr lang="en-US" altLang="en-US" sz="1667" dirty="0">
-              <a:latin typeface="Tahoma" panose="020B0604030504040204" pitchFamily="34" charset="0"/>
-            </a:endParaRPr>
-          </a:p>
-          <a:p>
-            <a:pPr eaLnBrk="1" hangingPunct="1">
-              <a:buFontTx/>
-              <a:buNone/>
-            </a:pPr>
-            <a:endParaRPr lang="en-US" altLang="en-US" sz="2000" dirty="0">
-              <a:latin typeface="Tahoma" panose="020B0604030504040204" pitchFamily="34" charset="0"/>
-              <a:ea typeface="ＭＳ Ｐゴシック" panose="020B0600070205080204" pitchFamily="34" charset="-128"/>
-            </a:endParaRPr>
-          </a:p>
-          <a:p>
-            <a:pPr eaLnBrk="1" hangingPunct="1">
-              <a:buFontTx/>
-              <a:buNone/>
-            </a:pPr>
-            <a:r>
-              <a:rPr lang="en-US" altLang="en-US" sz="2000" dirty="0">
-                <a:latin typeface="Tahoma" panose="020B0604030504040204" pitchFamily="34" charset="0"/>
-                <a:ea typeface="ＭＳ Ｐゴシック" panose="020B0600070205080204" pitchFamily="34" charset="-128"/>
-              </a:rPr>
-              <a:t> </a:t>
-            </a:r>
-          </a:p>
-          <a:p>
-            <a:pPr lvl="1" eaLnBrk="1" hangingPunct="1"/>
-            <a:endParaRPr lang="en-US" altLang="en-US" sz="1667" dirty="0">
-              <a:latin typeface="Tahoma" panose="020B0604030504040204" pitchFamily="34" charset="0"/>
-            </a:endParaRPr>
-          </a:p>
-        </p:txBody>
-      </p:sp>
-    </p:spTree>
-    <p:extLst>
-      <p:ext uri="{BB962C8B-B14F-4D97-AF65-F5344CB8AC3E}">
-        <p14:creationId xmlns:p14="http://schemas.microsoft.com/office/powerpoint/2010/main" val="3821874163"/>
       </p:ext>
     </p:extLst>
   </p:cSld>
@@ -27552,13 +27381,13 @@
               <p:cTn id="2" dur="indefinite" nodeType="mainSeq">
                 <p:childTnLst>
                   <p:par>
-                    <p:cTn id="3" fill="hold" nodeType="clickPar">
+                    <p:cTn id="3" fill="hold">
                       <p:stCondLst>
                         <p:cond delay="indefinite"/>
                       </p:stCondLst>
                       <p:childTnLst>
                         <p:par>
-                          <p:cTn id="4" fill="hold" nodeType="withGroup">
+                          <p:cTn id="4" fill="hold">
                             <p:stCondLst>
                               <p:cond delay="0"/>
                             </p:stCondLst>
@@ -27601,13 +27430,13 @@
                     </p:cTn>
                   </p:par>
                   <p:par>
-                    <p:cTn id="7" fill="hold" nodeType="clickPar">
+                    <p:cTn id="7" fill="hold">
                       <p:stCondLst>
                         <p:cond delay="indefinite"/>
                       </p:stCondLst>
                       <p:childTnLst>
                         <p:par>
-                          <p:cTn id="8" fill="hold" nodeType="withGroup">
+                          <p:cTn id="8" fill="hold">
                             <p:stCondLst>
                               <p:cond delay="0"/>
                             </p:stCondLst>
@@ -27650,13 +27479,13 @@
                     </p:cTn>
                   </p:par>
                   <p:par>
-                    <p:cTn id="11" fill="hold" nodeType="clickPar">
+                    <p:cTn id="11" fill="hold">
                       <p:stCondLst>
                         <p:cond delay="indefinite"/>
                       </p:stCondLst>
                       <p:childTnLst>
                         <p:par>
-                          <p:cTn id="12" fill="hold" nodeType="withGroup">
+                          <p:cTn id="12" fill="hold">
                             <p:stCondLst>
                               <p:cond delay="0"/>
                             </p:stCondLst>
@@ -27677,7 +27506,154 @@
                                         <p:tgtEl>
                                           <p:spTgt spid="16386">
                                             <p:txEl>
+                                              <p:pRg st="4" end="4"/>
+                                            </p:txEl>
+                                          </p:spTgt>
+                                        </p:tgtEl>
+                                        <p:attrNameLst>
+                                          <p:attrName>style.visibility</p:attrName>
+                                        </p:attrNameLst>
+                                      </p:cBhvr>
+                                      <p:to>
+                                        <p:strVal val="visible"/>
+                                      </p:to>
+                                    </p:set>
+                                  </p:childTnLst>
+                                </p:cTn>
+                              </p:par>
+                            </p:childTnLst>
+                          </p:cTn>
+                        </p:par>
+                      </p:childTnLst>
+                    </p:cTn>
+                  </p:par>
+                  <p:par>
+                    <p:cTn id="15" fill="hold">
+                      <p:stCondLst>
+                        <p:cond delay="indefinite"/>
+                      </p:stCondLst>
+                      <p:childTnLst>
+                        <p:par>
+                          <p:cTn id="16" fill="hold">
+                            <p:stCondLst>
+                              <p:cond delay="0"/>
+                            </p:stCondLst>
+                            <p:childTnLst>
+                              <p:par>
+                                <p:cTn id="17" presetID="1" presetClass="entr" presetSubtype="0" fill="hold" nodeType="clickEffect">
+                                  <p:stCondLst>
+                                    <p:cond delay="0"/>
+                                  </p:stCondLst>
+                                  <p:childTnLst>
+                                    <p:set>
+                                      <p:cBhvr>
+                                        <p:cTn id="18" dur="1" fill="hold">
+                                          <p:stCondLst>
+                                            <p:cond delay="0"/>
+                                          </p:stCondLst>
+                                        </p:cTn>
+                                        <p:tgtEl>
+                                          <p:spTgt spid="16386">
+                                            <p:txEl>
                                               <p:pRg st="5" end="5"/>
+                                            </p:txEl>
+                                          </p:spTgt>
+                                        </p:tgtEl>
+                                        <p:attrNameLst>
+                                          <p:attrName>style.visibility</p:attrName>
+                                        </p:attrNameLst>
+                                      </p:cBhvr>
+                                      <p:to>
+                                        <p:strVal val="visible"/>
+                                      </p:to>
+                                    </p:set>
+                                  </p:childTnLst>
+                                </p:cTn>
+                              </p:par>
+                            </p:childTnLst>
+                          </p:cTn>
+                        </p:par>
+                      </p:childTnLst>
+                    </p:cTn>
+                  </p:par>
+                  <p:par>
+                    <p:cTn id="19" fill="hold">
+                      <p:stCondLst>
+                        <p:cond delay="indefinite"/>
+                      </p:stCondLst>
+                      <p:childTnLst>
+                        <p:par>
+                          <p:cTn id="20" fill="hold">
+                            <p:stCondLst>
+                              <p:cond delay="0"/>
+                            </p:stCondLst>
+                            <p:childTnLst>
+                              <p:par>
+                                <p:cTn id="21" presetID="1" presetClass="entr" presetSubtype="0" fill="hold" nodeType="clickEffect">
+                                  <p:stCondLst>
+                                    <p:cond delay="0"/>
+                                  </p:stCondLst>
+                                  <p:childTnLst>
+                                    <p:set>
+                                      <p:cBhvr>
+                                        <p:cTn id="22" dur="1" fill="hold">
+                                          <p:stCondLst>
+                                            <p:cond delay="0"/>
+                                          </p:stCondLst>
+                                        </p:cTn>
+                                        <p:tgtEl>
+                                          <p:spTgt spid="16386">
+                                            <p:txEl>
+                                              <p:pRg st="6" end="6"/>
+                                            </p:txEl>
+                                          </p:spTgt>
+                                        </p:tgtEl>
+                                        <p:attrNameLst>
+                                          <p:attrName>style.visibility</p:attrName>
+                                        </p:attrNameLst>
+                                      </p:cBhvr>
+                                      <p:to>
+                                        <p:strVal val="visible"/>
+                                      </p:to>
+                                    </p:set>
+                                  </p:childTnLst>
+                                </p:cTn>
+                              </p:par>
+                            </p:childTnLst>
+                          </p:cTn>
+                        </p:par>
+                      </p:childTnLst>
+                    </p:cTn>
+                  </p:par>
+                  <p:par>
+                    <p:cTn id="23" fill="hold">
+                      <p:stCondLst>
+                        <p:cond delay="indefinite"/>
+                      </p:stCondLst>
+                      <p:childTnLst>
+                        <p:par>
+                          <p:cTn id="24" fill="hold">
+                            <p:stCondLst>
+                              <p:cond delay="0"/>
+                            </p:stCondLst>
+                            <p:childTnLst>
+                              <p:par>
+                                <p:cTn id="25" presetID="1" presetClass="entr" presetSubtype="0" fill="hold" nodeType="clickEffect">
+                                  <p:stCondLst>
+                                    <p:cond delay="0"/>
+                                  </p:stCondLst>
+                                  <p:childTnLst>
+                                    <p:set>
+                                      <p:cBhvr>
+                                        <p:cTn id="26" dur="1" fill="hold">
+                                          <p:stCondLst>
+                                            <p:cond delay="0"/>
+                                          </p:stCondLst>
+                                        </p:cTn>
+                                        <p:tgtEl>
+                                          <p:spTgt spid="16386">
+                                            <p:txEl>
+                                              <p:pRg st="8" end="8"/>
                                             </p:txEl>
                                           </p:spTgt>
                                         </p:tgtEl>
@@ -27723,7 +27699,7 @@
 </p:sld>
 </file>
 
-<file path=ppt/slides/slide31.xml><?xml version="1.0" encoding="utf-8"?>
+<file path=ppt/slides/slide30.xml><?xml version="1.0" encoding="utf-8"?>
 <p:sld xmlns:a="http://schemas.openxmlformats.org/drawingml/2006/main" xmlns:r="http://schemas.openxmlformats.org/officeDocument/2006/relationships" xmlns:p="http://schemas.openxmlformats.org/presentationml/2006/main">
   <p:cSld>
     <p:spTree>
@@ -27897,7 +27873,19 @@
               <a:rPr lang="en-US" altLang="en-US" sz="1667" dirty="0">
                 <a:latin typeface="Tahoma" panose="020B0604030504040204" pitchFamily="34" charset="0"/>
               </a:rPr>
-              <a:t>install keylogger, that records all your keystrokes and send them to a remote source.</a:t>
+              <a:t>install </a:t>
+            </a:r>
+            <a:r>
+              <a:rPr lang="en-US" altLang="en-US" sz="1667" b="1" dirty="0">
+                <a:latin typeface="Tahoma" panose="020B0604030504040204" pitchFamily="34" charset="0"/>
+              </a:rPr>
+              <a:t>keylogger</a:t>
+            </a:r>
+            <a:r>
+              <a:rPr lang="en-US" altLang="en-US" sz="1667" dirty="0">
+                <a:latin typeface="Tahoma" panose="020B0604030504040204" pitchFamily="34" charset="0"/>
+              </a:rPr>
+              <a:t>, that records all your keystrokes and send them to a remote source.</a:t>
             </a:r>
           </a:p>
           <a:p>
@@ -28341,419 +28329,7 @@
 </p:sld>
 </file>
 
-<file path=ppt/slides/slide32.xml><?xml version="1.0" encoding="utf-8"?>
-<p:sld xmlns:a="http://schemas.openxmlformats.org/drawingml/2006/main" xmlns:r="http://schemas.openxmlformats.org/officeDocument/2006/relationships" xmlns:p="http://schemas.openxmlformats.org/presentationml/2006/main">
-  <p:cSld>
-    <p:spTree>
-      <p:nvGrpSpPr>
-        <p:cNvPr id="1" name=""/>
-        <p:cNvGrpSpPr/>
-        <p:nvPr/>
-      </p:nvGrpSpPr>
-      <p:grpSpPr>
-        <a:xfrm>
-          <a:off x="0" y="0"/>
-          <a:ext cx="0" cy="0"/>
-          <a:chOff x="0" y="0"/>
-          <a:chExt cx="0" cy="0"/>
-        </a:xfrm>
-      </p:grpSpPr>
-      <p:sp>
-        <p:nvSpPr>
-          <p:cNvPr id="49153" name="Title 1">
-            <a:extLst>
-              <a:ext uri="{FF2B5EF4-FFF2-40B4-BE49-F238E27FC236}">
-                <a16:creationId xmlns:a16="http://schemas.microsoft.com/office/drawing/2014/main" id="{EB0E2C77-F129-0A43-B733-0C0ECA4DFBCB}"/>
-              </a:ext>
-            </a:extLst>
-          </p:cNvPr>
-          <p:cNvSpPr>
-            <a:spLocks noGrp="1" noChangeArrowheads="1"/>
-          </p:cNvSpPr>
-          <p:nvPr>
-            <p:ph type="title"/>
-          </p:nvPr>
-        </p:nvSpPr>
-        <p:spPr>
-          <a:xfrm>
-            <a:off x="400692" y="314545"/>
-            <a:ext cx="7886700" cy="1104636"/>
-          </a:xfrm>
-        </p:spPr>
-        <p:txBody>
-          <a:bodyPr/>
-          <a:lstStyle/>
-          <a:p>
-            <a:pPr eaLnBrk="1" hangingPunct="1"/>
-            <a:r>
-              <a:rPr lang="en-US" altLang="en-US" dirty="0">
-                <a:ea typeface="ＭＳ Ｐゴシック" panose="020B0600070205080204" pitchFamily="34" charset="-128"/>
-              </a:rPr>
-              <a:t>Homework</a:t>
-            </a:r>
-          </a:p>
-        </p:txBody>
-      </p:sp>
-      <p:sp>
-        <p:nvSpPr>
-          <p:cNvPr id="49154" name="Content Placeholder 2">
-            <a:extLst>
-              <a:ext uri="{FF2B5EF4-FFF2-40B4-BE49-F238E27FC236}">
-                <a16:creationId xmlns:a16="http://schemas.microsoft.com/office/drawing/2014/main" id="{1463BEFF-3714-A141-A066-C1AF638C6417}"/>
-              </a:ext>
-            </a:extLst>
-          </p:cNvPr>
-          <p:cNvSpPr>
-            <a:spLocks noGrp="1" noChangeArrowheads="1"/>
-          </p:cNvSpPr>
-          <p:nvPr>
-            <p:ph idx="1"/>
-          </p:nvPr>
-        </p:nvSpPr>
-        <p:spPr>
-          <a:xfrm>
-            <a:off x="400692" y="1333500"/>
-            <a:ext cx="8114658" cy="3984625"/>
-          </a:xfrm>
-        </p:spPr>
-        <p:txBody>
-          <a:bodyPr/>
-          <a:lstStyle/>
-          <a:p>
-            <a:pPr marL="0" indent="0">
-              <a:buNone/>
-            </a:pPr>
-            <a:endParaRPr lang="en-US" altLang="en-US" sz="1833" dirty="0">
-              <a:latin typeface="Tahoma" panose="020B0604030504040204" pitchFamily="34" charset="0"/>
-              <a:ea typeface="ＭＳ Ｐゴシック" panose="020B0600070205080204" pitchFamily="34" charset="-128"/>
-            </a:endParaRPr>
-          </a:p>
-          <a:p>
-            <a:pPr marL="0" indent="0">
-              <a:buNone/>
-            </a:pPr>
-            <a:r>
-              <a:rPr lang="en-US" altLang="en-US" sz="1833" dirty="0">
-                <a:latin typeface="Tahoma" panose="020B0604030504040204" pitchFamily="34" charset="0"/>
-                <a:ea typeface="ＭＳ Ｐゴシック" panose="020B0600070205080204" pitchFamily="34" charset="-128"/>
-              </a:rPr>
-              <a:t>Watch or Read:</a:t>
-            </a:r>
-          </a:p>
-          <a:p>
-            <a:pPr marL="333362" lvl="1" indent="0">
-              <a:buNone/>
-            </a:pPr>
-            <a:r>
-              <a:rPr lang="en-US" altLang="en-US" sz="1500" dirty="0">
-                <a:latin typeface="Tahoma" panose="020B0604030504040204" pitchFamily="34" charset="0"/>
-              </a:rPr>
-              <a:t>a)Crowdsourcing and Crowdfunding:</a:t>
-            </a:r>
-          </a:p>
-          <a:p>
-            <a:pPr marL="333362" lvl="1" indent="0">
-              <a:buNone/>
-            </a:pPr>
-            <a:r>
-              <a:rPr lang="en-US" altLang="en-US" sz="1500" dirty="0">
-                <a:latin typeface="Tahoma" panose="020B0604030504040204" pitchFamily="34" charset="0"/>
-                <a:hlinkClick r:id="rId2"/>
-              </a:rPr>
-              <a:t>https://www.youtube.com/watch?v=-38uPkyH9vI</a:t>
-            </a:r>
-            <a:endParaRPr lang="en-US" altLang="en-US" sz="1500" dirty="0">
-              <a:latin typeface="Tahoma" panose="020B0604030504040204" pitchFamily="34" charset="0"/>
-            </a:endParaRPr>
-          </a:p>
-          <a:p>
-            <a:pPr marL="333362" lvl="1" indent="0">
-              <a:buNone/>
-            </a:pPr>
-            <a:r>
-              <a:rPr lang="en-US" altLang="en-US" sz="1500" dirty="0">
-                <a:latin typeface="Tahoma" panose="020B0604030504040204" pitchFamily="34" charset="0"/>
-                <a:hlinkClick r:id="rId3"/>
-              </a:rPr>
-              <a:t>https://www.youtube.com/watch?v=Buyub6vIG3Q</a:t>
-            </a:r>
-            <a:endParaRPr lang="en-US" altLang="en-US" sz="1500" dirty="0">
-              <a:latin typeface="Tahoma" panose="020B0604030504040204" pitchFamily="34" charset="0"/>
-            </a:endParaRPr>
-          </a:p>
-          <a:p>
-            <a:pPr marL="333362" lvl="1" indent="0">
-              <a:buNone/>
-            </a:pPr>
-            <a:r>
-              <a:rPr lang="en-US" altLang="en-US" sz="1500" dirty="0">
-                <a:latin typeface="Tahoma" panose="020B0604030504040204" pitchFamily="34" charset="0"/>
-              </a:rPr>
-              <a:t>b) </a:t>
-            </a:r>
-            <a:r>
-              <a:rPr lang="en-US" altLang="en-US" sz="1500" dirty="0" err="1">
-                <a:latin typeface="Tahoma" panose="020B0604030504040204" pitchFamily="34" charset="0"/>
-              </a:rPr>
-              <a:t>reCAPTCHA</a:t>
-            </a:r>
-            <a:r>
-              <a:rPr lang="en-US" altLang="en-US" sz="1500" dirty="0">
-                <a:latin typeface="Tahoma" panose="020B0604030504040204" pitchFamily="34" charset="0"/>
-              </a:rPr>
-              <a:t>:</a:t>
-            </a:r>
-          </a:p>
-          <a:p>
-            <a:pPr marL="333362" lvl="1" indent="0">
-              <a:buNone/>
-            </a:pPr>
-            <a:r>
-              <a:rPr lang="en-US" altLang="en-US" sz="1500" dirty="0">
-                <a:latin typeface="Tahoma" panose="020B0604030504040204" pitchFamily="34" charset="0"/>
-                <a:hlinkClick r:id="rId4"/>
-              </a:rPr>
-              <a:t>https://thehustle.co/the-genius-whos-tricking-the-world-into-doing-his-work-recaptcha</a:t>
-            </a:r>
-            <a:r>
-              <a:rPr lang="en-US" altLang="en-US" sz="1500" dirty="0">
-                <a:latin typeface="Tahoma" panose="020B0604030504040204" pitchFamily="34" charset="0"/>
-              </a:rPr>
-              <a:t> (Please read!)</a:t>
-            </a:r>
-          </a:p>
-          <a:p>
-            <a:pPr marL="333362" lvl="1" indent="0">
-              <a:buNone/>
-            </a:pPr>
-            <a:r>
-              <a:rPr lang="en-US" altLang="en-US" sz="1500" dirty="0">
-                <a:latin typeface="Tahoma" panose="020B0604030504040204" pitchFamily="34" charset="0"/>
-                <a:hlinkClick r:id="rId5"/>
-              </a:rPr>
-              <a:t>https://www.youtube.com/watch?v=PQ-xzwj_p_4</a:t>
-            </a:r>
-            <a:r>
-              <a:rPr lang="en-US" altLang="en-US" sz="1500" dirty="0">
-                <a:latin typeface="Tahoma" panose="020B0604030504040204" pitchFamily="34" charset="0"/>
-              </a:rPr>
-              <a:t> (described by inventor Luis von </a:t>
-            </a:r>
-            <a:r>
-              <a:rPr lang="en-US" altLang="en-US" sz="1500" dirty="0" err="1">
-                <a:latin typeface="Tahoma" panose="020B0604030504040204" pitchFamily="34" charset="0"/>
-              </a:rPr>
-              <a:t>Ahn</a:t>
-            </a:r>
-            <a:r>
-              <a:rPr lang="en-US" altLang="en-US" sz="1500" dirty="0">
-                <a:latin typeface="Tahoma" panose="020B0604030504040204" pitchFamily="34" charset="0"/>
-              </a:rPr>
-              <a:t> himself) </a:t>
-            </a:r>
-          </a:p>
-          <a:p>
-            <a:pPr marL="333362" lvl="1" indent="0">
-              <a:buNone/>
-            </a:pPr>
-            <a:r>
-              <a:rPr lang="en-US" altLang="en-US" sz="1500" dirty="0">
-                <a:latin typeface="Tahoma" panose="020B0604030504040204" pitchFamily="34" charset="0"/>
-              </a:rPr>
-              <a:t>c) Citizen Science</a:t>
-            </a:r>
-          </a:p>
-          <a:p>
-            <a:pPr marL="333362" lvl="1" indent="0">
-              <a:buNone/>
-            </a:pPr>
-            <a:r>
-              <a:rPr lang="en-US" altLang="en-US" sz="1500" dirty="0">
-                <a:latin typeface="Tahoma" panose="020B0604030504040204" pitchFamily="34" charset="0"/>
-                <a:hlinkClick r:id="rId6"/>
-              </a:rPr>
-              <a:t>https://www.youtube.com/watch?v=SZwJzB-yMrU</a:t>
-            </a:r>
-            <a:endParaRPr lang="en-US" altLang="en-US" sz="1500" dirty="0">
-              <a:latin typeface="Tahoma" panose="020B0604030504040204" pitchFamily="34" charset="0"/>
-            </a:endParaRPr>
-          </a:p>
-          <a:p>
-            <a:pPr marL="333362" lvl="1" indent="0">
-              <a:buNone/>
-            </a:pPr>
-            <a:endParaRPr lang="en-US" altLang="en-US" sz="1500" dirty="0">
-              <a:latin typeface="Tahoma" panose="020B0604030504040204" pitchFamily="34" charset="0"/>
-            </a:endParaRPr>
-          </a:p>
-          <a:p>
-            <a:pPr marL="0" indent="0">
-              <a:buNone/>
-            </a:pPr>
-            <a:r>
-              <a:rPr lang="en-US" altLang="en-US" sz="1833" dirty="0">
-                <a:latin typeface="Tahoma" panose="020B0604030504040204" pitchFamily="34" charset="0"/>
-                <a:ea typeface="ＭＳ Ｐゴシック" panose="020B0600070205080204" pitchFamily="34" charset="-128"/>
-              </a:rPr>
-              <a:t>     </a:t>
-            </a:r>
-          </a:p>
-          <a:p>
-            <a:pPr marL="333362" lvl="1" indent="0">
-              <a:buNone/>
-            </a:pPr>
-            <a:endParaRPr lang="en-US" altLang="en-US" sz="1500" dirty="0">
-              <a:latin typeface="Tahoma" panose="020B0604030504040204" pitchFamily="34" charset="0"/>
-            </a:endParaRPr>
-          </a:p>
-          <a:p>
-            <a:pPr marL="333362" lvl="1" indent="0">
-              <a:buNone/>
-            </a:pPr>
-            <a:endParaRPr lang="en-US" altLang="en-US" sz="1500" dirty="0">
-              <a:latin typeface="Tahoma" panose="020B0604030504040204" pitchFamily="34" charset="0"/>
-            </a:endParaRPr>
-          </a:p>
-          <a:p>
-            <a:pPr marL="333362" lvl="1" indent="0">
-              <a:buNone/>
-            </a:pPr>
-            <a:endParaRPr lang="en-US" altLang="en-US" sz="1500" dirty="0">
-              <a:latin typeface="Tahoma" panose="020B0604030504040204" pitchFamily="34" charset="0"/>
-            </a:endParaRPr>
-          </a:p>
-          <a:p>
-            <a:pPr marL="333362" lvl="1" indent="0">
-              <a:buNone/>
-            </a:pPr>
-            <a:endParaRPr lang="en-US" altLang="en-US" sz="1500" dirty="0">
-              <a:latin typeface="Tahoma" panose="020B0604030504040204" pitchFamily="34" charset="0"/>
-            </a:endParaRPr>
-          </a:p>
-          <a:p>
-            <a:pPr marL="333362" lvl="1" indent="0"/>
-            <a:endParaRPr lang="en-US" altLang="en-US" sz="1500" dirty="0">
-              <a:latin typeface="Tahoma" panose="020B0604030504040204" pitchFamily="34" charset="0"/>
-            </a:endParaRPr>
-          </a:p>
-          <a:p>
-            <a:pPr marL="333362" lvl="1" indent="0"/>
-            <a:endParaRPr lang="en-US" altLang="en-US" sz="1500" dirty="0">
-              <a:latin typeface="Tahoma" panose="020B0604030504040204" pitchFamily="34" charset="0"/>
-            </a:endParaRPr>
-          </a:p>
-          <a:p>
-            <a:pPr marL="333362" lvl="1" indent="0">
-              <a:buFontTx/>
-              <a:buAutoNum type="arabicParenR"/>
-            </a:pPr>
-            <a:endParaRPr lang="en-US" altLang="en-US" sz="1500" dirty="0">
-              <a:latin typeface="Tahoma" panose="020B0604030504040204" pitchFamily="34" charset="0"/>
-            </a:endParaRPr>
-          </a:p>
-          <a:p>
-            <a:pPr marL="333362" lvl="1" indent="0"/>
-            <a:endParaRPr lang="en-US" altLang="en-US" sz="1333" dirty="0">
-              <a:latin typeface="Tahoma" panose="020B0604030504040204" pitchFamily="34" charset="0"/>
-            </a:endParaRPr>
-          </a:p>
-          <a:p>
-            <a:pPr marL="333362" lvl="1" indent="0">
-              <a:buNone/>
-            </a:pPr>
-            <a:endParaRPr lang="en-US" altLang="en-US" sz="1500" dirty="0">
-              <a:latin typeface="Tahoma" panose="020B0604030504040204" pitchFamily="34" charset="0"/>
-            </a:endParaRPr>
-          </a:p>
-          <a:p>
-            <a:pPr marL="333362" lvl="1" indent="0"/>
-            <a:endParaRPr lang="en-US" altLang="en-US" sz="1333" dirty="0">
-              <a:latin typeface="Tahoma" panose="020B0604030504040204" pitchFamily="34" charset="0"/>
-            </a:endParaRPr>
-          </a:p>
-          <a:p>
-            <a:pPr marL="333362" lvl="1" indent="0"/>
-            <a:endParaRPr lang="en-US" altLang="en-US" sz="1333" dirty="0">
-              <a:latin typeface="Tahoma" panose="020B0604030504040204" pitchFamily="34" charset="0"/>
-            </a:endParaRPr>
-          </a:p>
-          <a:p>
-            <a:pPr marL="333362" lvl="1" indent="0"/>
-            <a:endParaRPr lang="en-US" altLang="en-US" sz="1333" dirty="0">
-              <a:latin typeface="Tahoma" panose="020B0604030504040204" pitchFamily="34" charset="0"/>
-            </a:endParaRPr>
-          </a:p>
-          <a:p>
-            <a:pPr marL="333362" lvl="1" indent="0"/>
-            <a:endParaRPr lang="en-US" altLang="en-US" sz="1333" dirty="0">
-              <a:latin typeface="Tahoma" panose="020B0604030504040204" pitchFamily="34" charset="0"/>
-            </a:endParaRPr>
-          </a:p>
-          <a:p>
-            <a:pPr marL="333362" lvl="1" indent="0"/>
-            <a:endParaRPr lang="en-US" altLang="en-US" sz="1333" dirty="0">
-              <a:latin typeface="Tahoma" panose="020B0604030504040204" pitchFamily="34" charset="0"/>
-            </a:endParaRPr>
-          </a:p>
-          <a:p>
-            <a:pPr marL="0" indent="0"/>
-            <a:endParaRPr lang="en-US" altLang="en-US" sz="1333" dirty="0">
-              <a:latin typeface="Tahoma" panose="020B0604030504040204" pitchFamily="34" charset="0"/>
-              <a:ea typeface="ＭＳ Ｐゴシック" panose="020B0600070205080204" pitchFamily="34" charset="-128"/>
-            </a:endParaRPr>
-          </a:p>
-          <a:p>
-            <a:pPr marL="333362" lvl="1" indent="0">
-              <a:buFontTx/>
-              <a:buAutoNum type="alphaLcPeriod"/>
-            </a:pPr>
-            <a:endParaRPr lang="en-US" altLang="en-US" sz="1500" dirty="0">
-              <a:latin typeface="Tahoma" panose="020B0604030504040204" pitchFamily="34" charset="0"/>
-            </a:endParaRPr>
-          </a:p>
-          <a:p>
-            <a:pPr marL="0" indent="0">
-              <a:buNone/>
-            </a:pPr>
-            <a:endParaRPr lang="en-US" altLang="en-US" sz="1833" dirty="0">
-              <a:latin typeface="Tahoma" panose="020B0604030504040204" pitchFamily="34" charset="0"/>
-              <a:ea typeface="ＭＳ Ｐゴシック" panose="020B0600070205080204" pitchFamily="34" charset="-128"/>
-            </a:endParaRPr>
-          </a:p>
-          <a:p>
-            <a:pPr marL="0" indent="0">
-              <a:buNone/>
-            </a:pPr>
-            <a:endParaRPr lang="en-US" altLang="en-US" sz="1833" dirty="0">
-              <a:latin typeface="Tahoma" panose="020B0604030504040204" pitchFamily="34" charset="0"/>
-              <a:ea typeface="ＭＳ Ｐゴシック" panose="020B0600070205080204" pitchFamily="34" charset="-128"/>
-            </a:endParaRPr>
-          </a:p>
-          <a:p>
-            <a:pPr marL="0" indent="0">
-              <a:buNone/>
-            </a:pPr>
-            <a:endParaRPr lang="en-US" altLang="en-US" sz="1833" dirty="0">
-              <a:latin typeface="Tahoma" panose="020B0604030504040204" pitchFamily="34" charset="0"/>
-              <a:ea typeface="ＭＳ Ｐゴシック" panose="020B0600070205080204" pitchFamily="34" charset="-128"/>
-            </a:endParaRPr>
-          </a:p>
-        </p:txBody>
-      </p:sp>
-    </p:spTree>
-    <p:extLst>
-      <p:ext uri="{BB962C8B-B14F-4D97-AF65-F5344CB8AC3E}">
-        <p14:creationId xmlns:p14="http://schemas.microsoft.com/office/powerpoint/2010/main" val="2902676313"/>
-      </p:ext>
-    </p:extLst>
-  </p:cSld>
-  <p:clrMapOvr>
-    <a:masterClrMapping/>
-  </p:clrMapOvr>
-</p:sld>
-</file>
-
-<file path=ppt/slides/slide33.xml><?xml version="1.0" encoding="utf-8"?>
+<file path=ppt/slides/slide31.xml><?xml version="1.0" encoding="utf-8"?>
 <p:sld xmlns:a="http://schemas.openxmlformats.org/drawingml/2006/main" xmlns:r="http://schemas.openxmlformats.org/officeDocument/2006/relationships" xmlns:p="http://schemas.openxmlformats.org/presentationml/2006/main">
   <p:cSld>
     <p:spTree>
@@ -28868,7 +28444,7 @@
                 <a:latin typeface="Tahoma" panose="020B0604030504040204" pitchFamily="34" charset="0"/>
                 <a:ea typeface="ＭＳ Ｐゴシック" panose="020B0600070205080204" pitchFamily="34" charset="-128"/>
               </a:rPr>
-              <a:t>. AP Computer Science Course Description. (2017).</a:t>
+              <a:t>. AP Computer Science Course Description. (2020).</a:t>
             </a:r>
           </a:p>
           <a:p>
@@ -29309,6 +28885,183 @@
     <a:masterClrMapping/>
   </p:clrMapOvr>
   <p:transition/>
+  <p:timing>
+    <p:tnLst>
+      <p:par>
+        <p:cTn id="1" dur="indefinite" restart="never" nodeType="tmRoot">
+          <p:childTnLst>
+            <p:seq concurrent="1" nextAc="seek">
+              <p:cTn id="2" dur="indefinite" nodeType="mainSeq">
+                <p:childTnLst>
+                  <p:par>
+                    <p:cTn id="3" fill="hold">
+                      <p:stCondLst>
+                        <p:cond delay="indefinite"/>
+                      </p:stCondLst>
+                      <p:childTnLst>
+                        <p:par>
+                          <p:cTn id="4" fill="hold">
+                            <p:stCondLst>
+                              <p:cond delay="0"/>
+                            </p:stCondLst>
+                            <p:childTnLst>
+                              <p:par>
+                                <p:cTn id="5" presetID="1" presetClass="entr" presetSubtype="0" fill="hold" nodeType="clickEffect">
+                                  <p:stCondLst>
+                                    <p:cond delay="0"/>
+                                  </p:stCondLst>
+                                  <p:childTnLst>
+                                    <p:set>
+                                      <p:cBhvr>
+                                        <p:cTn id="6" dur="1" fill="hold">
+                                          <p:stCondLst>
+                                            <p:cond delay="0"/>
+                                          </p:stCondLst>
+                                        </p:cTn>
+                                        <p:tgtEl>
+                                          <p:spTgt spid="5">
+                                            <p:txEl>
+                                              <p:pRg st="3" end="3"/>
+                                            </p:txEl>
+                                          </p:spTgt>
+                                        </p:tgtEl>
+                                        <p:attrNameLst>
+                                          <p:attrName>style.visibility</p:attrName>
+                                        </p:attrNameLst>
+                                      </p:cBhvr>
+                                      <p:to>
+                                        <p:strVal val="visible"/>
+                                      </p:to>
+                                    </p:set>
+                                  </p:childTnLst>
+                                </p:cTn>
+                              </p:par>
+                            </p:childTnLst>
+                          </p:cTn>
+                        </p:par>
+                      </p:childTnLst>
+                    </p:cTn>
+                  </p:par>
+                  <p:par>
+                    <p:cTn id="7" fill="hold">
+                      <p:stCondLst>
+                        <p:cond delay="indefinite"/>
+                      </p:stCondLst>
+                      <p:childTnLst>
+                        <p:par>
+                          <p:cTn id="8" fill="hold">
+                            <p:stCondLst>
+                              <p:cond delay="0"/>
+                            </p:stCondLst>
+                            <p:childTnLst>
+                              <p:par>
+                                <p:cTn id="9" presetID="1" presetClass="entr" presetSubtype="0" fill="hold" nodeType="clickEffect">
+                                  <p:stCondLst>
+                                    <p:cond delay="0"/>
+                                  </p:stCondLst>
+                                  <p:childTnLst>
+                                    <p:set>
+                                      <p:cBhvr>
+                                        <p:cTn id="10" dur="1" fill="hold">
+                                          <p:stCondLst>
+                                            <p:cond delay="0"/>
+                                          </p:stCondLst>
+                                        </p:cTn>
+                                        <p:tgtEl>
+                                          <p:spTgt spid="5">
+                                            <p:txEl>
+                                              <p:pRg st="4" end="4"/>
+                                            </p:txEl>
+                                          </p:spTgt>
+                                        </p:tgtEl>
+                                        <p:attrNameLst>
+                                          <p:attrName>style.visibility</p:attrName>
+                                        </p:attrNameLst>
+                                      </p:cBhvr>
+                                      <p:to>
+                                        <p:strVal val="visible"/>
+                                      </p:to>
+                                    </p:set>
+                                  </p:childTnLst>
+                                </p:cTn>
+                              </p:par>
+                            </p:childTnLst>
+                          </p:cTn>
+                        </p:par>
+                      </p:childTnLst>
+                    </p:cTn>
+                  </p:par>
+                  <p:par>
+                    <p:cTn id="11" fill="hold">
+                      <p:stCondLst>
+                        <p:cond delay="indefinite"/>
+                      </p:stCondLst>
+                      <p:childTnLst>
+                        <p:par>
+                          <p:cTn id="12" fill="hold">
+                            <p:stCondLst>
+                              <p:cond delay="0"/>
+                            </p:stCondLst>
+                            <p:childTnLst>
+                              <p:par>
+                                <p:cTn id="13" presetID="1" presetClass="entr" presetSubtype="0" fill="hold" nodeType="clickEffect">
+                                  <p:stCondLst>
+                                    <p:cond delay="0"/>
+                                  </p:stCondLst>
+                                  <p:childTnLst>
+                                    <p:set>
+                                      <p:cBhvr>
+                                        <p:cTn id="14" dur="1" fill="hold">
+                                          <p:stCondLst>
+                                            <p:cond delay="0"/>
+                                          </p:stCondLst>
+                                        </p:cTn>
+                                        <p:tgtEl>
+                                          <p:spTgt spid="5">
+                                            <p:txEl>
+                                              <p:pRg st="5" end="5"/>
+                                            </p:txEl>
+                                          </p:spTgt>
+                                        </p:tgtEl>
+                                        <p:attrNameLst>
+                                          <p:attrName>style.visibility</p:attrName>
+                                        </p:attrNameLst>
+                                      </p:cBhvr>
+                                      <p:to>
+                                        <p:strVal val="visible"/>
+                                      </p:to>
+                                    </p:set>
+                                  </p:childTnLst>
+                                </p:cTn>
+                              </p:par>
+                            </p:childTnLst>
+                          </p:cTn>
+                        </p:par>
+                      </p:childTnLst>
+                    </p:cTn>
+                  </p:par>
+                </p:childTnLst>
+              </p:cTn>
+              <p:prevCondLst>
+                <p:cond evt="onPrev" delay="0">
+                  <p:tgtEl>
+                    <p:sldTgt/>
+                  </p:tgtEl>
+                </p:cond>
+              </p:prevCondLst>
+              <p:nextCondLst>
+                <p:cond evt="onNext" delay="0">
+                  <p:tgtEl>
+                    <p:sldTgt/>
+                  </p:tgtEl>
+                </p:cond>
+              </p:nextCondLst>
+            </p:seq>
+          </p:childTnLst>
+        </p:cTn>
+      </p:par>
+    </p:tnLst>
+  </p:timing>
 </p:sld>
 </file>
 
@@ -29616,10 +29369,16 @@
           </a:p>
           <a:p>
             <a:r>
+              <a:rPr lang="en-US" altLang="en-US" b="1" dirty="0">
+                <a:latin typeface="Gill Sans MT" panose="020B0502020104020203" pitchFamily="34" charset="77"/>
+              </a:rPr>
+              <a:t>Machine learning</a:t>
+            </a:r>
+            <a:r>
               <a:rPr lang="en-US" altLang="en-US" dirty="0">
                 <a:latin typeface="Gill Sans MT" panose="020B0502020104020203" pitchFamily="34" charset="77"/>
               </a:rPr>
-              <a:t>Machine learning and data mining have enabled innovation in medicine, business, and science, but information discovered in this way has also been used to discriminate against groups of individuals. </a:t>
+              <a:t> and data mining have enabled innovation in medicine, business, and science, but information discovered in this way has also been used to discriminate against groups of individuals. </a:t>
             </a:r>
           </a:p>
           <a:p>
@@ -29670,6 +29429,183 @@
     <a:masterClrMapping/>
   </p:clrMapOvr>
   <p:transition/>
+  <p:timing>
+    <p:tnLst>
+      <p:par>
+        <p:cTn id="1" dur="indefinite" restart="never" nodeType="tmRoot">
+          <p:childTnLst>
+            <p:seq concurrent="1" nextAc="seek">
+              <p:cTn id="2" dur="indefinite" nodeType="mainSeq">
+                <p:childTnLst>
+                  <p:par>
+                    <p:cTn id="3" fill="hold">
+                      <p:stCondLst>
+                        <p:cond delay="indefinite"/>
+                      </p:stCondLst>
+                      <p:childTnLst>
+                        <p:par>
+                          <p:cTn id="4" fill="hold">
+                            <p:stCondLst>
+                              <p:cond delay="0"/>
+                            </p:stCondLst>
+                            <p:childTnLst>
+                              <p:par>
+                                <p:cTn id="5" presetID="1" presetClass="entr" presetSubtype="0" fill="hold" nodeType="clickEffect">
+                                  <p:stCondLst>
+                                    <p:cond delay="0"/>
+                                  </p:stCondLst>
+                                  <p:childTnLst>
+                                    <p:set>
+                                      <p:cBhvr>
+                                        <p:cTn id="6" dur="1" fill="hold">
+                                          <p:stCondLst>
+                                            <p:cond delay="0"/>
+                                          </p:stCondLst>
+                                        </p:cTn>
+                                        <p:tgtEl>
+                                          <p:spTgt spid="5">
+                                            <p:txEl>
+                                              <p:pRg st="2" end="2"/>
+                                            </p:txEl>
+                                          </p:spTgt>
+                                        </p:tgtEl>
+                                        <p:attrNameLst>
+                                          <p:attrName>style.visibility</p:attrName>
+                                        </p:attrNameLst>
+                                      </p:cBhvr>
+                                      <p:to>
+                                        <p:strVal val="visible"/>
+                                      </p:to>
+                                    </p:set>
+                                  </p:childTnLst>
+                                </p:cTn>
+                              </p:par>
+                            </p:childTnLst>
+                          </p:cTn>
+                        </p:par>
+                      </p:childTnLst>
+                    </p:cTn>
+                  </p:par>
+                  <p:par>
+                    <p:cTn id="7" fill="hold">
+                      <p:stCondLst>
+                        <p:cond delay="indefinite"/>
+                      </p:stCondLst>
+                      <p:childTnLst>
+                        <p:par>
+                          <p:cTn id="8" fill="hold">
+                            <p:stCondLst>
+                              <p:cond delay="0"/>
+                            </p:stCondLst>
+                            <p:childTnLst>
+                              <p:par>
+                                <p:cTn id="9" presetID="1" presetClass="entr" presetSubtype="0" fill="hold" nodeType="clickEffect">
+                                  <p:stCondLst>
+                                    <p:cond delay="0"/>
+                                  </p:stCondLst>
+                                  <p:childTnLst>
+                                    <p:set>
+                                      <p:cBhvr>
+                                        <p:cTn id="10" dur="1" fill="hold">
+                                          <p:stCondLst>
+                                            <p:cond delay="0"/>
+                                          </p:stCondLst>
+                                        </p:cTn>
+                                        <p:tgtEl>
+                                          <p:spTgt spid="5">
+                                            <p:txEl>
+                                              <p:pRg st="3" end="3"/>
+                                            </p:txEl>
+                                          </p:spTgt>
+                                        </p:tgtEl>
+                                        <p:attrNameLst>
+                                          <p:attrName>style.visibility</p:attrName>
+                                        </p:attrNameLst>
+                                      </p:cBhvr>
+                                      <p:to>
+                                        <p:strVal val="visible"/>
+                                      </p:to>
+                                    </p:set>
+                                  </p:childTnLst>
+                                </p:cTn>
+                              </p:par>
+                            </p:childTnLst>
+                          </p:cTn>
+                        </p:par>
+                      </p:childTnLst>
+                    </p:cTn>
+                  </p:par>
+                  <p:par>
+                    <p:cTn id="11" fill="hold">
+                      <p:stCondLst>
+                        <p:cond delay="indefinite"/>
+                      </p:stCondLst>
+                      <p:childTnLst>
+                        <p:par>
+                          <p:cTn id="12" fill="hold">
+                            <p:stCondLst>
+                              <p:cond delay="0"/>
+                            </p:stCondLst>
+                            <p:childTnLst>
+                              <p:par>
+                                <p:cTn id="13" presetID="1" presetClass="entr" presetSubtype="0" fill="hold" nodeType="clickEffect">
+                                  <p:stCondLst>
+                                    <p:cond delay="0"/>
+                                  </p:stCondLst>
+                                  <p:childTnLst>
+                                    <p:set>
+                                      <p:cBhvr>
+                                        <p:cTn id="14" dur="1" fill="hold">
+                                          <p:stCondLst>
+                                            <p:cond delay="0"/>
+                                          </p:stCondLst>
+                                        </p:cTn>
+                                        <p:tgtEl>
+                                          <p:spTgt spid="5">
+                                            <p:txEl>
+                                              <p:pRg st="5" end="5"/>
+                                            </p:txEl>
+                                          </p:spTgt>
+                                        </p:tgtEl>
+                                        <p:attrNameLst>
+                                          <p:attrName>style.visibility</p:attrName>
+                                        </p:attrNameLst>
+                                      </p:cBhvr>
+                                      <p:to>
+                                        <p:strVal val="visible"/>
+                                      </p:to>
+                                    </p:set>
+                                  </p:childTnLst>
+                                </p:cTn>
+                              </p:par>
+                            </p:childTnLst>
+                          </p:cTn>
+                        </p:par>
+                      </p:childTnLst>
+                    </p:cTn>
+                  </p:par>
+                </p:childTnLst>
+              </p:cTn>
+              <p:prevCondLst>
+                <p:cond evt="onPrev" delay="0">
+                  <p:tgtEl>
+                    <p:sldTgt/>
+                  </p:tgtEl>
+                </p:cond>
+              </p:prevCondLst>
+              <p:nextCondLst>
+                <p:cond evt="onNext" delay="0">
+                  <p:tgtEl>
+                    <p:sldTgt/>
+                  </p:tgtEl>
+                </p:cond>
+              </p:nextCondLst>
+            </p:seq>
+          </p:childTnLst>
+        </p:cTn>
+      </p:par>
+    </p:tnLst>
+  </p:timing>
 </p:sld>
 </file>
 
@@ -30330,7 +30266,7 @@
                 <a:latin typeface="Tahoma" panose="020B0604030504040204" pitchFamily="34" charset="0"/>
                 <a:ea typeface="ＭＳ Ｐゴシック" panose="020B0600070205080204" pitchFamily="34" charset="-128"/>
               </a:rPr>
-              <a:t>for example, in association bias, data for a machine learning model reinforces and/or multiplies a cultural bias. Your dataset may have a collection of jobs in which all men are doctors and all women are nurses. </a:t>
+              <a:t>for example, in association bias, data for a machine learning model reinforces and/or multiplies a cultural bias. Your dataset may have a collection of jobs in which all men are doctors and all women are nurses. Using such a dataset for machine learning algorithms and applying them to candidates may result in bias in the hiring process. </a:t>
             </a:r>
           </a:p>
           <a:p>
@@ -30406,6 +30342,183 @@
     <a:masterClrMapping/>
   </p:clrMapOvr>
   <p:transition/>
+  <p:timing>
+    <p:tnLst>
+      <p:par>
+        <p:cTn id="1" dur="indefinite" restart="never" nodeType="tmRoot">
+          <p:childTnLst>
+            <p:seq concurrent="1" nextAc="seek">
+              <p:cTn id="2" dur="indefinite" nodeType="mainSeq">
+                <p:childTnLst>
+                  <p:par>
+                    <p:cTn id="3" fill="hold">
+                      <p:stCondLst>
+                        <p:cond delay="indefinite"/>
+                      </p:stCondLst>
+                      <p:childTnLst>
+                        <p:par>
+                          <p:cTn id="4" fill="hold">
+                            <p:stCondLst>
+                              <p:cond delay="0"/>
+                            </p:stCondLst>
+                            <p:childTnLst>
+                              <p:par>
+                                <p:cTn id="5" presetID="1" presetClass="entr" presetSubtype="0" fill="hold" nodeType="clickEffect">
+                                  <p:stCondLst>
+                                    <p:cond delay="0"/>
+                                  </p:stCondLst>
+                                  <p:childTnLst>
+                                    <p:set>
+                                      <p:cBhvr>
+                                        <p:cTn id="6" dur="1" fill="hold">
+                                          <p:stCondLst>
+                                            <p:cond delay="0"/>
+                                          </p:stCondLst>
+                                        </p:cTn>
+                                        <p:tgtEl>
+                                          <p:spTgt spid="16386">
+                                            <p:txEl>
+                                              <p:pRg st="2" end="2"/>
+                                            </p:txEl>
+                                          </p:spTgt>
+                                        </p:tgtEl>
+                                        <p:attrNameLst>
+                                          <p:attrName>style.visibility</p:attrName>
+                                        </p:attrNameLst>
+                                      </p:cBhvr>
+                                      <p:to>
+                                        <p:strVal val="visible"/>
+                                      </p:to>
+                                    </p:set>
+                                  </p:childTnLst>
+                                </p:cTn>
+                              </p:par>
+                            </p:childTnLst>
+                          </p:cTn>
+                        </p:par>
+                      </p:childTnLst>
+                    </p:cTn>
+                  </p:par>
+                  <p:par>
+                    <p:cTn id="7" fill="hold">
+                      <p:stCondLst>
+                        <p:cond delay="indefinite"/>
+                      </p:stCondLst>
+                      <p:childTnLst>
+                        <p:par>
+                          <p:cTn id="8" fill="hold">
+                            <p:stCondLst>
+                              <p:cond delay="0"/>
+                            </p:stCondLst>
+                            <p:childTnLst>
+                              <p:par>
+                                <p:cTn id="9" presetID="1" presetClass="entr" presetSubtype="0" fill="hold" nodeType="clickEffect">
+                                  <p:stCondLst>
+                                    <p:cond delay="0"/>
+                                  </p:stCondLst>
+                                  <p:childTnLst>
+                                    <p:set>
+                                      <p:cBhvr>
+                                        <p:cTn id="10" dur="1" fill="hold">
+                                          <p:stCondLst>
+                                            <p:cond delay="0"/>
+                                          </p:stCondLst>
+                                        </p:cTn>
+                                        <p:tgtEl>
+                                          <p:spTgt spid="16386">
+                                            <p:txEl>
+                                              <p:pRg st="4" end="4"/>
+                                            </p:txEl>
+                                          </p:spTgt>
+                                        </p:tgtEl>
+                                        <p:attrNameLst>
+                                          <p:attrName>style.visibility</p:attrName>
+                                        </p:attrNameLst>
+                                      </p:cBhvr>
+                                      <p:to>
+                                        <p:strVal val="visible"/>
+                                      </p:to>
+                                    </p:set>
+                                  </p:childTnLst>
+                                </p:cTn>
+                              </p:par>
+                            </p:childTnLst>
+                          </p:cTn>
+                        </p:par>
+                      </p:childTnLst>
+                    </p:cTn>
+                  </p:par>
+                  <p:par>
+                    <p:cTn id="11" fill="hold">
+                      <p:stCondLst>
+                        <p:cond delay="indefinite"/>
+                      </p:stCondLst>
+                      <p:childTnLst>
+                        <p:par>
+                          <p:cTn id="12" fill="hold">
+                            <p:stCondLst>
+                              <p:cond delay="0"/>
+                            </p:stCondLst>
+                            <p:childTnLst>
+                              <p:par>
+                                <p:cTn id="13" presetID="1" presetClass="entr" presetSubtype="0" fill="hold" nodeType="clickEffect">
+                                  <p:stCondLst>
+                                    <p:cond delay="0"/>
+                                  </p:stCondLst>
+                                  <p:childTnLst>
+                                    <p:set>
+                                      <p:cBhvr>
+                                        <p:cTn id="14" dur="1" fill="hold">
+                                          <p:stCondLst>
+                                            <p:cond delay="0"/>
+                                          </p:stCondLst>
+                                        </p:cTn>
+                                        <p:tgtEl>
+                                          <p:spTgt spid="16386">
+                                            <p:txEl>
+                                              <p:pRg st="6" end="6"/>
+                                            </p:txEl>
+                                          </p:spTgt>
+                                        </p:tgtEl>
+                                        <p:attrNameLst>
+                                          <p:attrName>style.visibility</p:attrName>
+                                        </p:attrNameLst>
+                                      </p:cBhvr>
+                                      <p:to>
+                                        <p:strVal val="visible"/>
+                                      </p:to>
+                                    </p:set>
+                                  </p:childTnLst>
+                                </p:cTn>
+                              </p:par>
+                            </p:childTnLst>
+                          </p:cTn>
+                        </p:par>
+                      </p:childTnLst>
+                    </p:cTn>
+                  </p:par>
+                </p:childTnLst>
+              </p:cTn>
+              <p:prevCondLst>
+                <p:cond evt="onPrev" delay="0">
+                  <p:tgtEl>
+                    <p:sldTgt/>
+                  </p:tgtEl>
+                </p:cond>
+              </p:prevCondLst>
+              <p:nextCondLst>
+                <p:cond evt="onNext" delay="0">
+                  <p:tgtEl>
+                    <p:sldTgt/>
+                  </p:tgtEl>
+                </p:cond>
+              </p:nextCondLst>
+            </p:seq>
+          </p:childTnLst>
+        </p:cTn>
+      </p:par>
+    </p:tnLst>
+  </p:timing>
 </p:sld>
 </file>
 

--- a/courses/apcsp/lect19.pptx
+++ b/courses/apcsp/lect19.pptx
@@ -148,7 +148,7 @@
 <file path=ppt/revisionInfo.xml><?xml version="1.0" encoding="utf-8"?>
 <p1510:revInfo xmlns:a="http://schemas.openxmlformats.org/drawingml/2006/main" xmlns:r="http://schemas.openxmlformats.org/officeDocument/2006/relationships" xmlns:p1510="http://schemas.microsoft.com/office/powerpoint/2015/10/main">
   <p1510:revLst>
-    <p1510:client id="{EAA1E8DF-C35C-6A46-BAE7-931DFAE42A5E}" v="1628" dt="2021-04-05T12:56:00.499"/>
+    <p1510:client id="{EAA1E8DF-C35C-6A46-BAE7-931DFAE42A5E}" v="1941" dt="2021-04-06T12:22:55.419"/>
   </p1510:revLst>
 </p1510:revInfo>
 </file>
@@ -654,7 +654,7 @@
   <pc:docChgLst>
     <pc:chgData name="Long B Nguyen" userId="f59fb8f3-a021-417a-8bc1-65c8d471c621" providerId="ADAL" clId="{EAA1E8DF-C35C-6A46-BAE7-931DFAE42A5E}"/>
     <pc:docChg chg="undo custSel addSld delSld modSld">
-      <pc:chgData name="Long B Nguyen" userId="f59fb8f3-a021-417a-8bc1-65c8d471c621" providerId="ADAL" clId="{EAA1E8DF-C35C-6A46-BAE7-931DFAE42A5E}" dt="2021-04-05T12:56:00.499" v="2931" actId="20577"/>
+      <pc:chgData name="Long B Nguyen" userId="f59fb8f3-a021-417a-8bc1-65c8d471c621" providerId="ADAL" clId="{EAA1E8DF-C35C-6A46-BAE7-931DFAE42A5E}" dt="2021-04-06T12:22:55.418" v="3254"/>
       <pc:docMkLst>
         <pc:docMk/>
       </pc:docMkLst>
@@ -1387,14 +1387,14 @@
           </ac:spMkLst>
         </pc:spChg>
       </pc:sldChg>
-      <pc:sldChg chg="modSp add mod modAnim">
-        <pc:chgData name="Long B Nguyen" userId="f59fb8f3-a021-417a-8bc1-65c8d471c621" providerId="ADAL" clId="{EAA1E8DF-C35C-6A46-BAE7-931DFAE42A5E}" dt="2021-04-05T12:46:53.021" v="2759" actId="20577"/>
+      <pc:sldChg chg="addSp modSp add mod modAnim">
+        <pc:chgData name="Long B Nguyen" userId="f59fb8f3-a021-417a-8bc1-65c8d471c621" providerId="ADAL" clId="{EAA1E8DF-C35C-6A46-BAE7-931DFAE42A5E}" dt="2021-04-06T12:22:55.418" v="3254"/>
         <pc:sldMkLst>
           <pc:docMk/>
           <pc:sldMk cId="655231489" sldId="620"/>
         </pc:sldMkLst>
         <pc:spChg chg="mod">
-          <ac:chgData name="Long B Nguyen" userId="f59fb8f3-a021-417a-8bc1-65c8d471c621" providerId="ADAL" clId="{EAA1E8DF-C35C-6A46-BAE7-931DFAE42A5E}" dt="2021-04-05T12:46:53.021" v="2759" actId="20577"/>
+          <ac:chgData name="Long B Nguyen" userId="f59fb8f3-a021-417a-8bc1-65c8d471c621" providerId="ADAL" clId="{EAA1E8DF-C35C-6A46-BAE7-931DFAE42A5E}" dt="2021-04-06T12:22:16.259" v="3247" actId="20577"/>
           <ac:spMkLst>
             <pc:docMk/>
             <pc:sldMk cId="655231489" sldId="620"/>
@@ -1402,13 +1402,21 @@
           </ac:spMkLst>
         </pc:spChg>
         <pc:spChg chg="mod">
-          <ac:chgData name="Long B Nguyen" userId="f59fb8f3-a021-417a-8bc1-65c8d471c621" providerId="ADAL" clId="{EAA1E8DF-C35C-6A46-BAE7-931DFAE42A5E}" dt="2021-03-31T02:26:33.130" v="2322" actId="1076"/>
+          <ac:chgData name="Long B Nguyen" userId="f59fb8f3-a021-417a-8bc1-65c8d471c621" providerId="ADAL" clId="{EAA1E8DF-C35C-6A46-BAE7-931DFAE42A5E}" dt="2021-04-06T12:20:41.053" v="3139" actId="1076"/>
           <ac:spMkLst>
             <pc:docMk/>
             <pc:sldMk cId="655231489" sldId="620"/>
             <ac:spMk id="47105" creationId="{0ACC1611-F859-5B48-9867-1C1AB1970564}"/>
           </ac:spMkLst>
         </pc:spChg>
+        <pc:picChg chg="add mod">
+          <ac:chgData name="Long B Nguyen" userId="f59fb8f3-a021-417a-8bc1-65c8d471c621" providerId="ADAL" clId="{EAA1E8DF-C35C-6A46-BAE7-931DFAE42A5E}" dt="2021-04-06T12:21:57.915" v="3220" actId="1076"/>
+          <ac:picMkLst>
+            <pc:docMk/>
+            <pc:sldMk cId="655231489" sldId="620"/>
+            <ac:picMk id="2" creationId="{7BE00A55-B3BA-C04F-A546-A852FD66FF22}"/>
+          </ac:picMkLst>
+        </pc:picChg>
       </pc:sldChg>
       <pc:sldChg chg="modSp add mod modAnim">
         <pc:chgData name="Long B Nguyen" userId="f59fb8f3-a021-417a-8bc1-65c8d471c621" providerId="ADAL" clId="{EAA1E8DF-C35C-6A46-BAE7-931DFAE42A5E}" dt="2021-03-30T16:14:07.647" v="1766" actId="20577"/>
@@ -4538,7 +4546,7 @@
           <a:p>
             <a:fld id="{6EDD99D2-A624-5E4F-A4E3-584054837B5A}" type="datetimeFigureOut">
               <a:rPr lang="en-US" smtClean="0"/>
-              <a:t>4/5/21</a:t>
+              <a:t>4/6/21</a:t>
             </a:fld>
             <a:endParaRPr lang="en-US"/>
           </a:p>
@@ -13288,7 +13296,7 @@
           <a:p>
             <a:fld id="{4AAD347D-5ACD-4C99-B74B-A9C85AD731AF}" type="datetimeFigureOut">
               <a:rPr lang="en-US" smtClean="0"/>
-              <a:t>4/5/21</a:t>
+              <a:t>4/6/21</a:t>
             </a:fld>
             <a:endParaRPr lang="en-US" dirty="0"/>
           </a:p>
@@ -13458,7 +13466,7 @@
           <a:p>
             <a:fld id="{4509A250-FF31-4206-8172-F9D3106AACB1}" type="datetimeFigureOut">
               <a:rPr lang="en-US" smtClean="0"/>
-              <a:t>4/5/21</a:t>
+              <a:t>4/6/21</a:t>
             </a:fld>
             <a:endParaRPr lang="en-US" dirty="0"/>
           </a:p>
@@ -13638,7 +13646,7 @@
           <a:p>
             <a:fld id="{4509A250-FF31-4206-8172-F9D3106AACB1}" type="datetimeFigureOut">
               <a:rPr lang="en-US" smtClean="0"/>
-              <a:t>4/5/21</a:t>
+              <a:t>4/6/21</a:t>
             </a:fld>
             <a:endParaRPr lang="en-US" dirty="0"/>
           </a:p>
@@ -13808,7 +13816,7 @@
           <a:p>
             <a:fld id="{4509A250-FF31-4206-8172-F9D3106AACB1}" type="datetimeFigureOut">
               <a:rPr lang="en-US" smtClean="0"/>
-              <a:t>4/5/21</a:t>
+              <a:t>4/6/21</a:t>
             </a:fld>
             <a:endParaRPr lang="en-US" dirty="0"/>
           </a:p>
@@ -14054,7 +14062,7 @@
           <a:p>
             <a:fld id="{9796027F-7875-4030-9381-8BD8C4F21935}" type="datetimeFigureOut">
               <a:rPr lang="en-US" smtClean="0"/>
-              <a:t>4/5/21</a:t>
+              <a:t>4/6/21</a:t>
             </a:fld>
             <a:endParaRPr lang="en-US" dirty="0"/>
           </a:p>
@@ -14286,7 +14294,7 @@
           <a:p>
             <a:fld id="{9796027F-7875-4030-9381-8BD8C4F21935}" type="datetimeFigureOut">
               <a:rPr lang="en-US" smtClean="0"/>
-              <a:t>4/5/21</a:t>
+              <a:t>4/6/21</a:t>
             </a:fld>
             <a:endParaRPr lang="en-US" dirty="0"/>
           </a:p>
@@ -14653,7 +14661,7 @@
           <a:p>
             <a:fld id="{9796027F-7875-4030-9381-8BD8C4F21935}" type="datetimeFigureOut">
               <a:rPr lang="en-US" smtClean="0"/>
-              <a:t>4/5/21</a:t>
+              <a:t>4/6/21</a:t>
             </a:fld>
             <a:endParaRPr lang="en-US" dirty="0"/>
           </a:p>
@@ -14771,7 +14779,7 @@
           <a:p>
             <a:fld id="{4509A250-FF31-4206-8172-F9D3106AACB1}" type="datetimeFigureOut">
               <a:rPr lang="en-US" smtClean="0"/>
-              <a:t>4/5/21</a:t>
+              <a:t>4/6/21</a:t>
             </a:fld>
             <a:endParaRPr lang="en-US" dirty="0"/>
           </a:p>
@@ -14866,7 +14874,7 @@
           <a:p>
             <a:fld id="{4509A250-FF31-4206-8172-F9D3106AACB1}" type="datetimeFigureOut">
               <a:rPr lang="en-US" smtClean="0"/>
-              <a:t>4/5/21</a:t>
+              <a:t>4/6/21</a:t>
             </a:fld>
             <a:endParaRPr lang="en-US" dirty="0"/>
           </a:p>
@@ -15143,7 +15151,7 @@
           <a:p>
             <a:fld id="{4509A250-FF31-4206-8172-F9D3106AACB1}" type="datetimeFigureOut">
               <a:rPr lang="en-US" smtClean="0"/>
-              <a:t>4/5/21</a:t>
+              <a:t>4/6/21</a:t>
             </a:fld>
             <a:endParaRPr lang="en-US" dirty="0"/>
           </a:p>
@@ -15400,7 +15408,7 @@
           <a:p>
             <a:fld id="{4509A250-FF31-4206-8172-F9D3106AACB1}" type="datetimeFigureOut">
               <a:rPr lang="en-US" smtClean="0"/>
-              <a:t>4/5/21</a:t>
+              <a:t>4/6/21</a:t>
             </a:fld>
             <a:endParaRPr lang="en-US" dirty="0"/>
           </a:p>
@@ -15613,7 +15621,7 @@
           <a:p>
             <a:fld id="{4AAD347D-5ACD-4C99-B74B-A9C85AD731AF}" type="datetimeFigureOut">
               <a:rPr lang="en-US" smtClean="0"/>
-              <a:t>4/5/21</a:t>
+              <a:t>4/6/21</a:t>
             </a:fld>
             <a:endParaRPr lang="en-US" dirty="0"/>
           </a:p>
@@ -30195,7 +30203,7 @@
         </p:nvSpPr>
         <p:spPr>
           <a:xfrm>
-            <a:off x="133564" y="127000"/>
+            <a:off x="0" y="24258"/>
             <a:ext cx="7886700" cy="759025"/>
           </a:xfrm>
         </p:spPr>
@@ -30232,13 +30240,52 @@
         </p:nvSpPr>
         <p:spPr>
           <a:xfrm>
-            <a:off x="133565" y="886025"/>
-            <a:ext cx="8897420" cy="4701975"/>
+            <a:off x="113016" y="708917"/>
+            <a:ext cx="8917969" cy="4879083"/>
           </a:xfrm>
         </p:spPr>
         <p:txBody>
           <a:bodyPr/>
           <a:lstStyle/>
+          <a:p>
+            <a:pPr marL="0" indent="0">
+              <a:buNone/>
+            </a:pPr>
+            <a:r>
+              <a:rPr lang="en-US" altLang="en-US" sz="1667" dirty="0">
+                <a:latin typeface="Tahoma" panose="020B0604030504040204" pitchFamily="34" charset="0"/>
+                <a:ea typeface="ＭＳ Ｐゴシック" panose="020B0600070205080204" pitchFamily="34" charset="-128"/>
+              </a:rPr>
+              <a:t>Computing innovations can reflect existing human biases because of biases written into the algorithms or biases in the data used by the innovation. </a:t>
+            </a:r>
+          </a:p>
+          <a:p>
+            <a:r>
+              <a:rPr lang="en-US" altLang="en-US" sz="1667" dirty="0">
+                <a:latin typeface="Tahoma" panose="020B0604030504040204" pitchFamily="34" charset="0"/>
+                <a:ea typeface="ＭＳ Ｐゴシック" panose="020B0600070205080204" pitchFamily="34" charset="-128"/>
+              </a:rPr>
+              <a:t>For example, facial recognition systems are often trained on data sets that contain fewer images of women and minorities than men in the majority.</a:t>
+            </a:r>
+          </a:p>
+          <a:p>
+            <a:r>
+              <a:rPr lang="en-US" altLang="en-US" sz="1667" dirty="0">
+                <a:latin typeface="Tahoma" panose="020B0604030504040204" pitchFamily="34" charset="0"/>
+                <a:ea typeface="ＭＳ Ｐゴシック" panose="020B0600070205080204" pitchFamily="34" charset="-128"/>
+              </a:rPr>
+              <a:t>Alexa, for a time, struggled with understanding different accents</a:t>
+            </a:r>
+          </a:p>
+          <a:p>
+            <a:r>
+              <a:rPr lang="en-US" altLang="en-US" sz="1667" dirty="0">
+                <a:latin typeface="Tahoma" panose="020B0604030504040204" pitchFamily="34" charset="0"/>
+                <a:ea typeface="ＭＳ Ｐゴシック" panose="020B0600070205080204" pitchFamily="34" charset="-128"/>
+              </a:rPr>
+              <a:t>Google translate takes gendered-neutral languages like Filipino, Turkish, Chinese and introduces gender biases in the translations. See a recent tweet below:</a:t>
+            </a:r>
+          </a:p>
           <a:p>
             <a:pPr marL="0" indent="0">
               <a:buNone/>
@@ -30257,16 +30304,43 @@
                 <a:latin typeface="Tahoma" panose="020B0604030504040204" pitchFamily="34" charset="0"/>
                 <a:ea typeface="ＭＳ Ｐゴシック" panose="020B0600070205080204" pitchFamily="34" charset="-128"/>
               </a:rPr>
-              <a:t>Computing innovations can reflect existing human biases because of biases written into the algorithms or biases in the data used by the innovation. </a:t>
-            </a:r>
-          </a:p>
-          <a:p>
+              <a:t>Programmers should take action to </a:t>
+            </a:r>
+          </a:p>
+          <a:p>
+            <a:pPr marL="0" indent="0">
+              <a:buNone/>
+            </a:pPr>
             <a:r>
               <a:rPr lang="en-US" altLang="en-US" sz="1667" dirty="0">
                 <a:latin typeface="Tahoma" panose="020B0604030504040204" pitchFamily="34" charset="0"/>
                 <a:ea typeface="ＭＳ Ｐゴシック" panose="020B0600070205080204" pitchFamily="34" charset="-128"/>
               </a:rPr>
-              <a:t>for example, in association bias, data for a machine learning model reinforces and/or multiplies a cultural bias. Your dataset may have a collection of jobs in which all men are doctors and all women are nurses. Using such a dataset for machine learning algorithms and applying them to candidates may result in bias in the hiring process. </a:t>
+              <a:t>reduce bias in algorithms used for </a:t>
+            </a:r>
+          </a:p>
+          <a:p>
+            <a:pPr marL="0" indent="0">
+              <a:buNone/>
+            </a:pPr>
+            <a:r>
+              <a:rPr lang="en-US" altLang="en-US" sz="1667" dirty="0">
+                <a:latin typeface="Tahoma" panose="020B0604030504040204" pitchFamily="34" charset="0"/>
+                <a:ea typeface="ＭＳ Ｐゴシック" panose="020B0600070205080204" pitchFamily="34" charset="-128"/>
+              </a:rPr>
+              <a:t>computing innovations as a way of </a:t>
+            </a:r>
+          </a:p>
+          <a:p>
+            <a:pPr marL="0" indent="0">
+              <a:buNone/>
+            </a:pPr>
+            <a:r>
+              <a:rPr lang="en-US" altLang="en-US" sz="1667" dirty="0">
+                <a:latin typeface="Tahoma" panose="020B0604030504040204" pitchFamily="34" charset="0"/>
+                <a:ea typeface="ＭＳ Ｐゴシック" panose="020B0600070205080204" pitchFamily="34" charset="-128"/>
+              </a:rPr>
+              <a:t>combating existing human biases. </a:t>
             </a:r>
           </a:p>
           <a:p>
@@ -30287,7 +30361,19 @@
                 <a:latin typeface="Tahoma" panose="020B0604030504040204" pitchFamily="34" charset="0"/>
                 <a:ea typeface="ＭＳ Ｐゴシック" panose="020B0600070205080204" pitchFamily="34" charset="-128"/>
               </a:rPr>
-              <a:t>Programmers should take action to reduce bias in algorithms used for computing innovations as a way of combating existing human biases. </a:t>
+              <a:t>Biases can be embedded at all levels </a:t>
+            </a:r>
+          </a:p>
+          <a:p>
+            <a:pPr marL="0" indent="0">
+              <a:buNone/>
+            </a:pPr>
+            <a:r>
+              <a:rPr lang="en-US" altLang="en-US" sz="1667" dirty="0">
+                <a:latin typeface="Tahoma" panose="020B0604030504040204" pitchFamily="34" charset="0"/>
+                <a:ea typeface="ＭＳ Ｐゴシック" panose="020B0600070205080204" pitchFamily="34" charset="-128"/>
+              </a:rPr>
+              <a:t>of software development. </a:t>
             </a:r>
           </a:p>
           <a:p>
@@ -30300,18 +30386,6 @@
             </a:endParaRPr>
           </a:p>
           <a:p>
-            <a:pPr marL="0" indent="0">
-              <a:buNone/>
-            </a:pPr>
-            <a:r>
-              <a:rPr lang="en-US" altLang="en-US" sz="1667" dirty="0">
-                <a:latin typeface="Tahoma" panose="020B0604030504040204" pitchFamily="34" charset="0"/>
-                <a:ea typeface="ＭＳ Ｐゴシック" panose="020B0600070205080204" pitchFamily="34" charset="-128"/>
-              </a:rPr>
-              <a:t>Biases can be embedded at all levels of software development. </a:t>
-            </a:r>
-          </a:p>
-          <a:p>
             <a:pPr marL="0" indent="0" eaLnBrk="1" hangingPunct="1">
               <a:buNone/>
             </a:pPr>
@@ -30320,17 +30394,38 @@
               <a:ea typeface="ＭＳ Ｐゴシック" panose="020B0600070205080204" pitchFamily="34" charset="-128"/>
             </a:endParaRPr>
           </a:p>
-          <a:p>
-            <a:pPr marL="0" indent="0" eaLnBrk="1" hangingPunct="1">
-              <a:buNone/>
-            </a:pPr>
-            <a:endParaRPr lang="en-US" altLang="en-US" sz="1667" dirty="0">
-              <a:latin typeface="Tahoma" panose="020B0604030504040204" pitchFamily="34" charset="0"/>
-              <a:ea typeface="ＭＳ Ｐゴシック" panose="020B0600070205080204" pitchFamily="34" charset="-128"/>
-            </a:endParaRPr>
-          </a:p>
         </p:txBody>
       </p:sp>
+      <p:pic>
+        <p:nvPicPr>
+          <p:cNvPr id="2" name="Picture 1">
+            <a:extLst>
+              <a:ext uri="{FF2B5EF4-FFF2-40B4-BE49-F238E27FC236}">
+                <a16:creationId xmlns:a16="http://schemas.microsoft.com/office/drawing/2014/main" id="{7BE00A55-B3BA-C04F-A546-A852FD66FF22}"/>
+              </a:ext>
+            </a:extLst>
+          </p:cNvPr>
+          <p:cNvPicPr>
+            <a:picLocks noChangeAspect="1"/>
+          </p:cNvPicPr>
+          <p:nvPr/>
+        </p:nvPicPr>
+        <p:blipFill>
+          <a:blip r:embed="rId3"/>
+          <a:stretch>
+            <a:fillRect/>
+          </a:stretch>
+        </p:blipFill>
+        <p:spPr>
+          <a:xfrm>
+            <a:off x="3850883" y="2763283"/>
+            <a:ext cx="5087634" cy="2951717"/>
+          </a:xfrm>
+          <a:prstGeom prst="rect">
+            <a:avLst/>
+          </a:prstGeom>
+        </p:spPr>
+      </p:pic>
     </p:spTree>
     <p:extLst>
       <p:ext uri="{BB962C8B-B14F-4D97-AF65-F5344CB8AC3E}">
@@ -30378,7 +30473,7 @@
                                         <p:tgtEl>
                                           <p:spTgt spid="16386">
                                             <p:txEl>
-                                              <p:pRg st="2" end="2"/>
+                                              <p:pRg st="1" end="1"/>
                                             </p:txEl>
                                           </p:spTgt>
                                         </p:tgtEl>
@@ -30427,7 +30522,7 @@
                                         <p:tgtEl>
                                           <p:spTgt spid="16386">
                                             <p:txEl>
-                                              <p:pRg st="4" end="4"/>
+                                              <p:pRg st="2" end="2"/>
                                             </p:txEl>
                                           </p:spTgt>
                                         </p:tgtEl>
@@ -30476,7 +30571,274 @@
                                         <p:tgtEl>
                                           <p:spTgt spid="16386">
                                             <p:txEl>
+                                              <p:pRg st="3" end="3"/>
+                                            </p:txEl>
+                                          </p:spTgt>
+                                        </p:tgtEl>
+                                        <p:attrNameLst>
+                                          <p:attrName>style.visibility</p:attrName>
+                                        </p:attrNameLst>
+                                      </p:cBhvr>
+                                      <p:to>
+                                        <p:strVal val="visible"/>
+                                      </p:to>
+                                    </p:set>
+                                  </p:childTnLst>
+                                </p:cTn>
+                              </p:par>
+                            </p:childTnLst>
+                          </p:cTn>
+                        </p:par>
+                      </p:childTnLst>
+                    </p:cTn>
+                  </p:par>
+                  <p:par>
+                    <p:cTn id="15" fill="hold">
+                      <p:stCondLst>
+                        <p:cond delay="indefinite"/>
+                      </p:stCondLst>
+                      <p:childTnLst>
+                        <p:par>
+                          <p:cTn id="16" fill="hold">
+                            <p:stCondLst>
+                              <p:cond delay="0"/>
+                            </p:stCondLst>
+                            <p:childTnLst>
+                              <p:par>
+                                <p:cTn id="17" presetID="1" presetClass="entr" presetSubtype="0" fill="hold" nodeType="clickEffect">
+                                  <p:stCondLst>
+                                    <p:cond delay="0"/>
+                                  </p:stCondLst>
+                                  <p:childTnLst>
+                                    <p:set>
+                                      <p:cBhvr>
+                                        <p:cTn id="18" dur="1" fill="hold">
+                                          <p:stCondLst>
+                                            <p:cond delay="0"/>
+                                          </p:stCondLst>
+                                        </p:cTn>
+                                        <p:tgtEl>
+                                          <p:spTgt spid="2"/>
+                                        </p:tgtEl>
+                                        <p:attrNameLst>
+                                          <p:attrName>style.visibility</p:attrName>
+                                        </p:attrNameLst>
+                                      </p:cBhvr>
+                                      <p:to>
+                                        <p:strVal val="visible"/>
+                                      </p:to>
+                                    </p:set>
+                                  </p:childTnLst>
+                                </p:cTn>
+                              </p:par>
+                            </p:childTnLst>
+                          </p:cTn>
+                        </p:par>
+                      </p:childTnLst>
+                    </p:cTn>
+                  </p:par>
+                  <p:par>
+                    <p:cTn id="19" fill="hold">
+                      <p:stCondLst>
+                        <p:cond delay="indefinite"/>
+                      </p:stCondLst>
+                      <p:childTnLst>
+                        <p:par>
+                          <p:cTn id="20" fill="hold">
+                            <p:stCondLst>
+                              <p:cond delay="0"/>
+                            </p:stCondLst>
+                            <p:childTnLst>
+                              <p:par>
+                                <p:cTn id="21" presetID="1" presetClass="entr" presetSubtype="0" fill="hold" nodeType="clickEffect">
+                                  <p:stCondLst>
+                                    <p:cond delay="0"/>
+                                  </p:stCondLst>
+                                  <p:childTnLst>
+                                    <p:set>
+                                      <p:cBhvr>
+                                        <p:cTn id="22" dur="1" fill="hold">
+                                          <p:stCondLst>
+                                            <p:cond delay="0"/>
+                                          </p:stCondLst>
+                                        </p:cTn>
+                                        <p:tgtEl>
+                                          <p:spTgt spid="16386">
+                                            <p:txEl>
+                                              <p:pRg st="5" end="5"/>
+                                            </p:txEl>
+                                          </p:spTgt>
+                                        </p:tgtEl>
+                                        <p:attrNameLst>
+                                          <p:attrName>style.visibility</p:attrName>
+                                        </p:attrNameLst>
+                                      </p:cBhvr>
+                                      <p:to>
+                                        <p:strVal val="visible"/>
+                                      </p:to>
+                                    </p:set>
+                                  </p:childTnLst>
+                                </p:cTn>
+                              </p:par>
+                              <p:par>
+                                <p:cTn id="23" presetID="1" presetClass="entr" presetSubtype="0" fill="hold" nodeType="withEffect">
+                                  <p:stCondLst>
+                                    <p:cond delay="0"/>
+                                  </p:stCondLst>
+                                  <p:childTnLst>
+                                    <p:set>
+                                      <p:cBhvr>
+                                        <p:cTn id="24" dur="1" fill="hold">
+                                          <p:stCondLst>
+                                            <p:cond delay="0"/>
+                                          </p:stCondLst>
+                                        </p:cTn>
+                                        <p:tgtEl>
+                                          <p:spTgt spid="16386">
+                                            <p:txEl>
                                               <p:pRg st="6" end="6"/>
+                                            </p:txEl>
+                                          </p:spTgt>
+                                        </p:tgtEl>
+                                        <p:attrNameLst>
+                                          <p:attrName>style.visibility</p:attrName>
+                                        </p:attrNameLst>
+                                      </p:cBhvr>
+                                      <p:to>
+                                        <p:strVal val="visible"/>
+                                      </p:to>
+                                    </p:set>
+                                  </p:childTnLst>
+                                </p:cTn>
+                              </p:par>
+                              <p:par>
+                                <p:cTn id="25" presetID="1" presetClass="entr" presetSubtype="0" fill="hold" nodeType="withEffect">
+                                  <p:stCondLst>
+                                    <p:cond delay="0"/>
+                                  </p:stCondLst>
+                                  <p:childTnLst>
+                                    <p:set>
+                                      <p:cBhvr>
+                                        <p:cTn id="26" dur="1" fill="hold">
+                                          <p:stCondLst>
+                                            <p:cond delay="0"/>
+                                          </p:stCondLst>
+                                        </p:cTn>
+                                        <p:tgtEl>
+                                          <p:spTgt spid="16386">
+                                            <p:txEl>
+                                              <p:pRg st="7" end="7"/>
+                                            </p:txEl>
+                                          </p:spTgt>
+                                        </p:tgtEl>
+                                        <p:attrNameLst>
+                                          <p:attrName>style.visibility</p:attrName>
+                                        </p:attrNameLst>
+                                      </p:cBhvr>
+                                      <p:to>
+                                        <p:strVal val="visible"/>
+                                      </p:to>
+                                    </p:set>
+                                  </p:childTnLst>
+                                </p:cTn>
+                              </p:par>
+                              <p:par>
+                                <p:cTn id="27" presetID="1" presetClass="entr" presetSubtype="0" fill="hold" nodeType="withEffect">
+                                  <p:stCondLst>
+                                    <p:cond delay="0"/>
+                                  </p:stCondLst>
+                                  <p:childTnLst>
+                                    <p:set>
+                                      <p:cBhvr>
+                                        <p:cTn id="28" dur="1" fill="hold">
+                                          <p:stCondLst>
+                                            <p:cond delay="0"/>
+                                          </p:stCondLst>
+                                        </p:cTn>
+                                        <p:tgtEl>
+                                          <p:spTgt spid="16386">
+                                            <p:txEl>
+                                              <p:pRg st="8" end="8"/>
+                                            </p:txEl>
+                                          </p:spTgt>
+                                        </p:tgtEl>
+                                        <p:attrNameLst>
+                                          <p:attrName>style.visibility</p:attrName>
+                                        </p:attrNameLst>
+                                      </p:cBhvr>
+                                      <p:to>
+                                        <p:strVal val="visible"/>
+                                      </p:to>
+                                    </p:set>
+                                  </p:childTnLst>
+                                </p:cTn>
+                              </p:par>
+                            </p:childTnLst>
+                          </p:cTn>
+                        </p:par>
+                      </p:childTnLst>
+                    </p:cTn>
+                  </p:par>
+                  <p:par>
+                    <p:cTn id="29" fill="hold">
+                      <p:stCondLst>
+                        <p:cond delay="indefinite"/>
+                      </p:stCondLst>
+                      <p:childTnLst>
+                        <p:par>
+                          <p:cTn id="30" fill="hold">
+                            <p:stCondLst>
+                              <p:cond delay="0"/>
+                            </p:stCondLst>
+                            <p:childTnLst>
+                              <p:par>
+                                <p:cTn id="31" presetID="1" presetClass="entr" presetSubtype="0" fill="hold" nodeType="clickEffect">
+                                  <p:stCondLst>
+                                    <p:cond delay="0"/>
+                                  </p:stCondLst>
+                                  <p:childTnLst>
+                                    <p:set>
+                                      <p:cBhvr>
+                                        <p:cTn id="32" dur="1" fill="hold">
+                                          <p:stCondLst>
+                                            <p:cond delay="0"/>
+                                          </p:stCondLst>
+                                        </p:cTn>
+                                        <p:tgtEl>
+                                          <p:spTgt spid="16386">
+                                            <p:txEl>
+                                              <p:pRg st="10" end="10"/>
+                                            </p:txEl>
+                                          </p:spTgt>
+                                        </p:tgtEl>
+                                        <p:attrNameLst>
+                                          <p:attrName>style.visibility</p:attrName>
+                                        </p:attrNameLst>
+                                      </p:cBhvr>
+                                      <p:to>
+                                        <p:strVal val="visible"/>
+                                      </p:to>
+                                    </p:set>
+                                  </p:childTnLst>
+                                </p:cTn>
+                              </p:par>
+                              <p:par>
+                                <p:cTn id="33" presetID="1" presetClass="entr" presetSubtype="0" fill="hold" nodeType="withEffect">
+                                  <p:stCondLst>
+                                    <p:cond delay="0"/>
+                                  </p:stCondLst>
+                                  <p:childTnLst>
+                                    <p:set>
+                                      <p:cBhvr>
+                                        <p:cTn id="34" dur="1" fill="hold">
+                                          <p:stCondLst>
+                                            <p:cond delay="0"/>
+                                          </p:stCondLst>
+                                        </p:cTn>
+                                        <p:tgtEl>
+                                          <p:spTgt spid="16386">
+                                            <p:txEl>
+                                              <p:pRg st="11" end="11"/>
                                             </p:txEl>
                                           </p:spTgt>
                                         </p:tgtEl>

--- a/courses/apcsp/lect19.pptx
+++ b/courses/apcsp/lect19.pptx
@@ -148,7 +148,7 @@
 <file path=ppt/revisionInfo.xml><?xml version="1.0" encoding="utf-8"?>
 <p1510:revInfo xmlns:a="http://schemas.openxmlformats.org/drawingml/2006/main" xmlns:r="http://schemas.openxmlformats.org/officeDocument/2006/relationships" xmlns:p1510="http://schemas.microsoft.com/office/powerpoint/2015/10/main">
   <p1510:revLst>
-    <p1510:client id="{EAA1E8DF-C35C-6A46-BAE7-931DFAE42A5E}" v="1941" dt="2021-04-06T12:22:55.419"/>
+    <p1510:client id="{EAA1E8DF-C35C-6A46-BAE7-931DFAE42A5E}" v="1945" dt="2021-04-06T12:29:43.353"/>
   </p1510:revLst>
 </p1510:revInfo>
 </file>
@@ -654,7 +654,7 @@
   <pc:docChgLst>
     <pc:chgData name="Long B Nguyen" userId="f59fb8f3-a021-417a-8bc1-65c8d471c621" providerId="ADAL" clId="{EAA1E8DF-C35C-6A46-BAE7-931DFAE42A5E}"/>
     <pc:docChg chg="undo custSel addSld delSld modSld">
-      <pc:chgData name="Long B Nguyen" userId="f59fb8f3-a021-417a-8bc1-65c8d471c621" providerId="ADAL" clId="{EAA1E8DF-C35C-6A46-BAE7-931DFAE42A5E}" dt="2021-04-06T12:22:55.418" v="3254"/>
+      <pc:chgData name="Long B Nguyen" userId="f59fb8f3-a021-417a-8bc1-65c8d471c621" providerId="ADAL" clId="{EAA1E8DF-C35C-6A46-BAE7-931DFAE42A5E}" dt="2021-04-06T12:29:43.353" v="3259" actId="20577"/>
       <pc:docMkLst>
         <pc:docMk/>
       </pc:docMkLst>
@@ -964,7 +964,7 @@
         </pc:picChg>
       </pc:sldChg>
       <pc:sldChg chg="modSp mod modAnim">
-        <pc:chgData name="Long B Nguyen" userId="f59fb8f3-a021-417a-8bc1-65c8d471c621" providerId="ADAL" clId="{EAA1E8DF-C35C-6A46-BAE7-931DFAE42A5E}" dt="2021-04-05T12:08:59.180" v="2431"/>
+        <pc:chgData name="Long B Nguyen" userId="f59fb8f3-a021-417a-8bc1-65c8d471c621" providerId="ADAL" clId="{EAA1E8DF-C35C-6A46-BAE7-931DFAE42A5E}" dt="2021-04-06T12:29:43.353" v="3259" actId="20577"/>
         <pc:sldMkLst>
           <pc:docMk/>
           <pc:sldMk cId="4205479306" sldId="594"/>
@@ -978,7 +978,7 @@
           </ac:spMkLst>
         </pc:spChg>
         <pc:spChg chg="mod">
-          <ac:chgData name="Long B Nguyen" userId="f59fb8f3-a021-417a-8bc1-65c8d471c621" providerId="ADAL" clId="{EAA1E8DF-C35C-6A46-BAE7-931DFAE42A5E}" dt="2021-03-26T15:42:52.426" v="181" actId="20577"/>
+          <ac:chgData name="Long B Nguyen" userId="f59fb8f3-a021-417a-8bc1-65c8d471c621" providerId="ADAL" clId="{EAA1E8DF-C35C-6A46-BAE7-931DFAE42A5E}" dt="2021-04-06T12:29:43.353" v="3259" actId="20577"/>
           <ac:spMkLst>
             <pc:docMk/>
             <pc:sldMk cId="4205479306" sldId="594"/>
@@ -3166,6 +3166,220 @@
     </pc:docChg>
   </pc:docChgLst>
   <pc:docChgLst>
+    <pc:chgData name="Long B Nguyen" userId="f59fb8f3-a021-417a-8bc1-65c8d471c621" providerId="ADAL" clId="{CC9C9D9A-5149-2947-86C0-576F501F60DC}"/>
+    <pc:docChg chg="addSld modSld">
+      <pc:chgData name="Long B Nguyen" userId="f59fb8f3-a021-417a-8bc1-65c8d471c621" providerId="ADAL" clId="{CC9C9D9A-5149-2947-86C0-576F501F60DC}" dt="2020-01-05T21:59:55.597" v="2392" actId="14100"/>
+      <pc:docMkLst>
+        <pc:docMk/>
+      </pc:docMkLst>
+      <pc:sldChg chg="modSp add modAnim">
+        <pc:chgData name="Long B Nguyen" userId="f59fb8f3-a021-417a-8bc1-65c8d471c621" providerId="ADAL" clId="{CC9C9D9A-5149-2947-86C0-576F501F60DC}" dt="2020-01-04T15:49:37.373" v="563" actId="20577"/>
+        <pc:sldMkLst>
+          <pc:docMk/>
+          <pc:sldMk cId="924617162" sldId="319"/>
+        </pc:sldMkLst>
+        <pc:spChg chg="mod">
+          <ac:chgData name="Long B Nguyen" userId="f59fb8f3-a021-417a-8bc1-65c8d471c621" providerId="ADAL" clId="{CC9C9D9A-5149-2947-86C0-576F501F60DC}" dt="2020-01-04T15:45:14.876" v="4" actId="20577"/>
+          <ac:spMkLst>
+            <pc:docMk/>
+            <pc:sldMk cId="924617162" sldId="319"/>
+            <ac:spMk id="2" creationId="{AA3A228F-61D0-D949-A5E7-F83756230BF8}"/>
+          </ac:spMkLst>
+        </pc:spChg>
+        <pc:spChg chg="mod">
+          <ac:chgData name="Long B Nguyen" userId="f59fb8f3-a021-417a-8bc1-65c8d471c621" providerId="ADAL" clId="{CC9C9D9A-5149-2947-86C0-576F501F60DC}" dt="2020-01-04T15:49:37.373" v="563" actId="20577"/>
+          <ac:spMkLst>
+            <pc:docMk/>
+            <pc:sldMk cId="924617162" sldId="319"/>
+            <ac:spMk id="9" creationId="{E3B2E017-30B2-884B-A113-B419A2ED51AD}"/>
+          </ac:spMkLst>
+        </pc:spChg>
+      </pc:sldChg>
+      <pc:sldChg chg="modSp add">
+        <pc:chgData name="Long B Nguyen" userId="f59fb8f3-a021-417a-8bc1-65c8d471c621" providerId="ADAL" clId="{CC9C9D9A-5149-2947-86C0-576F501F60DC}" dt="2020-01-04T15:57:55.835" v="789" actId="14100"/>
+        <pc:sldMkLst>
+          <pc:docMk/>
+          <pc:sldMk cId="3758830494" sldId="320"/>
+        </pc:sldMkLst>
+        <pc:spChg chg="mod">
+          <ac:chgData name="Long B Nguyen" userId="f59fb8f3-a021-417a-8bc1-65c8d471c621" providerId="ADAL" clId="{CC9C9D9A-5149-2947-86C0-576F501F60DC}" dt="2020-01-04T15:57:52.065" v="788" actId="1076"/>
+          <ac:spMkLst>
+            <pc:docMk/>
+            <pc:sldMk cId="3758830494" sldId="320"/>
+            <ac:spMk id="2" creationId="{AA3A228F-61D0-D949-A5E7-F83756230BF8}"/>
+          </ac:spMkLst>
+        </pc:spChg>
+        <pc:spChg chg="mod">
+          <ac:chgData name="Long B Nguyen" userId="f59fb8f3-a021-417a-8bc1-65c8d471c621" providerId="ADAL" clId="{CC9C9D9A-5149-2947-86C0-576F501F60DC}" dt="2020-01-04T15:57:55.835" v="789" actId="14100"/>
+          <ac:spMkLst>
+            <pc:docMk/>
+            <pc:sldMk cId="3758830494" sldId="320"/>
+            <ac:spMk id="9" creationId="{E3B2E017-30B2-884B-A113-B419A2ED51AD}"/>
+          </ac:spMkLst>
+        </pc:spChg>
+      </pc:sldChg>
+      <pc:sldChg chg="modSp add">
+        <pc:chgData name="Long B Nguyen" userId="f59fb8f3-a021-417a-8bc1-65c8d471c621" providerId="ADAL" clId="{CC9C9D9A-5149-2947-86C0-576F501F60DC}" dt="2020-01-05T21:51:37.442" v="2325" actId="20577"/>
+        <pc:sldMkLst>
+          <pc:docMk/>
+          <pc:sldMk cId="1022945305" sldId="321"/>
+        </pc:sldMkLst>
+        <pc:spChg chg="mod">
+          <ac:chgData name="Long B Nguyen" userId="f59fb8f3-a021-417a-8bc1-65c8d471c621" providerId="ADAL" clId="{CC9C9D9A-5149-2947-86C0-576F501F60DC}" dt="2020-01-05T21:51:37.442" v="2325" actId="20577"/>
+          <ac:spMkLst>
+            <pc:docMk/>
+            <pc:sldMk cId="1022945305" sldId="321"/>
+            <ac:spMk id="2" creationId="{AA3A228F-61D0-D949-A5E7-F83756230BF8}"/>
+          </ac:spMkLst>
+        </pc:spChg>
+        <pc:spChg chg="mod">
+          <ac:chgData name="Long B Nguyen" userId="f59fb8f3-a021-417a-8bc1-65c8d471c621" providerId="ADAL" clId="{CC9C9D9A-5149-2947-86C0-576F501F60DC}" dt="2020-01-05T21:33:21.485" v="2304" actId="20577"/>
+          <ac:spMkLst>
+            <pc:docMk/>
+            <pc:sldMk cId="1022945305" sldId="321"/>
+            <ac:spMk id="9" creationId="{E3B2E017-30B2-884B-A113-B419A2ED51AD}"/>
+          </ac:spMkLst>
+        </pc:spChg>
+      </pc:sldChg>
+      <pc:sldChg chg="modSp add">
+        <pc:chgData name="Long B Nguyen" userId="f59fb8f3-a021-417a-8bc1-65c8d471c621" providerId="ADAL" clId="{CC9C9D9A-5149-2947-86C0-576F501F60DC}" dt="2020-01-04T17:41:57.489" v="1203" actId="20577"/>
+        <pc:sldMkLst>
+          <pc:docMk/>
+          <pc:sldMk cId="3456840474" sldId="322"/>
+        </pc:sldMkLst>
+        <pc:spChg chg="mod">
+          <ac:chgData name="Long B Nguyen" userId="f59fb8f3-a021-417a-8bc1-65c8d471c621" providerId="ADAL" clId="{CC9C9D9A-5149-2947-86C0-576F501F60DC}" dt="2020-01-04T17:41:57.489" v="1203" actId="20577"/>
+          <ac:spMkLst>
+            <pc:docMk/>
+            <pc:sldMk cId="3456840474" sldId="322"/>
+            <ac:spMk id="9" creationId="{E3B2E017-30B2-884B-A113-B419A2ED51AD}"/>
+          </ac:spMkLst>
+        </pc:spChg>
+      </pc:sldChg>
+      <pc:sldChg chg="modSp add">
+        <pc:chgData name="Long B Nguyen" userId="f59fb8f3-a021-417a-8bc1-65c8d471c621" providerId="ADAL" clId="{CC9C9D9A-5149-2947-86C0-576F501F60DC}" dt="2020-01-04T18:38:26.241" v="1214" actId="113"/>
+        <pc:sldMkLst>
+          <pc:docMk/>
+          <pc:sldMk cId="1062075874" sldId="323"/>
+        </pc:sldMkLst>
+        <pc:spChg chg="mod">
+          <ac:chgData name="Long B Nguyen" userId="f59fb8f3-a021-417a-8bc1-65c8d471c621" providerId="ADAL" clId="{CC9C9D9A-5149-2947-86C0-576F501F60DC}" dt="2020-01-04T18:38:26.241" v="1214" actId="113"/>
+          <ac:spMkLst>
+            <pc:docMk/>
+            <pc:sldMk cId="1062075874" sldId="323"/>
+            <ac:spMk id="9" creationId="{E3B2E017-30B2-884B-A113-B419A2ED51AD}"/>
+          </ac:spMkLst>
+        </pc:spChg>
+      </pc:sldChg>
+      <pc:sldChg chg="modSp add">
+        <pc:chgData name="Long B Nguyen" userId="f59fb8f3-a021-417a-8bc1-65c8d471c621" providerId="ADAL" clId="{CC9C9D9A-5149-2947-86C0-576F501F60DC}" dt="2020-01-04T20:58:36.932" v="1972" actId="20577"/>
+        <pc:sldMkLst>
+          <pc:docMk/>
+          <pc:sldMk cId="1310010799" sldId="324"/>
+        </pc:sldMkLst>
+        <pc:spChg chg="mod">
+          <ac:chgData name="Long B Nguyen" userId="f59fb8f3-a021-417a-8bc1-65c8d471c621" providerId="ADAL" clId="{CC9C9D9A-5149-2947-86C0-576F501F60DC}" dt="2020-01-04T20:55:25.731" v="1962" actId="1076"/>
+          <ac:spMkLst>
+            <pc:docMk/>
+            <pc:sldMk cId="1310010799" sldId="324"/>
+            <ac:spMk id="2" creationId="{AA3A228F-61D0-D949-A5E7-F83756230BF8}"/>
+          </ac:spMkLst>
+        </pc:spChg>
+        <pc:spChg chg="mod">
+          <ac:chgData name="Long B Nguyen" userId="f59fb8f3-a021-417a-8bc1-65c8d471c621" providerId="ADAL" clId="{CC9C9D9A-5149-2947-86C0-576F501F60DC}" dt="2020-01-04T20:58:36.932" v="1972" actId="20577"/>
+          <ac:spMkLst>
+            <pc:docMk/>
+            <pc:sldMk cId="1310010799" sldId="324"/>
+            <ac:spMk id="9" creationId="{E3B2E017-30B2-884B-A113-B419A2ED51AD}"/>
+          </ac:spMkLst>
+        </pc:spChg>
+      </pc:sldChg>
+      <pc:sldChg chg="modSp add">
+        <pc:chgData name="Long B Nguyen" userId="f59fb8f3-a021-417a-8bc1-65c8d471c621" providerId="ADAL" clId="{CC9C9D9A-5149-2947-86C0-576F501F60DC}" dt="2020-01-05T21:27:04.952" v="2119" actId="20577"/>
+        <pc:sldMkLst>
+          <pc:docMk/>
+          <pc:sldMk cId="3314372952" sldId="325"/>
+        </pc:sldMkLst>
+        <pc:spChg chg="mod">
+          <ac:chgData name="Long B Nguyen" userId="f59fb8f3-a021-417a-8bc1-65c8d471c621" providerId="ADAL" clId="{CC9C9D9A-5149-2947-86C0-576F501F60DC}" dt="2020-01-05T21:26:41.210" v="2114" actId="20577"/>
+          <ac:spMkLst>
+            <pc:docMk/>
+            <pc:sldMk cId="3314372952" sldId="325"/>
+            <ac:spMk id="2" creationId="{AA3A228F-61D0-D949-A5E7-F83756230BF8}"/>
+          </ac:spMkLst>
+        </pc:spChg>
+        <pc:spChg chg="mod">
+          <ac:chgData name="Long B Nguyen" userId="f59fb8f3-a021-417a-8bc1-65c8d471c621" providerId="ADAL" clId="{CC9C9D9A-5149-2947-86C0-576F501F60DC}" dt="2020-01-05T21:27:04.952" v="2119" actId="20577"/>
+          <ac:spMkLst>
+            <pc:docMk/>
+            <pc:sldMk cId="3314372952" sldId="325"/>
+            <ac:spMk id="9" creationId="{E3B2E017-30B2-884B-A113-B419A2ED51AD}"/>
+          </ac:spMkLst>
+        </pc:spChg>
+      </pc:sldChg>
+      <pc:sldChg chg="modSp add">
+        <pc:chgData name="Long B Nguyen" userId="f59fb8f3-a021-417a-8bc1-65c8d471c621" providerId="ADAL" clId="{CC9C9D9A-5149-2947-86C0-576F501F60DC}" dt="2020-01-05T21:29:58.563" v="2178" actId="20577"/>
+        <pc:sldMkLst>
+          <pc:docMk/>
+          <pc:sldMk cId="3117943122" sldId="326"/>
+        </pc:sldMkLst>
+        <pc:spChg chg="mod">
+          <ac:chgData name="Long B Nguyen" userId="f59fb8f3-a021-417a-8bc1-65c8d471c621" providerId="ADAL" clId="{CC9C9D9A-5149-2947-86C0-576F501F60DC}" dt="2020-01-05T21:29:58.563" v="2178" actId="20577"/>
+          <ac:spMkLst>
+            <pc:docMk/>
+            <pc:sldMk cId="3117943122" sldId="326"/>
+            <ac:spMk id="9" creationId="{E3B2E017-30B2-884B-A113-B419A2ED51AD}"/>
+          </ac:spMkLst>
+        </pc:spChg>
+      </pc:sldChg>
+      <pc:sldChg chg="modSp add">
+        <pc:chgData name="Long B Nguyen" userId="f59fb8f3-a021-417a-8bc1-65c8d471c621" providerId="ADAL" clId="{CC9C9D9A-5149-2947-86C0-576F501F60DC}" dt="2020-01-05T21:59:55.597" v="2392" actId="14100"/>
+        <pc:sldMkLst>
+          <pc:docMk/>
+          <pc:sldMk cId="1025618360" sldId="327"/>
+        </pc:sldMkLst>
+        <pc:spChg chg="mod">
+          <ac:chgData name="Long B Nguyen" userId="f59fb8f3-a021-417a-8bc1-65c8d471c621" providerId="ADAL" clId="{CC9C9D9A-5149-2947-86C0-576F501F60DC}" dt="2020-01-05T21:59:55.597" v="2392" actId="14100"/>
+          <ac:spMkLst>
+            <pc:docMk/>
+            <pc:sldMk cId="1025618360" sldId="327"/>
+            <ac:spMk id="9" creationId="{E3B2E017-30B2-884B-A113-B419A2ED51AD}"/>
+          </ac:spMkLst>
+        </pc:spChg>
+      </pc:sldChg>
+      <pc:sldChg chg="modSp add">
+        <pc:chgData name="Long B Nguyen" userId="f59fb8f3-a021-417a-8bc1-65c8d471c621" providerId="ADAL" clId="{CC9C9D9A-5149-2947-86C0-576F501F60DC}" dt="2020-01-05T21:54:47.081" v="2356" actId="2711"/>
+        <pc:sldMkLst>
+          <pc:docMk/>
+          <pc:sldMk cId="3894299887" sldId="328"/>
+        </pc:sldMkLst>
+        <pc:spChg chg="mod">
+          <ac:chgData name="Long B Nguyen" userId="f59fb8f3-a021-417a-8bc1-65c8d471c621" providerId="ADAL" clId="{CC9C9D9A-5149-2947-86C0-576F501F60DC}" dt="2020-01-05T21:51:41.306" v="2327" actId="20577"/>
+          <ac:spMkLst>
+            <pc:docMk/>
+            <pc:sldMk cId="3894299887" sldId="328"/>
+            <ac:spMk id="2" creationId="{AA3A228F-61D0-D949-A5E7-F83756230BF8}"/>
+          </ac:spMkLst>
+        </pc:spChg>
+        <pc:spChg chg="mod">
+          <ac:chgData name="Long B Nguyen" userId="f59fb8f3-a021-417a-8bc1-65c8d471c621" providerId="ADAL" clId="{CC9C9D9A-5149-2947-86C0-576F501F60DC}" dt="2020-01-05T21:54:47.081" v="2356" actId="2711"/>
+          <ac:spMkLst>
+            <pc:docMk/>
+            <pc:sldMk cId="3894299887" sldId="328"/>
+            <ac:spMk id="9" creationId="{E3B2E017-30B2-884B-A113-B419A2ED51AD}"/>
+          </ac:spMkLst>
+        </pc:spChg>
+      </pc:sldChg>
+      <pc:sldChg chg="add">
+        <pc:chgData name="Long B Nguyen" userId="f59fb8f3-a021-417a-8bc1-65c8d471c621" providerId="ADAL" clId="{CC9C9D9A-5149-2947-86C0-576F501F60DC}" dt="2020-01-05T21:57:38.736" v="2357"/>
+        <pc:sldMkLst>
+          <pc:docMk/>
+          <pc:sldMk cId="4294143140" sldId="329"/>
+        </pc:sldMkLst>
+      </pc:sldChg>
+    </pc:docChg>
+  </pc:docChgLst>
+  <pc:docChgLst>
     <pc:chgData name="Long B Nguyen" userId="f59fb8f3-a021-417a-8bc1-65c8d471c621" providerId="ADAL" clId="{20E1AE71-974B-2D41-AC34-69C850DFDC19}"/>
     <pc:docChg chg="addSld delSld modSld">
       <pc:chgData name="Long B Nguyen" userId="f59fb8f3-a021-417a-8bc1-65c8d471c621" providerId="ADAL" clId="{20E1AE71-974B-2D41-AC34-69C850DFDC19}" dt="2020-03-16T17:50:12.029" v="624"/>
@@ -3895,220 +4109,6 @@
     </pc:docChg>
   </pc:docChgLst>
   <pc:docChgLst>
-    <pc:chgData name="Long B Nguyen" userId="f59fb8f3-a021-417a-8bc1-65c8d471c621" providerId="ADAL" clId="{CC9C9D9A-5149-2947-86C0-576F501F60DC}"/>
-    <pc:docChg chg="addSld modSld">
-      <pc:chgData name="Long B Nguyen" userId="f59fb8f3-a021-417a-8bc1-65c8d471c621" providerId="ADAL" clId="{CC9C9D9A-5149-2947-86C0-576F501F60DC}" dt="2020-01-05T21:59:55.597" v="2392" actId="14100"/>
-      <pc:docMkLst>
-        <pc:docMk/>
-      </pc:docMkLst>
-      <pc:sldChg chg="modSp add modAnim">
-        <pc:chgData name="Long B Nguyen" userId="f59fb8f3-a021-417a-8bc1-65c8d471c621" providerId="ADAL" clId="{CC9C9D9A-5149-2947-86C0-576F501F60DC}" dt="2020-01-04T15:49:37.373" v="563" actId="20577"/>
-        <pc:sldMkLst>
-          <pc:docMk/>
-          <pc:sldMk cId="924617162" sldId="319"/>
-        </pc:sldMkLst>
-        <pc:spChg chg="mod">
-          <ac:chgData name="Long B Nguyen" userId="f59fb8f3-a021-417a-8bc1-65c8d471c621" providerId="ADAL" clId="{CC9C9D9A-5149-2947-86C0-576F501F60DC}" dt="2020-01-04T15:45:14.876" v="4" actId="20577"/>
-          <ac:spMkLst>
-            <pc:docMk/>
-            <pc:sldMk cId="924617162" sldId="319"/>
-            <ac:spMk id="2" creationId="{AA3A228F-61D0-D949-A5E7-F83756230BF8}"/>
-          </ac:spMkLst>
-        </pc:spChg>
-        <pc:spChg chg="mod">
-          <ac:chgData name="Long B Nguyen" userId="f59fb8f3-a021-417a-8bc1-65c8d471c621" providerId="ADAL" clId="{CC9C9D9A-5149-2947-86C0-576F501F60DC}" dt="2020-01-04T15:49:37.373" v="563" actId="20577"/>
-          <ac:spMkLst>
-            <pc:docMk/>
-            <pc:sldMk cId="924617162" sldId="319"/>
-            <ac:spMk id="9" creationId="{E3B2E017-30B2-884B-A113-B419A2ED51AD}"/>
-          </ac:spMkLst>
-        </pc:spChg>
-      </pc:sldChg>
-      <pc:sldChg chg="modSp add">
-        <pc:chgData name="Long B Nguyen" userId="f59fb8f3-a021-417a-8bc1-65c8d471c621" providerId="ADAL" clId="{CC9C9D9A-5149-2947-86C0-576F501F60DC}" dt="2020-01-04T15:57:55.835" v="789" actId="14100"/>
-        <pc:sldMkLst>
-          <pc:docMk/>
-          <pc:sldMk cId="3758830494" sldId="320"/>
-        </pc:sldMkLst>
-        <pc:spChg chg="mod">
-          <ac:chgData name="Long B Nguyen" userId="f59fb8f3-a021-417a-8bc1-65c8d471c621" providerId="ADAL" clId="{CC9C9D9A-5149-2947-86C0-576F501F60DC}" dt="2020-01-04T15:57:52.065" v="788" actId="1076"/>
-          <ac:spMkLst>
-            <pc:docMk/>
-            <pc:sldMk cId="3758830494" sldId="320"/>
-            <ac:spMk id="2" creationId="{AA3A228F-61D0-D949-A5E7-F83756230BF8}"/>
-          </ac:spMkLst>
-        </pc:spChg>
-        <pc:spChg chg="mod">
-          <ac:chgData name="Long B Nguyen" userId="f59fb8f3-a021-417a-8bc1-65c8d471c621" providerId="ADAL" clId="{CC9C9D9A-5149-2947-86C0-576F501F60DC}" dt="2020-01-04T15:57:55.835" v="789" actId="14100"/>
-          <ac:spMkLst>
-            <pc:docMk/>
-            <pc:sldMk cId="3758830494" sldId="320"/>
-            <ac:spMk id="9" creationId="{E3B2E017-30B2-884B-A113-B419A2ED51AD}"/>
-          </ac:spMkLst>
-        </pc:spChg>
-      </pc:sldChg>
-      <pc:sldChg chg="modSp add">
-        <pc:chgData name="Long B Nguyen" userId="f59fb8f3-a021-417a-8bc1-65c8d471c621" providerId="ADAL" clId="{CC9C9D9A-5149-2947-86C0-576F501F60DC}" dt="2020-01-05T21:51:37.442" v="2325" actId="20577"/>
-        <pc:sldMkLst>
-          <pc:docMk/>
-          <pc:sldMk cId="1022945305" sldId="321"/>
-        </pc:sldMkLst>
-        <pc:spChg chg="mod">
-          <ac:chgData name="Long B Nguyen" userId="f59fb8f3-a021-417a-8bc1-65c8d471c621" providerId="ADAL" clId="{CC9C9D9A-5149-2947-86C0-576F501F60DC}" dt="2020-01-05T21:51:37.442" v="2325" actId="20577"/>
-          <ac:spMkLst>
-            <pc:docMk/>
-            <pc:sldMk cId="1022945305" sldId="321"/>
-            <ac:spMk id="2" creationId="{AA3A228F-61D0-D949-A5E7-F83756230BF8}"/>
-          </ac:spMkLst>
-        </pc:spChg>
-        <pc:spChg chg="mod">
-          <ac:chgData name="Long B Nguyen" userId="f59fb8f3-a021-417a-8bc1-65c8d471c621" providerId="ADAL" clId="{CC9C9D9A-5149-2947-86C0-576F501F60DC}" dt="2020-01-05T21:33:21.485" v="2304" actId="20577"/>
-          <ac:spMkLst>
-            <pc:docMk/>
-            <pc:sldMk cId="1022945305" sldId="321"/>
-            <ac:spMk id="9" creationId="{E3B2E017-30B2-884B-A113-B419A2ED51AD}"/>
-          </ac:spMkLst>
-        </pc:spChg>
-      </pc:sldChg>
-      <pc:sldChg chg="modSp add">
-        <pc:chgData name="Long B Nguyen" userId="f59fb8f3-a021-417a-8bc1-65c8d471c621" providerId="ADAL" clId="{CC9C9D9A-5149-2947-86C0-576F501F60DC}" dt="2020-01-04T17:41:57.489" v="1203" actId="20577"/>
-        <pc:sldMkLst>
-          <pc:docMk/>
-          <pc:sldMk cId="3456840474" sldId="322"/>
-        </pc:sldMkLst>
-        <pc:spChg chg="mod">
-          <ac:chgData name="Long B Nguyen" userId="f59fb8f3-a021-417a-8bc1-65c8d471c621" providerId="ADAL" clId="{CC9C9D9A-5149-2947-86C0-576F501F60DC}" dt="2020-01-04T17:41:57.489" v="1203" actId="20577"/>
-          <ac:spMkLst>
-            <pc:docMk/>
-            <pc:sldMk cId="3456840474" sldId="322"/>
-            <ac:spMk id="9" creationId="{E3B2E017-30B2-884B-A113-B419A2ED51AD}"/>
-          </ac:spMkLst>
-        </pc:spChg>
-      </pc:sldChg>
-      <pc:sldChg chg="modSp add">
-        <pc:chgData name="Long B Nguyen" userId="f59fb8f3-a021-417a-8bc1-65c8d471c621" providerId="ADAL" clId="{CC9C9D9A-5149-2947-86C0-576F501F60DC}" dt="2020-01-04T18:38:26.241" v="1214" actId="113"/>
-        <pc:sldMkLst>
-          <pc:docMk/>
-          <pc:sldMk cId="1062075874" sldId="323"/>
-        </pc:sldMkLst>
-        <pc:spChg chg="mod">
-          <ac:chgData name="Long B Nguyen" userId="f59fb8f3-a021-417a-8bc1-65c8d471c621" providerId="ADAL" clId="{CC9C9D9A-5149-2947-86C0-576F501F60DC}" dt="2020-01-04T18:38:26.241" v="1214" actId="113"/>
-          <ac:spMkLst>
-            <pc:docMk/>
-            <pc:sldMk cId="1062075874" sldId="323"/>
-            <ac:spMk id="9" creationId="{E3B2E017-30B2-884B-A113-B419A2ED51AD}"/>
-          </ac:spMkLst>
-        </pc:spChg>
-      </pc:sldChg>
-      <pc:sldChg chg="modSp add">
-        <pc:chgData name="Long B Nguyen" userId="f59fb8f3-a021-417a-8bc1-65c8d471c621" providerId="ADAL" clId="{CC9C9D9A-5149-2947-86C0-576F501F60DC}" dt="2020-01-04T20:58:36.932" v="1972" actId="20577"/>
-        <pc:sldMkLst>
-          <pc:docMk/>
-          <pc:sldMk cId="1310010799" sldId="324"/>
-        </pc:sldMkLst>
-        <pc:spChg chg="mod">
-          <ac:chgData name="Long B Nguyen" userId="f59fb8f3-a021-417a-8bc1-65c8d471c621" providerId="ADAL" clId="{CC9C9D9A-5149-2947-86C0-576F501F60DC}" dt="2020-01-04T20:55:25.731" v="1962" actId="1076"/>
-          <ac:spMkLst>
-            <pc:docMk/>
-            <pc:sldMk cId="1310010799" sldId="324"/>
-            <ac:spMk id="2" creationId="{AA3A228F-61D0-D949-A5E7-F83756230BF8}"/>
-          </ac:spMkLst>
-        </pc:spChg>
-        <pc:spChg chg="mod">
-          <ac:chgData name="Long B Nguyen" userId="f59fb8f3-a021-417a-8bc1-65c8d471c621" providerId="ADAL" clId="{CC9C9D9A-5149-2947-86C0-576F501F60DC}" dt="2020-01-04T20:58:36.932" v="1972" actId="20577"/>
-          <ac:spMkLst>
-            <pc:docMk/>
-            <pc:sldMk cId="1310010799" sldId="324"/>
-            <ac:spMk id="9" creationId="{E3B2E017-30B2-884B-A113-B419A2ED51AD}"/>
-          </ac:spMkLst>
-        </pc:spChg>
-      </pc:sldChg>
-      <pc:sldChg chg="modSp add">
-        <pc:chgData name="Long B Nguyen" userId="f59fb8f3-a021-417a-8bc1-65c8d471c621" providerId="ADAL" clId="{CC9C9D9A-5149-2947-86C0-576F501F60DC}" dt="2020-01-05T21:27:04.952" v="2119" actId="20577"/>
-        <pc:sldMkLst>
-          <pc:docMk/>
-          <pc:sldMk cId="3314372952" sldId="325"/>
-        </pc:sldMkLst>
-        <pc:spChg chg="mod">
-          <ac:chgData name="Long B Nguyen" userId="f59fb8f3-a021-417a-8bc1-65c8d471c621" providerId="ADAL" clId="{CC9C9D9A-5149-2947-86C0-576F501F60DC}" dt="2020-01-05T21:26:41.210" v="2114" actId="20577"/>
-          <ac:spMkLst>
-            <pc:docMk/>
-            <pc:sldMk cId="3314372952" sldId="325"/>
-            <ac:spMk id="2" creationId="{AA3A228F-61D0-D949-A5E7-F83756230BF8}"/>
-          </ac:spMkLst>
-        </pc:spChg>
-        <pc:spChg chg="mod">
-          <ac:chgData name="Long B Nguyen" userId="f59fb8f3-a021-417a-8bc1-65c8d471c621" providerId="ADAL" clId="{CC9C9D9A-5149-2947-86C0-576F501F60DC}" dt="2020-01-05T21:27:04.952" v="2119" actId="20577"/>
-          <ac:spMkLst>
-            <pc:docMk/>
-            <pc:sldMk cId="3314372952" sldId="325"/>
-            <ac:spMk id="9" creationId="{E3B2E017-30B2-884B-A113-B419A2ED51AD}"/>
-          </ac:spMkLst>
-        </pc:spChg>
-      </pc:sldChg>
-      <pc:sldChg chg="modSp add">
-        <pc:chgData name="Long B Nguyen" userId="f59fb8f3-a021-417a-8bc1-65c8d471c621" providerId="ADAL" clId="{CC9C9D9A-5149-2947-86C0-576F501F60DC}" dt="2020-01-05T21:29:58.563" v="2178" actId="20577"/>
-        <pc:sldMkLst>
-          <pc:docMk/>
-          <pc:sldMk cId="3117943122" sldId="326"/>
-        </pc:sldMkLst>
-        <pc:spChg chg="mod">
-          <ac:chgData name="Long B Nguyen" userId="f59fb8f3-a021-417a-8bc1-65c8d471c621" providerId="ADAL" clId="{CC9C9D9A-5149-2947-86C0-576F501F60DC}" dt="2020-01-05T21:29:58.563" v="2178" actId="20577"/>
-          <ac:spMkLst>
-            <pc:docMk/>
-            <pc:sldMk cId="3117943122" sldId="326"/>
-            <ac:spMk id="9" creationId="{E3B2E017-30B2-884B-A113-B419A2ED51AD}"/>
-          </ac:spMkLst>
-        </pc:spChg>
-      </pc:sldChg>
-      <pc:sldChg chg="modSp add">
-        <pc:chgData name="Long B Nguyen" userId="f59fb8f3-a021-417a-8bc1-65c8d471c621" providerId="ADAL" clId="{CC9C9D9A-5149-2947-86C0-576F501F60DC}" dt="2020-01-05T21:59:55.597" v="2392" actId="14100"/>
-        <pc:sldMkLst>
-          <pc:docMk/>
-          <pc:sldMk cId="1025618360" sldId="327"/>
-        </pc:sldMkLst>
-        <pc:spChg chg="mod">
-          <ac:chgData name="Long B Nguyen" userId="f59fb8f3-a021-417a-8bc1-65c8d471c621" providerId="ADAL" clId="{CC9C9D9A-5149-2947-86C0-576F501F60DC}" dt="2020-01-05T21:59:55.597" v="2392" actId="14100"/>
-          <ac:spMkLst>
-            <pc:docMk/>
-            <pc:sldMk cId="1025618360" sldId="327"/>
-            <ac:spMk id="9" creationId="{E3B2E017-30B2-884B-A113-B419A2ED51AD}"/>
-          </ac:spMkLst>
-        </pc:spChg>
-      </pc:sldChg>
-      <pc:sldChg chg="modSp add">
-        <pc:chgData name="Long B Nguyen" userId="f59fb8f3-a021-417a-8bc1-65c8d471c621" providerId="ADAL" clId="{CC9C9D9A-5149-2947-86C0-576F501F60DC}" dt="2020-01-05T21:54:47.081" v="2356" actId="2711"/>
-        <pc:sldMkLst>
-          <pc:docMk/>
-          <pc:sldMk cId="3894299887" sldId="328"/>
-        </pc:sldMkLst>
-        <pc:spChg chg="mod">
-          <ac:chgData name="Long B Nguyen" userId="f59fb8f3-a021-417a-8bc1-65c8d471c621" providerId="ADAL" clId="{CC9C9D9A-5149-2947-86C0-576F501F60DC}" dt="2020-01-05T21:51:41.306" v="2327" actId="20577"/>
-          <ac:spMkLst>
-            <pc:docMk/>
-            <pc:sldMk cId="3894299887" sldId="328"/>
-            <ac:spMk id="2" creationId="{AA3A228F-61D0-D949-A5E7-F83756230BF8}"/>
-          </ac:spMkLst>
-        </pc:spChg>
-        <pc:spChg chg="mod">
-          <ac:chgData name="Long B Nguyen" userId="f59fb8f3-a021-417a-8bc1-65c8d471c621" providerId="ADAL" clId="{CC9C9D9A-5149-2947-86C0-576F501F60DC}" dt="2020-01-05T21:54:47.081" v="2356" actId="2711"/>
-          <ac:spMkLst>
-            <pc:docMk/>
-            <pc:sldMk cId="3894299887" sldId="328"/>
-            <ac:spMk id="9" creationId="{E3B2E017-30B2-884B-A113-B419A2ED51AD}"/>
-          </ac:spMkLst>
-        </pc:spChg>
-      </pc:sldChg>
-      <pc:sldChg chg="add">
-        <pc:chgData name="Long B Nguyen" userId="f59fb8f3-a021-417a-8bc1-65c8d471c621" providerId="ADAL" clId="{CC9C9D9A-5149-2947-86C0-576F501F60DC}" dt="2020-01-05T21:57:38.736" v="2357"/>
-        <pc:sldMkLst>
-          <pc:docMk/>
-          <pc:sldMk cId="4294143140" sldId="329"/>
-        </pc:sldMkLst>
-      </pc:sldChg>
-    </pc:docChg>
-  </pc:docChgLst>
-  <pc:docChgLst>
     <pc:chgData name="Long B Nguyen" userId="f59fb8f3-a021-417a-8bc1-65c8d471c621" providerId="ADAL" clId="{AA9102B5-DACA-D841-B260-AEEBF90FC60A}"/>
     <pc:docChg chg="custSel addSld delSld modSld">
       <pc:chgData name="Long B Nguyen" userId="f59fb8f3-a021-417a-8bc1-65c8d471c621" providerId="ADAL" clId="{AA9102B5-DACA-D841-B260-AEEBF90FC60A}" dt="2020-01-06T17:07:10.515" v="1519" actId="2711"/>
@@ -22453,7 +22453,7 @@
             <a:pPr marL="0" indent="0">
               <a:buNone/>
             </a:pPr>
-            <a:endParaRPr lang="en-US" sz="1800" dirty="0"/>
+            <a:endParaRPr lang="en-US" dirty="0"/>
           </a:p>
           <a:p>
             <a:pPr marL="0" indent="0">
@@ -22465,11 +22465,23 @@
             </a:r>
             <a:r>
               <a:rPr lang="en-US" b="1" dirty="0"/>
-              <a:t>computing innovation </a:t>
+              <a:t>program</a:t>
+            </a:r>
+            <a:r>
+              <a:rPr lang="en-US" i="1" dirty="0"/>
+              <a:t> </a:t>
             </a:r>
             <a:r>
               <a:rPr lang="en-US" dirty="0"/>
-              <a:t>can be physical (e.g., self-driving car), nonphysical computing software (e.g., picture editing software), or a nonphysical computing concept (e.g., e-commerce). </a:t>
+              <a:t>is a collection of program statements that performs a specific task when run by a computer. A program is often referred to as </a:t>
+            </a:r>
+            <a:r>
+              <a:rPr lang="en-US" b="1" dirty="0"/>
+              <a:t>software</a:t>
+            </a:r>
+            <a:r>
+              <a:rPr lang="en-US" dirty="0"/>
+              <a:t>. It can be written in different programming languages like Python or Java. </a:t>
             </a:r>
             <a:endParaRPr lang="en-US" sz="1800" dirty="0"/>
           </a:p>
@@ -22485,7 +22497,15 @@
             </a:pPr>
             <a:r>
               <a:rPr lang="en-US" dirty="0"/>
-              <a:t>The purpose of computing innovations is to solve problems or to pursue interests through creative expression. An understanding of the purpose of a computing innovation provides developers with an improved ability to develop that computing innovation. </a:t>
+              <a:t>A </a:t>
+            </a:r>
+            <a:r>
+              <a:rPr lang="en-US" b="1" dirty="0"/>
+              <a:t>computing innovation </a:t>
+            </a:r>
+            <a:r>
+              <a:rPr lang="en-US" dirty="0"/>
+              <a:t>can be physical (e.g., self-driving car), nonphysical computing software (e.g., picture editing software), or a nonphysical computing concept (e.g., e-commerce). </a:t>
             </a:r>
             <a:endParaRPr lang="en-US" sz="1800" dirty="0"/>
           </a:p>
@@ -22501,28 +22521,14 @@
             </a:pPr>
             <a:r>
               <a:rPr lang="en-US" dirty="0"/>
-              <a:t>A </a:t>
-            </a:r>
-            <a:r>
-              <a:rPr lang="en-US" b="1" dirty="0"/>
-              <a:t>program</a:t>
-            </a:r>
-            <a:r>
-              <a:rPr lang="en-US" i="1" dirty="0"/>
-              <a:t> </a:t>
-            </a:r>
-            <a:r>
-              <a:rPr lang="en-US" dirty="0"/>
-              <a:t>is a collection of program statements that performs a specific task when run by a computer. A program is often referred to as </a:t>
-            </a:r>
-            <a:r>
-              <a:rPr lang="en-US" b="1" dirty="0"/>
-              <a:t>software</a:t>
-            </a:r>
-            <a:r>
-              <a:rPr lang="en-US" dirty="0"/>
-              <a:t>. It can be written in different programming languages like Python or Java. </a:t>
-            </a:r>
+              <a:t>The purpose of computing innovations is to solve problems or to pursue interests through creative expression. An understanding of the purpose of a computing innovation provides developers with an improved ability to develop that computing innovation. </a:t>
+            </a:r>
+            <a:endParaRPr lang="en-US" sz="1800" dirty="0"/>
+          </a:p>
+          <a:p>
+            <a:pPr marL="0" indent="0">
+              <a:buNone/>
+            </a:pPr>
             <a:endParaRPr lang="en-US" sz="1800" dirty="0"/>
           </a:p>
           <a:p>
@@ -22594,7 +22600,7 @@
                                         <p:tgtEl>
                                           <p:spTgt spid="16386">
                                             <p:txEl>
-                                              <p:pRg st="2" end="2"/>
+                                              <p:pRg st="4" end="4"/>
                                             </p:txEl>
                                           </p:spTgt>
                                         </p:tgtEl>
@@ -22636,55 +22642,6 @@
                                     <p:set>
                                       <p:cBhvr>
                                         <p:cTn id="10" dur="1" fill="hold">
-                                          <p:stCondLst>
-                                            <p:cond delay="0"/>
-                                          </p:stCondLst>
-                                        </p:cTn>
-                                        <p:tgtEl>
-                                          <p:spTgt spid="16386">
-                                            <p:txEl>
-                                              <p:pRg st="4" end="4"/>
-                                            </p:txEl>
-                                          </p:spTgt>
-                                        </p:tgtEl>
-                                        <p:attrNameLst>
-                                          <p:attrName>style.visibility</p:attrName>
-                                        </p:attrNameLst>
-                                      </p:cBhvr>
-                                      <p:to>
-                                        <p:strVal val="visible"/>
-                                      </p:to>
-                                    </p:set>
-                                  </p:childTnLst>
-                                </p:cTn>
-                              </p:par>
-                            </p:childTnLst>
-                          </p:cTn>
-                        </p:par>
-                      </p:childTnLst>
-                    </p:cTn>
-                  </p:par>
-                  <p:par>
-                    <p:cTn id="11" fill="hold">
-                      <p:stCondLst>
-                        <p:cond delay="indefinite"/>
-                      </p:stCondLst>
-                      <p:childTnLst>
-                        <p:par>
-                          <p:cTn id="12" fill="hold">
-                            <p:stCondLst>
-                              <p:cond delay="0"/>
-                            </p:stCondLst>
-                            <p:childTnLst>
-                              <p:par>
-                                <p:cTn id="13" presetID="1" presetClass="entr" presetSubtype="0" fill="hold" nodeType="clickEffect">
-                                  <p:stCondLst>
-                                    <p:cond delay="0"/>
-                                  </p:stCondLst>
-                                  <p:childTnLst>
-                                    <p:set>
-                                      <p:cBhvr>
-                                        <p:cTn id="14" dur="1" fill="hold">
                                           <p:stCondLst>
                                             <p:cond delay="0"/>
                                           </p:stCondLst>

--- a/courses/apcsp/lect19.pptx
+++ b/courses/apcsp/lect19.pptx
@@ -5,7 +5,7 @@
     <p:sldMasterId id="2147483791" r:id="rId1"/>
   </p:sldMasterIdLst>
   <p:notesMasterIdLst>
-    <p:notesMasterId r:id="rId33"/>
+    <p:notesMasterId r:id="rId31"/>
   </p:notesMasterIdLst>
   <p:sldIdLst>
     <p:sldId id="256" r:id="rId2"/>
@@ -18,27 +18,25 @@
     <p:sldId id="622" r:id="rId9"/>
     <p:sldId id="621" r:id="rId10"/>
     <p:sldId id="623" r:id="rId11"/>
-    <p:sldId id="613" r:id="rId12"/>
-    <p:sldId id="599" r:id="rId13"/>
-    <p:sldId id="624" r:id="rId14"/>
-    <p:sldId id="600" r:id="rId15"/>
-    <p:sldId id="601" r:id="rId16"/>
-    <p:sldId id="625" r:id="rId17"/>
-    <p:sldId id="527" r:id="rId18"/>
-    <p:sldId id="542" r:id="rId19"/>
-    <p:sldId id="529" r:id="rId20"/>
-    <p:sldId id="560" r:id="rId21"/>
-    <p:sldId id="564" r:id="rId22"/>
-    <p:sldId id="532" r:id="rId23"/>
-    <p:sldId id="533" r:id="rId24"/>
-    <p:sldId id="534" r:id="rId25"/>
-    <p:sldId id="561" r:id="rId26"/>
-    <p:sldId id="535" r:id="rId27"/>
-    <p:sldId id="536" r:id="rId28"/>
-    <p:sldId id="537" r:id="rId29"/>
-    <p:sldId id="541" r:id="rId30"/>
-    <p:sldId id="556" r:id="rId31"/>
-    <p:sldId id="612" r:id="rId32"/>
+    <p:sldId id="599" r:id="rId12"/>
+    <p:sldId id="624" r:id="rId13"/>
+    <p:sldId id="600" r:id="rId14"/>
+    <p:sldId id="601" r:id="rId15"/>
+    <p:sldId id="625" r:id="rId16"/>
+    <p:sldId id="626" r:id="rId17"/>
+    <p:sldId id="542" r:id="rId18"/>
+    <p:sldId id="529" r:id="rId19"/>
+    <p:sldId id="560" r:id="rId20"/>
+    <p:sldId id="564" r:id="rId21"/>
+    <p:sldId id="532" r:id="rId22"/>
+    <p:sldId id="533" r:id="rId23"/>
+    <p:sldId id="534" r:id="rId24"/>
+    <p:sldId id="535" r:id="rId25"/>
+    <p:sldId id="536" r:id="rId26"/>
+    <p:sldId id="537" r:id="rId27"/>
+    <p:sldId id="541" r:id="rId28"/>
+    <p:sldId id="556" r:id="rId29"/>
+    <p:sldId id="612" r:id="rId30"/>
   </p:sldIdLst>
   <p:sldSz cx="9144000" cy="5715000" type="screen16x10"/>
   <p:notesSz cx="6858000" cy="9144000"/>
@@ -148,7 +146,7 @@
 <file path=ppt/revisionInfo.xml><?xml version="1.0" encoding="utf-8"?>
 <p1510:revInfo xmlns:a="http://schemas.openxmlformats.org/drawingml/2006/main" xmlns:r="http://schemas.openxmlformats.org/officeDocument/2006/relationships" xmlns:p1510="http://schemas.microsoft.com/office/powerpoint/2015/10/main">
   <p1510:revLst>
-    <p1510:client id="{EAA1E8DF-C35C-6A46-BAE7-931DFAE42A5E}" v="1945" dt="2021-04-06T12:29:43.353"/>
+    <p1510:client id="{9E9E5F5A-7190-2943-95D4-1A1ED8423A79}" v="161" dt="2022-03-24T11:57:50.388"/>
   </p1510:revLst>
 </p1510:revInfo>
 </file>
@@ -4109,6 +4107,247 @@
     </pc:docChg>
   </pc:docChgLst>
   <pc:docChgLst>
+    <pc:chgData name="Long Nguyen" userId="f59fb8f3-a021-417a-8bc1-65c8d471c621" providerId="ADAL" clId="{9E9E5F5A-7190-2943-95D4-1A1ED8423A79}"/>
+    <pc:docChg chg="custSel addSld delSld modSld">
+      <pc:chgData name="Long Nguyen" userId="f59fb8f3-a021-417a-8bc1-65c8d471c621" providerId="ADAL" clId="{9E9E5F5A-7190-2943-95D4-1A1ED8423A79}" dt="2022-03-24T11:59:00.858" v="246" actId="2696"/>
+      <pc:docMkLst>
+        <pc:docMk/>
+      </pc:docMkLst>
+      <pc:sldChg chg="del">
+        <pc:chgData name="Long Nguyen" userId="f59fb8f3-a021-417a-8bc1-65c8d471c621" providerId="ADAL" clId="{9E9E5F5A-7190-2943-95D4-1A1ED8423A79}" dt="2022-03-24T11:49:40.523" v="169" actId="2696"/>
+        <pc:sldMkLst>
+          <pc:docMk/>
+          <pc:sldMk cId="2588250059" sldId="527"/>
+        </pc:sldMkLst>
+      </pc:sldChg>
+      <pc:sldChg chg="modSp mod">
+        <pc:chgData name="Long Nguyen" userId="f59fb8f3-a021-417a-8bc1-65c8d471c621" providerId="ADAL" clId="{9E9E5F5A-7190-2943-95D4-1A1ED8423A79}" dt="2022-03-24T11:26:31.830" v="3" actId="27636"/>
+        <pc:sldMkLst>
+          <pc:docMk/>
+          <pc:sldMk cId="351843145" sldId="529"/>
+        </pc:sldMkLst>
+        <pc:spChg chg="mod">
+          <ac:chgData name="Long Nguyen" userId="f59fb8f3-a021-417a-8bc1-65c8d471c621" providerId="ADAL" clId="{9E9E5F5A-7190-2943-95D4-1A1ED8423A79}" dt="2022-03-24T11:26:31.830" v="3" actId="27636"/>
+          <ac:spMkLst>
+            <pc:docMk/>
+            <pc:sldMk cId="351843145" sldId="529"/>
+            <ac:spMk id="16386" creationId="{842B05C2-DFA8-F84D-AEF8-C43D6277D764}"/>
+          </ac:spMkLst>
+        </pc:spChg>
+      </pc:sldChg>
+      <pc:sldChg chg="modSp mod">
+        <pc:chgData name="Long Nguyen" userId="f59fb8f3-a021-417a-8bc1-65c8d471c621" providerId="ADAL" clId="{9E9E5F5A-7190-2943-95D4-1A1ED8423A79}" dt="2022-03-24T11:26:31.812" v="2" actId="27636"/>
+        <pc:sldMkLst>
+          <pc:docMk/>
+          <pc:sldMk cId="3478205103" sldId="542"/>
+        </pc:sldMkLst>
+        <pc:spChg chg="mod">
+          <ac:chgData name="Long Nguyen" userId="f59fb8f3-a021-417a-8bc1-65c8d471c621" providerId="ADAL" clId="{9E9E5F5A-7190-2943-95D4-1A1ED8423A79}" dt="2022-03-24T11:26:31.812" v="2" actId="27636"/>
+          <ac:spMkLst>
+            <pc:docMk/>
+            <pc:sldMk cId="3478205103" sldId="542"/>
+            <ac:spMk id="16386" creationId="{9A30423C-6B4C-234F-9526-1365818F2724}"/>
+          </ac:spMkLst>
+        </pc:spChg>
+      </pc:sldChg>
+      <pc:sldChg chg="modSp modAnim">
+        <pc:chgData name="Long Nguyen" userId="f59fb8f3-a021-417a-8bc1-65c8d471c621" providerId="ADAL" clId="{9E9E5F5A-7190-2943-95D4-1A1ED8423A79}" dt="2022-03-24T11:45:49.062" v="168" actId="20577"/>
+        <pc:sldMkLst>
+          <pc:docMk/>
+          <pc:sldMk cId="154962666" sldId="556"/>
+        </pc:sldMkLst>
+        <pc:spChg chg="mod">
+          <ac:chgData name="Long Nguyen" userId="f59fb8f3-a021-417a-8bc1-65c8d471c621" providerId="ADAL" clId="{9E9E5F5A-7190-2943-95D4-1A1ED8423A79}" dt="2022-03-24T11:45:49.062" v="168" actId="20577"/>
+          <ac:spMkLst>
+            <pc:docMk/>
+            <pc:sldMk cId="154962666" sldId="556"/>
+            <ac:spMk id="47106" creationId="{64F0002E-82C3-5B47-91CB-42BC1288860E}"/>
+          </ac:spMkLst>
+        </pc:spChg>
+      </pc:sldChg>
+      <pc:sldChg chg="del">
+        <pc:chgData name="Long Nguyen" userId="f59fb8f3-a021-417a-8bc1-65c8d471c621" providerId="ADAL" clId="{9E9E5F5A-7190-2943-95D4-1A1ED8423A79}" dt="2022-03-24T11:59:00.858" v="246" actId="2696"/>
+        <pc:sldMkLst>
+          <pc:docMk/>
+          <pc:sldMk cId="14307870" sldId="561"/>
+        </pc:sldMkLst>
+      </pc:sldChg>
+      <pc:sldChg chg="modSp mod">
+        <pc:chgData name="Long Nguyen" userId="f59fb8f3-a021-417a-8bc1-65c8d471c621" providerId="ADAL" clId="{9E9E5F5A-7190-2943-95D4-1A1ED8423A79}" dt="2022-03-24T11:26:31.839" v="4" actId="27636"/>
+        <pc:sldMkLst>
+          <pc:docMk/>
+          <pc:sldMk cId="1419761718" sldId="564"/>
+        </pc:sldMkLst>
+        <pc:spChg chg="mod">
+          <ac:chgData name="Long Nguyen" userId="f59fb8f3-a021-417a-8bc1-65c8d471c621" providerId="ADAL" clId="{9E9E5F5A-7190-2943-95D4-1A1ED8423A79}" dt="2022-03-24T11:26:31.839" v="4" actId="27636"/>
+          <ac:spMkLst>
+            <pc:docMk/>
+            <pc:sldMk cId="1419761718" sldId="564"/>
+            <ac:spMk id="22529" creationId="{AB5898CD-F946-4C42-9C46-A05451CBE2CF}"/>
+          </ac:spMkLst>
+        </pc:spChg>
+      </pc:sldChg>
+      <pc:sldChg chg="modSp mod">
+        <pc:chgData name="Long Nguyen" userId="f59fb8f3-a021-417a-8bc1-65c8d471c621" providerId="ADAL" clId="{9E9E5F5A-7190-2943-95D4-1A1ED8423A79}" dt="2022-03-24T11:26:31.879" v="5" actId="27636"/>
+        <pc:sldMkLst>
+          <pc:docMk/>
+          <pc:sldMk cId="4205479306" sldId="594"/>
+        </pc:sldMkLst>
+        <pc:spChg chg="mod">
+          <ac:chgData name="Long Nguyen" userId="f59fb8f3-a021-417a-8bc1-65c8d471c621" providerId="ADAL" clId="{9E9E5F5A-7190-2943-95D4-1A1ED8423A79}" dt="2022-03-24T11:26:31.879" v="5" actId="27636"/>
+          <ac:spMkLst>
+            <pc:docMk/>
+            <pc:sldMk cId="4205479306" sldId="594"/>
+            <ac:spMk id="16386" creationId="{AC84324A-3724-874B-82A1-71A36E0BBD8D}"/>
+          </ac:spMkLst>
+        </pc:spChg>
+      </pc:sldChg>
+      <pc:sldChg chg="modSp mod modAnim">
+        <pc:chgData name="Long Nguyen" userId="f59fb8f3-a021-417a-8bc1-65c8d471c621" providerId="ADAL" clId="{9E9E5F5A-7190-2943-95D4-1A1ED8423A79}" dt="2022-03-24T11:43:38.092" v="163"/>
+        <pc:sldMkLst>
+          <pc:docMk/>
+          <pc:sldMk cId="2135983872" sldId="599"/>
+        </pc:sldMkLst>
+        <pc:spChg chg="mod">
+          <ac:chgData name="Long Nguyen" userId="f59fb8f3-a021-417a-8bc1-65c8d471c621" providerId="ADAL" clId="{9E9E5F5A-7190-2943-95D4-1A1ED8423A79}" dt="2022-03-24T11:43:38.092" v="163"/>
+          <ac:spMkLst>
+            <pc:docMk/>
+            <pc:sldMk cId="2135983872" sldId="599"/>
+            <ac:spMk id="16386" creationId="{2CA53A1D-0CFC-9346-9F25-D3084700DDD8}"/>
+          </ac:spMkLst>
+        </pc:spChg>
+      </pc:sldChg>
+      <pc:sldChg chg="modSp mod modAnim">
+        <pc:chgData name="Long Nguyen" userId="f59fb8f3-a021-417a-8bc1-65c8d471c621" providerId="ADAL" clId="{9E9E5F5A-7190-2943-95D4-1A1ED8423A79}" dt="2022-03-24T11:44:39.964" v="167" actId="20577"/>
+        <pc:sldMkLst>
+          <pc:docMk/>
+          <pc:sldMk cId="3082545194" sldId="600"/>
+        </pc:sldMkLst>
+        <pc:spChg chg="mod">
+          <ac:chgData name="Long Nguyen" userId="f59fb8f3-a021-417a-8bc1-65c8d471c621" providerId="ADAL" clId="{9E9E5F5A-7190-2943-95D4-1A1ED8423A79}" dt="2022-03-24T11:44:39.964" v="167" actId="20577"/>
+          <ac:spMkLst>
+            <pc:docMk/>
+            <pc:sldMk cId="3082545194" sldId="600"/>
+            <ac:spMk id="16386" creationId="{1068C3F6-2B68-0147-A043-67BE3D946ECF}"/>
+          </ac:spMkLst>
+        </pc:spChg>
+        <pc:spChg chg="mod">
+          <ac:chgData name="Long Nguyen" userId="f59fb8f3-a021-417a-8bc1-65c8d471c621" providerId="ADAL" clId="{9E9E5F5A-7190-2943-95D4-1A1ED8423A79}" dt="2022-03-24T11:35:48.657" v="156" actId="20577"/>
+          <ac:spMkLst>
+            <pc:docMk/>
+            <pc:sldMk cId="3082545194" sldId="600"/>
+            <ac:spMk id="28673" creationId="{907EFF68-9C71-F04B-B369-88AED7B7A835}"/>
+          </ac:spMkLst>
+        </pc:spChg>
+      </pc:sldChg>
+      <pc:sldChg chg="del">
+        <pc:chgData name="Long Nguyen" userId="f59fb8f3-a021-417a-8bc1-65c8d471c621" providerId="ADAL" clId="{9E9E5F5A-7190-2943-95D4-1A1ED8423A79}" dt="2022-03-24T11:31:12.401" v="20" actId="2696"/>
+        <pc:sldMkLst>
+          <pc:docMk/>
+          <pc:sldMk cId="3787391085" sldId="613"/>
+        </pc:sldMkLst>
+      </pc:sldChg>
+      <pc:sldChg chg="modSp">
+        <pc:chgData name="Long Nguyen" userId="f59fb8f3-a021-417a-8bc1-65c8d471c621" providerId="ADAL" clId="{9E9E5F5A-7190-2943-95D4-1A1ED8423A79}" dt="2022-03-24T11:32:04.114" v="22" actId="20577"/>
+        <pc:sldMkLst>
+          <pc:docMk/>
+          <pc:sldMk cId="75961963" sldId="617"/>
+        </pc:sldMkLst>
+        <pc:spChg chg="mod">
+          <ac:chgData name="Long Nguyen" userId="f59fb8f3-a021-417a-8bc1-65c8d471c621" providerId="ADAL" clId="{9E9E5F5A-7190-2943-95D4-1A1ED8423A79}" dt="2022-03-24T11:32:04.114" v="22" actId="20577"/>
+          <ac:spMkLst>
+            <pc:docMk/>
+            <pc:sldMk cId="75961963" sldId="617"/>
+            <ac:spMk id="5" creationId="{CB3C2E60-75CB-B041-B771-A1F63CE8B021}"/>
+          </ac:spMkLst>
+        </pc:spChg>
+      </pc:sldChg>
+      <pc:sldChg chg="modSp modAnim">
+        <pc:chgData name="Long Nguyen" userId="f59fb8f3-a021-417a-8bc1-65c8d471c621" providerId="ADAL" clId="{9E9E5F5A-7190-2943-95D4-1A1ED8423A79}" dt="2022-03-24T11:26:35.894" v="6" actId="5793"/>
+        <pc:sldMkLst>
+          <pc:docMk/>
+          <pc:sldMk cId="876878470" sldId="618"/>
+        </pc:sldMkLst>
+        <pc:spChg chg="mod">
+          <ac:chgData name="Long Nguyen" userId="f59fb8f3-a021-417a-8bc1-65c8d471c621" providerId="ADAL" clId="{9E9E5F5A-7190-2943-95D4-1A1ED8423A79}" dt="2022-03-24T11:26:35.894" v="6" actId="5793"/>
+          <ac:spMkLst>
+            <pc:docMk/>
+            <pc:sldMk cId="876878470" sldId="618"/>
+            <ac:spMk id="5" creationId="{CB3C2E60-75CB-B041-B771-A1F63CE8B021}"/>
+          </ac:spMkLst>
+        </pc:spChg>
+      </pc:sldChg>
+      <pc:sldChg chg="modSp mod modAnim">
+        <pc:chgData name="Long Nguyen" userId="f59fb8f3-a021-417a-8bc1-65c8d471c621" providerId="ADAL" clId="{9E9E5F5A-7190-2943-95D4-1A1ED8423A79}" dt="2022-03-24T11:28:19.148" v="19" actId="20577"/>
+        <pc:sldMkLst>
+          <pc:docMk/>
+          <pc:sldMk cId="410101940" sldId="622"/>
+        </pc:sldMkLst>
+        <pc:spChg chg="mod">
+          <ac:chgData name="Long Nguyen" userId="f59fb8f3-a021-417a-8bc1-65c8d471c621" providerId="ADAL" clId="{9E9E5F5A-7190-2943-95D4-1A1ED8423A79}" dt="2022-03-24T11:28:19.148" v="19" actId="20577"/>
+          <ac:spMkLst>
+            <pc:docMk/>
+            <pc:sldMk cId="410101940" sldId="622"/>
+            <ac:spMk id="16386" creationId="{E697184B-7A3C-5841-8B49-9041842B0E9B}"/>
+          </ac:spMkLst>
+        </pc:spChg>
+      </pc:sldChg>
+      <pc:sldChg chg="modSp mod">
+        <pc:chgData name="Long Nguyen" userId="f59fb8f3-a021-417a-8bc1-65c8d471c621" providerId="ADAL" clId="{9E9E5F5A-7190-2943-95D4-1A1ED8423A79}" dt="2022-03-24T11:26:31.774" v="1" actId="27636"/>
+        <pc:sldMkLst>
+          <pc:docMk/>
+          <pc:sldMk cId="2025038453" sldId="623"/>
+        </pc:sldMkLst>
+        <pc:spChg chg="mod">
+          <ac:chgData name="Long Nguyen" userId="f59fb8f3-a021-417a-8bc1-65c8d471c621" providerId="ADAL" clId="{9E9E5F5A-7190-2943-95D4-1A1ED8423A79}" dt="2022-03-24T11:26:31.774" v="1" actId="27636"/>
+          <ac:spMkLst>
+            <pc:docMk/>
+            <pc:sldMk cId="2025038453" sldId="623"/>
+            <ac:spMk id="22529" creationId="{393BE6F3-36DE-4449-89F7-53FFEB793FE6}"/>
+          </ac:spMkLst>
+        </pc:spChg>
+      </pc:sldChg>
+      <pc:sldChg chg="modSp modAnim">
+        <pc:chgData name="Long Nguyen" userId="f59fb8f3-a021-417a-8bc1-65c8d471c621" providerId="ADAL" clId="{9E9E5F5A-7190-2943-95D4-1A1ED8423A79}" dt="2022-03-24T11:55:25.084" v="215" actId="255"/>
+        <pc:sldMkLst>
+          <pc:docMk/>
+          <pc:sldMk cId="2080393952" sldId="625"/>
+        </pc:sldMkLst>
+        <pc:spChg chg="mod">
+          <ac:chgData name="Long Nguyen" userId="f59fb8f3-a021-417a-8bc1-65c8d471c621" providerId="ADAL" clId="{9E9E5F5A-7190-2943-95D4-1A1ED8423A79}" dt="2022-03-24T11:55:25.084" v="215" actId="255"/>
+          <ac:spMkLst>
+            <pc:docMk/>
+            <pc:sldMk cId="2080393952" sldId="625"/>
+            <ac:spMk id="16386" creationId="{37FDCEEA-1952-6C42-8C6C-2F8F8FE3796F}"/>
+          </ac:spMkLst>
+        </pc:spChg>
+      </pc:sldChg>
+      <pc:sldChg chg="modSp add mod modAnim">
+        <pc:chgData name="Long Nguyen" userId="f59fb8f3-a021-417a-8bc1-65c8d471c621" providerId="ADAL" clId="{9E9E5F5A-7190-2943-95D4-1A1ED8423A79}" dt="2022-03-24T11:57:50.388" v="245" actId="20577"/>
+        <pc:sldMkLst>
+          <pc:docMk/>
+          <pc:sldMk cId="2104582088" sldId="626"/>
+        </pc:sldMkLst>
+        <pc:spChg chg="mod">
+          <ac:chgData name="Long Nguyen" userId="f59fb8f3-a021-417a-8bc1-65c8d471c621" providerId="ADAL" clId="{9E9E5F5A-7190-2943-95D4-1A1ED8423A79}" dt="2022-03-24T11:57:50.388" v="245" actId="20577"/>
+          <ac:spMkLst>
+            <pc:docMk/>
+            <pc:sldMk cId="2104582088" sldId="626"/>
+            <ac:spMk id="16386" creationId="{37FDCEEA-1952-6C42-8C6C-2F8F8FE3796F}"/>
+          </ac:spMkLst>
+        </pc:spChg>
+        <pc:spChg chg="mod">
+          <ac:chgData name="Long Nguyen" userId="f59fb8f3-a021-417a-8bc1-65c8d471c621" providerId="ADAL" clId="{9E9E5F5A-7190-2943-95D4-1A1ED8423A79}" dt="2022-03-24T11:50:52.092" v="194" actId="20577"/>
+          <ac:spMkLst>
+            <pc:docMk/>
+            <pc:sldMk cId="2104582088" sldId="626"/>
+            <ac:spMk id="30721" creationId="{CABE8826-3A78-A04B-B3F1-70BBDCFEB024}"/>
+          </ac:spMkLst>
+        </pc:spChg>
+      </pc:sldChg>
+    </pc:docChg>
+  </pc:docChgLst>
+  <pc:docChgLst>
     <pc:chgData name="Long B Nguyen" userId="f59fb8f3-a021-417a-8bc1-65c8d471c621" providerId="ADAL" clId="{AA9102B5-DACA-D841-B260-AEEBF90FC60A}"/>
     <pc:docChg chg="custSel addSld delSld modSld">
       <pc:chgData name="Long B Nguyen" userId="f59fb8f3-a021-417a-8bc1-65c8d471c621" providerId="ADAL" clId="{AA9102B5-DACA-D841-B260-AEEBF90FC60A}" dt="2020-01-06T17:07:10.515" v="1519" actId="2711"/>
@@ -4546,7 +4785,7 @@
           <a:p>
             <a:fld id="{6EDD99D2-A624-5E4F-A4E3-584054837B5A}" type="datetimeFigureOut">
               <a:rPr lang="en-US" smtClean="0"/>
-              <a:t>4/6/21</a:t>
+              <a:t>3/24/22</a:t>
             </a:fld>
             <a:endParaRPr lang="en-US"/>
           </a:p>
@@ -5120,10 +5359,10 @@
       </p:grpSpPr>
       <p:sp>
         <p:nvSpPr>
-          <p:cNvPr id="17409" name="Rectangle 7">
+          <p:cNvPr id="27649" name="Rectangle 7">
             <a:extLst>
               <a:ext uri="{FF2B5EF4-FFF2-40B4-BE49-F238E27FC236}">
-                <a16:creationId xmlns:a16="http://schemas.microsoft.com/office/drawing/2014/main" id="{B48EF9D5-F9A0-3643-A8E7-2810EB1AA92B}"/>
+                <a16:creationId xmlns:a16="http://schemas.microsoft.com/office/drawing/2014/main" id="{564F60CE-40E8-8D4F-A57C-292CFD3E307D}"/>
               </a:ext>
             </a:extLst>
           </p:cNvPr>
@@ -5266,7 +5505,7 @@
             </a:lvl9pPr>
           </a:lstStyle>
           <a:p>
-            <a:fld id="{F1089EEE-4600-5E49-A706-35F0B266FFA5}" type="slidenum">
+            <a:fld id="{FAB34E33-6D03-AA4F-B16B-52DEBA44FAAB}" type="slidenum">
               <a:rPr lang="en-US" altLang="en-US"/>
               <a:pPr/>
               <a:t>11</a:t>
@@ -5277,10 +5516,10 @@
       </p:sp>
       <p:sp>
         <p:nvSpPr>
-          <p:cNvPr id="17410" name="Rectangle 2">
+          <p:cNvPr id="27650" name="Rectangle 2">
             <a:extLst>
               <a:ext uri="{FF2B5EF4-FFF2-40B4-BE49-F238E27FC236}">
-                <a16:creationId xmlns:a16="http://schemas.microsoft.com/office/drawing/2014/main" id="{585D3E8A-1D25-1E49-BEDB-A9A1596579AD}"/>
+                <a16:creationId xmlns:a16="http://schemas.microsoft.com/office/drawing/2014/main" id="{66CA89A8-73FD-214D-AD03-01BE1F185E60}"/>
               </a:ext>
             </a:extLst>
           </p:cNvPr>
@@ -5318,10 +5557,10 @@
       </p:sp>
       <p:sp>
         <p:nvSpPr>
-          <p:cNvPr id="17411" name="Rectangle 3">
+          <p:cNvPr id="27651" name="Rectangle 3">
             <a:extLst>
               <a:ext uri="{FF2B5EF4-FFF2-40B4-BE49-F238E27FC236}">
-                <a16:creationId xmlns:a16="http://schemas.microsoft.com/office/drawing/2014/main" id="{70E3F267-759A-8346-A80D-6EC2F3F2309A}"/>
+                <a16:creationId xmlns:a16="http://schemas.microsoft.com/office/drawing/2014/main" id="{492DBFA1-631A-6F43-A17C-6B403067B566}"/>
               </a:ext>
             </a:extLst>
           </p:cNvPr>
@@ -5371,7 +5610,7 @@
               <a:rPr lang="en-US" altLang="en-US">
                 <a:ea typeface="ＭＳ Ｐゴシック" panose="020B0600070205080204" pitchFamily="34" charset="-128"/>
               </a:rPr>
-              <a:t>Crash Course: Cybersecurity</a:t>
+              <a:t>https://www.smartgrid.gov/the_smart_grid/smart_grid.html</a:t>
             </a:r>
           </a:p>
         </p:txBody>
@@ -5379,7 +5618,7 @@
     </p:spTree>
     <p:extLst>
       <p:ext uri="{BB962C8B-B14F-4D97-AF65-F5344CB8AC3E}">
-        <p14:creationId xmlns:p14="http://schemas.microsoft.com/office/powerpoint/2010/main" val="3245322831"/>
+        <p14:creationId xmlns:p14="http://schemas.microsoft.com/office/powerpoint/2010/main" val="2267694349"/>
       </p:ext>
     </p:extLst>
   </p:cSld>
@@ -5667,7 +5906,7 @@
     </p:spTree>
     <p:extLst>
       <p:ext uri="{BB962C8B-B14F-4D97-AF65-F5344CB8AC3E}">
-        <p14:creationId xmlns:p14="http://schemas.microsoft.com/office/powerpoint/2010/main" val="2267694349"/>
+        <p14:creationId xmlns:p14="http://schemas.microsoft.com/office/powerpoint/2010/main" val="1942480085"/>
       </p:ext>
     </p:extLst>
   </p:cSld>
@@ -5678,294 +5917,6 @@
 </file>
 
 <file path=ppt/notesSlides/notesSlide12.xml><?xml version="1.0" encoding="utf-8"?>
-<p:notes xmlns:a="http://schemas.openxmlformats.org/drawingml/2006/main" xmlns:r="http://schemas.openxmlformats.org/officeDocument/2006/relationships" xmlns:p="http://schemas.openxmlformats.org/presentationml/2006/main">
-  <p:cSld>
-    <p:spTree>
-      <p:nvGrpSpPr>
-        <p:cNvPr id="1" name=""/>
-        <p:cNvGrpSpPr/>
-        <p:nvPr/>
-      </p:nvGrpSpPr>
-      <p:grpSpPr>
-        <a:xfrm>
-          <a:off x="0" y="0"/>
-          <a:ext cx="0" cy="0"/>
-          <a:chOff x="0" y="0"/>
-          <a:chExt cx="0" cy="0"/>
-        </a:xfrm>
-      </p:grpSpPr>
-      <p:sp>
-        <p:nvSpPr>
-          <p:cNvPr id="27649" name="Rectangle 7">
-            <a:extLst>
-              <a:ext uri="{FF2B5EF4-FFF2-40B4-BE49-F238E27FC236}">
-                <a16:creationId xmlns:a16="http://schemas.microsoft.com/office/drawing/2014/main" id="{564F60CE-40E8-8D4F-A57C-292CFD3E307D}"/>
-              </a:ext>
-            </a:extLst>
-          </p:cNvPr>
-          <p:cNvSpPr>
-            <a:spLocks noGrp="1" noChangeArrowheads="1"/>
-          </p:cNvSpPr>
-          <p:nvPr>
-            <p:ph type="sldNum" sz="quarter" idx="5"/>
-          </p:nvPr>
-        </p:nvSpPr>
-        <p:spPr bwMode="auto">
-          <a:noFill/>
-          <a:extLst>
-            <a:ext uri="{909E8E84-426E-40DD-AFC4-6F175D3DCCD1}">
-              <a14:hiddenFill xmlns:a14="http://schemas.microsoft.com/office/drawing/2010/main">
-                <a:solidFill>
-                  <a:srgbClr val="FFFFFF"/>
-                </a:solidFill>
-              </a14:hiddenFill>
-            </a:ext>
-            <a:ext uri="{91240B29-F687-4F45-9708-019B960494DF}">
-              <a14:hiddenLine xmlns:a14="http://schemas.microsoft.com/office/drawing/2010/main" w="9525">
-                <a:solidFill>
-                  <a:srgbClr val="000000"/>
-                </a:solidFill>
-                <a:miter lim="800000"/>
-                <a:headEnd/>
-                <a:tailEnd/>
-              </a14:hiddenLine>
-            </a:ext>
-          </a:extLst>
-        </p:spPr>
-        <p:txBody>
-          <a:bodyPr/>
-          <a:lstStyle>
-            <a:lvl1pPr>
-              <a:defRPr>
-                <a:solidFill>
-                  <a:schemeClr val="tx1"/>
-                </a:solidFill>
-                <a:latin typeface="Arial" panose="020B0604020202020204" pitchFamily="34" charset="0"/>
-                <a:ea typeface="ＭＳ Ｐゴシック" panose="020B0600070205080204" pitchFamily="34" charset="-128"/>
-              </a:defRPr>
-            </a:lvl1pPr>
-            <a:lvl2pPr marL="742950" indent="-285750">
-              <a:defRPr>
-                <a:solidFill>
-                  <a:schemeClr val="tx1"/>
-                </a:solidFill>
-                <a:latin typeface="Arial" panose="020B0604020202020204" pitchFamily="34" charset="0"/>
-                <a:ea typeface="ＭＳ Ｐゴシック" panose="020B0600070205080204" pitchFamily="34" charset="-128"/>
-              </a:defRPr>
-            </a:lvl2pPr>
-            <a:lvl3pPr marL="1143000" indent="-228600">
-              <a:defRPr>
-                <a:solidFill>
-                  <a:schemeClr val="tx1"/>
-                </a:solidFill>
-                <a:latin typeface="Arial" panose="020B0604020202020204" pitchFamily="34" charset="0"/>
-                <a:ea typeface="ＭＳ Ｐゴシック" panose="020B0600070205080204" pitchFamily="34" charset="-128"/>
-              </a:defRPr>
-            </a:lvl3pPr>
-            <a:lvl4pPr marL="1600200" indent="-228600">
-              <a:defRPr>
-                <a:solidFill>
-                  <a:schemeClr val="tx1"/>
-                </a:solidFill>
-                <a:latin typeface="Arial" panose="020B0604020202020204" pitchFamily="34" charset="0"/>
-                <a:ea typeface="ＭＳ Ｐゴシック" panose="020B0600070205080204" pitchFamily="34" charset="-128"/>
-              </a:defRPr>
-            </a:lvl4pPr>
-            <a:lvl5pPr marL="2057400" indent="-228600">
-              <a:defRPr>
-                <a:solidFill>
-                  <a:schemeClr val="tx1"/>
-                </a:solidFill>
-                <a:latin typeface="Arial" panose="020B0604020202020204" pitchFamily="34" charset="0"/>
-                <a:ea typeface="ＭＳ Ｐゴシック" panose="020B0600070205080204" pitchFamily="34" charset="-128"/>
-              </a:defRPr>
-            </a:lvl5pPr>
-            <a:lvl6pPr marL="2514600" indent="-228600" eaLnBrk="0" fontAlgn="base" hangingPunct="0">
-              <a:spcBef>
-                <a:spcPct val="0"/>
-              </a:spcBef>
-              <a:spcAft>
-                <a:spcPct val="0"/>
-              </a:spcAft>
-              <a:defRPr>
-                <a:solidFill>
-                  <a:schemeClr val="tx1"/>
-                </a:solidFill>
-                <a:latin typeface="Arial" panose="020B0604020202020204" pitchFamily="34" charset="0"/>
-                <a:ea typeface="ＭＳ Ｐゴシック" panose="020B0600070205080204" pitchFamily="34" charset="-128"/>
-              </a:defRPr>
-            </a:lvl6pPr>
-            <a:lvl7pPr marL="2971800" indent="-228600" eaLnBrk="0" fontAlgn="base" hangingPunct="0">
-              <a:spcBef>
-                <a:spcPct val="0"/>
-              </a:spcBef>
-              <a:spcAft>
-                <a:spcPct val="0"/>
-              </a:spcAft>
-              <a:defRPr>
-                <a:solidFill>
-                  <a:schemeClr val="tx1"/>
-                </a:solidFill>
-                <a:latin typeface="Arial" panose="020B0604020202020204" pitchFamily="34" charset="0"/>
-                <a:ea typeface="ＭＳ Ｐゴシック" panose="020B0600070205080204" pitchFamily="34" charset="-128"/>
-              </a:defRPr>
-            </a:lvl7pPr>
-            <a:lvl8pPr marL="3429000" indent="-228600" eaLnBrk="0" fontAlgn="base" hangingPunct="0">
-              <a:spcBef>
-                <a:spcPct val="0"/>
-              </a:spcBef>
-              <a:spcAft>
-                <a:spcPct val="0"/>
-              </a:spcAft>
-              <a:defRPr>
-                <a:solidFill>
-                  <a:schemeClr val="tx1"/>
-                </a:solidFill>
-                <a:latin typeface="Arial" panose="020B0604020202020204" pitchFamily="34" charset="0"/>
-                <a:ea typeface="ＭＳ Ｐゴシック" panose="020B0600070205080204" pitchFamily="34" charset="-128"/>
-              </a:defRPr>
-            </a:lvl8pPr>
-            <a:lvl9pPr marL="3886200" indent="-228600" eaLnBrk="0" fontAlgn="base" hangingPunct="0">
-              <a:spcBef>
-                <a:spcPct val="0"/>
-              </a:spcBef>
-              <a:spcAft>
-                <a:spcPct val="0"/>
-              </a:spcAft>
-              <a:defRPr>
-                <a:solidFill>
-                  <a:schemeClr val="tx1"/>
-                </a:solidFill>
-                <a:latin typeface="Arial" panose="020B0604020202020204" pitchFamily="34" charset="0"/>
-                <a:ea typeface="ＭＳ Ｐゴシック" panose="020B0600070205080204" pitchFamily="34" charset="-128"/>
-              </a:defRPr>
-            </a:lvl9pPr>
-          </a:lstStyle>
-          <a:p>
-            <a:fld id="{FAB34E33-6D03-AA4F-B16B-52DEBA44FAAB}" type="slidenum">
-              <a:rPr lang="en-US" altLang="en-US"/>
-              <a:pPr/>
-              <a:t>13</a:t>
-            </a:fld>
-            <a:endParaRPr lang="en-US" altLang="en-US"/>
-          </a:p>
-        </p:txBody>
-      </p:sp>
-      <p:sp>
-        <p:nvSpPr>
-          <p:cNvPr id="27650" name="Rectangle 2">
-            <a:extLst>
-              <a:ext uri="{FF2B5EF4-FFF2-40B4-BE49-F238E27FC236}">
-                <a16:creationId xmlns:a16="http://schemas.microsoft.com/office/drawing/2014/main" id="{66CA89A8-73FD-214D-AD03-01BE1F185E60}"/>
-              </a:ext>
-            </a:extLst>
-          </p:cNvPr>
-          <p:cNvSpPr>
-            <a:spLocks noGrp="1" noRot="1" noChangeAspect="1" noChangeArrowheads="1" noTextEdit="1"/>
-          </p:cNvSpPr>
-          <p:nvPr>
-            <p:ph type="sldImg"/>
-          </p:nvPr>
-        </p:nvSpPr>
-        <p:spPr bwMode="auto">
-          <a:xfrm>
-            <a:off x="687388" y="685800"/>
-            <a:ext cx="5486400" cy="3429000"/>
-          </a:xfrm>
-          <a:noFill/>
-          <a:ln>
-            <a:solidFill>
-              <a:srgbClr val="000000"/>
-            </a:solidFill>
-            <a:miter lim="800000"/>
-            <a:headEnd/>
-            <a:tailEnd/>
-          </a:ln>
-          <a:extLst>
-            <a:ext uri="{909E8E84-426E-40DD-AFC4-6F175D3DCCD1}">
-              <a14:hiddenFill xmlns:a14="http://schemas.microsoft.com/office/drawing/2010/main">
-                <a:solidFill>
-                  <a:srgbClr val="FFFFFF"/>
-                </a:solidFill>
-              </a14:hiddenFill>
-            </a:ext>
-          </a:extLst>
-        </p:spPr>
-      </p:sp>
-      <p:sp>
-        <p:nvSpPr>
-          <p:cNvPr id="27651" name="Rectangle 3">
-            <a:extLst>
-              <a:ext uri="{FF2B5EF4-FFF2-40B4-BE49-F238E27FC236}">
-                <a16:creationId xmlns:a16="http://schemas.microsoft.com/office/drawing/2014/main" id="{492DBFA1-631A-6F43-A17C-6B403067B566}"/>
-              </a:ext>
-            </a:extLst>
-          </p:cNvPr>
-          <p:cNvSpPr>
-            <a:spLocks noGrp="1" noChangeArrowheads="1"/>
-          </p:cNvSpPr>
-          <p:nvPr>
-            <p:ph type="body" idx="1"/>
-          </p:nvPr>
-        </p:nvSpPr>
-        <p:spPr bwMode="auto">
-          <a:xfrm>
-            <a:off x="914400" y="4343400"/>
-            <a:ext cx="5029200" cy="4114800"/>
-          </a:xfrm>
-          <a:noFill/>
-          <a:extLst>
-            <a:ext uri="{909E8E84-426E-40DD-AFC4-6F175D3DCCD1}">
-              <a14:hiddenFill xmlns:a14="http://schemas.microsoft.com/office/drawing/2010/main">
-                <a:solidFill>
-                  <a:srgbClr val="FFFFFF"/>
-                </a:solidFill>
-              </a14:hiddenFill>
-            </a:ext>
-            <a:ext uri="{91240B29-F687-4F45-9708-019B960494DF}">
-              <a14:hiddenLine xmlns:a14="http://schemas.microsoft.com/office/drawing/2010/main" w="9525">
-                <a:solidFill>
-                  <a:srgbClr val="000000"/>
-                </a:solidFill>
-                <a:miter lim="800000"/>
-                <a:headEnd/>
-                <a:tailEnd/>
-              </a14:hiddenLine>
-            </a:ext>
-          </a:extLst>
-        </p:spPr>
-        <p:txBody>
-          <a:bodyPr wrap="square" numCol="1" anchor="t" anchorCtr="0" compatLnSpc="1">
-            <a:prstTxWarp prst="textNoShape">
-              <a:avLst/>
-            </a:prstTxWarp>
-          </a:bodyPr>
-          <a:lstStyle/>
-          <a:p>
-            <a:pPr eaLnBrk="1" hangingPunct="1"/>
-            <a:r>
-              <a:rPr lang="en-US" altLang="en-US">
-                <a:ea typeface="ＭＳ Ｐゴシック" panose="020B0600070205080204" pitchFamily="34" charset="-128"/>
-              </a:rPr>
-              <a:t>https://www.smartgrid.gov/the_smart_grid/smart_grid.html</a:t>
-            </a:r>
-          </a:p>
-        </p:txBody>
-      </p:sp>
-    </p:spTree>
-    <p:extLst>
-      <p:ext uri="{BB962C8B-B14F-4D97-AF65-F5344CB8AC3E}">
-        <p14:creationId xmlns:p14="http://schemas.microsoft.com/office/powerpoint/2010/main" val="1942480085"/>
-      </p:ext>
-    </p:extLst>
-  </p:cSld>
-  <p:clrMapOvr>
-    <a:masterClrMapping/>
-  </p:clrMapOvr>
-</p:notes>
-</file>
-
-<file path=ppt/notesSlides/notesSlide13.xml><?xml version="1.0" encoding="utf-8"?>
 <p:notes xmlns:a="http://schemas.openxmlformats.org/drawingml/2006/main" xmlns:r="http://schemas.openxmlformats.org/officeDocument/2006/relationships" xmlns:p="http://schemas.openxmlformats.org/presentationml/2006/main">
   <p:cSld>
     <p:spTree>
@@ -6133,7 +6084,7 @@
             <a:fld id="{0F8401DB-EAC2-4C4E-B168-4C791CA9E973}" type="slidenum">
               <a:rPr lang="en-US" altLang="en-US"/>
               <a:pPr/>
-              <a:t>14</a:t>
+              <a:t>13</a:t>
             </a:fld>
             <a:endParaRPr lang="en-US" altLang="en-US"/>
           </a:p>
@@ -6244,6 +6195,294 @@
     <p:extLst>
       <p:ext uri="{BB962C8B-B14F-4D97-AF65-F5344CB8AC3E}">
         <p14:creationId xmlns:p14="http://schemas.microsoft.com/office/powerpoint/2010/main" val="4155448750"/>
+      </p:ext>
+    </p:extLst>
+  </p:cSld>
+  <p:clrMapOvr>
+    <a:masterClrMapping/>
+  </p:clrMapOvr>
+</p:notes>
+</file>
+
+<file path=ppt/notesSlides/notesSlide13.xml><?xml version="1.0" encoding="utf-8"?>
+<p:notes xmlns:a="http://schemas.openxmlformats.org/drawingml/2006/main" xmlns:r="http://schemas.openxmlformats.org/officeDocument/2006/relationships" xmlns:p="http://schemas.openxmlformats.org/presentationml/2006/main">
+  <p:cSld>
+    <p:spTree>
+      <p:nvGrpSpPr>
+        <p:cNvPr id="1" name=""/>
+        <p:cNvGrpSpPr/>
+        <p:nvPr/>
+      </p:nvGrpSpPr>
+      <p:grpSpPr>
+        <a:xfrm>
+          <a:off x="0" y="0"/>
+          <a:ext cx="0" cy="0"/>
+          <a:chOff x="0" y="0"/>
+          <a:chExt cx="0" cy="0"/>
+        </a:xfrm>
+      </p:grpSpPr>
+      <p:sp>
+        <p:nvSpPr>
+          <p:cNvPr id="31745" name="Rectangle 7">
+            <a:extLst>
+              <a:ext uri="{FF2B5EF4-FFF2-40B4-BE49-F238E27FC236}">
+                <a16:creationId xmlns:a16="http://schemas.microsoft.com/office/drawing/2014/main" id="{DD93A938-58AA-5E40-8E56-33EB558929C4}"/>
+              </a:ext>
+            </a:extLst>
+          </p:cNvPr>
+          <p:cNvSpPr>
+            <a:spLocks noGrp="1" noChangeArrowheads="1"/>
+          </p:cNvSpPr>
+          <p:nvPr>
+            <p:ph type="sldNum" sz="quarter" idx="5"/>
+          </p:nvPr>
+        </p:nvSpPr>
+        <p:spPr bwMode="auto">
+          <a:noFill/>
+          <a:extLst>
+            <a:ext uri="{909E8E84-426E-40DD-AFC4-6F175D3DCCD1}">
+              <a14:hiddenFill xmlns:a14="http://schemas.microsoft.com/office/drawing/2010/main">
+                <a:solidFill>
+                  <a:srgbClr val="FFFFFF"/>
+                </a:solidFill>
+              </a14:hiddenFill>
+            </a:ext>
+            <a:ext uri="{91240B29-F687-4F45-9708-019B960494DF}">
+              <a14:hiddenLine xmlns:a14="http://schemas.microsoft.com/office/drawing/2010/main" w="9525">
+                <a:solidFill>
+                  <a:srgbClr val="000000"/>
+                </a:solidFill>
+                <a:miter lim="800000"/>
+                <a:headEnd/>
+                <a:tailEnd/>
+              </a14:hiddenLine>
+            </a:ext>
+          </a:extLst>
+        </p:spPr>
+        <p:txBody>
+          <a:bodyPr/>
+          <a:lstStyle>
+            <a:lvl1pPr>
+              <a:defRPr>
+                <a:solidFill>
+                  <a:schemeClr val="tx1"/>
+                </a:solidFill>
+                <a:latin typeface="Arial" panose="020B0604020202020204" pitchFamily="34" charset="0"/>
+                <a:ea typeface="ＭＳ Ｐゴシック" panose="020B0600070205080204" pitchFamily="34" charset="-128"/>
+              </a:defRPr>
+            </a:lvl1pPr>
+            <a:lvl2pPr marL="742950" indent="-285750">
+              <a:defRPr>
+                <a:solidFill>
+                  <a:schemeClr val="tx1"/>
+                </a:solidFill>
+                <a:latin typeface="Arial" panose="020B0604020202020204" pitchFamily="34" charset="0"/>
+                <a:ea typeface="ＭＳ Ｐゴシック" panose="020B0600070205080204" pitchFamily="34" charset="-128"/>
+              </a:defRPr>
+            </a:lvl2pPr>
+            <a:lvl3pPr marL="1143000" indent="-228600">
+              <a:defRPr>
+                <a:solidFill>
+                  <a:schemeClr val="tx1"/>
+                </a:solidFill>
+                <a:latin typeface="Arial" panose="020B0604020202020204" pitchFamily="34" charset="0"/>
+                <a:ea typeface="ＭＳ Ｐゴシック" panose="020B0600070205080204" pitchFamily="34" charset="-128"/>
+              </a:defRPr>
+            </a:lvl3pPr>
+            <a:lvl4pPr marL="1600200" indent="-228600">
+              <a:defRPr>
+                <a:solidFill>
+                  <a:schemeClr val="tx1"/>
+                </a:solidFill>
+                <a:latin typeface="Arial" panose="020B0604020202020204" pitchFamily="34" charset="0"/>
+                <a:ea typeface="ＭＳ Ｐゴシック" panose="020B0600070205080204" pitchFamily="34" charset="-128"/>
+              </a:defRPr>
+            </a:lvl4pPr>
+            <a:lvl5pPr marL="2057400" indent="-228600">
+              <a:defRPr>
+                <a:solidFill>
+                  <a:schemeClr val="tx1"/>
+                </a:solidFill>
+                <a:latin typeface="Arial" panose="020B0604020202020204" pitchFamily="34" charset="0"/>
+                <a:ea typeface="ＭＳ Ｐゴシック" panose="020B0600070205080204" pitchFamily="34" charset="-128"/>
+              </a:defRPr>
+            </a:lvl5pPr>
+            <a:lvl6pPr marL="2514600" indent="-228600" eaLnBrk="0" fontAlgn="base" hangingPunct="0">
+              <a:spcBef>
+                <a:spcPct val="0"/>
+              </a:spcBef>
+              <a:spcAft>
+                <a:spcPct val="0"/>
+              </a:spcAft>
+              <a:defRPr>
+                <a:solidFill>
+                  <a:schemeClr val="tx1"/>
+                </a:solidFill>
+                <a:latin typeface="Arial" panose="020B0604020202020204" pitchFamily="34" charset="0"/>
+                <a:ea typeface="ＭＳ Ｐゴシック" panose="020B0600070205080204" pitchFamily="34" charset="-128"/>
+              </a:defRPr>
+            </a:lvl6pPr>
+            <a:lvl7pPr marL="2971800" indent="-228600" eaLnBrk="0" fontAlgn="base" hangingPunct="0">
+              <a:spcBef>
+                <a:spcPct val="0"/>
+              </a:spcBef>
+              <a:spcAft>
+                <a:spcPct val="0"/>
+              </a:spcAft>
+              <a:defRPr>
+                <a:solidFill>
+                  <a:schemeClr val="tx1"/>
+                </a:solidFill>
+                <a:latin typeface="Arial" panose="020B0604020202020204" pitchFamily="34" charset="0"/>
+                <a:ea typeface="ＭＳ Ｐゴシック" panose="020B0600070205080204" pitchFamily="34" charset="-128"/>
+              </a:defRPr>
+            </a:lvl7pPr>
+            <a:lvl8pPr marL="3429000" indent="-228600" eaLnBrk="0" fontAlgn="base" hangingPunct="0">
+              <a:spcBef>
+                <a:spcPct val="0"/>
+              </a:spcBef>
+              <a:spcAft>
+                <a:spcPct val="0"/>
+              </a:spcAft>
+              <a:defRPr>
+                <a:solidFill>
+                  <a:schemeClr val="tx1"/>
+                </a:solidFill>
+                <a:latin typeface="Arial" panose="020B0604020202020204" pitchFamily="34" charset="0"/>
+                <a:ea typeface="ＭＳ Ｐゴシック" panose="020B0600070205080204" pitchFamily="34" charset="-128"/>
+              </a:defRPr>
+            </a:lvl8pPr>
+            <a:lvl9pPr marL="3886200" indent="-228600" eaLnBrk="0" fontAlgn="base" hangingPunct="0">
+              <a:spcBef>
+                <a:spcPct val="0"/>
+              </a:spcBef>
+              <a:spcAft>
+                <a:spcPct val="0"/>
+              </a:spcAft>
+              <a:defRPr>
+                <a:solidFill>
+                  <a:schemeClr val="tx1"/>
+                </a:solidFill>
+                <a:latin typeface="Arial" panose="020B0604020202020204" pitchFamily="34" charset="0"/>
+                <a:ea typeface="ＭＳ Ｐゴシック" panose="020B0600070205080204" pitchFamily="34" charset="-128"/>
+              </a:defRPr>
+            </a:lvl9pPr>
+          </a:lstStyle>
+          <a:p>
+            <a:fld id="{0FEB20D8-C73A-654E-BD29-5B231E1749D1}" type="slidenum">
+              <a:rPr lang="en-US" altLang="en-US"/>
+              <a:pPr/>
+              <a:t>14</a:t>
+            </a:fld>
+            <a:endParaRPr lang="en-US" altLang="en-US"/>
+          </a:p>
+        </p:txBody>
+      </p:sp>
+      <p:sp>
+        <p:nvSpPr>
+          <p:cNvPr id="31746" name="Rectangle 2">
+            <a:extLst>
+              <a:ext uri="{FF2B5EF4-FFF2-40B4-BE49-F238E27FC236}">
+                <a16:creationId xmlns:a16="http://schemas.microsoft.com/office/drawing/2014/main" id="{CFFEE6B8-7CB2-7841-B3C0-99FE37AE4FFA}"/>
+              </a:ext>
+            </a:extLst>
+          </p:cNvPr>
+          <p:cNvSpPr>
+            <a:spLocks noGrp="1" noRot="1" noChangeAspect="1" noChangeArrowheads="1" noTextEdit="1"/>
+          </p:cNvSpPr>
+          <p:nvPr>
+            <p:ph type="sldImg"/>
+          </p:nvPr>
+        </p:nvSpPr>
+        <p:spPr bwMode="auto">
+          <a:xfrm>
+            <a:off x="687388" y="685800"/>
+            <a:ext cx="5486400" cy="3429000"/>
+          </a:xfrm>
+          <a:noFill/>
+          <a:ln>
+            <a:solidFill>
+              <a:srgbClr val="000000"/>
+            </a:solidFill>
+            <a:miter lim="800000"/>
+            <a:headEnd/>
+            <a:tailEnd/>
+          </a:ln>
+          <a:extLst>
+            <a:ext uri="{909E8E84-426E-40DD-AFC4-6F175D3DCCD1}">
+              <a14:hiddenFill xmlns:a14="http://schemas.microsoft.com/office/drawing/2010/main">
+                <a:solidFill>
+                  <a:srgbClr val="FFFFFF"/>
+                </a:solidFill>
+              </a14:hiddenFill>
+            </a:ext>
+          </a:extLst>
+        </p:spPr>
+      </p:sp>
+      <p:sp>
+        <p:nvSpPr>
+          <p:cNvPr id="31747" name="Rectangle 3">
+            <a:extLst>
+              <a:ext uri="{FF2B5EF4-FFF2-40B4-BE49-F238E27FC236}">
+                <a16:creationId xmlns:a16="http://schemas.microsoft.com/office/drawing/2014/main" id="{0CF2F2A2-5F63-104B-BEEC-4CC0641C7D32}"/>
+              </a:ext>
+            </a:extLst>
+          </p:cNvPr>
+          <p:cNvSpPr>
+            <a:spLocks noGrp="1" noChangeArrowheads="1"/>
+          </p:cNvSpPr>
+          <p:nvPr>
+            <p:ph type="body" idx="1"/>
+          </p:nvPr>
+        </p:nvSpPr>
+        <p:spPr bwMode="auto">
+          <a:xfrm>
+            <a:off x="914400" y="4343400"/>
+            <a:ext cx="5029200" cy="4114800"/>
+          </a:xfrm>
+          <a:noFill/>
+          <a:extLst>
+            <a:ext uri="{909E8E84-426E-40DD-AFC4-6F175D3DCCD1}">
+              <a14:hiddenFill xmlns:a14="http://schemas.microsoft.com/office/drawing/2010/main">
+                <a:solidFill>
+                  <a:srgbClr val="FFFFFF"/>
+                </a:solidFill>
+              </a14:hiddenFill>
+            </a:ext>
+            <a:ext uri="{91240B29-F687-4F45-9708-019B960494DF}">
+              <a14:hiddenLine xmlns:a14="http://schemas.microsoft.com/office/drawing/2010/main" w="9525">
+                <a:solidFill>
+                  <a:srgbClr val="000000"/>
+                </a:solidFill>
+                <a:miter lim="800000"/>
+                <a:headEnd/>
+                <a:tailEnd/>
+              </a14:hiddenLine>
+            </a:ext>
+          </a:extLst>
+        </p:spPr>
+        <p:txBody>
+          <a:bodyPr wrap="square" numCol="1" anchor="t" anchorCtr="0" compatLnSpc="1">
+            <a:prstTxWarp prst="textNoShape">
+              <a:avLst/>
+            </a:prstTxWarp>
+          </a:bodyPr>
+          <a:lstStyle/>
+          <a:p>
+            <a:pPr eaLnBrk="1" hangingPunct="1"/>
+            <a:r>
+              <a:rPr lang="en-US" altLang="en-US">
+                <a:ea typeface="ＭＳ Ｐゴシック" panose="020B0600070205080204" pitchFamily="34" charset="-128"/>
+              </a:rPr>
+              <a:t>https://www.smartgrid.gov/the_smart_grid/smart_grid.html</a:t>
+            </a:r>
+          </a:p>
+        </p:txBody>
+      </p:sp>
+    </p:spTree>
+    <p:extLst>
+      <p:ext uri="{BB962C8B-B14F-4D97-AF65-F5344CB8AC3E}">
+        <p14:creationId xmlns:p14="http://schemas.microsoft.com/office/powerpoint/2010/main" val="2793539672"/>
       </p:ext>
     </p:extLst>
   </p:cSld>
@@ -6531,7 +6770,7 @@
     </p:spTree>
     <p:extLst>
       <p:ext uri="{BB962C8B-B14F-4D97-AF65-F5344CB8AC3E}">
-        <p14:creationId xmlns:p14="http://schemas.microsoft.com/office/powerpoint/2010/main" val="2793539672"/>
+        <p14:creationId xmlns:p14="http://schemas.microsoft.com/office/powerpoint/2010/main" val="2082707147"/>
       </p:ext>
     </p:extLst>
   </p:cSld>
@@ -6819,7 +7058,7 @@
     </p:spTree>
     <p:extLst>
       <p:ext uri="{BB962C8B-B14F-4D97-AF65-F5344CB8AC3E}">
-        <p14:creationId xmlns:p14="http://schemas.microsoft.com/office/powerpoint/2010/main" val="2082707147"/>
+        <p14:creationId xmlns:p14="http://schemas.microsoft.com/office/powerpoint/2010/main" val="1416763913"/>
       </p:ext>
     </p:extLst>
   </p:cSld>
@@ -6830,294 +7069,6 @@
 </file>
 
 <file path=ppt/notesSlides/notesSlide16.xml><?xml version="1.0" encoding="utf-8"?>
-<p:notes xmlns:a="http://schemas.openxmlformats.org/drawingml/2006/main" xmlns:r="http://schemas.openxmlformats.org/officeDocument/2006/relationships" xmlns:p="http://schemas.openxmlformats.org/presentationml/2006/main">
-  <p:cSld>
-    <p:spTree>
-      <p:nvGrpSpPr>
-        <p:cNvPr id="1" name=""/>
-        <p:cNvGrpSpPr/>
-        <p:nvPr/>
-      </p:nvGrpSpPr>
-      <p:grpSpPr>
-        <a:xfrm>
-          <a:off x="0" y="0"/>
-          <a:ext cx="0" cy="0"/>
-          <a:chOff x="0" y="0"/>
-          <a:chExt cx="0" cy="0"/>
-        </a:xfrm>
-      </p:grpSpPr>
-      <p:sp>
-        <p:nvSpPr>
-          <p:cNvPr id="17409" name="Rectangle 7">
-            <a:extLst>
-              <a:ext uri="{FF2B5EF4-FFF2-40B4-BE49-F238E27FC236}">
-                <a16:creationId xmlns:a16="http://schemas.microsoft.com/office/drawing/2014/main" id="{5BC61501-6556-E446-A9D1-F86C628BE99D}"/>
-              </a:ext>
-            </a:extLst>
-          </p:cNvPr>
-          <p:cNvSpPr>
-            <a:spLocks noGrp="1" noChangeArrowheads="1"/>
-          </p:cNvSpPr>
-          <p:nvPr>
-            <p:ph type="sldNum" sz="quarter" idx="5"/>
-          </p:nvPr>
-        </p:nvSpPr>
-        <p:spPr bwMode="auto">
-          <a:noFill/>
-          <a:extLst>
-            <a:ext uri="{909E8E84-426E-40DD-AFC4-6F175D3DCCD1}">
-              <a14:hiddenFill xmlns:a14="http://schemas.microsoft.com/office/drawing/2010/main">
-                <a:solidFill>
-                  <a:srgbClr val="FFFFFF"/>
-                </a:solidFill>
-              </a14:hiddenFill>
-            </a:ext>
-            <a:ext uri="{91240B29-F687-4F45-9708-019B960494DF}">
-              <a14:hiddenLine xmlns:a14="http://schemas.microsoft.com/office/drawing/2010/main" w="9525">
-                <a:solidFill>
-                  <a:srgbClr val="000000"/>
-                </a:solidFill>
-                <a:miter lim="800000"/>
-                <a:headEnd/>
-                <a:tailEnd/>
-              </a14:hiddenLine>
-            </a:ext>
-          </a:extLst>
-        </p:spPr>
-        <p:txBody>
-          <a:bodyPr/>
-          <a:lstStyle>
-            <a:lvl1pPr>
-              <a:defRPr>
-                <a:solidFill>
-                  <a:schemeClr val="tx1"/>
-                </a:solidFill>
-                <a:latin typeface="Arial" panose="020B0604020202020204" pitchFamily="34" charset="0"/>
-                <a:ea typeface="ＭＳ Ｐゴシック" panose="020B0600070205080204" pitchFamily="34" charset="-128"/>
-              </a:defRPr>
-            </a:lvl1pPr>
-            <a:lvl2pPr marL="742950" indent="-285750">
-              <a:defRPr>
-                <a:solidFill>
-                  <a:schemeClr val="tx1"/>
-                </a:solidFill>
-                <a:latin typeface="Arial" panose="020B0604020202020204" pitchFamily="34" charset="0"/>
-                <a:ea typeface="ＭＳ Ｐゴシック" panose="020B0600070205080204" pitchFamily="34" charset="-128"/>
-              </a:defRPr>
-            </a:lvl2pPr>
-            <a:lvl3pPr marL="1143000" indent="-228600">
-              <a:defRPr>
-                <a:solidFill>
-                  <a:schemeClr val="tx1"/>
-                </a:solidFill>
-                <a:latin typeface="Arial" panose="020B0604020202020204" pitchFamily="34" charset="0"/>
-                <a:ea typeface="ＭＳ Ｐゴシック" panose="020B0600070205080204" pitchFamily="34" charset="-128"/>
-              </a:defRPr>
-            </a:lvl3pPr>
-            <a:lvl4pPr marL="1600200" indent="-228600">
-              <a:defRPr>
-                <a:solidFill>
-                  <a:schemeClr val="tx1"/>
-                </a:solidFill>
-                <a:latin typeface="Arial" panose="020B0604020202020204" pitchFamily="34" charset="0"/>
-                <a:ea typeface="ＭＳ Ｐゴシック" panose="020B0600070205080204" pitchFamily="34" charset="-128"/>
-              </a:defRPr>
-            </a:lvl4pPr>
-            <a:lvl5pPr marL="2057400" indent="-228600">
-              <a:defRPr>
-                <a:solidFill>
-                  <a:schemeClr val="tx1"/>
-                </a:solidFill>
-                <a:latin typeface="Arial" panose="020B0604020202020204" pitchFamily="34" charset="0"/>
-                <a:ea typeface="ＭＳ Ｐゴシック" panose="020B0600070205080204" pitchFamily="34" charset="-128"/>
-              </a:defRPr>
-            </a:lvl5pPr>
-            <a:lvl6pPr marL="2514600" indent="-228600" eaLnBrk="0" fontAlgn="base" hangingPunct="0">
-              <a:spcBef>
-                <a:spcPct val="0"/>
-              </a:spcBef>
-              <a:spcAft>
-                <a:spcPct val="0"/>
-              </a:spcAft>
-              <a:defRPr>
-                <a:solidFill>
-                  <a:schemeClr val="tx1"/>
-                </a:solidFill>
-                <a:latin typeface="Arial" panose="020B0604020202020204" pitchFamily="34" charset="0"/>
-                <a:ea typeface="ＭＳ Ｐゴシック" panose="020B0600070205080204" pitchFamily="34" charset="-128"/>
-              </a:defRPr>
-            </a:lvl6pPr>
-            <a:lvl7pPr marL="2971800" indent="-228600" eaLnBrk="0" fontAlgn="base" hangingPunct="0">
-              <a:spcBef>
-                <a:spcPct val="0"/>
-              </a:spcBef>
-              <a:spcAft>
-                <a:spcPct val="0"/>
-              </a:spcAft>
-              <a:defRPr>
-                <a:solidFill>
-                  <a:schemeClr val="tx1"/>
-                </a:solidFill>
-                <a:latin typeface="Arial" panose="020B0604020202020204" pitchFamily="34" charset="0"/>
-                <a:ea typeface="ＭＳ Ｐゴシック" panose="020B0600070205080204" pitchFamily="34" charset="-128"/>
-              </a:defRPr>
-            </a:lvl7pPr>
-            <a:lvl8pPr marL="3429000" indent="-228600" eaLnBrk="0" fontAlgn="base" hangingPunct="0">
-              <a:spcBef>
-                <a:spcPct val="0"/>
-              </a:spcBef>
-              <a:spcAft>
-                <a:spcPct val="0"/>
-              </a:spcAft>
-              <a:defRPr>
-                <a:solidFill>
-                  <a:schemeClr val="tx1"/>
-                </a:solidFill>
-                <a:latin typeface="Arial" panose="020B0604020202020204" pitchFamily="34" charset="0"/>
-                <a:ea typeface="ＭＳ Ｐゴシック" panose="020B0600070205080204" pitchFamily="34" charset="-128"/>
-              </a:defRPr>
-            </a:lvl8pPr>
-            <a:lvl9pPr marL="3886200" indent="-228600" eaLnBrk="0" fontAlgn="base" hangingPunct="0">
-              <a:spcBef>
-                <a:spcPct val="0"/>
-              </a:spcBef>
-              <a:spcAft>
-                <a:spcPct val="0"/>
-              </a:spcAft>
-              <a:defRPr>
-                <a:solidFill>
-                  <a:schemeClr val="tx1"/>
-                </a:solidFill>
-                <a:latin typeface="Arial" panose="020B0604020202020204" pitchFamily="34" charset="0"/>
-                <a:ea typeface="ＭＳ Ｐゴシック" panose="020B0600070205080204" pitchFamily="34" charset="-128"/>
-              </a:defRPr>
-            </a:lvl9pPr>
-          </a:lstStyle>
-          <a:p>
-            <a:fld id="{C4F95CCF-C3C3-E043-ADE9-381A81BFA129}" type="slidenum">
-              <a:rPr lang="en-US" altLang="en-US"/>
-              <a:pPr/>
-              <a:t>17</a:t>
-            </a:fld>
-            <a:endParaRPr lang="en-US" altLang="en-US"/>
-          </a:p>
-        </p:txBody>
-      </p:sp>
-      <p:sp>
-        <p:nvSpPr>
-          <p:cNvPr id="17410" name="Rectangle 2">
-            <a:extLst>
-              <a:ext uri="{FF2B5EF4-FFF2-40B4-BE49-F238E27FC236}">
-                <a16:creationId xmlns:a16="http://schemas.microsoft.com/office/drawing/2014/main" id="{E1C00F26-9202-6748-BB57-AC37CA2D4707}"/>
-              </a:ext>
-            </a:extLst>
-          </p:cNvPr>
-          <p:cNvSpPr>
-            <a:spLocks noGrp="1" noRot="1" noChangeAspect="1" noChangeArrowheads="1" noTextEdit="1"/>
-          </p:cNvSpPr>
-          <p:nvPr>
-            <p:ph type="sldImg"/>
-          </p:nvPr>
-        </p:nvSpPr>
-        <p:spPr bwMode="auto">
-          <a:xfrm>
-            <a:off x="687388" y="685800"/>
-            <a:ext cx="5486400" cy="3429000"/>
-          </a:xfrm>
-          <a:noFill/>
-          <a:ln>
-            <a:solidFill>
-              <a:srgbClr val="000000"/>
-            </a:solidFill>
-            <a:miter lim="800000"/>
-            <a:headEnd/>
-            <a:tailEnd/>
-          </a:ln>
-          <a:extLst>
-            <a:ext uri="{909E8E84-426E-40DD-AFC4-6F175D3DCCD1}">
-              <a14:hiddenFill xmlns:a14="http://schemas.microsoft.com/office/drawing/2010/main">
-                <a:solidFill>
-                  <a:srgbClr val="FFFFFF"/>
-                </a:solidFill>
-              </a14:hiddenFill>
-            </a:ext>
-          </a:extLst>
-        </p:spPr>
-      </p:sp>
-      <p:sp>
-        <p:nvSpPr>
-          <p:cNvPr id="17411" name="Rectangle 3">
-            <a:extLst>
-              <a:ext uri="{FF2B5EF4-FFF2-40B4-BE49-F238E27FC236}">
-                <a16:creationId xmlns:a16="http://schemas.microsoft.com/office/drawing/2014/main" id="{1044D37B-D956-0042-9F14-9B7B8765D074}"/>
-              </a:ext>
-            </a:extLst>
-          </p:cNvPr>
-          <p:cNvSpPr>
-            <a:spLocks noGrp="1" noChangeArrowheads="1"/>
-          </p:cNvSpPr>
-          <p:nvPr>
-            <p:ph type="body" idx="1"/>
-          </p:nvPr>
-        </p:nvSpPr>
-        <p:spPr bwMode="auto">
-          <a:xfrm>
-            <a:off x="914400" y="4343400"/>
-            <a:ext cx="5029200" cy="4114800"/>
-          </a:xfrm>
-          <a:noFill/>
-          <a:extLst>
-            <a:ext uri="{909E8E84-426E-40DD-AFC4-6F175D3DCCD1}">
-              <a14:hiddenFill xmlns:a14="http://schemas.microsoft.com/office/drawing/2010/main">
-                <a:solidFill>
-                  <a:srgbClr val="FFFFFF"/>
-                </a:solidFill>
-              </a14:hiddenFill>
-            </a:ext>
-            <a:ext uri="{91240B29-F687-4F45-9708-019B960494DF}">
-              <a14:hiddenLine xmlns:a14="http://schemas.microsoft.com/office/drawing/2010/main" w="9525">
-                <a:solidFill>
-                  <a:srgbClr val="000000"/>
-                </a:solidFill>
-                <a:miter lim="800000"/>
-                <a:headEnd/>
-                <a:tailEnd/>
-              </a14:hiddenLine>
-            </a:ext>
-          </a:extLst>
-        </p:spPr>
-        <p:txBody>
-          <a:bodyPr wrap="square" numCol="1" anchor="t" anchorCtr="0" compatLnSpc="1">
-            <a:prstTxWarp prst="textNoShape">
-              <a:avLst/>
-            </a:prstTxWarp>
-          </a:bodyPr>
-          <a:lstStyle/>
-          <a:p>
-            <a:pPr eaLnBrk="1" hangingPunct="1"/>
-            <a:r>
-              <a:rPr lang="en-US" altLang="en-US">
-                <a:ea typeface="ＭＳ Ｐゴシック" panose="020B0600070205080204" pitchFamily="34" charset="-128"/>
-              </a:rPr>
-              <a:t>Crash Course: Cybersecurity</a:t>
-            </a:r>
-          </a:p>
-        </p:txBody>
-      </p:sp>
-    </p:spTree>
-    <p:extLst>
-      <p:ext uri="{BB962C8B-B14F-4D97-AF65-F5344CB8AC3E}">
-        <p14:creationId xmlns:p14="http://schemas.microsoft.com/office/powerpoint/2010/main" val="3180656115"/>
-      </p:ext>
-    </p:extLst>
-  </p:cSld>
-  <p:clrMapOvr>
-    <a:masterClrMapping/>
-  </p:clrMapOvr>
-</p:notes>
-</file>
-
-<file path=ppt/notesSlides/notesSlide17.xml><?xml version="1.0" encoding="utf-8"?>
 <p:notes xmlns:a="http://schemas.openxmlformats.org/drawingml/2006/main" xmlns:r="http://schemas.openxmlformats.org/officeDocument/2006/relationships" xmlns:p="http://schemas.openxmlformats.org/presentationml/2006/main">
   <p:cSld>
     <p:spTree>
@@ -7285,7 +7236,7 @@
             <a:fld id="{15B86C48-2F16-C440-BE26-4CAFB7E7AFD4}" type="slidenum">
               <a:rPr lang="en-US" altLang="en-US"/>
               <a:pPr/>
-              <a:t>18</a:t>
+              <a:t>17</a:t>
             </a:fld>
             <a:endParaRPr lang="en-US" altLang="en-US"/>
           </a:p>
@@ -7405,7 +7356,7 @@
 </p:notes>
 </file>
 
-<file path=ppt/notesSlides/notesSlide18.xml><?xml version="1.0" encoding="utf-8"?>
+<file path=ppt/notesSlides/notesSlide17.xml><?xml version="1.0" encoding="utf-8"?>
 <p:notes xmlns:a="http://schemas.openxmlformats.org/drawingml/2006/main" xmlns:r="http://schemas.openxmlformats.org/officeDocument/2006/relationships" xmlns:p="http://schemas.openxmlformats.org/presentationml/2006/main">
   <p:cSld>
     <p:spTree>
@@ -7573,7 +7524,7 @@
             <a:fld id="{E05D556B-9122-724B-9637-98DA0CA8ED62}" type="slidenum">
               <a:rPr lang="en-US" altLang="en-US"/>
               <a:pPr/>
-              <a:t>19</a:t>
+              <a:t>18</a:t>
             </a:fld>
             <a:endParaRPr lang="en-US" altLang="en-US"/>
           </a:p>
@@ -7684,6 +7635,294 @@
     <p:extLst>
       <p:ext uri="{BB962C8B-B14F-4D97-AF65-F5344CB8AC3E}">
         <p14:creationId xmlns:p14="http://schemas.microsoft.com/office/powerpoint/2010/main" val="1202377066"/>
+      </p:ext>
+    </p:extLst>
+  </p:cSld>
+  <p:clrMapOvr>
+    <a:masterClrMapping/>
+  </p:clrMapOvr>
+</p:notes>
+</file>
+
+<file path=ppt/notesSlides/notesSlide18.xml><?xml version="1.0" encoding="utf-8"?>
+<p:notes xmlns:a="http://schemas.openxmlformats.org/drawingml/2006/main" xmlns:r="http://schemas.openxmlformats.org/officeDocument/2006/relationships" xmlns:p="http://schemas.openxmlformats.org/presentationml/2006/main">
+  <p:cSld>
+    <p:spTree>
+      <p:nvGrpSpPr>
+        <p:cNvPr id="1" name=""/>
+        <p:cNvGrpSpPr/>
+        <p:nvPr/>
+      </p:nvGrpSpPr>
+      <p:grpSpPr>
+        <a:xfrm>
+          <a:off x="0" y="0"/>
+          <a:ext cx="0" cy="0"/>
+          <a:chOff x="0" y="0"/>
+          <a:chExt cx="0" cy="0"/>
+        </a:xfrm>
+      </p:grpSpPr>
+      <p:sp>
+        <p:nvSpPr>
+          <p:cNvPr id="23553" name="Rectangle 7">
+            <a:extLst>
+              <a:ext uri="{FF2B5EF4-FFF2-40B4-BE49-F238E27FC236}">
+                <a16:creationId xmlns:a16="http://schemas.microsoft.com/office/drawing/2014/main" id="{CA215619-B397-AB4F-960A-4AC4484CE868}"/>
+              </a:ext>
+            </a:extLst>
+          </p:cNvPr>
+          <p:cNvSpPr>
+            <a:spLocks noGrp="1" noChangeArrowheads="1"/>
+          </p:cNvSpPr>
+          <p:nvPr>
+            <p:ph type="sldNum" sz="quarter" idx="5"/>
+          </p:nvPr>
+        </p:nvSpPr>
+        <p:spPr bwMode="auto">
+          <a:noFill/>
+          <a:extLst>
+            <a:ext uri="{909E8E84-426E-40DD-AFC4-6F175D3DCCD1}">
+              <a14:hiddenFill xmlns:a14="http://schemas.microsoft.com/office/drawing/2010/main">
+                <a:solidFill>
+                  <a:srgbClr val="FFFFFF"/>
+                </a:solidFill>
+              </a14:hiddenFill>
+            </a:ext>
+            <a:ext uri="{91240B29-F687-4F45-9708-019B960494DF}">
+              <a14:hiddenLine xmlns:a14="http://schemas.microsoft.com/office/drawing/2010/main" w="9525">
+                <a:solidFill>
+                  <a:srgbClr val="000000"/>
+                </a:solidFill>
+                <a:miter lim="800000"/>
+                <a:headEnd/>
+                <a:tailEnd/>
+              </a14:hiddenLine>
+            </a:ext>
+          </a:extLst>
+        </p:spPr>
+        <p:txBody>
+          <a:bodyPr/>
+          <a:lstStyle>
+            <a:lvl1pPr>
+              <a:defRPr>
+                <a:solidFill>
+                  <a:schemeClr val="tx1"/>
+                </a:solidFill>
+                <a:latin typeface="Arial" panose="020B0604020202020204" pitchFamily="34" charset="0"/>
+                <a:ea typeface="ＭＳ Ｐゴシック" panose="020B0600070205080204" pitchFamily="34" charset="-128"/>
+              </a:defRPr>
+            </a:lvl1pPr>
+            <a:lvl2pPr marL="742950" indent="-285750">
+              <a:defRPr>
+                <a:solidFill>
+                  <a:schemeClr val="tx1"/>
+                </a:solidFill>
+                <a:latin typeface="Arial" panose="020B0604020202020204" pitchFamily="34" charset="0"/>
+                <a:ea typeface="ＭＳ Ｐゴシック" panose="020B0600070205080204" pitchFamily="34" charset="-128"/>
+              </a:defRPr>
+            </a:lvl2pPr>
+            <a:lvl3pPr marL="1143000" indent="-228600">
+              <a:defRPr>
+                <a:solidFill>
+                  <a:schemeClr val="tx1"/>
+                </a:solidFill>
+                <a:latin typeface="Arial" panose="020B0604020202020204" pitchFamily="34" charset="0"/>
+                <a:ea typeface="ＭＳ Ｐゴシック" panose="020B0600070205080204" pitchFamily="34" charset="-128"/>
+              </a:defRPr>
+            </a:lvl3pPr>
+            <a:lvl4pPr marL="1600200" indent="-228600">
+              <a:defRPr>
+                <a:solidFill>
+                  <a:schemeClr val="tx1"/>
+                </a:solidFill>
+                <a:latin typeface="Arial" panose="020B0604020202020204" pitchFamily="34" charset="0"/>
+                <a:ea typeface="ＭＳ Ｐゴシック" panose="020B0600070205080204" pitchFamily="34" charset="-128"/>
+              </a:defRPr>
+            </a:lvl4pPr>
+            <a:lvl5pPr marL="2057400" indent="-228600">
+              <a:defRPr>
+                <a:solidFill>
+                  <a:schemeClr val="tx1"/>
+                </a:solidFill>
+                <a:latin typeface="Arial" panose="020B0604020202020204" pitchFamily="34" charset="0"/>
+                <a:ea typeface="ＭＳ Ｐゴシック" panose="020B0600070205080204" pitchFamily="34" charset="-128"/>
+              </a:defRPr>
+            </a:lvl5pPr>
+            <a:lvl6pPr marL="2514600" indent="-228600" eaLnBrk="0" fontAlgn="base" hangingPunct="0">
+              <a:spcBef>
+                <a:spcPct val="0"/>
+              </a:spcBef>
+              <a:spcAft>
+                <a:spcPct val="0"/>
+              </a:spcAft>
+              <a:defRPr>
+                <a:solidFill>
+                  <a:schemeClr val="tx1"/>
+                </a:solidFill>
+                <a:latin typeface="Arial" panose="020B0604020202020204" pitchFamily="34" charset="0"/>
+                <a:ea typeface="ＭＳ Ｐゴシック" panose="020B0600070205080204" pitchFamily="34" charset="-128"/>
+              </a:defRPr>
+            </a:lvl6pPr>
+            <a:lvl7pPr marL="2971800" indent="-228600" eaLnBrk="0" fontAlgn="base" hangingPunct="0">
+              <a:spcBef>
+                <a:spcPct val="0"/>
+              </a:spcBef>
+              <a:spcAft>
+                <a:spcPct val="0"/>
+              </a:spcAft>
+              <a:defRPr>
+                <a:solidFill>
+                  <a:schemeClr val="tx1"/>
+                </a:solidFill>
+                <a:latin typeface="Arial" panose="020B0604020202020204" pitchFamily="34" charset="0"/>
+                <a:ea typeface="ＭＳ Ｐゴシック" panose="020B0600070205080204" pitchFamily="34" charset="-128"/>
+              </a:defRPr>
+            </a:lvl7pPr>
+            <a:lvl8pPr marL="3429000" indent="-228600" eaLnBrk="0" fontAlgn="base" hangingPunct="0">
+              <a:spcBef>
+                <a:spcPct val="0"/>
+              </a:spcBef>
+              <a:spcAft>
+                <a:spcPct val="0"/>
+              </a:spcAft>
+              <a:defRPr>
+                <a:solidFill>
+                  <a:schemeClr val="tx1"/>
+                </a:solidFill>
+                <a:latin typeface="Arial" panose="020B0604020202020204" pitchFamily="34" charset="0"/>
+                <a:ea typeface="ＭＳ Ｐゴシック" panose="020B0600070205080204" pitchFamily="34" charset="-128"/>
+              </a:defRPr>
+            </a:lvl8pPr>
+            <a:lvl9pPr marL="3886200" indent="-228600" eaLnBrk="0" fontAlgn="base" hangingPunct="0">
+              <a:spcBef>
+                <a:spcPct val="0"/>
+              </a:spcBef>
+              <a:spcAft>
+                <a:spcPct val="0"/>
+              </a:spcAft>
+              <a:defRPr>
+                <a:solidFill>
+                  <a:schemeClr val="tx1"/>
+                </a:solidFill>
+                <a:latin typeface="Arial" panose="020B0604020202020204" pitchFamily="34" charset="0"/>
+                <a:ea typeface="ＭＳ Ｐゴシック" panose="020B0600070205080204" pitchFamily="34" charset="-128"/>
+              </a:defRPr>
+            </a:lvl9pPr>
+          </a:lstStyle>
+          <a:p>
+            <a:fld id="{56BA4FB9-B587-BD4B-82AB-99B6B154B425}" type="slidenum">
+              <a:rPr lang="en-US" altLang="en-US"/>
+              <a:pPr/>
+              <a:t>19</a:t>
+            </a:fld>
+            <a:endParaRPr lang="en-US" altLang="en-US"/>
+          </a:p>
+        </p:txBody>
+      </p:sp>
+      <p:sp>
+        <p:nvSpPr>
+          <p:cNvPr id="23554" name="Rectangle 2">
+            <a:extLst>
+              <a:ext uri="{FF2B5EF4-FFF2-40B4-BE49-F238E27FC236}">
+                <a16:creationId xmlns:a16="http://schemas.microsoft.com/office/drawing/2014/main" id="{0B9DC95A-7E5E-8540-B32C-761F8C04B79B}"/>
+              </a:ext>
+            </a:extLst>
+          </p:cNvPr>
+          <p:cNvSpPr>
+            <a:spLocks noGrp="1" noRot="1" noChangeAspect="1" noChangeArrowheads="1" noTextEdit="1"/>
+          </p:cNvSpPr>
+          <p:nvPr>
+            <p:ph type="sldImg"/>
+          </p:nvPr>
+        </p:nvSpPr>
+        <p:spPr bwMode="auto">
+          <a:xfrm>
+            <a:off x="687388" y="685800"/>
+            <a:ext cx="5486400" cy="3429000"/>
+          </a:xfrm>
+          <a:noFill/>
+          <a:ln>
+            <a:solidFill>
+              <a:srgbClr val="000000"/>
+            </a:solidFill>
+            <a:miter lim="800000"/>
+            <a:headEnd/>
+            <a:tailEnd/>
+          </a:ln>
+          <a:extLst>
+            <a:ext uri="{909E8E84-426E-40DD-AFC4-6F175D3DCCD1}">
+              <a14:hiddenFill xmlns:a14="http://schemas.microsoft.com/office/drawing/2010/main">
+                <a:solidFill>
+                  <a:srgbClr val="FFFFFF"/>
+                </a:solidFill>
+              </a14:hiddenFill>
+            </a:ext>
+          </a:extLst>
+        </p:spPr>
+      </p:sp>
+      <p:sp>
+        <p:nvSpPr>
+          <p:cNvPr id="23555" name="Rectangle 3">
+            <a:extLst>
+              <a:ext uri="{FF2B5EF4-FFF2-40B4-BE49-F238E27FC236}">
+                <a16:creationId xmlns:a16="http://schemas.microsoft.com/office/drawing/2014/main" id="{D704AA0B-A7FC-A44F-85C0-991D62B09E0D}"/>
+              </a:ext>
+            </a:extLst>
+          </p:cNvPr>
+          <p:cNvSpPr>
+            <a:spLocks noGrp="1" noChangeArrowheads="1"/>
+          </p:cNvSpPr>
+          <p:nvPr>
+            <p:ph type="body" idx="1"/>
+          </p:nvPr>
+        </p:nvSpPr>
+        <p:spPr bwMode="auto">
+          <a:xfrm>
+            <a:off x="914400" y="4343400"/>
+            <a:ext cx="5029200" cy="4114800"/>
+          </a:xfrm>
+          <a:noFill/>
+          <a:extLst>
+            <a:ext uri="{909E8E84-426E-40DD-AFC4-6F175D3DCCD1}">
+              <a14:hiddenFill xmlns:a14="http://schemas.microsoft.com/office/drawing/2010/main">
+                <a:solidFill>
+                  <a:srgbClr val="FFFFFF"/>
+                </a:solidFill>
+              </a14:hiddenFill>
+            </a:ext>
+            <a:ext uri="{91240B29-F687-4F45-9708-019B960494DF}">
+              <a14:hiddenLine xmlns:a14="http://schemas.microsoft.com/office/drawing/2010/main" w="9525">
+                <a:solidFill>
+                  <a:srgbClr val="000000"/>
+                </a:solidFill>
+                <a:miter lim="800000"/>
+                <a:headEnd/>
+                <a:tailEnd/>
+              </a14:hiddenLine>
+            </a:ext>
+          </a:extLst>
+        </p:spPr>
+        <p:txBody>
+          <a:bodyPr wrap="square" numCol="1" anchor="t" anchorCtr="0" compatLnSpc="1">
+            <a:prstTxWarp prst="textNoShape">
+              <a:avLst/>
+            </a:prstTxWarp>
+          </a:bodyPr>
+          <a:lstStyle/>
+          <a:p>
+            <a:pPr eaLnBrk="1" hangingPunct="1"/>
+            <a:r>
+              <a:rPr lang="en-US" altLang="en-US">
+                <a:ea typeface="ＭＳ Ｐゴシック" panose="020B0600070205080204" pitchFamily="34" charset="-128"/>
+              </a:rPr>
+              <a:t>https://www.bitsighttech.com/blog/attack-vectors-types-of-security-breaches</a:t>
+            </a:r>
+          </a:p>
+        </p:txBody>
+      </p:sp>
+    </p:spTree>
+    <p:extLst>
+      <p:ext uri="{BB962C8B-B14F-4D97-AF65-F5344CB8AC3E}">
+        <p14:creationId xmlns:p14="http://schemas.microsoft.com/office/powerpoint/2010/main" val="1602233430"/>
       </p:ext>
     </p:extLst>
   </p:cSld>
@@ -7971,7 +8210,7 @@
     </p:spTree>
     <p:extLst>
       <p:ext uri="{BB962C8B-B14F-4D97-AF65-F5344CB8AC3E}">
-        <p14:creationId xmlns:p14="http://schemas.microsoft.com/office/powerpoint/2010/main" val="1602233430"/>
+        <p14:creationId xmlns:p14="http://schemas.microsoft.com/office/powerpoint/2010/main" val="220930231"/>
       </p:ext>
     </p:extLst>
   </p:cSld>
@@ -8288,294 +8527,6 @@
       </p:grpSpPr>
       <p:sp>
         <p:nvSpPr>
-          <p:cNvPr id="23553" name="Rectangle 7">
-            <a:extLst>
-              <a:ext uri="{FF2B5EF4-FFF2-40B4-BE49-F238E27FC236}">
-                <a16:creationId xmlns:a16="http://schemas.microsoft.com/office/drawing/2014/main" id="{CA215619-B397-AB4F-960A-4AC4484CE868}"/>
-              </a:ext>
-            </a:extLst>
-          </p:cNvPr>
-          <p:cNvSpPr>
-            <a:spLocks noGrp="1" noChangeArrowheads="1"/>
-          </p:cNvSpPr>
-          <p:nvPr>
-            <p:ph type="sldNum" sz="quarter" idx="5"/>
-          </p:nvPr>
-        </p:nvSpPr>
-        <p:spPr bwMode="auto">
-          <a:noFill/>
-          <a:extLst>
-            <a:ext uri="{909E8E84-426E-40DD-AFC4-6F175D3DCCD1}">
-              <a14:hiddenFill xmlns:a14="http://schemas.microsoft.com/office/drawing/2010/main">
-                <a:solidFill>
-                  <a:srgbClr val="FFFFFF"/>
-                </a:solidFill>
-              </a14:hiddenFill>
-            </a:ext>
-            <a:ext uri="{91240B29-F687-4F45-9708-019B960494DF}">
-              <a14:hiddenLine xmlns:a14="http://schemas.microsoft.com/office/drawing/2010/main" w="9525">
-                <a:solidFill>
-                  <a:srgbClr val="000000"/>
-                </a:solidFill>
-                <a:miter lim="800000"/>
-                <a:headEnd/>
-                <a:tailEnd/>
-              </a14:hiddenLine>
-            </a:ext>
-          </a:extLst>
-        </p:spPr>
-        <p:txBody>
-          <a:bodyPr/>
-          <a:lstStyle>
-            <a:lvl1pPr>
-              <a:defRPr>
-                <a:solidFill>
-                  <a:schemeClr val="tx1"/>
-                </a:solidFill>
-                <a:latin typeface="Arial" panose="020B0604020202020204" pitchFamily="34" charset="0"/>
-                <a:ea typeface="ＭＳ Ｐゴシック" panose="020B0600070205080204" pitchFamily="34" charset="-128"/>
-              </a:defRPr>
-            </a:lvl1pPr>
-            <a:lvl2pPr marL="742950" indent="-285750">
-              <a:defRPr>
-                <a:solidFill>
-                  <a:schemeClr val="tx1"/>
-                </a:solidFill>
-                <a:latin typeface="Arial" panose="020B0604020202020204" pitchFamily="34" charset="0"/>
-                <a:ea typeface="ＭＳ Ｐゴシック" panose="020B0600070205080204" pitchFamily="34" charset="-128"/>
-              </a:defRPr>
-            </a:lvl2pPr>
-            <a:lvl3pPr marL="1143000" indent="-228600">
-              <a:defRPr>
-                <a:solidFill>
-                  <a:schemeClr val="tx1"/>
-                </a:solidFill>
-                <a:latin typeface="Arial" panose="020B0604020202020204" pitchFamily="34" charset="0"/>
-                <a:ea typeface="ＭＳ Ｐゴシック" panose="020B0600070205080204" pitchFamily="34" charset="-128"/>
-              </a:defRPr>
-            </a:lvl3pPr>
-            <a:lvl4pPr marL="1600200" indent="-228600">
-              <a:defRPr>
-                <a:solidFill>
-                  <a:schemeClr val="tx1"/>
-                </a:solidFill>
-                <a:latin typeface="Arial" panose="020B0604020202020204" pitchFamily="34" charset="0"/>
-                <a:ea typeface="ＭＳ Ｐゴシック" panose="020B0600070205080204" pitchFamily="34" charset="-128"/>
-              </a:defRPr>
-            </a:lvl4pPr>
-            <a:lvl5pPr marL="2057400" indent="-228600">
-              <a:defRPr>
-                <a:solidFill>
-                  <a:schemeClr val="tx1"/>
-                </a:solidFill>
-                <a:latin typeface="Arial" panose="020B0604020202020204" pitchFamily="34" charset="0"/>
-                <a:ea typeface="ＭＳ Ｐゴシック" panose="020B0600070205080204" pitchFamily="34" charset="-128"/>
-              </a:defRPr>
-            </a:lvl5pPr>
-            <a:lvl6pPr marL="2514600" indent="-228600" eaLnBrk="0" fontAlgn="base" hangingPunct="0">
-              <a:spcBef>
-                <a:spcPct val="0"/>
-              </a:spcBef>
-              <a:spcAft>
-                <a:spcPct val="0"/>
-              </a:spcAft>
-              <a:defRPr>
-                <a:solidFill>
-                  <a:schemeClr val="tx1"/>
-                </a:solidFill>
-                <a:latin typeface="Arial" panose="020B0604020202020204" pitchFamily="34" charset="0"/>
-                <a:ea typeface="ＭＳ Ｐゴシック" panose="020B0600070205080204" pitchFamily="34" charset="-128"/>
-              </a:defRPr>
-            </a:lvl6pPr>
-            <a:lvl7pPr marL="2971800" indent="-228600" eaLnBrk="0" fontAlgn="base" hangingPunct="0">
-              <a:spcBef>
-                <a:spcPct val="0"/>
-              </a:spcBef>
-              <a:spcAft>
-                <a:spcPct val="0"/>
-              </a:spcAft>
-              <a:defRPr>
-                <a:solidFill>
-                  <a:schemeClr val="tx1"/>
-                </a:solidFill>
-                <a:latin typeface="Arial" panose="020B0604020202020204" pitchFamily="34" charset="0"/>
-                <a:ea typeface="ＭＳ Ｐゴシック" panose="020B0600070205080204" pitchFamily="34" charset="-128"/>
-              </a:defRPr>
-            </a:lvl7pPr>
-            <a:lvl8pPr marL="3429000" indent="-228600" eaLnBrk="0" fontAlgn="base" hangingPunct="0">
-              <a:spcBef>
-                <a:spcPct val="0"/>
-              </a:spcBef>
-              <a:spcAft>
-                <a:spcPct val="0"/>
-              </a:spcAft>
-              <a:defRPr>
-                <a:solidFill>
-                  <a:schemeClr val="tx1"/>
-                </a:solidFill>
-                <a:latin typeface="Arial" panose="020B0604020202020204" pitchFamily="34" charset="0"/>
-                <a:ea typeface="ＭＳ Ｐゴシック" panose="020B0600070205080204" pitchFamily="34" charset="-128"/>
-              </a:defRPr>
-            </a:lvl8pPr>
-            <a:lvl9pPr marL="3886200" indent="-228600" eaLnBrk="0" fontAlgn="base" hangingPunct="0">
-              <a:spcBef>
-                <a:spcPct val="0"/>
-              </a:spcBef>
-              <a:spcAft>
-                <a:spcPct val="0"/>
-              </a:spcAft>
-              <a:defRPr>
-                <a:solidFill>
-                  <a:schemeClr val="tx1"/>
-                </a:solidFill>
-                <a:latin typeface="Arial" panose="020B0604020202020204" pitchFamily="34" charset="0"/>
-                <a:ea typeface="ＭＳ Ｐゴシック" panose="020B0600070205080204" pitchFamily="34" charset="-128"/>
-              </a:defRPr>
-            </a:lvl9pPr>
-          </a:lstStyle>
-          <a:p>
-            <a:fld id="{56BA4FB9-B587-BD4B-82AB-99B6B154B425}" type="slidenum">
-              <a:rPr lang="en-US" altLang="en-US"/>
-              <a:pPr/>
-              <a:t>21</a:t>
-            </a:fld>
-            <a:endParaRPr lang="en-US" altLang="en-US"/>
-          </a:p>
-        </p:txBody>
-      </p:sp>
-      <p:sp>
-        <p:nvSpPr>
-          <p:cNvPr id="23554" name="Rectangle 2">
-            <a:extLst>
-              <a:ext uri="{FF2B5EF4-FFF2-40B4-BE49-F238E27FC236}">
-                <a16:creationId xmlns:a16="http://schemas.microsoft.com/office/drawing/2014/main" id="{0B9DC95A-7E5E-8540-B32C-761F8C04B79B}"/>
-              </a:ext>
-            </a:extLst>
-          </p:cNvPr>
-          <p:cNvSpPr>
-            <a:spLocks noGrp="1" noRot="1" noChangeAspect="1" noChangeArrowheads="1" noTextEdit="1"/>
-          </p:cNvSpPr>
-          <p:nvPr>
-            <p:ph type="sldImg"/>
-          </p:nvPr>
-        </p:nvSpPr>
-        <p:spPr bwMode="auto">
-          <a:xfrm>
-            <a:off x="687388" y="685800"/>
-            <a:ext cx="5486400" cy="3429000"/>
-          </a:xfrm>
-          <a:noFill/>
-          <a:ln>
-            <a:solidFill>
-              <a:srgbClr val="000000"/>
-            </a:solidFill>
-            <a:miter lim="800000"/>
-            <a:headEnd/>
-            <a:tailEnd/>
-          </a:ln>
-          <a:extLst>
-            <a:ext uri="{909E8E84-426E-40DD-AFC4-6F175D3DCCD1}">
-              <a14:hiddenFill xmlns:a14="http://schemas.microsoft.com/office/drawing/2010/main">
-                <a:solidFill>
-                  <a:srgbClr val="FFFFFF"/>
-                </a:solidFill>
-              </a14:hiddenFill>
-            </a:ext>
-          </a:extLst>
-        </p:spPr>
-      </p:sp>
-      <p:sp>
-        <p:nvSpPr>
-          <p:cNvPr id="23555" name="Rectangle 3">
-            <a:extLst>
-              <a:ext uri="{FF2B5EF4-FFF2-40B4-BE49-F238E27FC236}">
-                <a16:creationId xmlns:a16="http://schemas.microsoft.com/office/drawing/2014/main" id="{D704AA0B-A7FC-A44F-85C0-991D62B09E0D}"/>
-              </a:ext>
-            </a:extLst>
-          </p:cNvPr>
-          <p:cNvSpPr>
-            <a:spLocks noGrp="1" noChangeArrowheads="1"/>
-          </p:cNvSpPr>
-          <p:nvPr>
-            <p:ph type="body" idx="1"/>
-          </p:nvPr>
-        </p:nvSpPr>
-        <p:spPr bwMode="auto">
-          <a:xfrm>
-            <a:off x="914400" y="4343400"/>
-            <a:ext cx="5029200" cy="4114800"/>
-          </a:xfrm>
-          <a:noFill/>
-          <a:extLst>
-            <a:ext uri="{909E8E84-426E-40DD-AFC4-6F175D3DCCD1}">
-              <a14:hiddenFill xmlns:a14="http://schemas.microsoft.com/office/drawing/2010/main">
-                <a:solidFill>
-                  <a:srgbClr val="FFFFFF"/>
-                </a:solidFill>
-              </a14:hiddenFill>
-            </a:ext>
-            <a:ext uri="{91240B29-F687-4F45-9708-019B960494DF}">
-              <a14:hiddenLine xmlns:a14="http://schemas.microsoft.com/office/drawing/2010/main" w="9525">
-                <a:solidFill>
-                  <a:srgbClr val="000000"/>
-                </a:solidFill>
-                <a:miter lim="800000"/>
-                <a:headEnd/>
-                <a:tailEnd/>
-              </a14:hiddenLine>
-            </a:ext>
-          </a:extLst>
-        </p:spPr>
-        <p:txBody>
-          <a:bodyPr wrap="square" numCol="1" anchor="t" anchorCtr="0" compatLnSpc="1">
-            <a:prstTxWarp prst="textNoShape">
-              <a:avLst/>
-            </a:prstTxWarp>
-          </a:bodyPr>
-          <a:lstStyle/>
-          <a:p>
-            <a:pPr eaLnBrk="1" hangingPunct="1"/>
-            <a:r>
-              <a:rPr lang="en-US" altLang="en-US">
-                <a:ea typeface="ＭＳ Ｐゴシック" panose="020B0600070205080204" pitchFamily="34" charset="-128"/>
-              </a:rPr>
-              <a:t>https://www.bitsighttech.com/blog/attack-vectors-types-of-security-breaches</a:t>
-            </a:r>
-          </a:p>
-        </p:txBody>
-      </p:sp>
-    </p:spTree>
-    <p:extLst>
-      <p:ext uri="{BB962C8B-B14F-4D97-AF65-F5344CB8AC3E}">
-        <p14:creationId xmlns:p14="http://schemas.microsoft.com/office/powerpoint/2010/main" val="220930231"/>
-      </p:ext>
-    </p:extLst>
-  </p:cSld>
-  <p:clrMapOvr>
-    <a:masterClrMapping/>
-  </p:clrMapOvr>
-</p:notes>
-</file>
-
-<file path=ppt/notesSlides/notesSlide21.xml><?xml version="1.0" encoding="utf-8"?>
-<p:notes xmlns:a="http://schemas.openxmlformats.org/drawingml/2006/main" xmlns:r="http://schemas.openxmlformats.org/officeDocument/2006/relationships" xmlns:p="http://schemas.openxmlformats.org/presentationml/2006/main">
-  <p:cSld>
-    <p:spTree>
-      <p:nvGrpSpPr>
-        <p:cNvPr id="1" name=""/>
-        <p:cNvGrpSpPr/>
-        <p:nvPr/>
-      </p:nvGrpSpPr>
-      <p:grpSpPr>
-        <a:xfrm>
-          <a:off x="0" y="0"/>
-          <a:ext cx="0" cy="0"/>
-          <a:chOff x="0" y="0"/>
-          <a:chExt cx="0" cy="0"/>
-        </a:xfrm>
-      </p:grpSpPr>
-      <p:sp>
-        <p:nvSpPr>
           <p:cNvPr id="27649" name="Rectangle 7">
             <a:extLst>
               <a:ext uri="{FF2B5EF4-FFF2-40B4-BE49-F238E27FC236}">
@@ -8725,7 +8676,7 @@
             <a:fld id="{C825C384-8E18-6F44-8F91-FE1691EEAA40}" type="slidenum">
               <a:rPr lang="en-US" altLang="en-US"/>
               <a:pPr/>
-              <a:t>22</a:t>
+              <a:t>21</a:t>
             </a:fld>
             <a:endParaRPr lang="en-US" altLang="en-US"/>
           </a:p>
@@ -8845,7 +8796,7 @@
 </p:notes>
 </file>
 
-<file path=ppt/notesSlides/notesSlide22.xml><?xml version="1.0" encoding="utf-8"?>
+<file path=ppt/notesSlides/notesSlide21.xml><?xml version="1.0" encoding="utf-8"?>
 <p:notes xmlns:a="http://schemas.openxmlformats.org/drawingml/2006/main" xmlns:r="http://schemas.openxmlformats.org/officeDocument/2006/relationships" xmlns:p="http://schemas.openxmlformats.org/presentationml/2006/main">
   <p:cSld>
     <p:spTree>
@@ -9013,7 +8964,7 @@
             <a:fld id="{6C724A3E-5EB8-2C48-BD5D-7E6B2DA2B5A1}" type="slidenum">
               <a:rPr lang="en-US" altLang="en-US"/>
               <a:pPr/>
-              <a:t>23</a:t>
+              <a:t>22</a:t>
             </a:fld>
             <a:endParaRPr lang="en-US" altLang="en-US"/>
           </a:p>
@@ -9133,7 +9084,7 @@
 </p:notes>
 </file>
 
-<file path=ppt/notesSlides/notesSlide23.xml><?xml version="1.0" encoding="utf-8"?>
+<file path=ppt/notesSlides/notesSlide22.xml><?xml version="1.0" encoding="utf-8"?>
 <p:notes xmlns:a="http://schemas.openxmlformats.org/drawingml/2006/main" xmlns:r="http://schemas.openxmlformats.org/officeDocument/2006/relationships" xmlns:p="http://schemas.openxmlformats.org/presentationml/2006/main">
   <p:cSld>
     <p:spTree>
@@ -9301,7 +9252,7 @@
             <a:fld id="{8F3EEF2C-765F-DB41-80AC-B3E833B028D5}" type="slidenum">
               <a:rPr lang="en-US" altLang="en-US"/>
               <a:pPr/>
-              <a:t>24</a:t>
+              <a:t>23</a:t>
             </a:fld>
             <a:endParaRPr lang="en-US" altLang="en-US"/>
           </a:p>
@@ -9421,295 +9372,7 @@
 </p:notes>
 </file>
 
-<file path=ppt/notesSlides/notesSlide24.xml><?xml version="1.0" encoding="utf-8"?>
-<p:notes xmlns:a="http://schemas.openxmlformats.org/drawingml/2006/main" xmlns:r="http://schemas.openxmlformats.org/officeDocument/2006/relationships" xmlns:p="http://schemas.openxmlformats.org/presentationml/2006/main">
-  <p:cSld>
-    <p:spTree>
-      <p:nvGrpSpPr>
-        <p:cNvPr id="1" name=""/>
-        <p:cNvGrpSpPr/>
-        <p:nvPr/>
-      </p:nvGrpSpPr>
-      <p:grpSpPr>
-        <a:xfrm>
-          <a:off x="0" y="0"/>
-          <a:ext cx="0" cy="0"/>
-          <a:chOff x="0" y="0"/>
-          <a:chExt cx="0" cy="0"/>
-        </a:xfrm>
-      </p:grpSpPr>
-      <p:sp>
-        <p:nvSpPr>
-          <p:cNvPr id="33793" name="Rectangle 7">
-            <a:extLst>
-              <a:ext uri="{FF2B5EF4-FFF2-40B4-BE49-F238E27FC236}">
-                <a16:creationId xmlns:a16="http://schemas.microsoft.com/office/drawing/2014/main" id="{1CE38195-25D8-3544-B998-CE326ECA8DCF}"/>
-              </a:ext>
-            </a:extLst>
-          </p:cNvPr>
-          <p:cNvSpPr>
-            <a:spLocks noGrp="1" noChangeArrowheads="1"/>
-          </p:cNvSpPr>
-          <p:nvPr>
-            <p:ph type="sldNum" sz="quarter" idx="5"/>
-          </p:nvPr>
-        </p:nvSpPr>
-        <p:spPr bwMode="auto">
-          <a:noFill/>
-          <a:extLst>
-            <a:ext uri="{909E8E84-426E-40DD-AFC4-6F175D3DCCD1}">
-              <a14:hiddenFill xmlns:a14="http://schemas.microsoft.com/office/drawing/2010/main">
-                <a:solidFill>
-                  <a:srgbClr val="FFFFFF"/>
-                </a:solidFill>
-              </a14:hiddenFill>
-            </a:ext>
-            <a:ext uri="{91240B29-F687-4F45-9708-019B960494DF}">
-              <a14:hiddenLine xmlns:a14="http://schemas.microsoft.com/office/drawing/2010/main" w="9525">
-                <a:solidFill>
-                  <a:srgbClr val="000000"/>
-                </a:solidFill>
-                <a:miter lim="800000"/>
-                <a:headEnd/>
-                <a:tailEnd/>
-              </a14:hiddenLine>
-            </a:ext>
-          </a:extLst>
-        </p:spPr>
-        <p:txBody>
-          <a:bodyPr/>
-          <a:lstStyle>
-            <a:lvl1pPr>
-              <a:defRPr>
-                <a:solidFill>
-                  <a:schemeClr val="tx1"/>
-                </a:solidFill>
-                <a:latin typeface="Arial" panose="020B0604020202020204" pitchFamily="34" charset="0"/>
-                <a:ea typeface="ＭＳ Ｐゴシック" panose="020B0600070205080204" pitchFamily="34" charset="-128"/>
-              </a:defRPr>
-            </a:lvl1pPr>
-            <a:lvl2pPr marL="742950" indent="-285750">
-              <a:defRPr>
-                <a:solidFill>
-                  <a:schemeClr val="tx1"/>
-                </a:solidFill>
-                <a:latin typeface="Arial" panose="020B0604020202020204" pitchFamily="34" charset="0"/>
-                <a:ea typeface="ＭＳ Ｐゴシック" panose="020B0600070205080204" pitchFamily="34" charset="-128"/>
-              </a:defRPr>
-            </a:lvl2pPr>
-            <a:lvl3pPr marL="1143000" indent="-228600">
-              <a:defRPr>
-                <a:solidFill>
-                  <a:schemeClr val="tx1"/>
-                </a:solidFill>
-                <a:latin typeface="Arial" panose="020B0604020202020204" pitchFamily="34" charset="0"/>
-                <a:ea typeface="ＭＳ Ｐゴシック" panose="020B0600070205080204" pitchFamily="34" charset="-128"/>
-              </a:defRPr>
-            </a:lvl3pPr>
-            <a:lvl4pPr marL="1600200" indent="-228600">
-              <a:defRPr>
-                <a:solidFill>
-                  <a:schemeClr val="tx1"/>
-                </a:solidFill>
-                <a:latin typeface="Arial" panose="020B0604020202020204" pitchFamily="34" charset="0"/>
-                <a:ea typeface="ＭＳ Ｐゴシック" panose="020B0600070205080204" pitchFamily="34" charset="-128"/>
-              </a:defRPr>
-            </a:lvl4pPr>
-            <a:lvl5pPr marL="2057400" indent="-228600">
-              <a:defRPr>
-                <a:solidFill>
-                  <a:schemeClr val="tx1"/>
-                </a:solidFill>
-                <a:latin typeface="Arial" panose="020B0604020202020204" pitchFamily="34" charset="0"/>
-                <a:ea typeface="ＭＳ Ｐゴシック" panose="020B0600070205080204" pitchFamily="34" charset="-128"/>
-              </a:defRPr>
-            </a:lvl5pPr>
-            <a:lvl6pPr marL="2514600" indent="-228600" eaLnBrk="0" fontAlgn="base" hangingPunct="0">
-              <a:spcBef>
-                <a:spcPct val="0"/>
-              </a:spcBef>
-              <a:spcAft>
-                <a:spcPct val="0"/>
-              </a:spcAft>
-              <a:defRPr>
-                <a:solidFill>
-                  <a:schemeClr val="tx1"/>
-                </a:solidFill>
-                <a:latin typeface="Arial" panose="020B0604020202020204" pitchFamily="34" charset="0"/>
-                <a:ea typeface="ＭＳ Ｐゴシック" panose="020B0600070205080204" pitchFamily="34" charset="-128"/>
-              </a:defRPr>
-            </a:lvl6pPr>
-            <a:lvl7pPr marL="2971800" indent="-228600" eaLnBrk="0" fontAlgn="base" hangingPunct="0">
-              <a:spcBef>
-                <a:spcPct val="0"/>
-              </a:spcBef>
-              <a:spcAft>
-                <a:spcPct val="0"/>
-              </a:spcAft>
-              <a:defRPr>
-                <a:solidFill>
-                  <a:schemeClr val="tx1"/>
-                </a:solidFill>
-                <a:latin typeface="Arial" panose="020B0604020202020204" pitchFamily="34" charset="0"/>
-                <a:ea typeface="ＭＳ Ｐゴシック" panose="020B0600070205080204" pitchFamily="34" charset="-128"/>
-              </a:defRPr>
-            </a:lvl7pPr>
-            <a:lvl8pPr marL="3429000" indent="-228600" eaLnBrk="0" fontAlgn="base" hangingPunct="0">
-              <a:spcBef>
-                <a:spcPct val="0"/>
-              </a:spcBef>
-              <a:spcAft>
-                <a:spcPct val="0"/>
-              </a:spcAft>
-              <a:defRPr>
-                <a:solidFill>
-                  <a:schemeClr val="tx1"/>
-                </a:solidFill>
-                <a:latin typeface="Arial" panose="020B0604020202020204" pitchFamily="34" charset="0"/>
-                <a:ea typeface="ＭＳ Ｐゴシック" panose="020B0600070205080204" pitchFamily="34" charset="-128"/>
-              </a:defRPr>
-            </a:lvl8pPr>
-            <a:lvl9pPr marL="3886200" indent="-228600" eaLnBrk="0" fontAlgn="base" hangingPunct="0">
-              <a:spcBef>
-                <a:spcPct val="0"/>
-              </a:spcBef>
-              <a:spcAft>
-                <a:spcPct val="0"/>
-              </a:spcAft>
-              <a:defRPr>
-                <a:solidFill>
-                  <a:schemeClr val="tx1"/>
-                </a:solidFill>
-                <a:latin typeface="Arial" panose="020B0604020202020204" pitchFamily="34" charset="0"/>
-                <a:ea typeface="ＭＳ Ｐゴシック" panose="020B0600070205080204" pitchFamily="34" charset="-128"/>
-              </a:defRPr>
-            </a:lvl9pPr>
-          </a:lstStyle>
-          <a:p>
-            <a:fld id="{AA8857C2-97EB-7D49-9156-68A23D117BCA}" type="slidenum">
-              <a:rPr lang="en-US" altLang="en-US"/>
-              <a:pPr/>
-              <a:t>25</a:t>
-            </a:fld>
-            <a:endParaRPr lang="en-US" altLang="en-US"/>
-          </a:p>
-        </p:txBody>
-      </p:sp>
-      <p:sp>
-        <p:nvSpPr>
-          <p:cNvPr id="33794" name="Rectangle 2">
-            <a:extLst>
-              <a:ext uri="{FF2B5EF4-FFF2-40B4-BE49-F238E27FC236}">
-                <a16:creationId xmlns:a16="http://schemas.microsoft.com/office/drawing/2014/main" id="{451D7956-0A6B-CF46-9EF6-9D2CB0BBD30D}"/>
-              </a:ext>
-            </a:extLst>
-          </p:cNvPr>
-          <p:cNvSpPr>
-            <a:spLocks noGrp="1" noRot="1" noChangeAspect="1" noChangeArrowheads="1" noTextEdit="1"/>
-          </p:cNvSpPr>
-          <p:nvPr>
-            <p:ph type="sldImg"/>
-          </p:nvPr>
-        </p:nvSpPr>
-        <p:spPr bwMode="auto">
-          <a:xfrm>
-            <a:off x="687388" y="685800"/>
-            <a:ext cx="5486400" cy="3429000"/>
-          </a:xfrm>
-          <a:noFill/>
-          <a:ln>
-            <a:solidFill>
-              <a:srgbClr val="000000"/>
-            </a:solidFill>
-            <a:miter lim="800000"/>
-            <a:headEnd/>
-            <a:tailEnd/>
-          </a:ln>
-          <a:extLst>
-            <a:ext uri="{909E8E84-426E-40DD-AFC4-6F175D3DCCD1}">
-              <a14:hiddenFill xmlns:a14="http://schemas.microsoft.com/office/drawing/2010/main">
-                <a:solidFill>
-                  <a:srgbClr val="FFFFFF"/>
-                </a:solidFill>
-              </a14:hiddenFill>
-            </a:ext>
-          </a:extLst>
-        </p:spPr>
-      </p:sp>
-      <p:sp>
-        <p:nvSpPr>
-          <p:cNvPr id="33795" name="Rectangle 3">
-            <a:extLst>
-              <a:ext uri="{FF2B5EF4-FFF2-40B4-BE49-F238E27FC236}">
-                <a16:creationId xmlns:a16="http://schemas.microsoft.com/office/drawing/2014/main" id="{08D665D6-0963-5F49-83BB-F6BB9ACB9C6B}"/>
-              </a:ext>
-            </a:extLst>
-          </p:cNvPr>
-          <p:cNvSpPr>
-            <a:spLocks noGrp="1" noChangeArrowheads="1"/>
-          </p:cNvSpPr>
-          <p:nvPr>
-            <p:ph type="body" idx="1"/>
-          </p:nvPr>
-        </p:nvSpPr>
-        <p:spPr bwMode="auto">
-          <a:xfrm>
-            <a:off x="914400" y="4343400"/>
-            <a:ext cx="5029200" cy="4114800"/>
-          </a:xfrm>
-          <a:noFill/>
-          <a:extLst>
-            <a:ext uri="{909E8E84-426E-40DD-AFC4-6F175D3DCCD1}">
-              <a14:hiddenFill xmlns:a14="http://schemas.microsoft.com/office/drawing/2010/main">
-                <a:solidFill>
-                  <a:srgbClr val="FFFFFF"/>
-                </a:solidFill>
-              </a14:hiddenFill>
-            </a:ext>
-            <a:ext uri="{91240B29-F687-4F45-9708-019B960494DF}">
-              <a14:hiddenLine xmlns:a14="http://schemas.microsoft.com/office/drawing/2010/main" w="9525">
-                <a:solidFill>
-                  <a:srgbClr val="000000"/>
-                </a:solidFill>
-                <a:miter lim="800000"/>
-                <a:headEnd/>
-                <a:tailEnd/>
-              </a14:hiddenLine>
-            </a:ext>
-          </a:extLst>
-        </p:spPr>
-        <p:txBody>
-          <a:bodyPr wrap="square" numCol="1" anchor="t" anchorCtr="0" compatLnSpc="1">
-            <a:prstTxWarp prst="textNoShape">
-              <a:avLst/>
-            </a:prstTxWarp>
-          </a:bodyPr>
-          <a:lstStyle/>
-          <a:p>
-            <a:pPr eaLnBrk="1" hangingPunct="1"/>
-            <a:r>
-              <a:rPr lang="en-US" altLang="en-US">
-                <a:ea typeface="ＭＳ Ｐゴシック" panose="020B0600070205080204" pitchFamily="34" charset="-128"/>
-              </a:rPr>
-              <a:t>https://www.bitsighttech.com/blog/attack-vectors-types-of-security-breaches</a:t>
-            </a:r>
-          </a:p>
-        </p:txBody>
-      </p:sp>
-    </p:spTree>
-    <p:extLst>
-      <p:ext uri="{BB962C8B-B14F-4D97-AF65-F5344CB8AC3E}">
-        <p14:creationId xmlns:p14="http://schemas.microsoft.com/office/powerpoint/2010/main" val="3455372438"/>
-      </p:ext>
-    </p:extLst>
-  </p:cSld>
-  <p:clrMapOvr>
-    <a:masterClrMapping/>
-  </p:clrMapOvr>
-</p:notes>
-</file>
-
-<file path=ppt/notesSlides/notesSlide25.xml><?xml version="1.0" encoding="utf-8"?>
+<file path=ppt/notesSlides/notesSlide23.xml><?xml version="1.0" encoding="utf-8"?>
 <p:notes xmlns:a="http://schemas.openxmlformats.org/drawingml/2006/main" xmlns:r="http://schemas.openxmlformats.org/officeDocument/2006/relationships" xmlns:p="http://schemas.openxmlformats.org/presentationml/2006/main">
   <p:cSld>
     <p:spTree>
@@ -9877,7 +9540,7 @@
             <a:fld id="{E6B3A3E4-211D-2844-87BB-000307B4D77F}" type="slidenum">
               <a:rPr lang="en-US" altLang="en-US"/>
               <a:pPr/>
-              <a:t>26</a:t>
+              <a:t>24</a:t>
             </a:fld>
             <a:endParaRPr lang="en-US" altLang="en-US"/>
           </a:p>
@@ -9997,7 +9660,7 @@
 </p:notes>
 </file>
 
-<file path=ppt/notesSlides/notesSlide26.xml><?xml version="1.0" encoding="utf-8"?>
+<file path=ppt/notesSlides/notesSlide24.xml><?xml version="1.0" encoding="utf-8"?>
 <p:notes xmlns:a="http://schemas.openxmlformats.org/drawingml/2006/main" xmlns:r="http://schemas.openxmlformats.org/officeDocument/2006/relationships" xmlns:p="http://schemas.openxmlformats.org/presentationml/2006/main">
   <p:cSld>
     <p:spTree>
@@ -10165,7 +9828,7 @@
             <a:fld id="{623FA5CB-D51B-4B44-8997-2C395B9C3E15}" type="slidenum">
               <a:rPr lang="en-US" altLang="en-US"/>
               <a:pPr/>
-              <a:t>27</a:t>
+              <a:t>25</a:t>
             </a:fld>
             <a:endParaRPr lang="en-US" altLang="en-US"/>
           </a:p>
@@ -10285,7 +9948,7 @@
 </p:notes>
 </file>
 
-<file path=ppt/notesSlides/notesSlide27.xml><?xml version="1.0" encoding="utf-8"?>
+<file path=ppt/notesSlides/notesSlide25.xml><?xml version="1.0" encoding="utf-8"?>
 <p:notes xmlns:a="http://schemas.openxmlformats.org/drawingml/2006/main" xmlns:r="http://schemas.openxmlformats.org/officeDocument/2006/relationships" xmlns:p="http://schemas.openxmlformats.org/presentationml/2006/main">
   <p:cSld>
     <p:spTree>
@@ -10453,7 +10116,7 @@
             <a:fld id="{0CE0612D-C3AA-8C4A-9C97-353BD2D67B07}" type="slidenum">
               <a:rPr lang="en-US" altLang="en-US"/>
               <a:pPr/>
-              <a:t>28</a:t>
+              <a:t>26</a:t>
             </a:fld>
             <a:endParaRPr lang="en-US" altLang="en-US"/>
           </a:p>
@@ -10573,7 +10236,7 @@
 </p:notes>
 </file>
 
-<file path=ppt/notesSlides/notesSlide28.xml><?xml version="1.0" encoding="utf-8"?>
+<file path=ppt/notesSlides/notesSlide26.xml><?xml version="1.0" encoding="utf-8"?>
 <p:notes xmlns:a="http://schemas.openxmlformats.org/drawingml/2006/main" xmlns:r="http://schemas.openxmlformats.org/officeDocument/2006/relationships" xmlns:p="http://schemas.openxmlformats.org/presentationml/2006/main">
   <p:cSld>
     <p:spTree>
@@ -10741,7 +10404,7 @@
             <a:fld id="{432092AD-0944-5144-BE50-346F5716364B}" type="slidenum">
               <a:rPr lang="en-US" altLang="en-US"/>
               <a:pPr/>
-              <a:t>29</a:t>
+              <a:t>27</a:t>
             </a:fld>
             <a:endParaRPr lang="en-US" altLang="en-US"/>
           </a:p>
@@ -10861,7 +10524,7 @@
 </p:notes>
 </file>
 
-<file path=ppt/notesSlides/notesSlide29.xml><?xml version="1.0" encoding="utf-8"?>
+<file path=ppt/notesSlides/notesSlide27.xml><?xml version="1.0" encoding="utf-8"?>
 <p:notes xmlns:a="http://schemas.openxmlformats.org/drawingml/2006/main" xmlns:r="http://schemas.openxmlformats.org/officeDocument/2006/relationships" xmlns:p="http://schemas.openxmlformats.org/presentationml/2006/main">
   <p:cSld>
     <p:spTree>
@@ -11029,7 +10692,7 @@
             <a:fld id="{8E5AD221-5FA2-A345-95A3-3FAB4ED816BE}" type="slidenum">
               <a:rPr lang="en-US" altLang="en-US"/>
               <a:pPr/>
-              <a:t>30</a:t>
+              <a:t>28</a:t>
             </a:fld>
             <a:endParaRPr lang="en-US" altLang="en-US"/>
           </a:p>
@@ -13296,7 +12959,7 @@
           <a:p>
             <a:fld id="{4AAD347D-5ACD-4C99-B74B-A9C85AD731AF}" type="datetimeFigureOut">
               <a:rPr lang="en-US" smtClean="0"/>
-              <a:t>4/6/21</a:t>
+              <a:t>3/24/22</a:t>
             </a:fld>
             <a:endParaRPr lang="en-US" dirty="0"/>
           </a:p>
@@ -13466,7 +13129,7 @@
           <a:p>
             <a:fld id="{4509A250-FF31-4206-8172-F9D3106AACB1}" type="datetimeFigureOut">
               <a:rPr lang="en-US" smtClean="0"/>
-              <a:t>4/6/21</a:t>
+              <a:t>3/24/22</a:t>
             </a:fld>
             <a:endParaRPr lang="en-US" dirty="0"/>
           </a:p>
@@ -13646,7 +13309,7 @@
           <a:p>
             <a:fld id="{4509A250-FF31-4206-8172-F9D3106AACB1}" type="datetimeFigureOut">
               <a:rPr lang="en-US" smtClean="0"/>
-              <a:t>4/6/21</a:t>
+              <a:t>3/24/22</a:t>
             </a:fld>
             <a:endParaRPr lang="en-US" dirty="0"/>
           </a:p>
@@ -13816,7 +13479,7 @@
           <a:p>
             <a:fld id="{4509A250-FF31-4206-8172-F9D3106AACB1}" type="datetimeFigureOut">
               <a:rPr lang="en-US" smtClean="0"/>
-              <a:t>4/6/21</a:t>
+              <a:t>3/24/22</a:t>
             </a:fld>
             <a:endParaRPr lang="en-US" dirty="0"/>
           </a:p>
@@ -14062,7 +13725,7 @@
           <a:p>
             <a:fld id="{9796027F-7875-4030-9381-8BD8C4F21935}" type="datetimeFigureOut">
               <a:rPr lang="en-US" smtClean="0"/>
-              <a:t>4/6/21</a:t>
+              <a:t>3/24/22</a:t>
             </a:fld>
             <a:endParaRPr lang="en-US" dirty="0"/>
           </a:p>
@@ -14294,7 +13957,7 @@
           <a:p>
             <a:fld id="{9796027F-7875-4030-9381-8BD8C4F21935}" type="datetimeFigureOut">
               <a:rPr lang="en-US" smtClean="0"/>
-              <a:t>4/6/21</a:t>
+              <a:t>3/24/22</a:t>
             </a:fld>
             <a:endParaRPr lang="en-US" dirty="0"/>
           </a:p>
@@ -14661,7 +14324,7 @@
           <a:p>
             <a:fld id="{9796027F-7875-4030-9381-8BD8C4F21935}" type="datetimeFigureOut">
               <a:rPr lang="en-US" smtClean="0"/>
-              <a:t>4/6/21</a:t>
+              <a:t>3/24/22</a:t>
             </a:fld>
             <a:endParaRPr lang="en-US" dirty="0"/>
           </a:p>
@@ -14779,7 +14442,7 @@
           <a:p>
             <a:fld id="{4509A250-FF31-4206-8172-F9D3106AACB1}" type="datetimeFigureOut">
               <a:rPr lang="en-US" smtClean="0"/>
-              <a:t>4/6/21</a:t>
+              <a:t>3/24/22</a:t>
             </a:fld>
             <a:endParaRPr lang="en-US" dirty="0"/>
           </a:p>
@@ -14874,7 +14537,7 @@
           <a:p>
             <a:fld id="{4509A250-FF31-4206-8172-F9D3106AACB1}" type="datetimeFigureOut">
               <a:rPr lang="en-US" smtClean="0"/>
-              <a:t>4/6/21</a:t>
+              <a:t>3/24/22</a:t>
             </a:fld>
             <a:endParaRPr lang="en-US" dirty="0"/>
           </a:p>
@@ -15151,7 +14814,7 @@
           <a:p>
             <a:fld id="{4509A250-FF31-4206-8172-F9D3106AACB1}" type="datetimeFigureOut">
               <a:rPr lang="en-US" smtClean="0"/>
-              <a:t>4/6/21</a:t>
+              <a:t>3/24/22</a:t>
             </a:fld>
             <a:endParaRPr lang="en-US" dirty="0"/>
           </a:p>
@@ -15408,7 +15071,7 @@
           <a:p>
             <a:fld id="{4509A250-FF31-4206-8172-F9D3106AACB1}" type="datetimeFigureOut">
               <a:rPr lang="en-US" smtClean="0"/>
-              <a:t>4/6/21</a:t>
+              <a:t>3/24/22</a:t>
             </a:fld>
             <a:endParaRPr lang="en-US" dirty="0"/>
           </a:p>
@@ -15621,7 +15284,7 @@
           <a:p>
             <a:fld id="{4AAD347D-5ACD-4C99-B74B-A9C85AD731AF}" type="datetimeFigureOut">
               <a:rPr lang="en-US" smtClean="0"/>
-              <a:t>4/6/21</a:t>
+              <a:t>3/24/22</a:t>
             </a:fld>
             <a:endParaRPr lang="en-US" dirty="0"/>
           </a:p>
@@ -16490,7 +16153,9 @@
           </a:xfrm>
         </p:spPr>
         <p:txBody>
-          <a:bodyPr/>
+          <a:bodyPr>
+            <a:normAutofit fontScale="90000"/>
+          </a:bodyPr>
           <a:lstStyle/>
           <a:p>
             <a:pPr eaLnBrk="1" hangingPunct="1"/>
@@ -16917,675 +16582,6 @@
       </p:grpSpPr>
       <p:sp>
         <p:nvSpPr>
-          <p:cNvPr id="16385" name="Rectangle 2">
-            <a:extLst>
-              <a:ext uri="{FF2B5EF4-FFF2-40B4-BE49-F238E27FC236}">
-                <a16:creationId xmlns:a16="http://schemas.microsoft.com/office/drawing/2014/main" id="{8FAE8CA6-5EB1-544B-9637-4627ADA36986}"/>
-              </a:ext>
-            </a:extLst>
-          </p:cNvPr>
-          <p:cNvSpPr>
-            <a:spLocks noGrp="1" noChangeArrowheads="1"/>
-          </p:cNvSpPr>
-          <p:nvPr>
-            <p:ph type="title"/>
-          </p:nvPr>
-        </p:nvSpPr>
-        <p:spPr>
-          <a:xfrm>
-            <a:off x="135491" y="127000"/>
-            <a:ext cx="7886700" cy="755315"/>
-          </a:xfrm>
-        </p:spPr>
-        <p:txBody>
-          <a:bodyPr/>
-          <a:lstStyle/>
-          <a:p>
-            <a:pPr eaLnBrk="1" hangingPunct="1"/>
-            <a:r>
-              <a:rPr lang="en-US" altLang="en-US" dirty="0">
-                <a:latin typeface="Tahoma" panose="020B0604030504040204" pitchFamily="34" charset="0"/>
-                <a:ea typeface="ＭＳ Ｐゴシック" panose="020B0600070205080204" pitchFamily="34" charset="-128"/>
-              </a:rPr>
-              <a:t>The Impact of Computing</a:t>
-            </a:r>
-          </a:p>
-        </p:txBody>
-      </p:sp>
-      <p:sp>
-        <p:nvSpPr>
-          <p:cNvPr id="16386" name="Rectangle 3">
-            <a:extLst>
-              <a:ext uri="{FF2B5EF4-FFF2-40B4-BE49-F238E27FC236}">
-                <a16:creationId xmlns:a16="http://schemas.microsoft.com/office/drawing/2014/main" id="{AC84324A-3724-874B-82A1-71A36E0BBD8D}"/>
-              </a:ext>
-            </a:extLst>
-          </p:cNvPr>
-          <p:cNvSpPr>
-            <a:spLocks noGrp="1" noChangeArrowheads="1"/>
-          </p:cNvSpPr>
-          <p:nvPr>
-            <p:ph type="body" idx="1"/>
-          </p:nvPr>
-        </p:nvSpPr>
-        <p:spPr>
-          <a:xfrm>
-            <a:off x="135491" y="945222"/>
-            <a:ext cx="8772203" cy="4642778"/>
-          </a:xfrm>
-        </p:spPr>
-        <p:txBody>
-          <a:bodyPr/>
-          <a:lstStyle/>
-          <a:p>
-            <a:pPr marL="0" indent="0" eaLnBrk="1" hangingPunct="1">
-              <a:buNone/>
-            </a:pPr>
-            <a:r>
-              <a:rPr lang="en-US" altLang="en-US" sz="1833" b="1" dirty="0">
-                <a:latin typeface="Tahoma" panose="020B0604030504040204" pitchFamily="34" charset="0"/>
-                <a:ea typeface="ＭＳ Ｐゴシック" panose="020B0600070205080204" pitchFamily="34" charset="-128"/>
-              </a:rPr>
-              <a:t>Computing enhances communication, interaction, and cognition. </a:t>
-            </a:r>
-          </a:p>
-          <a:p>
-            <a:pPr lvl="1" eaLnBrk="1" hangingPunct="1"/>
-            <a:r>
-              <a:rPr lang="en-US" altLang="en-US" sz="1667" dirty="0">
-                <a:latin typeface="Tahoma" panose="020B0604030504040204" pitchFamily="34" charset="0"/>
-              </a:rPr>
-              <a:t>Email, texting(SMS), and video conferencing and video chat have fostered new ways to communicate and collaborate. </a:t>
-            </a:r>
-          </a:p>
-          <a:p>
-            <a:pPr lvl="1" eaLnBrk="1" hangingPunct="1"/>
-            <a:r>
-              <a:rPr lang="en-US" altLang="en-US" sz="1667" b="1" dirty="0">
-                <a:latin typeface="Tahoma" panose="020B0604030504040204" pitchFamily="34" charset="0"/>
-              </a:rPr>
-              <a:t>cloud computing</a:t>
-            </a:r>
-            <a:r>
-              <a:rPr lang="en-US" altLang="en-US" sz="1667" dirty="0">
-                <a:latin typeface="Tahoma" panose="020B0604030504040204" pitchFamily="34" charset="0"/>
-              </a:rPr>
-              <a:t>: performing calculations and modeling on servers that have more resources(AWS(Amazon Web Services), Google Apps, Cloud 9).</a:t>
-            </a:r>
-          </a:p>
-          <a:p>
-            <a:pPr lvl="1"/>
-            <a:r>
-              <a:rPr lang="en-US" sz="1667" dirty="0">
-                <a:latin typeface="Tahoma"/>
-                <a:cs typeface="Tahoma"/>
-              </a:rPr>
-              <a:t>e-commerce(online shopping e.g., Amazon), health care, access to information and entertainment, and online learning. </a:t>
-            </a:r>
-          </a:p>
-          <a:p>
-            <a:pPr marL="0" indent="0" eaLnBrk="1" hangingPunct="1">
-              <a:buNone/>
-            </a:pPr>
-            <a:endParaRPr lang="en-US" altLang="en-US" sz="1833" b="1" dirty="0">
-              <a:latin typeface="Tahoma" panose="020B0604030504040204" pitchFamily="34" charset="0"/>
-              <a:ea typeface="ＭＳ Ｐゴシック" panose="020B0600070205080204" pitchFamily="34" charset="-128"/>
-            </a:endParaRPr>
-          </a:p>
-          <a:p>
-            <a:pPr marL="0" indent="0" eaLnBrk="1" hangingPunct="1">
-              <a:buNone/>
-            </a:pPr>
-            <a:r>
-              <a:rPr lang="en-US" altLang="en-US" sz="1833" b="1" dirty="0">
-                <a:latin typeface="Tahoma" panose="020B0604030504040204" pitchFamily="34" charset="0"/>
-                <a:ea typeface="ＭＳ Ｐゴシック" panose="020B0600070205080204" pitchFamily="34" charset="-128"/>
-              </a:rPr>
-              <a:t>Widespread access to information facilitates the identification of problems, development of solutions, and dissemination of results.</a:t>
-            </a:r>
-          </a:p>
-          <a:p>
-            <a:pPr lvl="1" eaLnBrk="1" hangingPunct="1"/>
-            <a:r>
-              <a:rPr lang="en-US" altLang="en-US" sz="1667" dirty="0">
-                <a:latin typeface="Tahoma" panose="020B0604030504040204" pitchFamily="34" charset="0"/>
-              </a:rPr>
-              <a:t>Public data, such as databases of temperature readings or databases of court cases, provides widespread access and enables solutions to identified problems.</a:t>
-            </a:r>
-          </a:p>
-          <a:p>
-            <a:pPr lvl="1" eaLnBrk="1" hangingPunct="1"/>
-            <a:r>
-              <a:rPr lang="en-US" altLang="en-US" sz="1667" dirty="0">
-                <a:latin typeface="Tahoma" panose="020B0604030504040204" pitchFamily="34" charset="0"/>
-              </a:rPr>
-              <a:t>Trends of what people search for in the Internet are predictors of behavior. </a:t>
-            </a:r>
-          </a:p>
-          <a:p>
-            <a:pPr lvl="1" eaLnBrk="1" hangingPunct="1"/>
-            <a:r>
-              <a:rPr lang="en-US" altLang="en-US" sz="1667" dirty="0">
-                <a:latin typeface="Tahoma" panose="020B0604030504040204" pitchFamily="34" charset="0"/>
-              </a:rPr>
-              <a:t>Social media, including blogs and twitter, have enabled dissemination.</a:t>
-            </a:r>
-          </a:p>
-          <a:p>
-            <a:pPr lvl="1"/>
-            <a:r>
-              <a:rPr lang="en-US" altLang="en-US" sz="1667" dirty="0">
-                <a:latin typeface="Tahoma" panose="020B0604030504040204" pitchFamily="34" charset="0"/>
-              </a:rPr>
-              <a:t>Smart grids(electricity):an electricity supply network that uses digital communications technology to detect and react to local changes in usage.</a:t>
-            </a:r>
-          </a:p>
-        </p:txBody>
-      </p:sp>
-    </p:spTree>
-    <p:extLst>
-      <p:ext uri="{BB962C8B-B14F-4D97-AF65-F5344CB8AC3E}">
-        <p14:creationId xmlns:p14="http://schemas.microsoft.com/office/powerpoint/2010/main" val="3787391085"/>
-      </p:ext>
-    </p:extLst>
-  </p:cSld>
-  <p:clrMapOvr>
-    <a:masterClrMapping/>
-  </p:clrMapOvr>
-  <p:transition/>
-  <p:timing>
-    <p:tnLst>
-      <p:par>
-        <p:cTn id="1" dur="indefinite" restart="never" nodeType="tmRoot">
-          <p:childTnLst>
-            <p:seq concurrent="1" nextAc="seek">
-              <p:cTn id="2" dur="indefinite" nodeType="mainSeq">
-                <p:childTnLst>
-                  <p:par>
-                    <p:cTn id="3" fill="hold">
-                      <p:stCondLst>
-                        <p:cond delay="indefinite"/>
-                      </p:stCondLst>
-                      <p:childTnLst>
-                        <p:par>
-                          <p:cTn id="4" fill="hold">
-                            <p:stCondLst>
-                              <p:cond delay="0"/>
-                            </p:stCondLst>
-                            <p:childTnLst>
-                              <p:par>
-                                <p:cTn id="5" presetID="1" presetClass="entr" presetSubtype="0" fill="hold" nodeType="clickEffect">
-                                  <p:stCondLst>
-                                    <p:cond delay="0"/>
-                                  </p:stCondLst>
-                                  <p:childTnLst>
-                                    <p:set>
-                                      <p:cBhvr>
-                                        <p:cTn id="6" dur="1" fill="hold">
-                                          <p:stCondLst>
-                                            <p:cond delay="0"/>
-                                          </p:stCondLst>
-                                        </p:cTn>
-                                        <p:tgtEl>
-                                          <p:spTgt spid="16386">
-                                            <p:txEl>
-                                              <p:pRg st="0" end="0"/>
-                                            </p:txEl>
-                                          </p:spTgt>
-                                        </p:tgtEl>
-                                        <p:attrNameLst>
-                                          <p:attrName>style.visibility</p:attrName>
-                                        </p:attrNameLst>
-                                      </p:cBhvr>
-                                      <p:to>
-                                        <p:strVal val="visible"/>
-                                      </p:to>
-                                    </p:set>
-                                  </p:childTnLst>
-                                </p:cTn>
-                              </p:par>
-                            </p:childTnLst>
-                          </p:cTn>
-                        </p:par>
-                      </p:childTnLst>
-                    </p:cTn>
-                  </p:par>
-                  <p:par>
-                    <p:cTn id="7" fill="hold" nodeType="clickPar">
-                      <p:stCondLst>
-                        <p:cond delay="indefinite"/>
-                      </p:stCondLst>
-                      <p:childTnLst>
-                        <p:par>
-                          <p:cTn id="8" fill="hold" nodeType="withGroup">
-                            <p:stCondLst>
-                              <p:cond delay="0"/>
-                            </p:stCondLst>
-                            <p:childTnLst>
-                              <p:par>
-                                <p:cTn id="9" presetID="1" presetClass="entr" presetSubtype="0" fill="hold" nodeType="clickEffect">
-                                  <p:stCondLst>
-                                    <p:cond delay="0"/>
-                                  </p:stCondLst>
-                                  <p:childTnLst>
-                                    <p:set>
-                                      <p:cBhvr>
-                                        <p:cTn id="10" dur="1" fill="hold">
-                                          <p:stCondLst>
-                                            <p:cond delay="0"/>
-                                          </p:stCondLst>
-                                        </p:cTn>
-                                        <p:tgtEl>
-                                          <p:spTgt spid="16386">
-                                            <p:txEl>
-                                              <p:pRg st="1" end="1"/>
-                                            </p:txEl>
-                                          </p:spTgt>
-                                        </p:tgtEl>
-                                        <p:attrNameLst>
-                                          <p:attrName>style.visibility</p:attrName>
-                                        </p:attrNameLst>
-                                      </p:cBhvr>
-                                      <p:to>
-                                        <p:strVal val="visible"/>
-                                      </p:to>
-                                    </p:set>
-                                  </p:childTnLst>
-                                </p:cTn>
-                              </p:par>
-                            </p:childTnLst>
-                          </p:cTn>
-                        </p:par>
-                      </p:childTnLst>
-                    </p:cTn>
-                  </p:par>
-                  <p:par>
-                    <p:cTn id="11" fill="hold" nodeType="clickPar">
-                      <p:stCondLst>
-                        <p:cond delay="indefinite"/>
-                      </p:stCondLst>
-                      <p:childTnLst>
-                        <p:par>
-                          <p:cTn id="12" fill="hold" nodeType="withGroup">
-                            <p:stCondLst>
-                              <p:cond delay="0"/>
-                            </p:stCondLst>
-                            <p:childTnLst>
-                              <p:par>
-                                <p:cTn id="13" presetID="1" presetClass="entr" presetSubtype="0" fill="hold" nodeType="clickEffect">
-                                  <p:stCondLst>
-                                    <p:cond delay="0"/>
-                                  </p:stCondLst>
-                                  <p:childTnLst>
-                                    <p:set>
-                                      <p:cBhvr>
-                                        <p:cTn id="14" dur="1" fill="hold">
-                                          <p:stCondLst>
-                                            <p:cond delay="0"/>
-                                          </p:stCondLst>
-                                        </p:cTn>
-                                        <p:tgtEl>
-                                          <p:spTgt spid="16386">
-                                            <p:txEl>
-                                              <p:pRg st="2" end="2"/>
-                                            </p:txEl>
-                                          </p:spTgt>
-                                        </p:tgtEl>
-                                        <p:attrNameLst>
-                                          <p:attrName>style.visibility</p:attrName>
-                                        </p:attrNameLst>
-                                      </p:cBhvr>
-                                      <p:to>
-                                        <p:strVal val="visible"/>
-                                      </p:to>
-                                    </p:set>
-                                  </p:childTnLst>
-                                </p:cTn>
-                              </p:par>
-                            </p:childTnLst>
-                          </p:cTn>
-                        </p:par>
-                      </p:childTnLst>
-                    </p:cTn>
-                  </p:par>
-                  <p:par>
-                    <p:cTn id="15" fill="hold">
-                      <p:stCondLst>
-                        <p:cond delay="indefinite"/>
-                      </p:stCondLst>
-                      <p:childTnLst>
-                        <p:par>
-                          <p:cTn id="16" fill="hold">
-                            <p:stCondLst>
-                              <p:cond delay="0"/>
-                            </p:stCondLst>
-                            <p:childTnLst>
-                              <p:par>
-                                <p:cTn id="17" presetID="1" presetClass="entr" presetSubtype="0" fill="hold" nodeType="clickEffect">
-                                  <p:stCondLst>
-                                    <p:cond delay="0"/>
-                                  </p:stCondLst>
-                                  <p:childTnLst>
-                                    <p:set>
-                                      <p:cBhvr>
-                                        <p:cTn id="18" dur="1" fill="hold">
-                                          <p:stCondLst>
-                                            <p:cond delay="0"/>
-                                          </p:stCondLst>
-                                        </p:cTn>
-                                        <p:tgtEl>
-                                          <p:spTgt spid="16386">
-                                            <p:txEl>
-                                              <p:pRg st="3" end="3"/>
-                                            </p:txEl>
-                                          </p:spTgt>
-                                        </p:tgtEl>
-                                        <p:attrNameLst>
-                                          <p:attrName>style.visibility</p:attrName>
-                                        </p:attrNameLst>
-                                      </p:cBhvr>
-                                      <p:to>
-                                        <p:strVal val="visible"/>
-                                      </p:to>
-                                    </p:set>
-                                  </p:childTnLst>
-                                </p:cTn>
-                              </p:par>
-                            </p:childTnLst>
-                          </p:cTn>
-                        </p:par>
-                      </p:childTnLst>
-                    </p:cTn>
-                  </p:par>
-                  <p:par>
-                    <p:cTn id="19" fill="hold" nodeType="clickPar">
-                      <p:stCondLst>
-                        <p:cond delay="indefinite"/>
-                      </p:stCondLst>
-                      <p:childTnLst>
-                        <p:par>
-                          <p:cTn id="20" fill="hold" nodeType="withGroup">
-                            <p:stCondLst>
-                              <p:cond delay="0"/>
-                            </p:stCondLst>
-                            <p:childTnLst>
-                              <p:par>
-                                <p:cTn id="21" presetID="1" presetClass="entr" presetSubtype="0" fill="hold" nodeType="clickEffect">
-                                  <p:stCondLst>
-                                    <p:cond delay="0"/>
-                                  </p:stCondLst>
-                                  <p:childTnLst>
-                                    <p:set>
-                                      <p:cBhvr>
-                                        <p:cTn id="22" dur="1" fill="hold">
-                                          <p:stCondLst>
-                                            <p:cond delay="0"/>
-                                          </p:stCondLst>
-                                        </p:cTn>
-                                        <p:tgtEl>
-                                          <p:spTgt spid="16386">
-                                            <p:txEl>
-                                              <p:pRg st="5" end="5"/>
-                                            </p:txEl>
-                                          </p:spTgt>
-                                        </p:tgtEl>
-                                        <p:attrNameLst>
-                                          <p:attrName>style.visibility</p:attrName>
-                                        </p:attrNameLst>
-                                      </p:cBhvr>
-                                      <p:to>
-                                        <p:strVal val="visible"/>
-                                      </p:to>
-                                    </p:set>
-                                  </p:childTnLst>
-                                </p:cTn>
-                              </p:par>
-                            </p:childTnLst>
-                          </p:cTn>
-                        </p:par>
-                      </p:childTnLst>
-                    </p:cTn>
-                  </p:par>
-                  <p:par>
-                    <p:cTn id="23" fill="hold" nodeType="clickPar">
-                      <p:stCondLst>
-                        <p:cond delay="indefinite"/>
-                      </p:stCondLst>
-                      <p:childTnLst>
-                        <p:par>
-                          <p:cTn id="24" fill="hold" nodeType="withGroup">
-                            <p:stCondLst>
-                              <p:cond delay="0"/>
-                            </p:stCondLst>
-                            <p:childTnLst>
-                              <p:par>
-                                <p:cTn id="25" presetID="1" presetClass="entr" presetSubtype="0" fill="hold" nodeType="clickEffect">
-                                  <p:stCondLst>
-                                    <p:cond delay="0"/>
-                                  </p:stCondLst>
-                                  <p:childTnLst>
-                                    <p:set>
-                                      <p:cBhvr>
-                                        <p:cTn id="26" dur="1" fill="hold">
-                                          <p:stCondLst>
-                                            <p:cond delay="0"/>
-                                          </p:stCondLst>
-                                        </p:cTn>
-                                        <p:tgtEl>
-                                          <p:spTgt spid="16386">
-                                            <p:txEl>
-                                              <p:pRg st="6" end="6"/>
-                                            </p:txEl>
-                                          </p:spTgt>
-                                        </p:tgtEl>
-                                        <p:attrNameLst>
-                                          <p:attrName>style.visibility</p:attrName>
-                                        </p:attrNameLst>
-                                      </p:cBhvr>
-                                      <p:to>
-                                        <p:strVal val="visible"/>
-                                      </p:to>
-                                    </p:set>
-                                  </p:childTnLst>
-                                </p:cTn>
-                              </p:par>
-                            </p:childTnLst>
-                          </p:cTn>
-                        </p:par>
-                      </p:childTnLst>
-                    </p:cTn>
-                  </p:par>
-                  <p:par>
-                    <p:cTn id="27" fill="hold" nodeType="clickPar">
-                      <p:stCondLst>
-                        <p:cond delay="indefinite"/>
-                      </p:stCondLst>
-                      <p:childTnLst>
-                        <p:par>
-                          <p:cTn id="28" fill="hold" nodeType="withGroup">
-                            <p:stCondLst>
-                              <p:cond delay="0"/>
-                            </p:stCondLst>
-                            <p:childTnLst>
-                              <p:par>
-                                <p:cTn id="29" presetID="1" presetClass="entr" presetSubtype="0" fill="hold" nodeType="clickEffect">
-                                  <p:stCondLst>
-                                    <p:cond delay="0"/>
-                                  </p:stCondLst>
-                                  <p:childTnLst>
-                                    <p:set>
-                                      <p:cBhvr>
-                                        <p:cTn id="30" dur="1" fill="hold">
-                                          <p:stCondLst>
-                                            <p:cond delay="0"/>
-                                          </p:stCondLst>
-                                        </p:cTn>
-                                        <p:tgtEl>
-                                          <p:spTgt spid="16386">
-                                            <p:txEl>
-                                              <p:pRg st="7" end="7"/>
-                                            </p:txEl>
-                                          </p:spTgt>
-                                        </p:tgtEl>
-                                        <p:attrNameLst>
-                                          <p:attrName>style.visibility</p:attrName>
-                                        </p:attrNameLst>
-                                      </p:cBhvr>
-                                      <p:to>
-                                        <p:strVal val="visible"/>
-                                      </p:to>
-                                    </p:set>
-                                  </p:childTnLst>
-                                </p:cTn>
-                              </p:par>
-                            </p:childTnLst>
-                          </p:cTn>
-                        </p:par>
-                      </p:childTnLst>
-                    </p:cTn>
-                  </p:par>
-                  <p:par>
-                    <p:cTn id="31" fill="hold" nodeType="clickPar">
-                      <p:stCondLst>
-                        <p:cond delay="indefinite"/>
-                      </p:stCondLst>
-                      <p:childTnLst>
-                        <p:par>
-                          <p:cTn id="32" fill="hold" nodeType="withGroup">
-                            <p:stCondLst>
-                              <p:cond delay="0"/>
-                            </p:stCondLst>
-                            <p:childTnLst>
-                              <p:par>
-                                <p:cTn id="33" presetID="1" presetClass="entr" presetSubtype="0" fill="hold" nodeType="clickEffect">
-                                  <p:stCondLst>
-                                    <p:cond delay="0"/>
-                                  </p:stCondLst>
-                                  <p:childTnLst>
-                                    <p:set>
-                                      <p:cBhvr>
-                                        <p:cTn id="34" dur="1" fill="hold">
-                                          <p:stCondLst>
-                                            <p:cond delay="0"/>
-                                          </p:stCondLst>
-                                        </p:cTn>
-                                        <p:tgtEl>
-                                          <p:spTgt spid="16386">
-                                            <p:txEl>
-                                              <p:pRg st="8" end="8"/>
-                                            </p:txEl>
-                                          </p:spTgt>
-                                        </p:tgtEl>
-                                        <p:attrNameLst>
-                                          <p:attrName>style.visibility</p:attrName>
-                                        </p:attrNameLst>
-                                      </p:cBhvr>
-                                      <p:to>
-                                        <p:strVal val="visible"/>
-                                      </p:to>
-                                    </p:set>
-                                  </p:childTnLst>
-                                </p:cTn>
-                              </p:par>
-                            </p:childTnLst>
-                          </p:cTn>
-                        </p:par>
-                      </p:childTnLst>
-                    </p:cTn>
-                  </p:par>
-                  <p:par>
-                    <p:cTn id="35" fill="hold">
-                      <p:stCondLst>
-                        <p:cond delay="indefinite"/>
-                      </p:stCondLst>
-                      <p:childTnLst>
-                        <p:par>
-                          <p:cTn id="36" fill="hold">
-                            <p:stCondLst>
-                              <p:cond delay="0"/>
-                            </p:stCondLst>
-                            <p:childTnLst>
-                              <p:par>
-                                <p:cTn id="37" presetID="1" presetClass="entr" presetSubtype="0" fill="hold" nodeType="clickEffect">
-                                  <p:stCondLst>
-                                    <p:cond delay="0"/>
-                                  </p:stCondLst>
-                                  <p:childTnLst>
-                                    <p:set>
-                                      <p:cBhvr>
-                                        <p:cTn id="38" dur="1" fill="hold">
-                                          <p:stCondLst>
-                                            <p:cond delay="0"/>
-                                          </p:stCondLst>
-                                        </p:cTn>
-                                        <p:tgtEl>
-                                          <p:spTgt spid="16386">
-                                            <p:txEl>
-                                              <p:pRg st="9" end="9"/>
-                                            </p:txEl>
-                                          </p:spTgt>
-                                        </p:tgtEl>
-                                        <p:attrNameLst>
-                                          <p:attrName>style.visibility</p:attrName>
-                                        </p:attrNameLst>
-                                      </p:cBhvr>
-                                      <p:to>
-                                        <p:strVal val="visible"/>
-                                      </p:to>
-                                    </p:set>
-                                  </p:childTnLst>
-                                </p:cTn>
-                              </p:par>
-                            </p:childTnLst>
-                          </p:cTn>
-                        </p:par>
-                      </p:childTnLst>
-                    </p:cTn>
-                  </p:par>
-                </p:childTnLst>
-              </p:cTn>
-              <p:prevCondLst>
-                <p:cond evt="onPrev" delay="0">
-                  <p:tgtEl>
-                    <p:sldTgt/>
-                  </p:tgtEl>
-                </p:cond>
-              </p:prevCondLst>
-              <p:nextCondLst>
-                <p:cond evt="onNext" delay="0">
-                  <p:tgtEl>
-                    <p:sldTgt/>
-                  </p:tgtEl>
-                </p:cond>
-              </p:nextCondLst>
-            </p:seq>
-          </p:childTnLst>
-        </p:cTn>
-      </p:par>
-    </p:tnLst>
-  </p:timing>
-</p:sld>
-</file>
-
-<file path=ppt/slides/slide12.xml><?xml version="1.0" encoding="utf-8"?>
-<p:sld xmlns:a="http://schemas.openxmlformats.org/drawingml/2006/main" xmlns:r="http://schemas.openxmlformats.org/officeDocument/2006/relationships" xmlns:p="http://schemas.openxmlformats.org/presentationml/2006/main">
-  <p:cSld>
-    <p:spTree>
-      <p:nvGrpSpPr>
-        <p:cNvPr id="1" name=""/>
-        <p:cNvGrpSpPr/>
-        <p:nvPr/>
-      </p:nvGrpSpPr>
-      <p:grpSpPr>
-        <a:xfrm>
-          <a:off x="0" y="0"/>
-          <a:ext cx="0" cy="0"/>
-          <a:chOff x="0" y="0"/>
-          <a:chExt cx="0" cy="0"/>
-        </a:xfrm>
-      </p:grpSpPr>
-      <p:sp>
-        <p:nvSpPr>
           <p:cNvPr id="26625" name="Rectangle 2">
             <a:extLst>
               <a:ext uri="{FF2B5EF4-FFF2-40B4-BE49-F238E27FC236}">
@@ -17677,6 +16673,27 @@
                 <a:ea typeface="ＭＳ Ｐゴシック" panose="020B0600070205080204" pitchFamily="34" charset="-128"/>
               </a:rPr>
               <a:t>Ease of access and distribution of digitized information raises intellectual property concerns regarding ownership, value, and use. </a:t>
+            </a:r>
+          </a:p>
+          <a:p>
+            <a:pPr marL="0" indent="0" eaLnBrk="1" hangingPunct="1">
+              <a:buNone/>
+            </a:pPr>
+            <a:endParaRPr lang="en-US" altLang="en-US" sz="1667" dirty="0">
+              <a:latin typeface="Tahoma" panose="020B0604030504040204" pitchFamily="34" charset="0"/>
+              <a:ea typeface="ＭＳ Ｐゴシック" panose="020B0600070205080204" pitchFamily="34" charset="-128"/>
+            </a:endParaRPr>
+          </a:p>
+          <a:p>
+            <a:pPr marL="0" indent="0">
+              <a:buNone/>
+            </a:pPr>
+            <a:r>
+              <a:rPr lang="en-US" altLang="en-US" sz="1600" dirty="0">
+                <a:latin typeface="Tahoma" panose="020B0604030504040204" pitchFamily="34" charset="0"/>
+                <a:ea typeface="ＭＳ Ｐゴシック" panose="020B0600070205080204" pitchFamily="34" charset="-128"/>
+              </a:rPr>
+              <a:t>The use of material created by someone other than you should always be cited. </a:t>
             </a:r>
           </a:p>
           <a:p>
@@ -17947,6 +16964,55 @@
                       </p:childTnLst>
                     </p:cTn>
                   </p:par>
+                  <p:par>
+                    <p:cTn id="19" fill="hold">
+                      <p:stCondLst>
+                        <p:cond delay="indefinite"/>
+                      </p:stCondLst>
+                      <p:childTnLst>
+                        <p:par>
+                          <p:cTn id="20" fill="hold">
+                            <p:stCondLst>
+                              <p:cond delay="0"/>
+                            </p:stCondLst>
+                            <p:childTnLst>
+                              <p:par>
+                                <p:cTn id="21" presetID="1" presetClass="entr" presetSubtype="0" fill="hold" nodeType="clickEffect">
+                                  <p:stCondLst>
+                                    <p:cond delay="0"/>
+                                  </p:stCondLst>
+                                  <p:childTnLst>
+                                    <p:set>
+                                      <p:cBhvr>
+                                        <p:cTn id="22" dur="1" fill="hold">
+                                          <p:stCondLst>
+                                            <p:cond delay="0"/>
+                                          </p:stCondLst>
+                                        </p:cTn>
+                                        <p:tgtEl>
+                                          <p:spTgt spid="16386">
+                                            <p:txEl>
+                                              <p:pRg st="8" end="8"/>
+                                            </p:txEl>
+                                          </p:spTgt>
+                                        </p:tgtEl>
+                                        <p:attrNameLst>
+                                          <p:attrName>style.visibility</p:attrName>
+                                        </p:attrNameLst>
+                                      </p:cBhvr>
+                                      <p:to>
+                                        <p:strVal val="visible"/>
+                                      </p:to>
+                                    </p:set>
+                                  </p:childTnLst>
+                                </p:cTn>
+                              </p:par>
+                            </p:childTnLst>
+                          </p:cTn>
+                        </p:par>
+                      </p:childTnLst>
+                    </p:cTn>
+                  </p:par>
                 </p:childTnLst>
               </p:cTn>
               <p:prevCondLst>
@@ -17972,7 +17038,7 @@
 </p:sld>
 </file>
 
-<file path=ppt/slides/slide13.xml><?xml version="1.0" encoding="utf-8"?>
+<file path=ppt/slides/slide12.xml><?xml version="1.0" encoding="utf-8"?>
 <p:sld xmlns:a="http://schemas.openxmlformats.org/drawingml/2006/main" xmlns:r="http://schemas.openxmlformats.org/officeDocument/2006/relationships" xmlns:p="http://schemas.openxmlformats.org/presentationml/2006/main">
   <p:cSld>
     <p:spTree>
@@ -18913,7 +17979,7 @@
 </p:sld>
 </file>
 
-<file path=ppt/slides/slide14.xml><?xml version="1.0" encoding="utf-8"?>
+<file path=ppt/slides/slide13.xml><?xml version="1.0" encoding="utf-8"?>
 <p:sld xmlns:a="http://schemas.openxmlformats.org/drawingml/2006/main" xmlns:r="http://schemas.openxmlformats.org/officeDocument/2006/relationships" xmlns:p="http://schemas.openxmlformats.org/presentationml/2006/main">
   <p:cSld>
     <p:spTree>
@@ -18962,7 +18028,7 @@
                 <a:latin typeface="Tahoma" panose="020B0604030504040204" pitchFamily="34" charset="0"/>
                 <a:ea typeface="ＭＳ Ｐゴシック" panose="020B0600070205080204" pitchFamily="34" charset="-128"/>
               </a:rPr>
-              <a:t>Global Effects</a:t>
+              <a:t>Legal and Ethical Concerns</a:t>
             </a:r>
           </a:p>
         </p:txBody>
@@ -18990,18 +18056,29 @@
           </a:xfrm>
         </p:spPr>
         <p:txBody>
-          <a:bodyPr/>
+          <a:bodyPr>
+            <a:normAutofit/>
+          </a:bodyPr>
           <a:lstStyle/>
           <a:p>
-            <a:pPr marL="0" indent="0" eaLnBrk="1" hangingPunct="1">
+            <a:pPr marL="0" indent="0">
               <a:buNone/>
             </a:pPr>
+            <a:endParaRPr lang="en-US" altLang="en-US" sz="1833" dirty="0">
+              <a:latin typeface="Tahoma" panose="020B0604030504040204" pitchFamily="34" charset="0"/>
+              <a:ea typeface="ＭＳ Ｐゴシック" panose="020B0600070205080204" pitchFamily="34" charset="-128"/>
+            </a:endParaRPr>
+          </a:p>
+          <a:p>
+            <a:pPr marL="0" indent="0">
+              <a:buNone/>
+            </a:pPr>
             <a:r>
               <a:rPr lang="en-US" altLang="en-US" sz="1833" dirty="0">
                 <a:latin typeface="Tahoma" panose="020B0604030504040204" pitchFamily="34" charset="0"/>
                 <a:ea typeface="ＭＳ Ｐゴシック" panose="020B0600070205080204" pitchFamily="34" charset="-128"/>
               </a:rPr>
-              <a:t>Computing has global effects – both beneficial and harmful – on people and society. </a:t>
+              <a:t>Computing can play a role in social and political issues, which in turn often raises legal and ethical concerns. </a:t>
             </a:r>
           </a:p>
           <a:p>
@@ -19026,12 +18103,12 @@
             </a:r>
           </a:p>
           <a:p>
-            <a:pPr lvl="1" eaLnBrk="1" hangingPunct="1"/>
+            <a:pPr lvl="1"/>
             <a:r>
               <a:rPr lang="en-US" altLang="en-US" sz="1500" dirty="0">
                 <a:latin typeface="Tahoma" panose="020B0604030504040204" pitchFamily="34" charset="0"/>
               </a:rPr>
-              <a:t>Downloading movies/music, streaming movies, access to digital content through peer-to-peer networks(for example, BitTorrent)</a:t>
+              <a:t>the development of software that allows access to digital media downloads and streaming(downloading pirated software, movies, illegal streaming) </a:t>
             </a:r>
           </a:p>
           <a:p>
@@ -19044,104 +18121,25 @@
               </a:rPr>
               <a:t>the existence of computing devices that collect and analyze data by continuously monitoring activities </a:t>
             </a:r>
+          </a:p>
+          <a:p>
+            <a:pPr lvl="1"/>
+            <a:r>
+              <a:rPr lang="en-US" altLang="en-US" sz="1500" dirty="0">
+                <a:latin typeface="Tahoma" panose="020B0604030504040204" pitchFamily="34" charset="0"/>
+                <a:ea typeface="Tahoma" panose="020B0604030504040204" pitchFamily="34" charset="0"/>
+                <a:cs typeface="Tahoma" panose="020B0604030504040204" pitchFamily="34" charset="0"/>
+              </a:rPr>
+              <a:t>the development of algorithms that include bias </a:t>
+            </a:r>
+          </a:p>
+          <a:p>
+            <a:pPr lvl="1"/>
             <a:endParaRPr lang="en-US" altLang="en-US" sz="1500" dirty="0">
               <a:latin typeface="Tahoma" panose="020B0604030504040204" pitchFamily="34" charset="0"/>
               <a:ea typeface="Tahoma" panose="020B0604030504040204" pitchFamily="34" charset="0"/>
               <a:cs typeface="Tahoma" panose="020B0604030504040204" pitchFamily="34" charset="0"/>
             </a:endParaRPr>
-          </a:p>
-          <a:p>
-            <a:pPr lvl="1" eaLnBrk="1" hangingPunct="1"/>
-            <a:r>
-              <a:rPr lang="en-US" altLang="en-US" sz="1500" dirty="0">
-                <a:latin typeface="Tahoma" panose="020B0604030504040204" pitchFamily="34" charset="0"/>
-              </a:rPr>
-              <a:t>Digital access to digital books(PDF, EPUB)</a:t>
-            </a:r>
-          </a:p>
-          <a:p>
-            <a:pPr lvl="1" eaLnBrk="1" hangingPunct="1"/>
-            <a:r>
-              <a:rPr lang="en-US" altLang="en-US" sz="1500" dirty="0">
-                <a:latin typeface="Tahoma" panose="020B0604030504040204" pitchFamily="34" charset="0"/>
-              </a:rPr>
-              <a:t>Commercial and governmental censorship of digital information</a:t>
-            </a:r>
-          </a:p>
-          <a:p>
-            <a:pPr lvl="1" eaLnBrk="1" hangingPunct="1"/>
-            <a:r>
-              <a:rPr lang="en-US" altLang="en-US" sz="1500" b="1" dirty="0">
-                <a:latin typeface="Tahoma" panose="020B0604030504040204" pitchFamily="34" charset="0"/>
-              </a:rPr>
-              <a:t>Open source</a:t>
-            </a:r>
-            <a:r>
-              <a:rPr lang="en-US" altLang="en-US" sz="1500" dirty="0">
-                <a:latin typeface="Tahoma" panose="020B0604030504040204" pitchFamily="34" charset="0"/>
-              </a:rPr>
-              <a:t> and licensing of software and content.</a:t>
-            </a:r>
-          </a:p>
-          <a:p>
-            <a:pPr lvl="2" eaLnBrk="1" hangingPunct="1"/>
-            <a:r>
-              <a:rPr lang="en-US" altLang="en-US" dirty="0">
-                <a:latin typeface="Tahoma" panose="020B0604030504040204" pitchFamily="34" charset="0"/>
-              </a:rPr>
-              <a:t>Is human knowledge advanced by full and free access to all information, allowing engineers and developers to correct and improve on already existing systems?</a:t>
-            </a:r>
-          </a:p>
-          <a:p>
-            <a:pPr lvl="2" eaLnBrk="1" hangingPunct="1"/>
-            <a:r>
-              <a:rPr lang="en-US" altLang="en-US" dirty="0">
-                <a:latin typeface="Tahoma" panose="020B0604030504040204" pitchFamily="34" charset="0"/>
-              </a:rPr>
-              <a:t>Or does a lack of strong protection for </a:t>
-            </a:r>
-            <a:r>
-              <a:rPr lang="en-US" altLang="en-US" b="1" dirty="0">
-                <a:latin typeface="Tahoma" panose="020B0604030504040204" pitchFamily="34" charset="0"/>
-              </a:rPr>
-              <a:t>Intellectual Property</a:t>
-            </a:r>
-            <a:r>
-              <a:rPr lang="en-US" altLang="en-US" dirty="0">
-                <a:latin typeface="Tahoma" panose="020B0604030504040204" pitchFamily="34" charset="0"/>
-              </a:rPr>
-              <a:t>(IP) discourage innovation by removing the financial incentive for developing it? </a:t>
-            </a:r>
-          </a:p>
-          <a:p>
-            <a:pPr lvl="2" eaLnBrk="1" hangingPunct="1"/>
-            <a:r>
-              <a:rPr lang="en-US" altLang="en-US" dirty="0">
-                <a:latin typeface="Tahoma" panose="020B0604030504040204" pitchFamily="34" charset="0"/>
-              </a:rPr>
-              <a:t>What is the balance of these potential benefits over these potential harms?</a:t>
-            </a:r>
-          </a:p>
-          <a:p>
-            <a:pPr lvl="2" eaLnBrk="1" hangingPunct="1"/>
-            <a:r>
-              <a:rPr lang="en-US" altLang="en-US" dirty="0">
-                <a:latin typeface="Tahoma" panose="020B0604030504040204" pitchFamily="34" charset="0"/>
-              </a:rPr>
-              <a:t>See: https://</a:t>
-            </a:r>
-            <a:r>
-              <a:rPr lang="en-US" altLang="en-US" dirty="0" err="1">
-                <a:latin typeface="Tahoma" panose="020B0604030504040204" pitchFamily="34" charset="0"/>
-              </a:rPr>
-              <a:t>www.scu.edu</a:t>
-            </a:r>
-            <a:r>
-              <a:rPr lang="en-US" altLang="en-US" dirty="0">
-                <a:latin typeface="Tahoma" panose="020B0604030504040204" pitchFamily="34" charset="0"/>
-              </a:rPr>
-              <a:t>/ethics/focus-areas/internet-ethics/resources/unavoidable-ethical-questions-about-open-source/</a:t>
-            </a:r>
           </a:p>
         </p:txBody>
       </p:sp>
@@ -19192,7 +18190,7 @@
                                         <p:tgtEl>
                                           <p:spTgt spid="16386">
                                             <p:txEl>
-                                              <p:pRg st="0" end="0"/>
+                                              <p:pRg st="3" end="3"/>
                                             </p:txEl>
                                           </p:spTgt>
                                         </p:tgtEl>
@@ -19214,13 +18212,13 @@
                     </p:cTn>
                   </p:par>
                   <p:par>
-                    <p:cTn id="7" fill="hold" nodeType="clickPar">
+                    <p:cTn id="7" fill="hold">
                       <p:stCondLst>
                         <p:cond delay="indefinite"/>
                       </p:stCondLst>
                       <p:childTnLst>
                         <p:par>
-                          <p:cTn id="8" fill="hold" nodeType="withGroup">
+                          <p:cTn id="8" fill="hold">
                             <p:stCondLst>
                               <p:cond delay="0"/>
                             </p:stCondLst>
@@ -19241,7 +18239,7 @@
                                         <p:tgtEl>
                                           <p:spTgt spid="16386">
                                             <p:txEl>
-                                              <p:pRg st="2" end="2"/>
+                                              <p:pRg st="1" end="1"/>
                                             </p:txEl>
                                           </p:spTgt>
                                         </p:tgtEl>
@@ -19263,13 +18261,13 @@
                     </p:cTn>
                   </p:par>
                   <p:par>
-                    <p:cTn id="11" fill="hold" nodeType="clickPar">
+                    <p:cTn id="11" fill="hold">
                       <p:stCondLst>
                         <p:cond delay="indefinite"/>
                       </p:stCondLst>
                       <p:childTnLst>
                         <p:par>
-                          <p:cTn id="12" fill="hold" nodeType="withGroup">
+                          <p:cTn id="12" fill="hold">
                             <p:stCondLst>
                               <p:cond delay="0"/>
                             </p:stCondLst>
@@ -19290,7 +18288,7 @@
                                         <p:tgtEl>
                                           <p:spTgt spid="16386">
                                             <p:txEl>
-                                              <p:pRg st="3" end="3"/>
+                                              <p:pRg st="5" end="5"/>
                                             </p:txEl>
                                           </p:spTgt>
                                         </p:tgtEl>
@@ -19339,104 +18337,6 @@
                                         <p:tgtEl>
                                           <p:spTgt spid="16386">
                                             <p:txEl>
-                                              <p:pRg st="4" end="4"/>
-                                            </p:txEl>
-                                          </p:spTgt>
-                                        </p:tgtEl>
-                                        <p:attrNameLst>
-                                          <p:attrName>style.visibility</p:attrName>
-                                        </p:attrNameLst>
-                                      </p:cBhvr>
-                                      <p:to>
-                                        <p:strVal val="visible"/>
-                                      </p:to>
-                                    </p:set>
-                                  </p:childTnLst>
-                                </p:cTn>
-                              </p:par>
-                            </p:childTnLst>
-                          </p:cTn>
-                        </p:par>
-                      </p:childTnLst>
-                    </p:cTn>
-                  </p:par>
-                  <p:par>
-                    <p:cTn id="19" fill="hold" nodeType="clickPar">
-                      <p:stCondLst>
-                        <p:cond delay="indefinite"/>
-                      </p:stCondLst>
-                      <p:childTnLst>
-                        <p:par>
-                          <p:cTn id="20" fill="hold" nodeType="withGroup">
-                            <p:stCondLst>
-                              <p:cond delay="0"/>
-                            </p:stCondLst>
-                            <p:childTnLst>
-                              <p:par>
-                                <p:cTn id="21" presetID="1" presetClass="entr" presetSubtype="0" fill="hold" nodeType="clickEffect">
-                                  <p:stCondLst>
-                                    <p:cond delay="0"/>
-                                  </p:stCondLst>
-                                  <p:childTnLst>
-                                    <p:set>
-                                      <p:cBhvr>
-                                        <p:cTn id="22" dur="1" fill="hold">
-                                          <p:stCondLst>
-                                            <p:cond delay="0"/>
-                                          </p:stCondLst>
-                                        </p:cTn>
-                                        <p:tgtEl>
-                                          <p:spTgt spid="16386">
-                                            <p:txEl>
-                                              <p:pRg st="5" end="5"/>
-                                            </p:txEl>
-                                          </p:spTgt>
-                                        </p:tgtEl>
-                                        <p:attrNameLst>
-                                          <p:attrName>style.visibility</p:attrName>
-                                        </p:attrNameLst>
-                                      </p:cBhvr>
-                                      <p:to>
-                                        <p:strVal val="visible"/>
-                                      </p:to>
-                                    </p:set>
-                                  </p:childTnLst>
-                                </p:cTn>
-                              </p:par>
-                            </p:childTnLst>
-                          </p:cTn>
-                        </p:par>
-                      </p:childTnLst>
-                    </p:cTn>
-                  </p:par>
-                  <p:par>
-                    <p:cTn id="23" fill="hold" nodeType="clickPar">
-                      <p:stCondLst>
-                        <p:cond delay="indefinite"/>
-                      </p:stCondLst>
-                      <p:childTnLst>
-                        <p:par>
-                          <p:cTn id="24" fill="hold" nodeType="withGroup">
-                            <p:stCondLst>
-                              <p:cond delay="0"/>
-                            </p:stCondLst>
-                            <p:childTnLst>
-                              <p:par>
-                                <p:cTn id="25" presetID="1" presetClass="entr" presetSubtype="0" fill="hold" nodeType="clickEffect">
-                                  <p:stCondLst>
-                                    <p:cond delay="0"/>
-                                  </p:stCondLst>
-                                  <p:childTnLst>
-                                    <p:set>
-                                      <p:cBhvr>
-                                        <p:cTn id="26" dur="1" fill="hold">
-                                          <p:stCondLst>
-                                            <p:cond delay="0"/>
-                                          </p:stCondLst>
-                                        </p:cTn>
-                                        <p:tgtEl>
-                                          <p:spTgt spid="16386">
-                                            <p:txEl>
                                               <p:pRg st="6" end="6"/>
                                             </p:txEl>
                                           </p:spTgt>
@@ -19459,26 +18359,26 @@
                     </p:cTn>
                   </p:par>
                   <p:par>
-                    <p:cTn id="27" fill="hold" nodeType="clickPar">
+                    <p:cTn id="19" fill="hold">
                       <p:stCondLst>
                         <p:cond delay="indefinite"/>
                       </p:stCondLst>
                       <p:childTnLst>
                         <p:par>
-                          <p:cTn id="28" fill="hold" nodeType="withGroup">
+                          <p:cTn id="20" fill="hold">
                             <p:stCondLst>
                               <p:cond delay="0"/>
                             </p:stCondLst>
                             <p:childTnLst>
                               <p:par>
-                                <p:cTn id="29" presetID="1" presetClass="entr" presetSubtype="0" fill="hold" nodeType="clickEffect">
+                                <p:cTn id="21" presetID="1" presetClass="entr" presetSubtype="0" fill="hold" nodeType="clickEffect">
                                   <p:stCondLst>
                                     <p:cond delay="0"/>
                                   </p:stCondLst>
                                   <p:childTnLst>
                                     <p:set>
                                       <p:cBhvr>
-                                        <p:cTn id="30" dur="1" fill="hold">
+                                        <p:cTn id="22" dur="1" fill="hold">
                                           <p:stCondLst>
                                             <p:cond delay="0"/>
                                           </p:stCondLst>
@@ -19486,203 +18386,7 @@
                                         <p:tgtEl>
                                           <p:spTgt spid="16386">
                                             <p:txEl>
-                                              <p:pRg st="7" end="7"/>
-                                            </p:txEl>
-                                          </p:spTgt>
-                                        </p:tgtEl>
-                                        <p:attrNameLst>
-                                          <p:attrName>style.visibility</p:attrName>
-                                        </p:attrNameLst>
-                                      </p:cBhvr>
-                                      <p:to>
-                                        <p:strVal val="visible"/>
-                                      </p:to>
-                                    </p:set>
-                                  </p:childTnLst>
-                                </p:cTn>
-                              </p:par>
-                            </p:childTnLst>
-                          </p:cTn>
-                        </p:par>
-                      </p:childTnLst>
-                    </p:cTn>
-                  </p:par>
-                  <p:par>
-                    <p:cTn id="31" fill="hold" nodeType="clickPar">
-                      <p:stCondLst>
-                        <p:cond delay="indefinite"/>
-                      </p:stCondLst>
-                      <p:childTnLst>
-                        <p:par>
-                          <p:cTn id="32" fill="hold" nodeType="withGroup">
-                            <p:stCondLst>
-                              <p:cond delay="0"/>
-                            </p:stCondLst>
-                            <p:childTnLst>
-                              <p:par>
-                                <p:cTn id="33" presetID="1" presetClass="entr" presetSubtype="0" fill="hold" nodeType="clickEffect">
-                                  <p:stCondLst>
-                                    <p:cond delay="0"/>
-                                  </p:stCondLst>
-                                  <p:childTnLst>
-                                    <p:set>
-                                      <p:cBhvr>
-                                        <p:cTn id="34" dur="1" fill="hold">
-                                          <p:stCondLst>
-                                            <p:cond delay="0"/>
-                                          </p:stCondLst>
-                                        </p:cTn>
-                                        <p:tgtEl>
-                                          <p:spTgt spid="16386">
-                                            <p:txEl>
-                                              <p:pRg st="8" end="8"/>
-                                            </p:txEl>
-                                          </p:spTgt>
-                                        </p:tgtEl>
-                                        <p:attrNameLst>
-                                          <p:attrName>style.visibility</p:attrName>
-                                        </p:attrNameLst>
-                                      </p:cBhvr>
-                                      <p:to>
-                                        <p:strVal val="visible"/>
-                                      </p:to>
-                                    </p:set>
-                                  </p:childTnLst>
-                                </p:cTn>
-                              </p:par>
-                            </p:childTnLst>
-                          </p:cTn>
-                        </p:par>
-                      </p:childTnLst>
-                    </p:cTn>
-                  </p:par>
-                  <p:par>
-                    <p:cTn id="35" fill="hold" nodeType="clickPar">
-                      <p:stCondLst>
-                        <p:cond delay="indefinite"/>
-                      </p:stCondLst>
-                      <p:childTnLst>
-                        <p:par>
-                          <p:cTn id="36" fill="hold" nodeType="withGroup">
-                            <p:stCondLst>
-                              <p:cond delay="0"/>
-                            </p:stCondLst>
-                            <p:childTnLst>
-                              <p:par>
-                                <p:cTn id="37" presetID="1" presetClass="entr" presetSubtype="0" fill="hold" nodeType="clickEffect">
-                                  <p:stCondLst>
-                                    <p:cond delay="0"/>
-                                  </p:stCondLst>
-                                  <p:childTnLst>
-                                    <p:set>
-                                      <p:cBhvr>
-                                        <p:cTn id="38" dur="1" fill="hold">
-                                          <p:stCondLst>
-                                            <p:cond delay="0"/>
-                                          </p:stCondLst>
-                                        </p:cTn>
-                                        <p:tgtEl>
-                                          <p:spTgt spid="16386">
-                                            <p:txEl>
-                                              <p:pRg st="9" end="9"/>
-                                            </p:txEl>
-                                          </p:spTgt>
-                                        </p:tgtEl>
-                                        <p:attrNameLst>
-                                          <p:attrName>style.visibility</p:attrName>
-                                        </p:attrNameLst>
-                                      </p:cBhvr>
-                                      <p:to>
-                                        <p:strVal val="visible"/>
-                                      </p:to>
-                                    </p:set>
-                                  </p:childTnLst>
-                                </p:cTn>
-                              </p:par>
-                            </p:childTnLst>
-                          </p:cTn>
-                        </p:par>
-                      </p:childTnLst>
-                    </p:cTn>
-                  </p:par>
-                  <p:par>
-                    <p:cTn id="39" fill="hold" nodeType="clickPar">
-                      <p:stCondLst>
-                        <p:cond delay="indefinite"/>
-                      </p:stCondLst>
-                      <p:childTnLst>
-                        <p:par>
-                          <p:cTn id="40" fill="hold" nodeType="withGroup">
-                            <p:stCondLst>
-                              <p:cond delay="0"/>
-                            </p:stCondLst>
-                            <p:childTnLst>
-                              <p:par>
-                                <p:cTn id="41" presetID="1" presetClass="entr" presetSubtype="0" fill="hold" nodeType="clickEffect">
-                                  <p:stCondLst>
-                                    <p:cond delay="0"/>
-                                  </p:stCondLst>
-                                  <p:childTnLst>
-                                    <p:set>
-                                      <p:cBhvr>
-                                        <p:cTn id="42" dur="1" fill="hold">
-                                          <p:stCondLst>
-                                            <p:cond delay="0"/>
-                                          </p:stCondLst>
-                                        </p:cTn>
-                                        <p:tgtEl>
-                                          <p:spTgt spid="16386">
-                                            <p:txEl>
-                                              <p:pRg st="10" end="10"/>
-                                            </p:txEl>
-                                          </p:spTgt>
-                                        </p:tgtEl>
-                                        <p:attrNameLst>
-                                          <p:attrName>style.visibility</p:attrName>
-                                        </p:attrNameLst>
-                                      </p:cBhvr>
-                                      <p:to>
-                                        <p:strVal val="visible"/>
-                                      </p:to>
-                                    </p:set>
-                                  </p:childTnLst>
-                                </p:cTn>
-                              </p:par>
-                            </p:childTnLst>
-                          </p:cTn>
-                        </p:par>
-                      </p:childTnLst>
-                    </p:cTn>
-                  </p:par>
-                  <p:par>
-                    <p:cTn id="43" fill="hold" nodeType="clickPar">
-                      <p:stCondLst>
-                        <p:cond delay="indefinite"/>
-                      </p:stCondLst>
-                      <p:childTnLst>
-                        <p:par>
-                          <p:cTn id="44" fill="hold" nodeType="withGroup">
-                            <p:stCondLst>
-                              <p:cond delay="0"/>
-                            </p:stCondLst>
-                            <p:childTnLst>
-                              <p:par>
-                                <p:cTn id="45" presetID="1" presetClass="entr" presetSubtype="0" fill="hold" nodeType="clickEffect">
-                                  <p:stCondLst>
-                                    <p:cond delay="0"/>
-                                  </p:stCondLst>
-                                  <p:childTnLst>
-                                    <p:set>
-                                      <p:cBhvr>
-                                        <p:cTn id="46" dur="1" fill="hold">
-                                          <p:stCondLst>
-                                            <p:cond delay="0"/>
-                                          </p:stCondLst>
-                                        </p:cTn>
-                                        <p:tgtEl>
-                                          <p:spTgt spid="16386">
-                                            <p:txEl>
-                                              <p:pRg st="11" end="11"/>
+                                              <p:pRg st="4" end="4"/>
                                             </p:txEl>
                                           </p:spTgt>
                                         </p:tgtEl>
@@ -19728,7 +18432,7 @@
 </p:sld>
 </file>
 
-<file path=ppt/slides/slide15.xml><?xml version="1.0" encoding="utf-8"?>
+<file path=ppt/slides/slide14.xml><?xml version="1.0" encoding="utf-8"?>
 <p:sld xmlns:a="http://schemas.openxmlformats.org/drawingml/2006/main" xmlns:r="http://schemas.openxmlformats.org/officeDocument/2006/relationships" xmlns:p="http://schemas.openxmlformats.org/presentationml/2006/main">
   <p:cSld>
     <p:spTree>
@@ -20489,7 +19193,7 @@
 </p:sld>
 </file>
 
-<file path=ppt/slides/slide16.xml><?xml version="1.0" encoding="utf-8"?>
+<file path=ppt/slides/slide15.xml><?xml version="1.0" encoding="utf-8"?>
 <p:sld xmlns:a="http://schemas.openxmlformats.org/drawingml/2006/main" xmlns:r="http://schemas.openxmlformats.org/officeDocument/2006/relationships" xmlns:p="http://schemas.openxmlformats.org/presentationml/2006/main">
   <p:cSld>
     <p:spTree>
@@ -20575,7 +19279,7 @@
               <a:buNone/>
             </a:pPr>
             <a:r>
-              <a:rPr lang="en-US" altLang="en-US" sz="1800" b="1" dirty="0">
+              <a:rPr lang="en-US" altLang="en-US" sz="2000" b="1" dirty="0">
                 <a:latin typeface="Tahoma" panose="020B0604030504040204" pitchFamily="34" charset="0"/>
                 <a:ea typeface="Tahoma" panose="020B0604030504040204" pitchFamily="34" charset="0"/>
                 <a:cs typeface="Tahoma" panose="020B0604030504040204" pitchFamily="34" charset="0"/>
@@ -20583,7 +19287,7 @@
               <a:t>Personally identifiable information </a:t>
             </a:r>
             <a:r>
-              <a:rPr lang="en-US" altLang="en-US" sz="1800" dirty="0">
+              <a:rPr lang="en-US" altLang="en-US" sz="2000" dirty="0">
                 <a:latin typeface="Tahoma" panose="020B0604030504040204" pitchFamily="34" charset="0"/>
                 <a:ea typeface="Tahoma" panose="020B0604030504040204" pitchFamily="34" charset="0"/>
                 <a:cs typeface="Tahoma" panose="020B0604030504040204" pitchFamily="34" charset="0"/>
@@ -20595,7 +19299,7 @@
             <a:pPr marL="0" indent="0">
               <a:buNone/>
             </a:pPr>
-            <a:endParaRPr lang="en-US" altLang="en-US" sz="1800" dirty="0">
+            <a:endParaRPr lang="en-US" altLang="en-US" sz="2000" dirty="0">
               <a:latin typeface="Tahoma" panose="020B0604030504040204" pitchFamily="34" charset="0"/>
               <a:ea typeface="Tahoma" panose="020B0604030504040204" pitchFamily="34" charset="0"/>
               <a:cs typeface="Tahoma" panose="020B0604030504040204" pitchFamily="34" charset="0"/>
@@ -20606,7 +19310,7 @@
               <a:buNone/>
             </a:pPr>
             <a:r>
-              <a:rPr lang="en-US" altLang="en-US" sz="1800" dirty="0">
+              <a:rPr lang="en-US" altLang="en-US" sz="2000" dirty="0">
                 <a:latin typeface="Tahoma" panose="020B0604030504040204" pitchFamily="34" charset="0"/>
                 <a:ea typeface="Tahoma" panose="020B0604030504040204" pitchFamily="34" charset="0"/>
                 <a:cs typeface="Tahoma" panose="020B0604030504040204" pitchFamily="34" charset="0"/>
@@ -20618,7 +19322,7 @@
             <a:pPr marL="0" indent="0">
               <a:buNone/>
             </a:pPr>
-            <a:endParaRPr lang="en-US" altLang="en-US" sz="1800" dirty="0">
+            <a:endParaRPr lang="en-US" altLang="en-US" sz="2000" dirty="0">
               <a:latin typeface="Tahoma" panose="020B0604030504040204" pitchFamily="34" charset="0"/>
               <a:ea typeface="Tahoma" panose="020B0604030504040204" pitchFamily="34" charset="0"/>
               <a:cs typeface="Tahoma" panose="020B0604030504040204" pitchFamily="34" charset="0"/>
@@ -20629,7 +19333,7 @@
               <a:buNone/>
             </a:pPr>
             <a:r>
-              <a:rPr lang="en-US" altLang="en-US" sz="1800" dirty="0">
+              <a:rPr lang="en-US" altLang="en-US" sz="2000" dirty="0">
                 <a:latin typeface="Tahoma" panose="020B0604030504040204" pitchFamily="34" charset="0"/>
                 <a:ea typeface="Tahoma" panose="020B0604030504040204" pitchFamily="34" charset="0"/>
                 <a:cs typeface="Tahoma" panose="020B0604030504040204" pitchFamily="34" charset="0"/>
@@ -20641,7 +19345,7 @@
             <a:pPr marL="0" indent="0">
               <a:buNone/>
             </a:pPr>
-            <a:endParaRPr lang="en-US" altLang="en-US" sz="1800" dirty="0">
+            <a:endParaRPr lang="en-US" altLang="en-US" sz="2000" dirty="0">
               <a:latin typeface="Tahoma" panose="020B0604030504040204" pitchFamily="34" charset="0"/>
               <a:ea typeface="Tahoma" panose="020B0604030504040204" pitchFamily="34" charset="0"/>
               <a:cs typeface="Tahoma" panose="020B0604030504040204" pitchFamily="34" charset="0"/>
@@ -20651,7 +19355,20 @@
             <a:pPr marL="0" indent="0">
               <a:buNone/>
             </a:pPr>
-            <a:endParaRPr lang="en-US" altLang="en-US" sz="1800" dirty="0">
+            <a:r>
+              <a:rPr lang="en-US" sz="2000" dirty="0">
+                <a:latin typeface="Tahoma" panose="020B0604030504040204" pitchFamily="34" charset="0"/>
+                <a:ea typeface="Tahoma" panose="020B0604030504040204" pitchFamily="34" charset="0"/>
+                <a:cs typeface="Tahoma" panose="020B0604030504040204" pitchFamily="34" charset="0"/>
+              </a:rPr>
+              <a:t>Once information is placed online, it is difficult to delete. </a:t>
+            </a:r>
+          </a:p>
+          <a:p>
+            <a:pPr marL="0" indent="0">
+              <a:buNone/>
+            </a:pPr>
+            <a:endParaRPr lang="en-US" altLang="en-US" sz="2000" dirty="0">
               <a:latin typeface="Tahoma" panose="020B0604030504040204" pitchFamily="34" charset="0"/>
               <a:ea typeface="Tahoma" panose="020B0604030504040204" pitchFamily="34" charset="0"/>
               <a:cs typeface="Tahoma" panose="020B0604030504040204" pitchFamily="34" charset="0"/>
@@ -20661,7 +19378,7 @@
             <a:pPr marL="0" indent="0" eaLnBrk="1" hangingPunct="1">
               <a:buNone/>
             </a:pPr>
-            <a:endParaRPr lang="en-US" altLang="en-US" sz="1800" dirty="0">
+            <a:endParaRPr lang="en-US" altLang="en-US" sz="2000" dirty="0">
               <a:latin typeface="Tahoma" panose="020B0604030504040204" pitchFamily="34" charset="0"/>
               <a:ea typeface="Tahoma" panose="020B0604030504040204" pitchFamily="34" charset="0"/>
               <a:cs typeface="Tahoma" panose="020B0604030504040204" pitchFamily="34" charset="0"/>
@@ -20835,465 +19552,14 @@
                       </p:childTnLst>
                     </p:cTn>
                   </p:par>
-                </p:childTnLst>
-              </p:cTn>
-              <p:prevCondLst>
-                <p:cond evt="onPrev" delay="0">
-                  <p:tgtEl>
-                    <p:sldTgt/>
-                  </p:tgtEl>
-                </p:cond>
-              </p:prevCondLst>
-              <p:nextCondLst>
-                <p:cond evt="onNext" delay="0">
-                  <p:tgtEl>
-                    <p:sldTgt/>
-                  </p:tgtEl>
-                </p:cond>
-              </p:nextCondLst>
-            </p:seq>
-          </p:childTnLst>
-        </p:cTn>
-      </p:par>
-    </p:tnLst>
-  </p:timing>
-</p:sld>
-</file>
-
-<file path=ppt/slides/slide17.xml><?xml version="1.0" encoding="utf-8"?>
-<p:sld xmlns:a="http://schemas.openxmlformats.org/drawingml/2006/main" xmlns:r="http://schemas.openxmlformats.org/officeDocument/2006/relationships" xmlns:p="http://schemas.openxmlformats.org/presentationml/2006/main">
-  <p:cSld>
-    <p:spTree>
-      <p:nvGrpSpPr>
-        <p:cNvPr id="1" name=""/>
-        <p:cNvGrpSpPr/>
-        <p:nvPr/>
-      </p:nvGrpSpPr>
-      <p:grpSpPr>
-        <a:xfrm>
-          <a:off x="0" y="0"/>
-          <a:ext cx="0" cy="0"/>
-          <a:chOff x="0" y="0"/>
-          <a:chExt cx="0" cy="0"/>
-        </a:xfrm>
-      </p:grpSpPr>
-      <p:sp>
-        <p:nvSpPr>
-          <p:cNvPr id="16385" name="Rectangle 2">
-            <a:extLst>
-              <a:ext uri="{FF2B5EF4-FFF2-40B4-BE49-F238E27FC236}">
-                <a16:creationId xmlns:a16="http://schemas.microsoft.com/office/drawing/2014/main" id="{9A44BD0D-F414-7242-90F3-86FD400BED40}"/>
-              </a:ext>
-            </a:extLst>
-          </p:cNvPr>
-          <p:cNvSpPr>
-            <a:spLocks noGrp="1" noChangeArrowheads="1"/>
-          </p:cNvSpPr>
-          <p:nvPr>
-            <p:ph type="title"/>
-          </p:nvPr>
-        </p:nvSpPr>
-        <p:spPr>
-          <a:xfrm>
-            <a:off x="0" y="127000"/>
-            <a:ext cx="7886700" cy="1104636"/>
-          </a:xfrm>
-        </p:spPr>
-        <p:txBody>
-          <a:bodyPr/>
-          <a:lstStyle/>
-          <a:p>
-            <a:pPr eaLnBrk="1" hangingPunct="1"/>
-            <a:r>
-              <a:rPr lang="en-US" altLang="en-US" dirty="0">
-                <a:latin typeface="Tahoma" panose="020B0604030504040204" pitchFamily="34" charset="0"/>
-                <a:ea typeface="ＭＳ Ｐゴシック" panose="020B0600070205080204" pitchFamily="34" charset="-128"/>
-              </a:rPr>
-              <a:t>Cybersecurity</a:t>
-            </a:r>
-          </a:p>
-        </p:txBody>
-      </p:sp>
-      <p:sp>
-        <p:nvSpPr>
-          <p:cNvPr id="16386" name="Rectangle 3">
-            <a:extLst>
-              <a:ext uri="{FF2B5EF4-FFF2-40B4-BE49-F238E27FC236}">
-                <a16:creationId xmlns:a16="http://schemas.microsoft.com/office/drawing/2014/main" id="{60062ACF-10D9-6E42-9C85-ED9949A40D46}"/>
-              </a:ext>
-            </a:extLst>
-          </p:cNvPr>
-          <p:cNvSpPr>
-            <a:spLocks noGrp="1" noChangeArrowheads="1"/>
-          </p:cNvSpPr>
-          <p:nvPr>
-            <p:ph type="body" idx="1"/>
-          </p:nvPr>
-        </p:nvSpPr>
-        <p:spPr>
-          <a:xfrm>
-            <a:off x="164387" y="1079500"/>
-            <a:ext cx="8712485" cy="4508500"/>
-          </a:xfrm>
-        </p:spPr>
-        <p:txBody>
-          <a:bodyPr/>
-          <a:lstStyle/>
-          <a:p>
-            <a:pPr marL="0" indent="0" eaLnBrk="1" hangingPunct="1">
-              <a:buNone/>
-            </a:pPr>
-            <a:r>
-              <a:rPr lang="en-US" altLang="en-US" sz="1833" dirty="0">
-                <a:latin typeface="Tahoma" panose="020B0604030504040204" pitchFamily="34" charset="0"/>
-                <a:ea typeface="ＭＳ Ｐゴシック" panose="020B0600070205080204" pitchFamily="34" charset="-128"/>
-              </a:rPr>
-              <a:t>Cybersecurity: set of techniques to protect the </a:t>
-            </a:r>
-            <a:r>
-              <a:rPr lang="en-US" altLang="en-US" sz="1833" b="1" dirty="0">
-                <a:latin typeface="Tahoma" panose="020B0604030504040204" pitchFamily="34" charset="0"/>
-                <a:ea typeface="ＭＳ Ｐゴシック" panose="020B0600070205080204" pitchFamily="34" charset="-128"/>
-              </a:rPr>
-              <a:t>secrecy</a:t>
-            </a:r>
-            <a:r>
-              <a:rPr lang="en-US" altLang="en-US" sz="1833" dirty="0">
-                <a:latin typeface="Tahoma" panose="020B0604030504040204" pitchFamily="34" charset="0"/>
-                <a:ea typeface="ＭＳ Ｐゴシック" panose="020B0600070205080204" pitchFamily="34" charset="-128"/>
-              </a:rPr>
-              <a:t>, </a:t>
-            </a:r>
-            <a:r>
-              <a:rPr lang="en-US" altLang="en-US" sz="1833" b="1" dirty="0">
-                <a:latin typeface="Tahoma" panose="020B0604030504040204" pitchFamily="34" charset="0"/>
-                <a:ea typeface="ＭＳ Ｐゴシック" panose="020B0600070205080204" pitchFamily="34" charset="-128"/>
-              </a:rPr>
-              <a:t>integrity</a:t>
-            </a:r>
-            <a:r>
-              <a:rPr lang="en-US" altLang="en-US" sz="1833" dirty="0">
-                <a:latin typeface="Tahoma" panose="020B0604030504040204" pitchFamily="34" charset="0"/>
-                <a:ea typeface="ＭＳ Ｐゴシック" panose="020B0600070205080204" pitchFamily="34" charset="-128"/>
-              </a:rPr>
-              <a:t> and </a:t>
-            </a:r>
-            <a:r>
-              <a:rPr lang="en-US" altLang="en-US" sz="1833" b="1" dirty="0">
-                <a:latin typeface="Tahoma" panose="020B0604030504040204" pitchFamily="34" charset="0"/>
-                <a:ea typeface="ＭＳ Ｐゴシック" panose="020B0600070205080204" pitchFamily="34" charset="-128"/>
-              </a:rPr>
-              <a:t>availability</a:t>
-            </a:r>
-            <a:r>
-              <a:rPr lang="en-US" altLang="en-US" sz="1833" dirty="0">
-                <a:latin typeface="Tahoma" panose="020B0604030504040204" pitchFamily="34" charset="0"/>
-                <a:ea typeface="ＭＳ Ｐゴシック" panose="020B0600070205080204" pitchFamily="34" charset="-128"/>
-              </a:rPr>
-              <a:t> of computer systems and data against threats.</a:t>
-            </a:r>
-          </a:p>
-          <a:p>
-            <a:pPr marL="0" indent="0" eaLnBrk="1" hangingPunct="1">
-              <a:buNone/>
-            </a:pPr>
-            <a:endParaRPr lang="en-US" altLang="en-US" sz="1833" dirty="0">
-              <a:latin typeface="Tahoma" panose="020B0604030504040204" pitchFamily="34" charset="0"/>
-              <a:ea typeface="ＭＳ Ｐゴシック" panose="020B0600070205080204" pitchFamily="34" charset="-128"/>
-            </a:endParaRPr>
-          </a:p>
-          <a:p>
-            <a:pPr eaLnBrk="1" hangingPunct="1"/>
-            <a:r>
-              <a:rPr lang="en-US" altLang="en-US" sz="1833" dirty="0">
-                <a:latin typeface="Tahoma" panose="020B0604030504040204" pitchFamily="34" charset="0"/>
-                <a:ea typeface="ＭＳ Ｐゴシック" panose="020B0600070205080204" pitchFamily="34" charset="-128"/>
-              </a:rPr>
-              <a:t>Secrecy or confidentiality: only authorized people should be able to access or read specific computer systems and data. </a:t>
-            </a:r>
-          </a:p>
-          <a:p>
-            <a:pPr lvl="1" eaLnBrk="1" hangingPunct="1"/>
-            <a:r>
-              <a:rPr lang="en-US" altLang="en-US" sz="1667" dirty="0">
-                <a:latin typeface="Tahoma" panose="020B0604030504040204" pitchFamily="34" charset="0"/>
-              </a:rPr>
-              <a:t>E.g. data breaches, where hackers reveal credit card information, is an attack on secrecy</a:t>
-            </a:r>
-          </a:p>
-          <a:p>
-            <a:pPr eaLnBrk="1" hangingPunct="1"/>
-            <a:r>
-              <a:rPr lang="en-US" altLang="en-US" sz="2000" dirty="0">
-                <a:latin typeface="Tahoma" panose="020B0604030504040204" pitchFamily="34" charset="0"/>
-                <a:ea typeface="ＭＳ Ｐゴシック" panose="020B0600070205080204" pitchFamily="34" charset="-128"/>
-              </a:rPr>
-              <a:t>Integrity: only authorized people should be able to modify or use systems and data.</a:t>
-            </a:r>
-          </a:p>
-          <a:p>
-            <a:pPr lvl="1" eaLnBrk="1" hangingPunct="1"/>
-            <a:r>
-              <a:rPr lang="en-US" altLang="en-US" sz="1500" dirty="0">
-                <a:latin typeface="Tahoma" panose="020B0604030504040204" pitchFamily="34" charset="0"/>
-              </a:rPr>
-              <a:t>Hackers who learn your email password and then send emails masquerading as you is an attack on integrity. </a:t>
-            </a:r>
-          </a:p>
-          <a:p>
-            <a:pPr eaLnBrk="1" hangingPunct="1"/>
-            <a:r>
-              <a:rPr lang="en-US" altLang="en-US" sz="1833" dirty="0">
-                <a:latin typeface="Tahoma" panose="020B0604030504040204" pitchFamily="34" charset="0"/>
-                <a:ea typeface="ＭＳ Ｐゴシック" panose="020B0600070205080204" pitchFamily="34" charset="-128"/>
-              </a:rPr>
-              <a:t>Availability: authorized people should always have access to their systems and data.</a:t>
-            </a:r>
-          </a:p>
-          <a:p>
-            <a:pPr lvl="1" eaLnBrk="1" hangingPunct="1"/>
-            <a:r>
-              <a:rPr lang="en-US" altLang="en-US" sz="1500" b="1" dirty="0">
-                <a:latin typeface="Tahoma" panose="020B0604030504040204" pitchFamily="34" charset="0"/>
-              </a:rPr>
-              <a:t>Distributed Denial of Service(DDoS)</a:t>
-            </a:r>
-            <a:r>
-              <a:rPr lang="en-US" altLang="en-US" sz="1500" dirty="0">
-                <a:latin typeface="Tahoma" panose="020B0604030504040204" pitchFamily="34" charset="0"/>
-              </a:rPr>
-              <a:t> attacks: Hackers overload a server with fake requests/traffic using compromised computers to render the server slow or </a:t>
-            </a:r>
-            <a:r>
-              <a:rPr lang="en-US" altLang="en-US" sz="1500" dirty="0" err="1">
-                <a:latin typeface="Tahoma" panose="020B0604030504040204" pitchFamily="34" charset="0"/>
-              </a:rPr>
-              <a:t>unaccessible</a:t>
-            </a:r>
-            <a:r>
-              <a:rPr lang="en-US" altLang="en-US" sz="1500" dirty="0">
-                <a:latin typeface="Tahoma" panose="020B0604030504040204" pitchFamily="34" charset="0"/>
-              </a:rPr>
-              <a:t>. This is an attack on the service’s availability. </a:t>
-            </a:r>
-          </a:p>
-          <a:p>
-            <a:pPr lvl="1" eaLnBrk="1" hangingPunct="1">
-              <a:buFontTx/>
-              <a:buNone/>
-            </a:pPr>
-            <a:endParaRPr lang="en-US" altLang="en-US" sz="1833" dirty="0">
-              <a:latin typeface="Tahoma" panose="020B0604030504040204" pitchFamily="34" charset="0"/>
-            </a:endParaRPr>
-          </a:p>
-          <a:p>
-            <a:pPr lvl="1" eaLnBrk="1" hangingPunct="1"/>
-            <a:endParaRPr lang="en-US" altLang="en-US" sz="1833" dirty="0">
-              <a:latin typeface="Tahoma" panose="020B0604030504040204" pitchFamily="34" charset="0"/>
-            </a:endParaRPr>
-          </a:p>
-          <a:p>
-            <a:pPr eaLnBrk="1" hangingPunct="1">
-              <a:buFontTx/>
-              <a:buNone/>
-            </a:pPr>
-            <a:endParaRPr lang="en-US" altLang="en-US" sz="1833" b="1" dirty="0">
-              <a:solidFill>
-                <a:srgbClr val="008000"/>
-              </a:solidFill>
-              <a:latin typeface="Courier New" panose="02070309020205020404" pitchFamily="49" charset="0"/>
-              <a:ea typeface="ＭＳ Ｐゴシック" panose="020B0600070205080204" pitchFamily="34" charset="-128"/>
-            </a:endParaRPr>
-          </a:p>
-        </p:txBody>
-      </p:sp>
-    </p:spTree>
-    <p:extLst>
-      <p:ext uri="{BB962C8B-B14F-4D97-AF65-F5344CB8AC3E}">
-        <p14:creationId xmlns:p14="http://schemas.microsoft.com/office/powerpoint/2010/main" val="2588250059"/>
-      </p:ext>
-    </p:extLst>
-  </p:cSld>
-  <p:clrMapOvr>
-    <a:masterClrMapping/>
-  </p:clrMapOvr>
-  <p:transition/>
-  <p:timing>
-    <p:tnLst>
-      <p:par>
-        <p:cTn id="1" dur="indefinite" restart="never" nodeType="tmRoot">
-          <p:childTnLst>
-            <p:seq concurrent="1" nextAc="seek">
-              <p:cTn id="2" dur="indefinite" nodeType="mainSeq">
-                <p:childTnLst>
                   <p:par>
-                    <p:cTn id="3" fill="hold" nodeType="clickPar">
+                    <p:cTn id="15" fill="hold">
                       <p:stCondLst>
                         <p:cond delay="indefinite"/>
                       </p:stCondLst>
                       <p:childTnLst>
                         <p:par>
-                          <p:cTn id="4" fill="hold" nodeType="withGroup">
-                            <p:stCondLst>
-                              <p:cond delay="0"/>
-                            </p:stCondLst>
-                            <p:childTnLst>
-                              <p:par>
-                                <p:cTn id="5" presetID="1" presetClass="entr" presetSubtype="0" fill="hold" nodeType="clickEffect">
-                                  <p:stCondLst>
-                                    <p:cond delay="0"/>
-                                  </p:stCondLst>
-                                  <p:childTnLst>
-                                    <p:set>
-                                      <p:cBhvr>
-                                        <p:cTn id="6" dur="1" fill="hold">
-                                          <p:stCondLst>
-                                            <p:cond delay="0"/>
-                                          </p:stCondLst>
-                                        </p:cTn>
-                                        <p:tgtEl>
-                                          <p:spTgt spid="16386">
-                                            <p:txEl>
-                                              <p:pRg st="2" end="2"/>
-                                            </p:txEl>
-                                          </p:spTgt>
-                                        </p:tgtEl>
-                                        <p:attrNameLst>
-                                          <p:attrName>style.visibility</p:attrName>
-                                        </p:attrNameLst>
-                                      </p:cBhvr>
-                                      <p:to>
-                                        <p:strVal val="visible"/>
-                                      </p:to>
-                                    </p:set>
-                                  </p:childTnLst>
-                                </p:cTn>
-                              </p:par>
-                              <p:par>
-                                <p:cTn id="7" presetID="1" presetClass="entr" presetSubtype="0" fill="hold" nodeType="withEffect">
-                                  <p:stCondLst>
-                                    <p:cond delay="0"/>
-                                  </p:stCondLst>
-                                  <p:childTnLst>
-                                    <p:set>
-                                      <p:cBhvr>
-                                        <p:cTn id="8" dur="1" fill="hold">
-                                          <p:stCondLst>
-                                            <p:cond delay="0"/>
-                                          </p:stCondLst>
-                                        </p:cTn>
-                                        <p:tgtEl>
-                                          <p:spTgt spid="16386">
-                                            <p:txEl>
-                                              <p:pRg st="3" end="3"/>
-                                            </p:txEl>
-                                          </p:spTgt>
-                                        </p:tgtEl>
-                                        <p:attrNameLst>
-                                          <p:attrName>style.visibility</p:attrName>
-                                        </p:attrNameLst>
-                                      </p:cBhvr>
-                                      <p:to>
-                                        <p:strVal val="visible"/>
-                                      </p:to>
-                                    </p:set>
-                                  </p:childTnLst>
-                                </p:cTn>
-                              </p:par>
-                            </p:childTnLst>
-                          </p:cTn>
-                        </p:par>
-                      </p:childTnLst>
-                    </p:cTn>
-                  </p:par>
-                  <p:par>
-                    <p:cTn id="9" fill="hold" nodeType="clickPar">
-                      <p:stCondLst>
-                        <p:cond delay="indefinite"/>
-                      </p:stCondLst>
-                      <p:childTnLst>
-                        <p:par>
-                          <p:cTn id="10" fill="hold" nodeType="withGroup">
-                            <p:stCondLst>
-                              <p:cond delay="0"/>
-                            </p:stCondLst>
-                            <p:childTnLst>
-                              <p:par>
-                                <p:cTn id="11" presetID="1" presetClass="entr" presetSubtype="0" fill="hold" nodeType="clickEffect">
-                                  <p:stCondLst>
-                                    <p:cond delay="0"/>
-                                  </p:stCondLst>
-                                  <p:childTnLst>
-                                    <p:set>
-                                      <p:cBhvr>
-                                        <p:cTn id="12" dur="1" fill="hold">
-                                          <p:stCondLst>
-                                            <p:cond delay="0"/>
-                                          </p:stCondLst>
-                                        </p:cTn>
-                                        <p:tgtEl>
-                                          <p:spTgt spid="16386">
-                                            <p:txEl>
-                                              <p:pRg st="4" end="4"/>
-                                            </p:txEl>
-                                          </p:spTgt>
-                                        </p:tgtEl>
-                                        <p:attrNameLst>
-                                          <p:attrName>style.visibility</p:attrName>
-                                        </p:attrNameLst>
-                                      </p:cBhvr>
-                                      <p:to>
-                                        <p:strVal val="visible"/>
-                                      </p:to>
-                                    </p:set>
-                                  </p:childTnLst>
-                                </p:cTn>
-                              </p:par>
-                              <p:par>
-                                <p:cTn id="13" presetID="1" presetClass="entr" presetSubtype="0" fill="hold" nodeType="withEffect">
-                                  <p:stCondLst>
-                                    <p:cond delay="0"/>
-                                  </p:stCondLst>
-                                  <p:childTnLst>
-                                    <p:set>
-                                      <p:cBhvr>
-                                        <p:cTn id="14" dur="1" fill="hold">
-                                          <p:stCondLst>
-                                            <p:cond delay="0"/>
-                                          </p:stCondLst>
-                                        </p:cTn>
-                                        <p:tgtEl>
-                                          <p:spTgt spid="16386">
-                                            <p:txEl>
-                                              <p:pRg st="5" end="5"/>
-                                            </p:txEl>
-                                          </p:spTgt>
-                                        </p:tgtEl>
-                                        <p:attrNameLst>
-                                          <p:attrName>style.visibility</p:attrName>
-                                        </p:attrNameLst>
-                                      </p:cBhvr>
-                                      <p:to>
-                                        <p:strVal val="visible"/>
-                                      </p:to>
-                                    </p:set>
-                                  </p:childTnLst>
-                                </p:cTn>
-                              </p:par>
-                            </p:childTnLst>
-                          </p:cTn>
-                        </p:par>
-                      </p:childTnLst>
-                    </p:cTn>
-                  </p:par>
-                  <p:par>
-                    <p:cTn id="15" fill="hold" nodeType="clickPar">
-                      <p:stCondLst>
-                        <p:cond delay="indefinite"/>
-                      </p:stCondLst>
-                      <p:childTnLst>
-                        <p:par>
-                          <p:cTn id="16" fill="hold" nodeType="withGroup">
+                          <p:cTn id="16" fill="hold">
                             <p:stCondLst>
                               <p:cond delay="0"/>
                             </p:stCondLst>
@@ -21315,37 +19581,6 @@
                                           <p:spTgt spid="16386">
                                             <p:txEl>
                                               <p:pRg st="6" end="6"/>
-                                            </p:txEl>
-                                          </p:spTgt>
-                                        </p:tgtEl>
-                                        <p:attrNameLst>
-                                          <p:attrName>style.visibility</p:attrName>
-                                        </p:attrNameLst>
-                                      </p:cBhvr>
-                                      <p:to>
-                                        <p:strVal val="visible"/>
-                                      </p:to>
-                                    </p:set>
-                                  </p:childTnLst>
-                                </p:cTn>
-                              </p:par>
-                              <p:par>
-                                <p:cTn id="19" presetID="1" presetClass="entr" presetSubtype="0" fill="hold" nodeType="withEffect">
-                                  <p:stCondLst>
-                                    <p:cond delay="0"/>
-                                  </p:stCondLst>
-                                  <p:childTnLst>
-                                    <p:set>
-                                      <p:cBhvr>
-                                        <p:cTn id="20" dur="1" fill="hold">
-                                          <p:stCondLst>
-                                            <p:cond delay="0"/>
-                                          </p:stCondLst>
-                                        </p:cTn>
-                                        <p:tgtEl>
-                                          <p:spTgt spid="16386">
-                                            <p:txEl>
-                                              <p:pRg st="7" end="7"/>
                                             </p:txEl>
                                           </p:spTgt>
                                         </p:tgtEl>
@@ -21391,7 +19626,422 @@
 </p:sld>
 </file>
 
-<file path=ppt/slides/slide18.xml><?xml version="1.0" encoding="utf-8"?>
+<file path=ppt/slides/slide16.xml><?xml version="1.0" encoding="utf-8"?>
+<p:sld xmlns:a="http://schemas.openxmlformats.org/drawingml/2006/main" xmlns:r="http://schemas.openxmlformats.org/officeDocument/2006/relationships" xmlns:p="http://schemas.openxmlformats.org/presentationml/2006/main">
+  <p:cSld>
+    <p:spTree>
+      <p:nvGrpSpPr>
+        <p:cNvPr id="1" name=""/>
+        <p:cNvGrpSpPr/>
+        <p:nvPr/>
+      </p:nvGrpSpPr>
+      <p:grpSpPr>
+        <a:xfrm>
+          <a:off x="0" y="0"/>
+          <a:ext cx="0" cy="0"/>
+          <a:chOff x="0" y="0"/>
+          <a:chExt cx="0" cy="0"/>
+        </a:xfrm>
+      </p:grpSpPr>
+      <p:sp>
+        <p:nvSpPr>
+          <p:cNvPr id="30721" name="Rectangle 2">
+            <a:extLst>
+              <a:ext uri="{FF2B5EF4-FFF2-40B4-BE49-F238E27FC236}">
+                <a16:creationId xmlns:a16="http://schemas.microsoft.com/office/drawing/2014/main" id="{CABE8826-3A78-A04B-B3F1-70BBDCFEB024}"/>
+              </a:ext>
+            </a:extLst>
+          </p:cNvPr>
+          <p:cNvSpPr>
+            <a:spLocks noGrp="1" noChangeArrowheads="1"/>
+          </p:cNvSpPr>
+          <p:nvPr>
+            <p:ph type="title"/>
+          </p:nvPr>
+        </p:nvSpPr>
+        <p:spPr>
+          <a:xfrm>
+            <a:off x="113015" y="127000"/>
+            <a:ext cx="7796159" cy="609945"/>
+          </a:xfrm>
+        </p:spPr>
+        <p:txBody>
+          <a:bodyPr/>
+          <a:lstStyle/>
+          <a:p>
+            <a:pPr eaLnBrk="1" hangingPunct="1"/>
+            <a:r>
+              <a:rPr lang="en-US" altLang="en-US" dirty="0">
+                <a:latin typeface="Tahoma" panose="020B0604030504040204" pitchFamily="34" charset="0"/>
+                <a:ea typeface="ＭＳ Ｐゴシック" panose="020B0600070205080204" pitchFamily="34" charset="-128"/>
+              </a:rPr>
+              <a:t>Safe Computing</a:t>
+            </a:r>
+          </a:p>
+        </p:txBody>
+      </p:sp>
+      <p:sp>
+        <p:nvSpPr>
+          <p:cNvPr id="16386" name="Rectangle 3">
+            <a:extLst>
+              <a:ext uri="{FF2B5EF4-FFF2-40B4-BE49-F238E27FC236}">
+                <a16:creationId xmlns:a16="http://schemas.microsoft.com/office/drawing/2014/main" id="{37FDCEEA-1952-6C42-8C6C-2F8F8FE3796F}"/>
+              </a:ext>
+            </a:extLst>
+          </p:cNvPr>
+          <p:cNvSpPr>
+            <a:spLocks noGrp="1" noChangeArrowheads="1"/>
+          </p:cNvSpPr>
+          <p:nvPr>
+            <p:ph type="body" idx="1"/>
+          </p:nvPr>
+        </p:nvSpPr>
+        <p:spPr>
+          <a:xfrm>
+            <a:off x="0" y="736945"/>
+            <a:ext cx="9246742" cy="4851055"/>
+          </a:xfrm>
+        </p:spPr>
+        <p:txBody>
+          <a:bodyPr>
+            <a:noAutofit/>
+          </a:bodyPr>
+          <a:lstStyle/>
+          <a:p>
+            <a:pPr marL="0" indent="0">
+              <a:buNone/>
+            </a:pPr>
+            <a:r>
+              <a:rPr lang="en-US" sz="1900" dirty="0">
+                <a:latin typeface="Tahoma" panose="020B0604030504040204" pitchFamily="34" charset="0"/>
+                <a:ea typeface="Tahoma" panose="020B0604030504040204" pitchFamily="34" charset="0"/>
+                <a:cs typeface="Tahoma" panose="020B0604030504040204" pitchFamily="34" charset="0"/>
+              </a:rPr>
+              <a:t>Search engines can record and maintain a history of searches made by users. Search engines can use search history to suggest websites or for targeted marketing. </a:t>
+            </a:r>
+          </a:p>
+          <a:p>
+            <a:pPr marL="0" indent="0" eaLnBrk="1" hangingPunct="1">
+              <a:buNone/>
+            </a:pPr>
+            <a:endParaRPr lang="en-US" altLang="en-US" sz="1900" dirty="0">
+              <a:latin typeface="Tahoma" panose="020B0604030504040204" pitchFamily="34" charset="0"/>
+              <a:ea typeface="Tahoma" panose="020B0604030504040204" pitchFamily="34" charset="0"/>
+              <a:cs typeface="Tahoma" panose="020B0604030504040204" pitchFamily="34" charset="0"/>
+            </a:endParaRPr>
+          </a:p>
+          <a:p>
+            <a:pPr marL="0" indent="0">
+              <a:buNone/>
+            </a:pPr>
+            <a:r>
+              <a:rPr lang="en-US" sz="1900" dirty="0">
+                <a:latin typeface="Tahoma" panose="020B0604030504040204" pitchFamily="34" charset="0"/>
+                <a:ea typeface="Tahoma" panose="020B0604030504040204" pitchFamily="34" charset="0"/>
+                <a:cs typeface="Tahoma" panose="020B0604030504040204" pitchFamily="34" charset="0"/>
+              </a:rPr>
+              <a:t>Websites can record and maintain a history of individuals who have viewed their pages. Devices, websites, and networks can collect information about where you have been, how you got there, and how long you were at a given location. </a:t>
+            </a:r>
+          </a:p>
+          <a:p>
+            <a:pPr marL="0" indent="0">
+              <a:buNone/>
+            </a:pPr>
+            <a:endParaRPr lang="en-US" sz="1900" dirty="0">
+              <a:latin typeface="Tahoma" panose="020B0604030504040204" pitchFamily="34" charset="0"/>
+              <a:ea typeface="Tahoma" panose="020B0604030504040204" pitchFamily="34" charset="0"/>
+              <a:cs typeface="Tahoma" panose="020B0604030504040204" pitchFamily="34" charset="0"/>
+            </a:endParaRPr>
+          </a:p>
+          <a:p>
+            <a:pPr marL="0" indent="0">
+              <a:buNone/>
+            </a:pPr>
+            <a:r>
+              <a:rPr lang="en-US" sz="1900" dirty="0">
+                <a:latin typeface="Tahoma" panose="020B0604030504040204" pitchFamily="34" charset="0"/>
+                <a:ea typeface="Tahoma" panose="020B0604030504040204" pitchFamily="34" charset="0"/>
+                <a:cs typeface="Tahoma" panose="020B0604030504040204" pitchFamily="34" charset="0"/>
+              </a:rPr>
+              <a:t>Information posted to social media services can be used by others. Combining information posted on social media and other sources can be used to deduce private information about you. </a:t>
+            </a:r>
+          </a:p>
+          <a:p>
+            <a:pPr marL="0" indent="0">
+              <a:buNone/>
+            </a:pPr>
+            <a:endParaRPr lang="en-US" sz="1900" dirty="0">
+              <a:latin typeface="Tahoma" panose="020B0604030504040204" pitchFamily="34" charset="0"/>
+              <a:ea typeface="Tahoma" panose="020B0604030504040204" pitchFamily="34" charset="0"/>
+              <a:cs typeface="Tahoma" panose="020B0604030504040204" pitchFamily="34" charset="0"/>
+            </a:endParaRPr>
+          </a:p>
+          <a:p>
+            <a:pPr marL="0" indent="0">
+              <a:buNone/>
+            </a:pPr>
+            <a:r>
+              <a:rPr lang="en-US" sz="1900" dirty="0">
+                <a:latin typeface="Tahoma" panose="020B0604030504040204" pitchFamily="34" charset="0"/>
+                <a:ea typeface="Tahoma" panose="020B0604030504040204" pitchFamily="34" charset="0"/>
+                <a:cs typeface="Tahoma" panose="020B0604030504040204" pitchFamily="34" charset="0"/>
+              </a:rPr>
+              <a:t>Technology enables the collection, use, and exploitation of information about, by, and for individuals, groups, and institutions. Disparate personal data, such as geolocation, cookies, and browsing history, can be aggregated to create knowledge about an individual. </a:t>
+            </a:r>
+          </a:p>
+          <a:p>
+            <a:pPr marL="0" indent="0" eaLnBrk="1" hangingPunct="1">
+              <a:buNone/>
+            </a:pPr>
+            <a:endParaRPr lang="en-US" altLang="en-US" sz="1900" dirty="0">
+              <a:latin typeface="Tahoma" panose="020B0604030504040204" pitchFamily="34" charset="0"/>
+              <a:ea typeface="Tahoma" panose="020B0604030504040204" pitchFamily="34" charset="0"/>
+              <a:cs typeface="Tahoma" panose="020B0604030504040204" pitchFamily="34" charset="0"/>
+            </a:endParaRPr>
+          </a:p>
+        </p:txBody>
+      </p:sp>
+    </p:spTree>
+    <p:extLst>
+      <p:ext uri="{BB962C8B-B14F-4D97-AF65-F5344CB8AC3E}">
+        <p14:creationId xmlns:p14="http://schemas.microsoft.com/office/powerpoint/2010/main" val="2104582088"/>
+      </p:ext>
+    </p:extLst>
+  </p:cSld>
+  <p:clrMapOvr>
+    <a:masterClrMapping/>
+  </p:clrMapOvr>
+  <p:transition/>
+  <p:timing>
+    <p:tnLst>
+      <p:par>
+        <p:cTn id="1" dur="indefinite" restart="never" nodeType="tmRoot">
+          <p:childTnLst>
+            <p:seq concurrent="1" nextAc="seek">
+              <p:cTn id="2" dur="indefinite" nodeType="mainSeq">
+                <p:childTnLst>
+                  <p:par>
+                    <p:cTn id="3" fill="hold" nodeType="clickPar">
+                      <p:stCondLst>
+                        <p:cond delay="indefinite"/>
+                      </p:stCondLst>
+                      <p:childTnLst>
+                        <p:par>
+                          <p:cTn id="4" fill="hold" nodeType="withGroup">
+                            <p:stCondLst>
+                              <p:cond delay="0"/>
+                            </p:stCondLst>
+                            <p:childTnLst>
+                              <p:par>
+                                <p:cTn id="5" presetID="1" presetClass="entr" presetSubtype="0" fill="hold" nodeType="clickEffect">
+                                  <p:stCondLst>
+                                    <p:cond delay="0"/>
+                                  </p:stCondLst>
+                                  <p:childTnLst>
+                                    <p:set>
+                                      <p:cBhvr>
+                                        <p:cTn id="6" dur="1" fill="hold">
+                                          <p:stCondLst>
+                                            <p:cond delay="0"/>
+                                          </p:stCondLst>
+                                        </p:cTn>
+                                        <p:tgtEl>
+                                          <p:spTgt spid="16386">
+                                            <p:txEl>
+                                              <p:pRg st="0" end="0"/>
+                                            </p:txEl>
+                                          </p:spTgt>
+                                        </p:tgtEl>
+                                        <p:attrNameLst>
+                                          <p:attrName>style.visibility</p:attrName>
+                                        </p:attrNameLst>
+                                      </p:cBhvr>
+                                      <p:to>
+                                        <p:strVal val="visible"/>
+                                      </p:to>
+                                    </p:set>
+                                  </p:childTnLst>
+                                </p:cTn>
+                              </p:par>
+                            </p:childTnLst>
+                          </p:cTn>
+                        </p:par>
+                      </p:childTnLst>
+                    </p:cTn>
+                  </p:par>
+                  <p:par>
+                    <p:cTn id="7" fill="hold">
+                      <p:stCondLst>
+                        <p:cond delay="indefinite"/>
+                      </p:stCondLst>
+                      <p:childTnLst>
+                        <p:par>
+                          <p:cTn id="8" fill="hold">
+                            <p:stCondLst>
+                              <p:cond delay="0"/>
+                            </p:stCondLst>
+                            <p:childTnLst>
+                              <p:par>
+                                <p:cTn id="9" presetID="1" presetClass="entr" presetSubtype="0" fill="hold" nodeType="clickEffect">
+                                  <p:stCondLst>
+                                    <p:cond delay="0"/>
+                                  </p:stCondLst>
+                                  <p:childTnLst>
+                                    <p:set>
+                                      <p:cBhvr>
+                                        <p:cTn id="10" dur="1" fill="hold">
+                                          <p:stCondLst>
+                                            <p:cond delay="0"/>
+                                          </p:stCondLst>
+                                        </p:cTn>
+                                        <p:tgtEl>
+                                          <p:spTgt spid="16386">
+                                            <p:txEl>
+                                              <p:pRg st="2" end="2"/>
+                                            </p:txEl>
+                                          </p:spTgt>
+                                        </p:tgtEl>
+                                        <p:attrNameLst>
+                                          <p:attrName>style.visibility</p:attrName>
+                                        </p:attrNameLst>
+                                      </p:cBhvr>
+                                      <p:to>
+                                        <p:strVal val="visible"/>
+                                      </p:to>
+                                    </p:set>
+                                  </p:childTnLst>
+                                </p:cTn>
+                              </p:par>
+                            </p:childTnLst>
+                          </p:cTn>
+                        </p:par>
+                      </p:childTnLst>
+                    </p:cTn>
+                  </p:par>
+                  <p:par>
+                    <p:cTn id="11" fill="hold">
+                      <p:stCondLst>
+                        <p:cond delay="indefinite"/>
+                      </p:stCondLst>
+                      <p:childTnLst>
+                        <p:par>
+                          <p:cTn id="12" fill="hold">
+                            <p:stCondLst>
+                              <p:cond delay="0"/>
+                            </p:stCondLst>
+                            <p:childTnLst>
+                              <p:par>
+                                <p:cTn id="13" presetID="1" presetClass="entr" presetSubtype="0" fill="hold" nodeType="clickEffect">
+                                  <p:stCondLst>
+                                    <p:cond delay="0"/>
+                                  </p:stCondLst>
+                                  <p:childTnLst>
+                                    <p:set>
+                                      <p:cBhvr>
+                                        <p:cTn id="14" dur="1" fill="hold">
+                                          <p:stCondLst>
+                                            <p:cond delay="0"/>
+                                          </p:stCondLst>
+                                        </p:cTn>
+                                        <p:tgtEl>
+                                          <p:spTgt spid="16386">
+                                            <p:txEl>
+                                              <p:pRg st="4" end="4"/>
+                                            </p:txEl>
+                                          </p:spTgt>
+                                        </p:tgtEl>
+                                        <p:attrNameLst>
+                                          <p:attrName>style.visibility</p:attrName>
+                                        </p:attrNameLst>
+                                      </p:cBhvr>
+                                      <p:to>
+                                        <p:strVal val="visible"/>
+                                      </p:to>
+                                    </p:set>
+                                  </p:childTnLst>
+                                </p:cTn>
+                              </p:par>
+                            </p:childTnLst>
+                          </p:cTn>
+                        </p:par>
+                      </p:childTnLst>
+                    </p:cTn>
+                  </p:par>
+                  <p:par>
+                    <p:cTn id="15" fill="hold">
+                      <p:stCondLst>
+                        <p:cond delay="indefinite"/>
+                      </p:stCondLst>
+                      <p:childTnLst>
+                        <p:par>
+                          <p:cTn id="16" fill="hold">
+                            <p:stCondLst>
+                              <p:cond delay="0"/>
+                            </p:stCondLst>
+                            <p:childTnLst>
+                              <p:par>
+                                <p:cTn id="17" presetID="1" presetClass="entr" presetSubtype="0" fill="hold" nodeType="clickEffect">
+                                  <p:stCondLst>
+                                    <p:cond delay="0"/>
+                                  </p:stCondLst>
+                                  <p:childTnLst>
+                                    <p:set>
+                                      <p:cBhvr>
+                                        <p:cTn id="18" dur="1" fill="hold">
+                                          <p:stCondLst>
+                                            <p:cond delay="0"/>
+                                          </p:stCondLst>
+                                        </p:cTn>
+                                        <p:tgtEl>
+                                          <p:spTgt spid="16386">
+                                            <p:txEl>
+                                              <p:pRg st="6" end="6"/>
+                                            </p:txEl>
+                                          </p:spTgt>
+                                        </p:tgtEl>
+                                        <p:attrNameLst>
+                                          <p:attrName>style.visibility</p:attrName>
+                                        </p:attrNameLst>
+                                      </p:cBhvr>
+                                      <p:to>
+                                        <p:strVal val="visible"/>
+                                      </p:to>
+                                    </p:set>
+                                  </p:childTnLst>
+                                </p:cTn>
+                              </p:par>
+                            </p:childTnLst>
+                          </p:cTn>
+                        </p:par>
+                      </p:childTnLst>
+                    </p:cTn>
+                  </p:par>
+                </p:childTnLst>
+              </p:cTn>
+              <p:prevCondLst>
+                <p:cond evt="onPrev" delay="0">
+                  <p:tgtEl>
+                    <p:sldTgt/>
+                  </p:tgtEl>
+                </p:cond>
+              </p:prevCondLst>
+              <p:nextCondLst>
+                <p:cond evt="onNext" delay="0">
+                  <p:tgtEl>
+                    <p:sldTgt/>
+                  </p:tgtEl>
+                </p:cond>
+              </p:nextCondLst>
+            </p:seq>
+          </p:childTnLst>
+        </p:cTn>
+      </p:par>
+    </p:tnLst>
+  </p:timing>
+</p:sld>
+</file>
+
+<file path=ppt/slides/slide17.xml><?xml version="1.0" encoding="utf-8"?>
 <p:sld xmlns:a="http://schemas.openxmlformats.org/drawingml/2006/main" xmlns:r="http://schemas.openxmlformats.org/officeDocument/2006/relationships" xmlns:p="http://schemas.openxmlformats.org/presentationml/2006/main">
   <p:cSld>
     <p:spTree>
@@ -21468,7 +20118,9 @@
           </a:xfrm>
         </p:spPr>
         <p:txBody>
-          <a:bodyPr/>
+          <a:bodyPr>
+            <a:normAutofit lnSpcReduction="10000"/>
+          </a:bodyPr>
           <a:lstStyle/>
           <a:p>
             <a:pPr marL="0" indent="0" eaLnBrk="1" hangingPunct="1">
@@ -21851,7 +20503,7 @@
 </p:sld>
 </file>
 
-<file path=ppt/slides/slide19.xml><?xml version="1.0" encoding="utf-8"?>
+<file path=ppt/slides/slide18.xml><?xml version="1.0" encoding="utf-8"?>
 <p:sld xmlns:a="http://schemas.openxmlformats.org/drawingml/2006/main" xmlns:r="http://schemas.openxmlformats.org/officeDocument/2006/relationships" xmlns:p="http://schemas.openxmlformats.org/presentationml/2006/main">
   <p:cSld>
     <p:spTree>
@@ -21928,7 +20580,9 @@
           </a:xfrm>
         </p:spPr>
         <p:txBody>
-          <a:bodyPr/>
+          <a:bodyPr>
+            <a:normAutofit fontScale="92500" lnSpcReduction="20000"/>
+          </a:bodyPr>
           <a:lstStyle/>
           <a:p>
             <a:pPr marL="0" indent="0" eaLnBrk="1" hangingPunct="1">
@@ -22353,6 +21007,329 @@
 </p:sld>
 </file>
 
+<file path=ppt/slides/slide19.xml><?xml version="1.0" encoding="utf-8"?>
+<p:sld xmlns:a="http://schemas.openxmlformats.org/drawingml/2006/main" xmlns:r="http://schemas.openxmlformats.org/officeDocument/2006/relationships" xmlns:p="http://schemas.openxmlformats.org/presentationml/2006/main">
+  <p:cSld>
+    <p:spTree>
+      <p:nvGrpSpPr>
+        <p:cNvPr id="1" name=""/>
+        <p:cNvGrpSpPr/>
+        <p:nvPr/>
+      </p:nvGrpSpPr>
+      <p:grpSpPr>
+        <a:xfrm>
+          <a:off x="0" y="0"/>
+          <a:ext cx="0" cy="0"/>
+          <a:chOff x="0" y="0"/>
+          <a:chExt cx="0" cy="0"/>
+        </a:xfrm>
+      </p:grpSpPr>
+      <p:sp>
+        <p:nvSpPr>
+          <p:cNvPr id="22529" name="Rectangle 2">
+            <a:extLst>
+              <a:ext uri="{FF2B5EF4-FFF2-40B4-BE49-F238E27FC236}">
+                <a16:creationId xmlns:a16="http://schemas.microsoft.com/office/drawing/2014/main" id="{AB5898CD-F946-4C42-9C46-A05451CBE2CF}"/>
+              </a:ext>
+            </a:extLst>
+          </p:cNvPr>
+          <p:cNvSpPr>
+            <a:spLocks noGrp="1" noChangeArrowheads="1"/>
+          </p:cNvSpPr>
+          <p:nvPr>
+            <p:ph type="title"/>
+          </p:nvPr>
+        </p:nvSpPr>
+        <p:spPr/>
+        <p:txBody>
+          <a:bodyPr/>
+          <a:lstStyle/>
+          <a:p>
+            <a:pPr eaLnBrk="1" hangingPunct="1"/>
+            <a:r>
+              <a:rPr lang="en-US" altLang="en-US">
+                <a:latin typeface="Tahoma" panose="020B0604030504040204" pitchFamily="34" charset="0"/>
+                <a:ea typeface="ＭＳ Ｐゴシック" panose="020B0600070205080204" pitchFamily="34" charset="-128"/>
+              </a:rPr>
+              <a:t>A Personal Example of Phishing</a:t>
+            </a:r>
+          </a:p>
+        </p:txBody>
+      </p:sp>
+      <p:sp>
+        <p:nvSpPr>
+          <p:cNvPr id="16386" name="Rectangle 3">
+            <a:extLst>
+              <a:ext uri="{FF2B5EF4-FFF2-40B4-BE49-F238E27FC236}">
+                <a16:creationId xmlns:a16="http://schemas.microsoft.com/office/drawing/2014/main" id="{03A0D23C-A18F-DF4A-B9B7-3996FF7B9734}"/>
+              </a:ext>
+            </a:extLst>
+          </p:cNvPr>
+          <p:cNvSpPr>
+            <a:spLocks noGrp="1" noChangeArrowheads="1"/>
+          </p:cNvSpPr>
+          <p:nvPr>
+            <p:ph type="body" idx="1"/>
+          </p:nvPr>
+        </p:nvSpPr>
+        <p:spPr>
+          <a:xfrm>
+            <a:off x="339047" y="1079500"/>
+            <a:ext cx="8609744" cy="4508500"/>
+          </a:xfrm>
+        </p:spPr>
+        <p:txBody>
+          <a:bodyPr/>
+          <a:lstStyle/>
+          <a:p>
+            <a:pPr marL="0" indent="0">
+              <a:buNone/>
+              <a:defRPr/>
+            </a:pPr>
+            <a:r>
+              <a:rPr lang="en-US" sz="2000" dirty="0">
+                <a:latin typeface="Tahoma"/>
+                <a:cs typeface="Tahoma"/>
+              </a:rPr>
+              <a:t>  </a:t>
+            </a:r>
+          </a:p>
+          <a:p>
+            <a:pPr marL="0" indent="0">
+              <a:buNone/>
+              <a:defRPr/>
+            </a:pPr>
+            <a:r>
+              <a:rPr lang="en-US" sz="2000" b="1" dirty="0">
+                <a:latin typeface="Tahoma"/>
+                <a:cs typeface="Tahoma"/>
+              </a:rPr>
+              <a:t>Can you spot indicators that this is a phishing email?</a:t>
+            </a:r>
+          </a:p>
+          <a:p>
+            <a:pPr eaLnBrk="1" hangingPunct="1">
+              <a:defRPr/>
+            </a:pPr>
+            <a:endParaRPr lang="en-US" sz="2000" dirty="0">
+              <a:latin typeface="Tahoma"/>
+              <a:cs typeface="Tahoma"/>
+            </a:endParaRPr>
+          </a:p>
+          <a:p>
+            <a:pPr lvl="1" eaLnBrk="1" hangingPunct="1">
+              <a:defRPr/>
+            </a:pPr>
+            <a:endParaRPr lang="en-US" sz="1667" dirty="0">
+              <a:latin typeface="Tahoma"/>
+              <a:cs typeface="Tahoma"/>
+            </a:endParaRPr>
+          </a:p>
+          <a:p>
+            <a:pPr lvl="1" eaLnBrk="1" hangingPunct="1">
+              <a:defRPr/>
+            </a:pPr>
+            <a:endParaRPr lang="en-US" sz="1667" dirty="0">
+              <a:latin typeface="Tahoma"/>
+              <a:cs typeface="Tahoma"/>
+            </a:endParaRPr>
+          </a:p>
+        </p:txBody>
+      </p:sp>
+      <p:pic>
+        <p:nvPicPr>
+          <p:cNvPr id="22531" name="Picture 2">
+            <a:extLst>
+              <a:ext uri="{FF2B5EF4-FFF2-40B4-BE49-F238E27FC236}">
+                <a16:creationId xmlns:a16="http://schemas.microsoft.com/office/drawing/2014/main" id="{763BAB40-9BBA-4845-AA34-A54BA83C1A75}"/>
+              </a:ext>
+            </a:extLst>
+          </p:cNvPr>
+          <p:cNvPicPr>
+            <a:picLocks noChangeAspect="1"/>
+          </p:cNvPicPr>
+          <p:nvPr/>
+        </p:nvPicPr>
+        <p:blipFill>
+          <a:blip r:embed="rId3">
+            <a:extLst>
+              <a:ext uri="{28A0092B-C50C-407E-A947-70E740481C1C}">
+                <a14:useLocalDpi xmlns:a14="http://schemas.microsoft.com/office/drawing/2010/main" val="0"/>
+              </a:ext>
+            </a:extLst>
+          </a:blip>
+          <a:srcRect/>
+          <a:stretch>
+            <a:fillRect/>
+          </a:stretch>
+        </p:blipFill>
+        <p:spPr bwMode="auto">
+          <a:xfrm>
+            <a:off x="1631157" y="2017449"/>
+            <a:ext cx="5966354" cy="1139031"/>
+          </a:xfrm>
+          <a:prstGeom prst="rect">
+            <a:avLst/>
+          </a:prstGeom>
+          <a:noFill/>
+          <a:ln>
+            <a:noFill/>
+          </a:ln>
+          <a:extLst>
+            <a:ext uri="{909E8E84-426E-40DD-AFC4-6F175D3DCCD1}">
+              <a14:hiddenFill xmlns:a14="http://schemas.microsoft.com/office/drawing/2010/main">
+                <a:solidFill>
+                  <a:srgbClr val="FFFFFF"/>
+                </a:solidFill>
+              </a14:hiddenFill>
+            </a:ext>
+            <a:ext uri="{91240B29-F687-4F45-9708-019B960494DF}">
+              <a14:hiddenLine xmlns:a14="http://schemas.microsoft.com/office/drawing/2010/main" w="9525">
+                <a:solidFill>
+                  <a:srgbClr val="000000"/>
+                </a:solidFill>
+                <a:miter lim="800000"/>
+                <a:headEnd/>
+                <a:tailEnd/>
+              </a14:hiddenLine>
+            </a:ext>
+          </a:extLst>
+        </p:spPr>
+      </p:pic>
+      <p:pic>
+        <p:nvPicPr>
+          <p:cNvPr id="22532" name="Picture 3">
+            <a:extLst>
+              <a:ext uri="{FF2B5EF4-FFF2-40B4-BE49-F238E27FC236}">
+                <a16:creationId xmlns:a16="http://schemas.microsoft.com/office/drawing/2014/main" id="{67AB4033-4DD3-CD4D-AFA9-096A3BC80F8A}"/>
+              </a:ext>
+            </a:extLst>
+          </p:cNvPr>
+          <p:cNvPicPr>
+            <a:picLocks noChangeAspect="1"/>
+          </p:cNvPicPr>
+          <p:nvPr/>
+        </p:nvPicPr>
+        <p:blipFill>
+          <a:blip r:embed="rId4">
+            <a:extLst>
+              <a:ext uri="{28A0092B-C50C-407E-A947-70E740481C1C}">
+                <a14:useLocalDpi xmlns:a14="http://schemas.microsoft.com/office/drawing/2010/main" val="0"/>
+              </a:ext>
+            </a:extLst>
+          </a:blip>
+          <a:srcRect/>
+          <a:stretch>
+            <a:fillRect/>
+          </a:stretch>
+        </p:blipFill>
+        <p:spPr bwMode="auto">
+          <a:xfrm>
+            <a:off x="1271323" y="4958292"/>
+            <a:ext cx="4237302" cy="480219"/>
+          </a:xfrm>
+          <a:prstGeom prst="rect">
+            <a:avLst/>
+          </a:prstGeom>
+          <a:noFill/>
+          <a:ln>
+            <a:noFill/>
+          </a:ln>
+          <a:extLst>
+            <a:ext uri="{909E8E84-426E-40DD-AFC4-6F175D3DCCD1}">
+              <a14:hiddenFill xmlns:a14="http://schemas.microsoft.com/office/drawing/2010/main">
+                <a:solidFill>
+                  <a:srgbClr val="FFFFFF"/>
+                </a:solidFill>
+              </a14:hiddenFill>
+            </a:ext>
+            <a:ext uri="{91240B29-F687-4F45-9708-019B960494DF}">
+              <a14:hiddenLine xmlns:a14="http://schemas.microsoft.com/office/drawing/2010/main" w="9525">
+                <a:solidFill>
+                  <a:srgbClr val="000000"/>
+                </a:solidFill>
+                <a:miter lim="800000"/>
+                <a:headEnd/>
+                <a:tailEnd/>
+              </a14:hiddenLine>
+            </a:ext>
+          </a:extLst>
+        </p:spPr>
+      </p:pic>
+      <p:pic>
+        <p:nvPicPr>
+          <p:cNvPr id="22533" name="Picture 4">
+            <a:extLst>
+              <a:ext uri="{FF2B5EF4-FFF2-40B4-BE49-F238E27FC236}">
+                <a16:creationId xmlns:a16="http://schemas.microsoft.com/office/drawing/2014/main" id="{B41692CC-A977-FB48-9C97-E81FF66A7143}"/>
+              </a:ext>
+            </a:extLst>
+          </p:cNvPr>
+          <p:cNvPicPr>
+            <a:picLocks noChangeAspect="1"/>
+          </p:cNvPicPr>
+          <p:nvPr/>
+        </p:nvPicPr>
+        <p:blipFill>
+          <a:blip r:embed="rId5">
+            <a:extLst>
+              <a:ext uri="{28A0092B-C50C-407E-A947-70E740481C1C}">
+                <a14:useLocalDpi xmlns:a14="http://schemas.microsoft.com/office/drawing/2010/main" val="0"/>
+              </a:ext>
+            </a:extLst>
+          </a:blip>
+          <a:srcRect/>
+          <a:stretch>
+            <a:fillRect/>
+          </a:stretch>
+        </p:blipFill>
+        <p:spPr bwMode="auto">
+          <a:xfrm>
+            <a:off x="1332178" y="3278188"/>
+            <a:ext cx="6731000" cy="1778000"/>
+          </a:xfrm>
+          <a:prstGeom prst="rect">
+            <a:avLst/>
+          </a:prstGeom>
+          <a:noFill/>
+          <a:ln>
+            <a:noFill/>
+          </a:ln>
+          <a:extLst>
+            <a:ext uri="{909E8E84-426E-40DD-AFC4-6F175D3DCCD1}">
+              <a14:hiddenFill xmlns:a14="http://schemas.microsoft.com/office/drawing/2010/main">
+                <a:solidFill>
+                  <a:srgbClr val="FFFFFF"/>
+                </a:solidFill>
+              </a14:hiddenFill>
+            </a:ext>
+            <a:ext uri="{91240B29-F687-4F45-9708-019B960494DF}">
+              <a14:hiddenLine xmlns:a14="http://schemas.microsoft.com/office/drawing/2010/main" w="9525">
+                <a:solidFill>
+                  <a:srgbClr val="000000"/>
+                </a:solidFill>
+                <a:miter lim="800000"/>
+                <a:headEnd/>
+                <a:tailEnd/>
+              </a14:hiddenLine>
+            </a:ext>
+          </a:extLst>
+        </p:spPr>
+      </p:pic>
+    </p:spTree>
+    <p:extLst>
+      <p:ext uri="{BB962C8B-B14F-4D97-AF65-F5344CB8AC3E}">
+        <p14:creationId xmlns:p14="http://schemas.microsoft.com/office/powerpoint/2010/main" val="517847088"/>
+      </p:ext>
+    </p:extLst>
+  </p:cSld>
+  <p:clrMapOvr>
+    <a:masterClrMapping/>
+  </p:clrMapOvr>
+  <p:transition/>
+</p:sld>
+</file>
+
 <file path=ppt/slides/slide2.xml><?xml version="1.0" encoding="utf-8"?>
 <p:sld xmlns:a="http://schemas.openxmlformats.org/drawingml/2006/main" xmlns:r="http://schemas.openxmlformats.org/officeDocument/2006/relationships" xmlns:p="http://schemas.openxmlformats.org/presentationml/2006/main">
   <p:cSld>
@@ -22430,7 +21407,9 @@
           </a:xfrm>
         </p:spPr>
         <p:txBody>
-          <a:bodyPr/>
+          <a:bodyPr>
+            <a:normAutofit lnSpcReduction="10000"/>
+          </a:bodyPr>
           <a:lstStyle/>
           <a:p>
             <a:pPr marL="0" indent="0">
@@ -22728,14 +21707,21 @@
             <p:ph type="title"/>
           </p:nvPr>
         </p:nvSpPr>
-        <p:spPr/>
+        <p:spPr>
+          <a:xfrm>
+            <a:off x="164386" y="184556"/>
+            <a:ext cx="8104384" cy="534488"/>
+          </a:xfrm>
+        </p:spPr>
         <p:txBody>
-          <a:bodyPr/>
+          <a:bodyPr>
+            <a:normAutofit fontScale="90000"/>
+          </a:bodyPr>
           <a:lstStyle/>
           <a:p>
             <a:pPr eaLnBrk="1" hangingPunct="1"/>
             <a:r>
-              <a:rPr lang="en-US" altLang="en-US">
+              <a:rPr lang="en-US" altLang="en-US" dirty="0">
                 <a:latin typeface="Tahoma" panose="020B0604030504040204" pitchFamily="34" charset="0"/>
                 <a:ea typeface="ＭＳ Ｐゴシック" panose="020B0600070205080204" pitchFamily="34" charset="-128"/>
               </a:rPr>
@@ -22762,8 +21748,8 @@
         </p:nvSpPr>
         <p:spPr>
           <a:xfrm>
-            <a:off x="339047" y="1079500"/>
-            <a:ext cx="8609744" cy="4508500"/>
+            <a:off x="164386" y="791110"/>
+            <a:ext cx="8784405" cy="4796890"/>
           </a:xfrm>
         </p:spPr>
         <p:txBody>
@@ -22853,7 +21839,7 @@
         </p:blipFill>
         <p:spPr bwMode="auto">
           <a:xfrm>
-            <a:off x="1631157" y="2017449"/>
+            <a:off x="1588823" y="1967726"/>
             <a:ext cx="5966354" cy="1139031"/>
           </a:xfrm>
           <a:prstGeom prst="rect">
@@ -23004,334 +21990,6 @@
           </a:extLst>
         </p:spPr>
       </p:pic>
-    </p:spTree>
-    <p:extLst>
-      <p:ext uri="{BB962C8B-B14F-4D97-AF65-F5344CB8AC3E}">
-        <p14:creationId xmlns:p14="http://schemas.microsoft.com/office/powerpoint/2010/main" val="517847088"/>
-      </p:ext>
-    </p:extLst>
-  </p:cSld>
-  <p:clrMapOvr>
-    <a:masterClrMapping/>
-  </p:clrMapOvr>
-  <p:transition/>
-</p:sld>
-</file>
-
-<file path=ppt/slides/slide21.xml><?xml version="1.0" encoding="utf-8"?>
-<p:sld xmlns:a="http://schemas.openxmlformats.org/drawingml/2006/main" xmlns:r="http://schemas.openxmlformats.org/officeDocument/2006/relationships" xmlns:p="http://schemas.openxmlformats.org/presentationml/2006/main">
-  <p:cSld>
-    <p:spTree>
-      <p:nvGrpSpPr>
-        <p:cNvPr id="1" name=""/>
-        <p:cNvGrpSpPr/>
-        <p:nvPr/>
-      </p:nvGrpSpPr>
-      <p:grpSpPr>
-        <a:xfrm>
-          <a:off x="0" y="0"/>
-          <a:ext cx="0" cy="0"/>
-          <a:chOff x="0" y="0"/>
-          <a:chExt cx="0" cy="0"/>
-        </a:xfrm>
-      </p:grpSpPr>
-      <p:sp>
-        <p:nvSpPr>
-          <p:cNvPr id="22529" name="Rectangle 2">
-            <a:extLst>
-              <a:ext uri="{FF2B5EF4-FFF2-40B4-BE49-F238E27FC236}">
-                <a16:creationId xmlns:a16="http://schemas.microsoft.com/office/drawing/2014/main" id="{AB5898CD-F946-4C42-9C46-A05451CBE2CF}"/>
-              </a:ext>
-            </a:extLst>
-          </p:cNvPr>
-          <p:cNvSpPr>
-            <a:spLocks noGrp="1" noChangeArrowheads="1"/>
-          </p:cNvSpPr>
-          <p:nvPr>
-            <p:ph type="title"/>
-          </p:nvPr>
-        </p:nvSpPr>
-        <p:spPr>
-          <a:xfrm>
-            <a:off x="164386" y="184556"/>
-            <a:ext cx="8104384" cy="534488"/>
-          </a:xfrm>
-        </p:spPr>
-        <p:txBody>
-          <a:bodyPr/>
-          <a:lstStyle/>
-          <a:p>
-            <a:pPr eaLnBrk="1" hangingPunct="1"/>
-            <a:r>
-              <a:rPr lang="en-US" altLang="en-US" dirty="0">
-                <a:latin typeface="Tahoma" panose="020B0604030504040204" pitchFamily="34" charset="0"/>
-                <a:ea typeface="ＭＳ Ｐゴシック" panose="020B0600070205080204" pitchFamily="34" charset="-128"/>
-              </a:rPr>
-              <a:t>A Personal Example of Phishing</a:t>
-            </a:r>
-          </a:p>
-        </p:txBody>
-      </p:sp>
-      <p:sp>
-        <p:nvSpPr>
-          <p:cNvPr id="16386" name="Rectangle 3">
-            <a:extLst>
-              <a:ext uri="{FF2B5EF4-FFF2-40B4-BE49-F238E27FC236}">
-                <a16:creationId xmlns:a16="http://schemas.microsoft.com/office/drawing/2014/main" id="{03A0D23C-A18F-DF4A-B9B7-3996FF7B9734}"/>
-              </a:ext>
-            </a:extLst>
-          </p:cNvPr>
-          <p:cNvSpPr>
-            <a:spLocks noGrp="1" noChangeArrowheads="1"/>
-          </p:cNvSpPr>
-          <p:nvPr>
-            <p:ph type="body" idx="1"/>
-          </p:nvPr>
-        </p:nvSpPr>
-        <p:spPr>
-          <a:xfrm>
-            <a:off x="164386" y="791110"/>
-            <a:ext cx="8784405" cy="4796890"/>
-          </a:xfrm>
-        </p:spPr>
-        <p:txBody>
-          <a:bodyPr/>
-          <a:lstStyle/>
-          <a:p>
-            <a:pPr marL="0" indent="0">
-              <a:buNone/>
-              <a:defRPr/>
-            </a:pPr>
-            <a:r>
-              <a:rPr lang="en-US" sz="2000" dirty="0">
-                <a:latin typeface="Tahoma"/>
-                <a:cs typeface="Tahoma"/>
-              </a:rPr>
-              <a:t>  </a:t>
-            </a:r>
-          </a:p>
-          <a:p>
-            <a:pPr marL="0" indent="0">
-              <a:buNone/>
-              <a:defRPr/>
-            </a:pPr>
-            <a:r>
-              <a:rPr lang="en-US" sz="2000" b="1" dirty="0">
-                <a:latin typeface="Tahoma"/>
-                <a:cs typeface="Tahoma"/>
-              </a:rPr>
-              <a:t>Can you spot indicators that this is a phishing email?</a:t>
-            </a:r>
-          </a:p>
-          <a:p>
-            <a:pPr eaLnBrk="1" hangingPunct="1">
-              <a:defRPr/>
-            </a:pPr>
-            <a:endParaRPr lang="en-US" sz="2000" dirty="0">
-              <a:latin typeface="Tahoma"/>
-              <a:cs typeface="Tahoma"/>
-            </a:endParaRPr>
-          </a:p>
-          <a:p>
-            <a:pPr lvl="1" eaLnBrk="1" hangingPunct="1">
-              <a:defRPr/>
-            </a:pPr>
-            <a:endParaRPr lang="en-US" sz="1667" dirty="0">
-              <a:latin typeface="Tahoma"/>
-              <a:cs typeface="Tahoma"/>
-            </a:endParaRPr>
-          </a:p>
-          <a:p>
-            <a:pPr lvl="1" eaLnBrk="1" hangingPunct="1">
-              <a:defRPr/>
-            </a:pPr>
-            <a:endParaRPr lang="en-US" sz="1667" dirty="0">
-              <a:latin typeface="Tahoma"/>
-              <a:cs typeface="Tahoma"/>
-            </a:endParaRPr>
-          </a:p>
-        </p:txBody>
-      </p:sp>
-      <p:pic>
-        <p:nvPicPr>
-          <p:cNvPr id="22531" name="Picture 2">
-            <a:extLst>
-              <a:ext uri="{FF2B5EF4-FFF2-40B4-BE49-F238E27FC236}">
-                <a16:creationId xmlns:a16="http://schemas.microsoft.com/office/drawing/2014/main" id="{763BAB40-9BBA-4845-AA34-A54BA83C1A75}"/>
-              </a:ext>
-            </a:extLst>
-          </p:cNvPr>
-          <p:cNvPicPr>
-            <a:picLocks noChangeAspect="1"/>
-          </p:cNvPicPr>
-          <p:nvPr/>
-        </p:nvPicPr>
-        <p:blipFill>
-          <a:blip r:embed="rId3">
-            <a:extLst>
-              <a:ext uri="{28A0092B-C50C-407E-A947-70E740481C1C}">
-                <a14:useLocalDpi xmlns:a14="http://schemas.microsoft.com/office/drawing/2010/main" val="0"/>
-              </a:ext>
-            </a:extLst>
-          </a:blip>
-          <a:srcRect/>
-          <a:stretch>
-            <a:fillRect/>
-          </a:stretch>
-        </p:blipFill>
-        <p:spPr bwMode="auto">
-          <a:xfrm>
-            <a:off x="1588823" y="1967726"/>
-            <a:ext cx="5966354" cy="1139031"/>
-          </a:xfrm>
-          <a:prstGeom prst="rect">
-            <a:avLst/>
-          </a:prstGeom>
-          <a:noFill/>
-          <a:ln>
-            <a:noFill/>
-          </a:ln>
-          <a:extLst>
-            <a:ext uri="{909E8E84-426E-40DD-AFC4-6F175D3DCCD1}">
-              <a14:hiddenFill xmlns:a14="http://schemas.microsoft.com/office/drawing/2010/main">
-                <a:solidFill>
-                  <a:srgbClr val="FFFFFF"/>
-                </a:solidFill>
-              </a14:hiddenFill>
-            </a:ext>
-            <a:ext uri="{91240B29-F687-4F45-9708-019B960494DF}">
-              <a14:hiddenLine xmlns:a14="http://schemas.microsoft.com/office/drawing/2010/main" w="9525">
-                <a:solidFill>
-                  <a:srgbClr val="000000"/>
-                </a:solidFill>
-                <a:miter lim="800000"/>
-                <a:headEnd/>
-                <a:tailEnd/>
-              </a14:hiddenLine>
-            </a:ext>
-          </a:extLst>
-        </p:spPr>
-      </p:pic>
-      <p:pic>
-        <p:nvPicPr>
-          <p:cNvPr id="22532" name="Picture 3">
-            <a:extLst>
-              <a:ext uri="{FF2B5EF4-FFF2-40B4-BE49-F238E27FC236}">
-                <a16:creationId xmlns:a16="http://schemas.microsoft.com/office/drawing/2014/main" id="{67AB4033-4DD3-CD4D-AFA9-096A3BC80F8A}"/>
-              </a:ext>
-            </a:extLst>
-          </p:cNvPr>
-          <p:cNvPicPr>
-            <a:picLocks noChangeAspect="1"/>
-          </p:cNvPicPr>
-          <p:nvPr/>
-        </p:nvPicPr>
-        <p:blipFill>
-          <a:blip r:embed="rId4">
-            <a:extLst>
-              <a:ext uri="{28A0092B-C50C-407E-A947-70E740481C1C}">
-                <a14:useLocalDpi xmlns:a14="http://schemas.microsoft.com/office/drawing/2010/main" val="0"/>
-              </a:ext>
-            </a:extLst>
-          </a:blip>
-          <a:srcRect/>
-          <a:stretch>
-            <a:fillRect/>
-          </a:stretch>
-        </p:blipFill>
-        <p:spPr bwMode="auto">
-          <a:xfrm>
-            <a:off x="1271323" y="4958292"/>
-            <a:ext cx="4237302" cy="480219"/>
-          </a:xfrm>
-          <a:prstGeom prst="rect">
-            <a:avLst/>
-          </a:prstGeom>
-          <a:noFill/>
-          <a:ln>
-            <a:noFill/>
-          </a:ln>
-          <a:extLst>
-            <a:ext uri="{909E8E84-426E-40DD-AFC4-6F175D3DCCD1}">
-              <a14:hiddenFill xmlns:a14="http://schemas.microsoft.com/office/drawing/2010/main">
-                <a:solidFill>
-                  <a:srgbClr val="FFFFFF"/>
-                </a:solidFill>
-              </a14:hiddenFill>
-            </a:ext>
-            <a:ext uri="{91240B29-F687-4F45-9708-019B960494DF}">
-              <a14:hiddenLine xmlns:a14="http://schemas.microsoft.com/office/drawing/2010/main" w="9525">
-                <a:solidFill>
-                  <a:srgbClr val="000000"/>
-                </a:solidFill>
-                <a:miter lim="800000"/>
-                <a:headEnd/>
-                <a:tailEnd/>
-              </a14:hiddenLine>
-            </a:ext>
-          </a:extLst>
-        </p:spPr>
-      </p:pic>
-      <p:pic>
-        <p:nvPicPr>
-          <p:cNvPr id="22533" name="Picture 4">
-            <a:extLst>
-              <a:ext uri="{FF2B5EF4-FFF2-40B4-BE49-F238E27FC236}">
-                <a16:creationId xmlns:a16="http://schemas.microsoft.com/office/drawing/2014/main" id="{B41692CC-A977-FB48-9C97-E81FF66A7143}"/>
-              </a:ext>
-            </a:extLst>
-          </p:cNvPr>
-          <p:cNvPicPr>
-            <a:picLocks noChangeAspect="1"/>
-          </p:cNvPicPr>
-          <p:nvPr/>
-        </p:nvPicPr>
-        <p:blipFill>
-          <a:blip r:embed="rId5">
-            <a:extLst>
-              <a:ext uri="{28A0092B-C50C-407E-A947-70E740481C1C}">
-                <a14:useLocalDpi xmlns:a14="http://schemas.microsoft.com/office/drawing/2010/main" val="0"/>
-              </a:ext>
-            </a:extLst>
-          </a:blip>
-          <a:srcRect/>
-          <a:stretch>
-            <a:fillRect/>
-          </a:stretch>
-        </p:blipFill>
-        <p:spPr bwMode="auto">
-          <a:xfrm>
-            <a:off x="1332178" y="3278188"/>
-            <a:ext cx="6731000" cy="1778000"/>
-          </a:xfrm>
-          <a:prstGeom prst="rect">
-            <a:avLst/>
-          </a:prstGeom>
-          <a:noFill/>
-          <a:ln>
-            <a:noFill/>
-          </a:ln>
-          <a:extLst>
-            <a:ext uri="{909E8E84-426E-40DD-AFC4-6F175D3DCCD1}">
-              <a14:hiddenFill xmlns:a14="http://schemas.microsoft.com/office/drawing/2010/main">
-                <a:solidFill>
-                  <a:srgbClr val="FFFFFF"/>
-                </a:solidFill>
-              </a14:hiddenFill>
-            </a:ext>
-            <a:ext uri="{91240B29-F687-4F45-9708-019B960494DF}">
-              <a14:hiddenLine xmlns:a14="http://schemas.microsoft.com/office/drawing/2010/main" w="9525">
-                <a:solidFill>
-                  <a:srgbClr val="000000"/>
-                </a:solidFill>
-                <a:miter lim="800000"/>
-                <a:headEnd/>
-                <a:tailEnd/>
-              </a14:hiddenLine>
-            </a:ext>
-          </a:extLst>
-        </p:spPr>
-      </p:pic>
       <p:sp>
         <p:nvSpPr>
           <p:cNvPr id="2" name="TextBox 1">
@@ -23534,7 +22192,7 @@
 </p:sld>
 </file>
 
-<file path=ppt/slides/slide22.xml><?xml version="1.0" encoding="utf-8"?>
+<file path=ppt/slides/slide21.xml><?xml version="1.0" encoding="utf-8"?>
 <p:sld xmlns:a="http://schemas.openxmlformats.org/drawingml/2006/main" xmlns:r="http://schemas.openxmlformats.org/officeDocument/2006/relationships" xmlns:p="http://schemas.openxmlformats.org/presentationml/2006/main">
   <p:cSld>
     <p:spTree>
@@ -23934,7 +22592,7 @@
 </p:sld>
 </file>
 
-<file path=ppt/slides/slide23.xml><?xml version="1.0" encoding="utf-8"?>
+<file path=ppt/slides/slide22.xml><?xml version="1.0" encoding="utf-8"?>
 <p:sld xmlns:a="http://schemas.openxmlformats.org/drawingml/2006/main" xmlns:r="http://schemas.openxmlformats.org/officeDocument/2006/relationships" xmlns:p="http://schemas.openxmlformats.org/presentationml/2006/main">
   <p:cSld>
     <p:spTree>
@@ -24301,7 +22959,7 @@
 </p:sld>
 </file>
 
-<file path=ppt/slides/slide24.xml><?xml version="1.0" encoding="utf-8"?>
+<file path=ppt/slides/slide23.xml><?xml version="1.0" encoding="utf-8"?>
 <p:sld xmlns:a="http://schemas.openxmlformats.org/drawingml/2006/main" xmlns:r="http://schemas.openxmlformats.org/officeDocument/2006/relationships" xmlns:p="http://schemas.openxmlformats.org/presentationml/2006/main">
   <p:cSld>
     <p:spTree>
@@ -24769,485 +23427,7 @@
 </p:sld>
 </file>
 
-<file path=ppt/slides/slide25.xml><?xml version="1.0" encoding="utf-8"?>
-<p:sld xmlns:a="http://schemas.openxmlformats.org/drawingml/2006/main" xmlns:r="http://schemas.openxmlformats.org/officeDocument/2006/relationships" xmlns:p="http://schemas.openxmlformats.org/presentationml/2006/main">
-  <p:cSld>
-    <p:spTree>
-      <p:nvGrpSpPr>
-        <p:cNvPr id="1" name=""/>
-        <p:cNvGrpSpPr/>
-        <p:nvPr/>
-      </p:nvGrpSpPr>
-      <p:grpSpPr>
-        <a:xfrm>
-          <a:off x="0" y="0"/>
-          <a:ext cx="0" cy="0"/>
-          <a:chOff x="0" y="0"/>
-          <a:chExt cx="0" cy="0"/>
-        </a:xfrm>
-      </p:grpSpPr>
-      <p:sp>
-        <p:nvSpPr>
-          <p:cNvPr id="32769" name="Rectangle 2">
-            <a:extLst>
-              <a:ext uri="{FF2B5EF4-FFF2-40B4-BE49-F238E27FC236}">
-                <a16:creationId xmlns:a16="http://schemas.microsoft.com/office/drawing/2014/main" id="{48AA125D-5938-304D-809A-BD79355AB192}"/>
-              </a:ext>
-            </a:extLst>
-          </p:cNvPr>
-          <p:cNvSpPr>
-            <a:spLocks noGrp="1" noChangeArrowheads="1"/>
-          </p:cNvSpPr>
-          <p:nvPr>
-            <p:ph type="title"/>
-          </p:nvPr>
-        </p:nvSpPr>
-        <p:spPr>
-          <a:xfrm>
-            <a:off x="145765" y="0"/>
-            <a:ext cx="7886700" cy="1104636"/>
-          </a:xfrm>
-        </p:spPr>
-        <p:txBody>
-          <a:bodyPr/>
-          <a:lstStyle/>
-          <a:p>
-            <a:pPr eaLnBrk="1" hangingPunct="1"/>
-            <a:r>
-              <a:rPr lang="en-US" altLang="en-US" dirty="0" err="1">
-                <a:latin typeface="Tahoma" panose="020B0604030504040204" pitchFamily="34" charset="0"/>
-                <a:ea typeface="ＭＳ Ｐゴシック" panose="020B0600070205080204" pitchFamily="34" charset="-128"/>
-              </a:rPr>
-              <a:t>Nand</a:t>
-            </a:r>
-            <a:r>
-              <a:rPr lang="en-US" altLang="en-US" dirty="0">
-                <a:latin typeface="Tahoma" panose="020B0604030504040204" pitchFamily="34" charset="0"/>
-                <a:ea typeface="ＭＳ Ｐゴシック" panose="020B0600070205080204" pitchFamily="34" charset="-128"/>
-              </a:rPr>
-              <a:t> Mirroring</a:t>
-            </a:r>
-          </a:p>
-        </p:txBody>
-      </p:sp>
-      <p:sp>
-        <p:nvSpPr>
-          <p:cNvPr id="49154" name="Rectangle 3">
-            <a:extLst>
-              <a:ext uri="{FF2B5EF4-FFF2-40B4-BE49-F238E27FC236}">
-                <a16:creationId xmlns:a16="http://schemas.microsoft.com/office/drawing/2014/main" id="{9961E503-3763-BE49-83BC-858E506E48CA}"/>
-              </a:ext>
-            </a:extLst>
-          </p:cNvPr>
-          <p:cNvSpPr>
-            <a:spLocks noGrp="1" noChangeArrowheads="1"/>
-          </p:cNvSpPr>
-          <p:nvPr>
-            <p:ph type="body" idx="1"/>
-          </p:nvPr>
-        </p:nvSpPr>
-        <p:spPr>
-          <a:xfrm>
-            <a:off x="267127" y="1079500"/>
-            <a:ext cx="8537825" cy="4508500"/>
-          </a:xfrm>
-        </p:spPr>
-        <p:txBody>
-          <a:bodyPr/>
-          <a:lstStyle/>
-          <a:p>
-            <a:pPr marL="0" indent="0" eaLnBrk="1" hangingPunct="1">
-              <a:buNone/>
-            </a:pPr>
-            <a:r>
-              <a:rPr lang="en-US" altLang="en-US" sz="2000" dirty="0">
-                <a:latin typeface="Tahoma" panose="020B0604030504040204" pitchFamily="34" charset="0"/>
-                <a:ea typeface="ＭＳ Ｐゴシック" panose="020B0600070205080204" pitchFamily="34" charset="-128"/>
-              </a:rPr>
-              <a:t>One ineffective type of attack is brute forcing login credentials, e.g. try all combinations of passwords.</a:t>
-            </a:r>
-          </a:p>
-          <a:p>
-            <a:pPr marL="0" indent="0" eaLnBrk="1" hangingPunct="1">
-              <a:buNone/>
-            </a:pPr>
-            <a:endParaRPr lang="en-US" altLang="en-US" sz="2000" dirty="0">
-              <a:latin typeface="Tahoma" panose="020B0604030504040204" pitchFamily="34" charset="0"/>
-              <a:ea typeface="ＭＳ Ｐゴシック" panose="020B0600070205080204" pitchFamily="34" charset="-128"/>
-            </a:endParaRPr>
-          </a:p>
-          <a:p>
-            <a:pPr marL="0" indent="0" eaLnBrk="1" hangingPunct="1">
-              <a:buNone/>
-            </a:pPr>
-            <a:r>
-              <a:rPr lang="en-US" altLang="en-US" sz="2000" dirty="0">
-                <a:latin typeface="Tahoma" panose="020B0604030504040204" pitchFamily="34" charset="0"/>
-                <a:ea typeface="ＭＳ Ｐゴシック" panose="020B0600070205080204" pitchFamily="34" charset="-128"/>
-              </a:rPr>
-              <a:t>most systems defend against this type of attack by locking the user out after a certain number of tries.</a:t>
-            </a:r>
-          </a:p>
-          <a:p>
-            <a:pPr marL="0" indent="0" eaLnBrk="1" hangingPunct="1">
-              <a:buNone/>
-            </a:pPr>
-            <a:endParaRPr lang="en-US" altLang="en-US" sz="2000" b="1" dirty="0">
-              <a:latin typeface="Tahoma" panose="020B0604030504040204" pitchFamily="34" charset="0"/>
-              <a:ea typeface="ＭＳ Ｐゴシック" panose="020B0600070205080204" pitchFamily="34" charset="-128"/>
-            </a:endParaRPr>
-          </a:p>
-          <a:p>
-            <a:pPr marL="0" indent="0" eaLnBrk="1" hangingPunct="1">
-              <a:buNone/>
-            </a:pPr>
-            <a:r>
-              <a:rPr lang="en-US" altLang="en-US" sz="2000" b="1" dirty="0" err="1">
-                <a:latin typeface="Tahoma" panose="020B0604030504040204" pitchFamily="34" charset="0"/>
-                <a:ea typeface="ＭＳ Ｐゴシック" panose="020B0600070205080204" pitchFamily="34" charset="-128"/>
-              </a:rPr>
-              <a:t>Nand</a:t>
-            </a:r>
-            <a:r>
-              <a:rPr lang="en-US" altLang="en-US" sz="2000" b="1" dirty="0">
-                <a:latin typeface="Tahoma" panose="020B0604030504040204" pitchFamily="34" charset="0"/>
-                <a:ea typeface="ＭＳ Ｐゴシック" panose="020B0600070205080204" pitchFamily="34" charset="-128"/>
-              </a:rPr>
-              <a:t> mirroring</a:t>
-            </a:r>
-            <a:r>
-              <a:rPr lang="en-US" altLang="en-US" sz="2000" dirty="0">
-                <a:latin typeface="Tahoma" panose="020B0604030504040204" pitchFamily="34" charset="0"/>
-                <a:ea typeface="ＭＳ Ｐゴシック" panose="020B0600070205080204" pitchFamily="34" charset="-128"/>
-              </a:rPr>
-              <a:t> is one hack around this.</a:t>
-            </a:r>
-          </a:p>
-          <a:p>
-            <a:pPr lvl="1" eaLnBrk="1" hangingPunct="1"/>
-            <a:r>
-              <a:rPr lang="en-US" altLang="en-US" sz="1667" dirty="0">
-                <a:latin typeface="Tahoma" panose="020B0604030504040204" pitchFamily="34" charset="0"/>
-              </a:rPr>
-              <a:t>attach wires to memory chip and make a perfect copy of its contents.</a:t>
-            </a:r>
-          </a:p>
-          <a:p>
-            <a:pPr lvl="1" eaLnBrk="1" hangingPunct="1"/>
-            <a:r>
-              <a:rPr lang="en-US" altLang="en-US" sz="1667" dirty="0">
-                <a:latin typeface="Tahoma" panose="020B0604030504040204" pitchFamily="34" charset="0"/>
-              </a:rPr>
-              <a:t>try some password combinations, if the system is locked up, reflash the memory with original copy thereby resetting it and allowing the hacker to try new passwords immediately.</a:t>
-            </a:r>
-          </a:p>
-          <a:p>
-            <a:pPr lvl="1" eaLnBrk="1" hangingPunct="1"/>
-            <a:r>
-              <a:rPr lang="en-US" altLang="en-US" sz="1667" dirty="0" err="1">
-                <a:latin typeface="Tahoma" panose="020B0604030504040204" pitchFamily="34" charset="0"/>
-              </a:rPr>
-              <a:t>nand</a:t>
-            </a:r>
-            <a:r>
-              <a:rPr lang="en-US" altLang="en-US" sz="1667" dirty="0">
-                <a:latin typeface="Tahoma" panose="020B0604030504040204" pitchFamily="34" charset="0"/>
-              </a:rPr>
-              <a:t> mirroring was effective, for example, on an </a:t>
-            </a:r>
-            <a:r>
-              <a:rPr lang="en-US" altLang="en-US" sz="1667" dirty="0" err="1">
-                <a:latin typeface="Tahoma" panose="020B0604030504040204" pitchFamily="34" charset="0"/>
-              </a:rPr>
-              <a:t>IPhone</a:t>
-            </a:r>
-            <a:r>
-              <a:rPr lang="en-US" altLang="en-US" sz="1667" dirty="0">
-                <a:latin typeface="Tahoma" panose="020B0604030504040204" pitchFamily="34" charset="0"/>
-              </a:rPr>
-              <a:t> 5C.</a:t>
-            </a:r>
-          </a:p>
-          <a:p>
-            <a:pPr lvl="1" eaLnBrk="1" hangingPunct="1"/>
-            <a:endParaRPr lang="en-US" altLang="en-US" sz="1667" dirty="0">
-              <a:latin typeface="Tahoma" panose="020B0604030504040204" pitchFamily="34" charset="0"/>
-            </a:endParaRPr>
-          </a:p>
-        </p:txBody>
-      </p:sp>
-    </p:spTree>
-    <p:extLst>
-      <p:ext uri="{BB962C8B-B14F-4D97-AF65-F5344CB8AC3E}">
-        <p14:creationId xmlns:p14="http://schemas.microsoft.com/office/powerpoint/2010/main" val="14307870"/>
-      </p:ext>
-    </p:extLst>
-  </p:cSld>
-  <p:clrMapOvr>
-    <a:masterClrMapping/>
-  </p:clrMapOvr>
-  <p:transition/>
-  <p:timing>
-    <p:tnLst>
-      <p:par>
-        <p:cTn id="1" dur="indefinite" restart="never" nodeType="tmRoot">
-          <p:childTnLst>
-            <p:seq concurrent="1" nextAc="seek">
-              <p:cTn id="2" dur="indefinite" nodeType="mainSeq">
-                <p:childTnLst>
-                  <p:par>
-                    <p:cTn id="3" fill="hold" nodeType="clickPar">
-                      <p:stCondLst>
-                        <p:cond delay="indefinite"/>
-                      </p:stCondLst>
-                      <p:childTnLst>
-                        <p:par>
-                          <p:cTn id="4" fill="hold" nodeType="withGroup">
-                            <p:stCondLst>
-                              <p:cond delay="0"/>
-                            </p:stCondLst>
-                            <p:childTnLst>
-                              <p:par>
-                                <p:cTn id="5" presetID="1" presetClass="entr" presetSubtype="0" fill="hold" nodeType="clickEffect">
-                                  <p:stCondLst>
-                                    <p:cond delay="0"/>
-                                  </p:stCondLst>
-                                  <p:childTnLst>
-                                    <p:set>
-                                      <p:cBhvr>
-                                        <p:cTn id="6" dur="1" fill="hold">
-                                          <p:stCondLst>
-                                            <p:cond delay="0"/>
-                                          </p:stCondLst>
-                                        </p:cTn>
-                                        <p:tgtEl>
-                                          <p:spTgt spid="49154">
-                                            <p:txEl>
-                                              <p:pRg st="2" end="2"/>
-                                            </p:txEl>
-                                          </p:spTgt>
-                                        </p:tgtEl>
-                                        <p:attrNameLst>
-                                          <p:attrName>style.visibility</p:attrName>
-                                        </p:attrNameLst>
-                                      </p:cBhvr>
-                                      <p:to>
-                                        <p:strVal val="visible"/>
-                                      </p:to>
-                                    </p:set>
-                                  </p:childTnLst>
-                                </p:cTn>
-                              </p:par>
-                            </p:childTnLst>
-                          </p:cTn>
-                        </p:par>
-                      </p:childTnLst>
-                    </p:cTn>
-                  </p:par>
-                  <p:par>
-                    <p:cTn id="7" fill="hold" nodeType="clickPar">
-                      <p:stCondLst>
-                        <p:cond delay="indefinite"/>
-                      </p:stCondLst>
-                      <p:childTnLst>
-                        <p:par>
-                          <p:cTn id="8" fill="hold" nodeType="withGroup">
-                            <p:stCondLst>
-                              <p:cond delay="0"/>
-                            </p:stCondLst>
-                            <p:childTnLst>
-                              <p:par>
-                                <p:cTn id="9" presetID="1" presetClass="entr" presetSubtype="0" fill="hold" nodeType="clickEffect">
-                                  <p:stCondLst>
-                                    <p:cond delay="0"/>
-                                  </p:stCondLst>
-                                  <p:childTnLst>
-                                    <p:set>
-                                      <p:cBhvr>
-                                        <p:cTn id="10" dur="1" fill="hold">
-                                          <p:stCondLst>
-                                            <p:cond delay="0"/>
-                                          </p:stCondLst>
-                                        </p:cTn>
-                                        <p:tgtEl>
-                                          <p:spTgt spid="49154">
-                                            <p:txEl>
-                                              <p:pRg st="4" end="4"/>
-                                            </p:txEl>
-                                          </p:spTgt>
-                                        </p:tgtEl>
-                                        <p:attrNameLst>
-                                          <p:attrName>style.visibility</p:attrName>
-                                        </p:attrNameLst>
-                                      </p:cBhvr>
-                                      <p:to>
-                                        <p:strVal val="visible"/>
-                                      </p:to>
-                                    </p:set>
-                                  </p:childTnLst>
-                                </p:cTn>
-                              </p:par>
-                              <p:par>
-                                <p:cTn id="11" presetID="1" presetClass="entr" presetSubtype="0" fill="hold" nodeType="withEffect">
-                                  <p:stCondLst>
-                                    <p:cond delay="0"/>
-                                  </p:stCondLst>
-                                  <p:childTnLst>
-                                    <p:set>
-                                      <p:cBhvr>
-                                        <p:cTn id="12" dur="1" fill="hold">
-                                          <p:stCondLst>
-                                            <p:cond delay="0"/>
-                                          </p:stCondLst>
-                                        </p:cTn>
-                                        <p:tgtEl>
-                                          <p:spTgt spid="49154">
-                                            <p:txEl>
-                                              <p:pRg st="5" end="5"/>
-                                            </p:txEl>
-                                          </p:spTgt>
-                                        </p:tgtEl>
-                                        <p:attrNameLst>
-                                          <p:attrName>style.visibility</p:attrName>
-                                        </p:attrNameLst>
-                                      </p:cBhvr>
-                                      <p:to>
-                                        <p:strVal val="visible"/>
-                                      </p:to>
-                                    </p:set>
-                                  </p:childTnLst>
-                                </p:cTn>
-                              </p:par>
-                            </p:childTnLst>
-                          </p:cTn>
-                        </p:par>
-                      </p:childTnLst>
-                    </p:cTn>
-                  </p:par>
-                  <p:par>
-                    <p:cTn id="13" fill="hold" nodeType="clickPar">
-                      <p:stCondLst>
-                        <p:cond delay="indefinite"/>
-                      </p:stCondLst>
-                      <p:childTnLst>
-                        <p:par>
-                          <p:cTn id="14" fill="hold" nodeType="withGroup">
-                            <p:stCondLst>
-                              <p:cond delay="0"/>
-                            </p:stCondLst>
-                            <p:childTnLst>
-                              <p:par>
-                                <p:cTn id="15" presetID="1" presetClass="entr" presetSubtype="0" fill="hold" nodeType="clickEffect">
-                                  <p:stCondLst>
-                                    <p:cond delay="0"/>
-                                  </p:stCondLst>
-                                  <p:childTnLst>
-                                    <p:set>
-                                      <p:cBhvr>
-                                        <p:cTn id="16" dur="1" fill="hold">
-                                          <p:stCondLst>
-                                            <p:cond delay="0"/>
-                                          </p:stCondLst>
-                                        </p:cTn>
-                                        <p:tgtEl>
-                                          <p:spTgt spid="49154">
-                                            <p:txEl>
-                                              <p:pRg st="6" end="6"/>
-                                            </p:txEl>
-                                          </p:spTgt>
-                                        </p:tgtEl>
-                                        <p:attrNameLst>
-                                          <p:attrName>style.visibility</p:attrName>
-                                        </p:attrNameLst>
-                                      </p:cBhvr>
-                                      <p:to>
-                                        <p:strVal val="visible"/>
-                                      </p:to>
-                                    </p:set>
-                                  </p:childTnLst>
-                                </p:cTn>
-                              </p:par>
-                            </p:childTnLst>
-                          </p:cTn>
-                        </p:par>
-                      </p:childTnLst>
-                    </p:cTn>
-                  </p:par>
-                  <p:par>
-                    <p:cTn id="17" fill="hold" nodeType="clickPar">
-                      <p:stCondLst>
-                        <p:cond delay="indefinite"/>
-                      </p:stCondLst>
-                      <p:childTnLst>
-                        <p:par>
-                          <p:cTn id="18" fill="hold" nodeType="withGroup">
-                            <p:stCondLst>
-                              <p:cond delay="0"/>
-                            </p:stCondLst>
-                            <p:childTnLst>
-                              <p:par>
-                                <p:cTn id="19" presetID="1" presetClass="entr" presetSubtype="0" fill="hold" nodeType="clickEffect">
-                                  <p:stCondLst>
-                                    <p:cond delay="0"/>
-                                  </p:stCondLst>
-                                  <p:childTnLst>
-                                    <p:set>
-                                      <p:cBhvr>
-                                        <p:cTn id="20" dur="1" fill="hold">
-                                          <p:stCondLst>
-                                            <p:cond delay="0"/>
-                                          </p:stCondLst>
-                                        </p:cTn>
-                                        <p:tgtEl>
-                                          <p:spTgt spid="49154">
-                                            <p:txEl>
-                                              <p:pRg st="7" end="7"/>
-                                            </p:txEl>
-                                          </p:spTgt>
-                                        </p:tgtEl>
-                                        <p:attrNameLst>
-                                          <p:attrName>style.visibility</p:attrName>
-                                        </p:attrNameLst>
-                                      </p:cBhvr>
-                                      <p:to>
-                                        <p:strVal val="visible"/>
-                                      </p:to>
-                                    </p:set>
-                                  </p:childTnLst>
-                                </p:cTn>
-                              </p:par>
-                            </p:childTnLst>
-                          </p:cTn>
-                        </p:par>
-                      </p:childTnLst>
-                    </p:cTn>
-                  </p:par>
-                </p:childTnLst>
-              </p:cTn>
-              <p:prevCondLst>
-                <p:cond evt="onPrev" delay="0">
-                  <p:tgtEl>
-                    <p:sldTgt/>
-                  </p:tgtEl>
-                </p:cond>
-              </p:prevCondLst>
-              <p:nextCondLst>
-                <p:cond evt="onNext" delay="0">
-                  <p:tgtEl>
-                    <p:sldTgt/>
-                  </p:tgtEl>
-                </p:cond>
-              </p:nextCondLst>
-            </p:seq>
-          </p:childTnLst>
-        </p:cTn>
-      </p:par>
-    </p:tnLst>
-  </p:timing>
-</p:sld>
-</file>
-
-<file path=ppt/slides/slide26.xml><?xml version="1.0" encoding="utf-8"?>
+<file path=ppt/slides/slide24.xml><?xml version="1.0" encoding="utf-8"?>
 <p:sld xmlns:a="http://schemas.openxmlformats.org/drawingml/2006/main" xmlns:r="http://schemas.openxmlformats.org/officeDocument/2006/relationships" xmlns:p="http://schemas.openxmlformats.org/presentationml/2006/main">
   <p:cSld>
     <p:spTree>
@@ -25612,7 +23792,7 @@
 </p:sld>
 </file>
 
-<file path=ppt/slides/slide27.xml><?xml version="1.0" encoding="utf-8"?>
+<file path=ppt/slides/slide25.xml><?xml version="1.0" encoding="utf-8"?>
 <p:sld xmlns:a="http://schemas.openxmlformats.org/drawingml/2006/main" xmlns:r="http://schemas.openxmlformats.org/officeDocument/2006/relationships" xmlns:p="http://schemas.openxmlformats.org/presentationml/2006/main">
   <p:cSld>
     <p:spTree>
@@ -25940,7 +24120,7 @@
 </p:sld>
 </file>
 
-<file path=ppt/slides/slide28.xml><?xml version="1.0" encoding="utf-8"?>
+<file path=ppt/slides/slide26.xml><?xml version="1.0" encoding="utf-8"?>
 <p:sld xmlns:a="http://schemas.openxmlformats.org/drawingml/2006/main" xmlns:r="http://schemas.openxmlformats.org/officeDocument/2006/relationships" xmlns:p="http://schemas.openxmlformats.org/presentationml/2006/main">
   <p:cSld>
     <p:spTree>
@@ -26395,7 +24575,7 @@
 </p:sld>
 </file>
 
-<file path=ppt/slides/slide29.xml><?xml version="1.0" encoding="utf-8"?>
+<file path=ppt/slides/slide27.xml><?xml version="1.0" encoding="utf-8"?>
 <p:sld xmlns:a="http://schemas.openxmlformats.org/drawingml/2006/main" xmlns:r="http://schemas.openxmlformats.org/officeDocument/2006/relationships" xmlns:p="http://schemas.openxmlformats.org/presentationml/2006/main">
   <p:cSld>
     <p:spTree>
@@ -27172,6 +25352,773 @@
 </p:sld>
 </file>
 
+<file path=ppt/slides/slide28.xml><?xml version="1.0" encoding="utf-8"?>
+<p:sld xmlns:a="http://schemas.openxmlformats.org/drawingml/2006/main" xmlns:r="http://schemas.openxmlformats.org/officeDocument/2006/relationships" xmlns:p="http://schemas.openxmlformats.org/presentationml/2006/main">
+  <p:cSld>
+    <p:spTree>
+      <p:nvGrpSpPr>
+        <p:cNvPr id="1" name=""/>
+        <p:cNvGrpSpPr/>
+        <p:nvPr/>
+      </p:nvGrpSpPr>
+      <p:grpSpPr>
+        <a:xfrm>
+          <a:off x="0" y="0"/>
+          <a:ext cx="0" cy="0"/>
+          <a:chOff x="0" y="0"/>
+          <a:chExt cx="0" cy="0"/>
+        </a:xfrm>
+      </p:grpSpPr>
+      <p:sp>
+        <p:nvSpPr>
+          <p:cNvPr id="51201" name="Rectangle 2">
+            <a:extLst>
+              <a:ext uri="{FF2B5EF4-FFF2-40B4-BE49-F238E27FC236}">
+                <a16:creationId xmlns:a16="http://schemas.microsoft.com/office/drawing/2014/main" id="{3CCB58DD-B169-C14C-B52C-FFE6690EC44E}"/>
+              </a:ext>
+            </a:extLst>
+          </p:cNvPr>
+          <p:cNvSpPr>
+            <a:spLocks noGrp="1" noChangeArrowheads="1"/>
+          </p:cNvSpPr>
+          <p:nvPr>
+            <p:ph type="title"/>
+          </p:nvPr>
+        </p:nvSpPr>
+        <p:spPr>
+          <a:xfrm>
+            <a:off x="215758" y="127000"/>
+            <a:ext cx="7886700" cy="1104636"/>
+          </a:xfrm>
+        </p:spPr>
+        <p:txBody>
+          <a:bodyPr/>
+          <a:lstStyle/>
+          <a:p>
+            <a:pPr eaLnBrk="1" hangingPunct="1"/>
+            <a:r>
+              <a:rPr lang="en-US" altLang="en-US" dirty="0">
+                <a:latin typeface="Tahoma" panose="020B0604030504040204" pitchFamily="34" charset="0"/>
+                <a:ea typeface="ＭＳ Ｐゴシック" panose="020B0600070205080204" pitchFamily="34" charset="-128"/>
+              </a:rPr>
+              <a:t>Malware</a:t>
+            </a:r>
+          </a:p>
+        </p:txBody>
+      </p:sp>
+      <p:sp>
+        <p:nvSpPr>
+          <p:cNvPr id="47106" name="Rectangle 3">
+            <a:extLst>
+              <a:ext uri="{FF2B5EF4-FFF2-40B4-BE49-F238E27FC236}">
+                <a16:creationId xmlns:a16="http://schemas.microsoft.com/office/drawing/2014/main" id="{64F0002E-82C3-5B47-91CB-42BC1288860E}"/>
+              </a:ext>
+            </a:extLst>
+          </p:cNvPr>
+          <p:cNvSpPr>
+            <a:spLocks noGrp="1" noChangeArrowheads="1"/>
+          </p:cNvSpPr>
+          <p:nvPr>
+            <p:ph type="body" idx="1"/>
+          </p:nvPr>
+        </p:nvSpPr>
+        <p:spPr>
+          <a:xfrm>
+            <a:off x="277401" y="1079500"/>
+            <a:ext cx="8650841" cy="4508500"/>
+          </a:xfrm>
+        </p:spPr>
+        <p:txBody>
+          <a:bodyPr/>
+          <a:lstStyle/>
+          <a:p>
+            <a:pPr marL="0" indent="0" eaLnBrk="1" hangingPunct="1">
+              <a:buNone/>
+            </a:pPr>
+            <a:r>
+              <a:rPr lang="en-US" altLang="en-US" sz="2000" dirty="0">
+                <a:latin typeface="Tahoma" panose="020B0604030504040204" pitchFamily="34" charset="0"/>
+                <a:ea typeface="ＭＳ Ｐゴシック" panose="020B0600070205080204" pitchFamily="34" charset="-128"/>
+              </a:rPr>
+              <a:t>emails can be a common delivery mechanism for </a:t>
+            </a:r>
+            <a:r>
+              <a:rPr lang="en-US" altLang="en-US" sz="2000" b="1" dirty="0">
+                <a:latin typeface="Tahoma" panose="020B0604030504040204" pitchFamily="34" charset="0"/>
+                <a:ea typeface="ＭＳ Ｐゴシック" panose="020B0600070205080204" pitchFamily="34" charset="-128"/>
+              </a:rPr>
+              <a:t>trojan horses</a:t>
+            </a:r>
+            <a:r>
+              <a:rPr lang="en-US" altLang="en-US" sz="2000" dirty="0">
+                <a:latin typeface="Tahoma" panose="020B0604030504040204" pitchFamily="34" charset="0"/>
+                <a:ea typeface="ＭＳ Ｐゴシック" panose="020B0600070205080204" pitchFamily="34" charset="-128"/>
+              </a:rPr>
+              <a:t>, programs that masquerade as harmless attachments, like a photo, but actually contain malicious software, called </a:t>
+            </a:r>
+            <a:r>
+              <a:rPr lang="en-US" altLang="en-US" sz="2000" b="1" dirty="0">
+                <a:latin typeface="Tahoma" panose="020B0604030504040204" pitchFamily="34" charset="0"/>
+                <a:ea typeface="ＭＳ Ｐゴシック" panose="020B0600070205080204" pitchFamily="34" charset="-128"/>
+              </a:rPr>
+              <a:t>malware</a:t>
+            </a:r>
+            <a:r>
+              <a:rPr lang="en-US" altLang="en-US" sz="2000" dirty="0">
+                <a:latin typeface="Tahoma" panose="020B0604030504040204" pitchFamily="34" charset="0"/>
+                <a:ea typeface="ＭＳ Ｐゴシック" panose="020B0600070205080204" pitchFamily="34" charset="-128"/>
+              </a:rPr>
+              <a:t>. </a:t>
+            </a:r>
+          </a:p>
+          <a:p>
+            <a:pPr marL="0" indent="0" eaLnBrk="1" hangingPunct="1">
+              <a:buNone/>
+            </a:pPr>
+            <a:endParaRPr lang="en-US" altLang="en-US" sz="2000" b="1" dirty="0">
+              <a:latin typeface="Tahoma" panose="020B0604030504040204" pitchFamily="34" charset="0"/>
+              <a:ea typeface="ＭＳ Ｐゴシック" panose="020B0600070205080204" pitchFamily="34" charset="-128"/>
+            </a:endParaRPr>
+          </a:p>
+          <a:p>
+            <a:pPr marL="0" indent="0" eaLnBrk="1" hangingPunct="1">
+              <a:buNone/>
+            </a:pPr>
+            <a:r>
+              <a:rPr lang="en-US" altLang="en-US" sz="2000" b="1" dirty="0">
+                <a:latin typeface="Tahoma" panose="020B0604030504040204" pitchFamily="34" charset="0"/>
+                <a:ea typeface="ＭＳ Ｐゴシック" panose="020B0600070205080204" pitchFamily="34" charset="-128"/>
+              </a:rPr>
+              <a:t>malware</a:t>
+            </a:r>
+            <a:r>
+              <a:rPr lang="en-US" altLang="en-US" sz="2000" dirty="0">
+                <a:latin typeface="Tahoma" panose="020B0604030504040204" pitchFamily="34" charset="0"/>
+                <a:ea typeface="ＭＳ Ｐゴシック" panose="020B0600070205080204" pitchFamily="34" charset="-128"/>
+              </a:rPr>
+              <a:t> can take on many forms.</a:t>
+            </a:r>
+          </a:p>
+          <a:p>
+            <a:pPr lvl="1" eaLnBrk="1" hangingPunct="1"/>
+            <a:r>
+              <a:rPr lang="en-US" altLang="en-US" sz="1667" dirty="0">
+                <a:latin typeface="Tahoma" panose="020B0604030504040204" pitchFamily="34" charset="0"/>
+              </a:rPr>
+              <a:t>some steal confidential data(</a:t>
+            </a:r>
+            <a:r>
+              <a:rPr lang="en-US" altLang="en-US" sz="1667" b="1" dirty="0">
+                <a:latin typeface="Tahoma" panose="020B0604030504040204" pitchFamily="34" charset="0"/>
+              </a:rPr>
+              <a:t>spyware</a:t>
+            </a:r>
+            <a:r>
+              <a:rPr lang="en-US" altLang="en-US" sz="1667" dirty="0">
+                <a:latin typeface="Tahoma" panose="020B0604030504040204" pitchFamily="34" charset="0"/>
+              </a:rPr>
+              <a:t>)</a:t>
+            </a:r>
+          </a:p>
+          <a:p>
+            <a:pPr lvl="2" eaLnBrk="1" hangingPunct="1"/>
+            <a:r>
+              <a:rPr lang="en-US" altLang="en-US" sz="1667" dirty="0">
+                <a:latin typeface="Tahoma" panose="020B0604030504040204" pitchFamily="34" charset="0"/>
+              </a:rPr>
+              <a:t>install </a:t>
+            </a:r>
+            <a:r>
+              <a:rPr lang="en-US" altLang="en-US" sz="1667" b="1" dirty="0">
+                <a:latin typeface="Tahoma" panose="020B0604030504040204" pitchFamily="34" charset="0"/>
+              </a:rPr>
+              <a:t>keylogger</a:t>
+            </a:r>
+            <a:r>
+              <a:rPr lang="en-US" altLang="en-US" sz="1667" dirty="0">
+                <a:latin typeface="Tahoma" panose="020B0604030504040204" pitchFamily="34" charset="0"/>
+              </a:rPr>
+              <a:t>, that records all your keystrokes and send them to a remote source.</a:t>
+            </a:r>
+          </a:p>
+          <a:p>
+            <a:pPr lvl="1" eaLnBrk="1" hangingPunct="1"/>
+            <a:r>
+              <a:rPr lang="en-US" altLang="en-US" sz="1667" dirty="0">
+                <a:latin typeface="Tahoma" panose="020B0604030504040204" pitchFamily="34" charset="0"/>
+              </a:rPr>
+              <a:t>others encrypt data and demand a ransom(</a:t>
+            </a:r>
+            <a:r>
+              <a:rPr lang="en-US" altLang="en-US" sz="1667" b="1" dirty="0">
+                <a:latin typeface="Tahoma" panose="020B0604030504040204" pitchFamily="34" charset="0"/>
+              </a:rPr>
+              <a:t>ransomware</a:t>
+            </a:r>
+            <a:r>
+              <a:rPr lang="en-US" altLang="en-US" sz="1667" dirty="0">
+                <a:latin typeface="Tahoma" panose="020B0604030504040204" pitchFamily="34" charset="0"/>
+              </a:rPr>
+              <a:t>)</a:t>
+            </a:r>
+          </a:p>
+          <a:p>
+            <a:pPr lvl="1" eaLnBrk="1" hangingPunct="1"/>
+            <a:r>
+              <a:rPr lang="en-US" altLang="en-US" sz="1667" b="1" dirty="0">
+                <a:latin typeface="Tahoma" panose="020B0604030504040204" pitchFamily="34" charset="0"/>
+              </a:rPr>
+              <a:t>virus</a:t>
+            </a:r>
+            <a:r>
+              <a:rPr lang="en-US" altLang="en-US" sz="1667" dirty="0">
+                <a:latin typeface="Tahoma" panose="020B0604030504040204" pitchFamily="34" charset="0"/>
+              </a:rPr>
+              <a:t>: attach itself to a file or program and harm your computer if opened. </a:t>
+            </a:r>
+          </a:p>
+          <a:p>
+            <a:pPr lvl="2" eaLnBrk="1" hangingPunct="1"/>
+            <a:r>
+              <a:rPr lang="en-US" altLang="en-US" sz="1667" dirty="0">
+                <a:latin typeface="Tahoma" panose="020B0604030504040204" pitchFamily="34" charset="0"/>
+              </a:rPr>
+              <a:t>delete files, slow down computer</a:t>
+            </a:r>
+          </a:p>
+          <a:p>
+            <a:pPr lvl="2" eaLnBrk="1" hangingPunct="1"/>
+            <a:r>
+              <a:rPr lang="en-US" altLang="en-US" sz="1667" dirty="0">
+                <a:latin typeface="Tahoma" panose="020B0604030504040204" pitchFamily="34" charset="0"/>
+              </a:rPr>
+              <a:t>requires human interaction(running or opening the file)</a:t>
+            </a:r>
+          </a:p>
+          <a:p>
+            <a:pPr lvl="1" eaLnBrk="1" hangingPunct="1"/>
+            <a:endParaRPr lang="en-US" altLang="en-US" sz="1667" dirty="0">
+              <a:latin typeface="Tahoma" panose="020B0604030504040204" pitchFamily="34" charset="0"/>
+            </a:endParaRPr>
+          </a:p>
+          <a:p>
+            <a:pPr lvl="1" eaLnBrk="1" hangingPunct="1"/>
+            <a:endParaRPr lang="en-US" altLang="en-US" sz="1667" dirty="0">
+              <a:latin typeface="Tahoma" panose="020B0604030504040204" pitchFamily="34" charset="0"/>
+            </a:endParaRPr>
+          </a:p>
+          <a:p>
+            <a:pPr lvl="1" eaLnBrk="1" hangingPunct="1"/>
+            <a:endParaRPr lang="en-US" altLang="en-US" sz="1667" dirty="0">
+              <a:latin typeface="Tahoma" panose="020B0604030504040204" pitchFamily="34" charset="0"/>
+            </a:endParaRPr>
+          </a:p>
+          <a:p>
+            <a:pPr lvl="1" eaLnBrk="1" hangingPunct="1"/>
+            <a:endParaRPr lang="en-US" altLang="en-US" sz="1667" dirty="0">
+              <a:latin typeface="Tahoma" panose="020B0604030504040204" pitchFamily="34" charset="0"/>
+            </a:endParaRPr>
+          </a:p>
+        </p:txBody>
+      </p:sp>
+    </p:spTree>
+    <p:extLst>
+      <p:ext uri="{BB962C8B-B14F-4D97-AF65-F5344CB8AC3E}">
+        <p14:creationId xmlns:p14="http://schemas.microsoft.com/office/powerpoint/2010/main" val="154962666"/>
+      </p:ext>
+    </p:extLst>
+  </p:cSld>
+  <p:clrMapOvr>
+    <a:masterClrMapping/>
+  </p:clrMapOvr>
+  <p:transition/>
+  <p:timing>
+    <p:tnLst>
+      <p:par>
+        <p:cTn id="1" dur="indefinite" restart="never" nodeType="tmRoot">
+          <p:childTnLst>
+            <p:seq concurrent="1" nextAc="seek">
+              <p:cTn id="2" dur="indefinite" nodeType="mainSeq">
+                <p:childTnLst>
+                  <p:par>
+                    <p:cTn id="3" fill="hold" nodeType="clickPar">
+                      <p:stCondLst>
+                        <p:cond delay="indefinite"/>
+                      </p:stCondLst>
+                      <p:childTnLst>
+                        <p:par>
+                          <p:cTn id="4" fill="hold" nodeType="withGroup">
+                            <p:stCondLst>
+                              <p:cond delay="0"/>
+                            </p:stCondLst>
+                            <p:childTnLst>
+                              <p:par>
+                                <p:cTn id="5" presetID="1" presetClass="entr" presetSubtype="0" fill="hold" nodeType="clickEffect">
+                                  <p:stCondLst>
+                                    <p:cond delay="0"/>
+                                  </p:stCondLst>
+                                  <p:childTnLst>
+                                    <p:set>
+                                      <p:cBhvr>
+                                        <p:cTn id="6" dur="1" fill="hold">
+                                          <p:stCondLst>
+                                            <p:cond delay="0"/>
+                                          </p:stCondLst>
+                                        </p:cTn>
+                                        <p:tgtEl>
+                                          <p:spTgt spid="47106">
+                                            <p:txEl>
+                                              <p:pRg st="2" end="2"/>
+                                            </p:txEl>
+                                          </p:spTgt>
+                                        </p:tgtEl>
+                                        <p:attrNameLst>
+                                          <p:attrName>style.visibility</p:attrName>
+                                        </p:attrNameLst>
+                                      </p:cBhvr>
+                                      <p:to>
+                                        <p:strVal val="visible"/>
+                                      </p:to>
+                                    </p:set>
+                                  </p:childTnLst>
+                                </p:cTn>
+                              </p:par>
+                              <p:par>
+                                <p:cTn id="7" presetID="1" presetClass="entr" presetSubtype="0" fill="hold" nodeType="withEffect">
+                                  <p:stCondLst>
+                                    <p:cond delay="0"/>
+                                  </p:stCondLst>
+                                  <p:childTnLst>
+                                    <p:set>
+                                      <p:cBhvr>
+                                        <p:cTn id="8" dur="1" fill="hold">
+                                          <p:stCondLst>
+                                            <p:cond delay="0"/>
+                                          </p:stCondLst>
+                                        </p:cTn>
+                                        <p:tgtEl>
+                                          <p:spTgt spid="47106">
+                                            <p:txEl>
+                                              <p:pRg st="3" end="3"/>
+                                            </p:txEl>
+                                          </p:spTgt>
+                                        </p:tgtEl>
+                                        <p:attrNameLst>
+                                          <p:attrName>style.visibility</p:attrName>
+                                        </p:attrNameLst>
+                                      </p:cBhvr>
+                                      <p:to>
+                                        <p:strVal val="visible"/>
+                                      </p:to>
+                                    </p:set>
+                                  </p:childTnLst>
+                                </p:cTn>
+                              </p:par>
+                              <p:par>
+                                <p:cTn id="9" presetID="1" presetClass="entr" presetSubtype="0" fill="hold" nodeType="withEffect">
+                                  <p:stCondLst>
+                                    <p:cond delay="0"/>
+                                  </p:stCondLst>
+                                  <p:childTnLst>
+                                    <p:set>
+                                      <p:cBhvr>
+                                        <p:cTn id="10" dur="1" fill="hold">
+                                          <p:stCondLst>
+                                            <p:cond delay="0"/>
+                                          </p:stCondLst>
+                                        </p:cTn>
+                                        <p:tgtEl>
+                                          <p:spTgt spid="47106">
+                                            <p:txEl>
+                                              <p:pRg st="4" end="4"/>
+                                            </p:txEl>
+                                          </p:spTgt>
+                                        </p:tgtEl>
+                                        <p:attrNameLst>
+                                          <p:attrName>style.visibility</p:attrName>
+                                        </p:attrNameLst>
+                                      </p:cBhvr>
+                                      <p:to>
+                                        <p:strVal val="visible"/>
+                                      </p:to>
+                                    </p:set>
+                                  </p:childTnLst>
+                                </p:cTn>
+                              </p:par>
+                            </p:childTnLst>
+                          </p:cTn>
+                        </p:par>
+                      </p:childTnLst>
+                    </p:cTn>
+                  </p:par>
+                  <p:par>
+                    <p:cTn id="11" fill="hold" nodeType="clickPar">
+                      <p:stCondLst>
+                        <p:cond delay="indefinite"/>
+                      </p:stCondLst>
+                      <p:childTnLst>
+                        <p:par>
+                          <p:cTn id="12" fill="hold" nodeType="withGroup">
+                            <p:stCondLst>
+                              <p:cond delay="0"/>
+                            </p:stCondLst>
+                            <p:childTnLst>
+                              <p:par>
+                                <p:cTn id="13" presetID="1" presetClass="entr" presetSubtype="0" fill="hold" nodeType="clickEffect">
+                                  <p:stCondLst>
+                                    <p:cond delay="0"/>
+                                  </p:stCondLst>
+                                  <p:childTnLst>
+                                    <p:set>
+                                      <p:cBhvr>
+                                        <p:cTn id="14" dur="1" fill="hold">
+                                          <p:stCondLst>
+                                            <p:cond delay="0"/>
+                                          </p:stCondLst>
+                                        </p:cTn>
+                                        <p:tgtEl>
+                                          <p:spTgt spid="47106">
+                                            <p:txEl>
+                                              <p:pRg st="5" end="5"/>
+                                            </p:txEl>
+                                          </p:spTgt>
+                                        </p:tgtEl>
+                                        <p:attrNameLst>
+                                          <p:attrName>style.visibility</p:attrName>
+                                        </p:attrNameLst>
+                                      </p:cBhvr>
+                                      <p:to>
+                                        <p:strVal val="visible"/>
+                                      </p:to>
+                                    </p:set>
+                                  </p:childTnLst>
+                                </p:cTn>
+                              </p:par>
+                              <p:par>
+                                <p:cTn id="15" presetID="1" presetClass="entr" presetSubtype="0" fill="hold" nodeType="withEffect">
+                                  <p:stCondLst>
+                                    <p:cond delay="0"/>
+                                  </p:stCondLst>
+                                  <p:childTnLst>
+                                    <p:set>
+                                      <p:cBhvr>
+                                        <p:cTn id="16" dur="1" fill="hold">
+                                          <p:stCondLst>
+                                            <p:cond delay="0"/>
+                                          </p:stCondLst>
+                                        </p:cTn>
+                                        <p:tgtEl>
+                                          <p:spTgt spid="47106">
+                                            <p:txEl>
+                                              <p:pRg st="6" end="6"/>
+                                            </p:txEl>
+                                          </p:spTgt>
+                                        </p:tgtEl>
+                                        <p:attrNameLst>
+                                          <p:attrName>style.visibility</p:attrName>
+                                        </p:attrNameLst>
+                                      </p:cBhvr>
+                                      <p:to>
+                                        <p:strVal val="visible"/>
+                                      </p:to>
+                                    </p:set>
+                                  </p:childTnLst>
+                                </p:cTn>
+                              </p:par>
+                              <p:par>
+                                <p:cTn id="17" presetID="1" presetClass="entr" presetSubtype="0" fill="hold" nodeType="withEffect">
+                                  <p:stCondLst>
+                                    <p:cond delay="0"/>
+                                  </p:stCondLst>
+                                  <p:childTnLst>
+                                    <p:set>
+                                      <p:cBhvr>
+                                        <p:cTn id="18" dur="1" fill="hold">
+                                          <p:stCondLst>
+                                            <p:cond delay="0"/>
+                                          </p:stCondLst>
+                                        </p:cTn>
+                                        <p:tgtEl>
+                                          <p:spTgt spid="47106">
+                                            <p:txEl>
+                                              <p:pRg st="7" end="7"/>
+                                            </p:txEl>
+                                          </p:spTgt>
+                                        </p:tgtEl>
+                                        <p:attrNameLst>
+                                          <p:attrName>style.visibility</p:attrName>
+                                        </p:attrNameLst>
+                                      </p:cBhvr>
+                                      <p:to>
+                                        <p:strVal val="visible"/>
+                                      </p:to>
+                                    </p:set>
+                                  </p:childTnLst>
+                                </p:cTn>
+                              </p:par>
+                              <p:par>
+                                <p:cTn id="19" presetID="1" presetClass="entr" presetSubtype="0" fill="hold" nodeType="withEffect">
+                                  <p:stCondLst>
+                                    <p:cond delay="0"/>
+                                  </p:stCondLst>
+                                  <p:childTnLst>
+                                    <p:set>
+                                      <p:cBhvr>
+                                        <p:cTn id="20" dur="1" fill="hold">
+                                          <p:stCondLst>
+                                            <p:cond delay="0"/>
+                                          </p:stCondLst>
+                                        </p:cTn>
+                                        <p:tgtEl>
+                                          <p:spTgt spid="47106">
+                                            <p:txEl>
+                                              <p:pRg st="8" end="8"/>
+                                            </p:txEl>
+                                          </p:spTgt>
+                                        </p:tgtEl>
+                                        <p:attrNameLst>
+                                          <p:attrName>style.visibility</p:attrName>
+                                        </p:attrNameLst>
+                                      </p:cBhvr>
+                                      <p:to>
+                                        <p:strVal val="visible"/>
+                                      </p:to>
+                                    </p:set>
+                                  </p:childTnLst>
+                                </p:cTn>
+                              </p:par>
+                            </p:childTnLst>
+                          </p:cTn>
+                        </p:par>
+                      </p:childTnLst>
+                    </p:cTn>
+                  </p:par>
+                </p:childTnLst>
+              </p:cTn>
+              <p:prevCondLst>
+                <p:cond evt="onPrev" delay="0">
+                  <p:tgtEl>
+                    <p:sldTgt/>
+                  </p:tgtEl>
+                </p:cond>
+              </p:prevCondLst>
+              <p:nextCondLst>
+                <p:cond evt="onNext" delay="0">
+                  <p:tgtEl>
+                    <p:sldTgt/>
+                  </p:tgtEl>
+                </p:cond>
+              </p:nextCondLst>
+            </p:seq>
+          </p:childTnLst>
+        </p:cTn>
+      </p:par>
+    </p:tnLst>
+  </p:timing>
+</p:sld>
+</file>
+
+<file path=ppt/slides/slide29.xml><?xml version="1.0" encoding="utf-8"?>
+<p:sld xmlns:a="http://schemas.openxmlformats.org/drawingml/2006/main" xmlns:r="http://schemas.openxmlformats.org/officeDocument/2006/relationships" xmlns:p="http://schemas.openxmlformats.org/presentationml/2006/main">
+  <p:cSld>
+    <p:spTree>
+      <p:nvGrpSpPr>
+        <p:cNvPr id="1" name=""/>
+        <p:cNvGrpSpPr/>
+        <p:nvPr/>
+      </p:nvGrpSpPr>
+      <p:grpSpPr>
+        <a:xfrm>
+          <a:off x="0" y="0"/>
+          <a:ext cx="0" cy="0"/>
+          <a:chOff x="0" y="0"/>
+          <a:chExt cx="0" cy="0"/>
+        </a:xfrm>
+      </p:grpSpPr>
+      <p:sp>
+        <p:nvSpPr>
+          <p:cNvPr id="50177" name="Title 1">
+            <a:extLst>
+              <a:ext uri="{FF2B5EF4-FFF2-40B4-BE49-F238E27FC236}">
+                <a16:creationId xmlns:a16="http://schemas.microsoft.com/office/drawing/2014/main" id="{4F862BE3-CAB8-864C-9B8F-C7CEC381F978}"/>
+              </a:ext>
+            </a:extLst>
+          </p:cNvPr>
+          <p:cNvSpPr>
+            <a:spLocks noGrp="1" noChangeArrowheads="1"/>
+          </p:cNvSpPr>
+          <p:nvPr>
+            <p:ph type="title"/>
+          </p:nvPr>
+        </p:nvSpPr>
+        <p:spPr/>
+        <p:txBody>
+          <a:bodyPr/>
+          <a:lstStyle/>
+          <a:p>
+            <a:pPr eaLnBrk="1" hangingPunct="1"/>
+            <a:r>
+              <a:rPr lang="en-US" altLang="en-US" dirty="0">
+                <a:ea typeface="ＭＳ Ｐゴシック" panose="020B0600070205080204" pitchFamily="34" charset="-128"/>
+              </a:rPr>
+              <a:t>References</a:t>
+            </a:r>
+          </a:p>
+        </p:txBody>
+      </p:sp>
+      <p:sp>
+        <p:nvSpPr>
+          <p:cNvPr id="50178" name="Content Placeholder 2">
+            <a:extLst>
+              <a:ext uri="{FF2B5EF4-FFF2-40B4-BE49-F238E27FC236}">
+                <a16:creationId xmlns:a16="http://schemas.microsoft.com/office/drawing/2014/main" id="{327CB0B4-2578-5740-B0E0-F346965CCB10}"/>
+              </a:ext>
+            </a:extLst>
+          </p:cNvPr>
+          <p:cNvSpPr>
+            <a:spLocks noGrp="1" noChangeArrowheads="1"/>
+          </p:cNvSpPr>
+          <p:nvPr>
+            <p:ph idx="1"/>
+          </p:nvPr>
+        </p:nvSpPr>
+        <p:spPr>
+          <a:xfrm>
+            <a:off x="369870" y="1333500"/>
+            <a:ext cx="7621870" cy="3984625"/>
+          </a:xfrm>
+        </p:spPr>
+        <p:txBody>
+          <a:bodyPr/>
+          <a:lstStyle/>
+          <a:p>
+            <a:pPr marL="0" indent="0">
+              <a:buNone/>
+            </a:pPr>
+            <a:endParaRPr lang="en-US" altLang="en-US" sz="1833" dirty="0">
+              <a:latin typeface="Tahoma" panose="020B0604030504040204" pitchFamily="34" charset="0"/>
+              <a:ea typeface="ＭＳ Ｐゴシック" panose="020B0600070205080204" pitchFamily="34" charset="-128"/>
+            </a:endParaRPr>
+          </a:p>
+          <a:p>
+            <a:pPr marL="0" indent="0">
+              <a:buNone/>
+            </a:pPr>
+            <a:endParaRPr lang="en-US" altLang="en-US" sz="1833" dirty="0">
+              <a:latin typeface="Tahoma" panose="020B0604030504040204" pitchFamily="34" charset="0"/>
+              <a:ea typeface="ＭＳ Ｐゴシック" panose="020B0600070205080204" pitchFamily="34" charset="-128"/>
+            </a:endParaRPr>
+          </a:p>
+          <a:p>
+            <a:pPr marL="0" indent="0">
+              <a:buFontTx/>
+              <a:buAutoNum type="arabicParenR"/>
+            </a:pPr>
+            <a:r>
+              <a:rPr lang="en-US" altLang="en-US" sz="1833" dirty="0">
+                <a:latin typeface="Tahoma" panose="020B0604030504040204" pitchFamily="34" charset="0"/>
+                <a:ea typeface="ＭＳ Ｐゴシック" panose="020B0600070205080204" pitchFamily="34" charset="-128"/>
+              </a:rPr>
+              <a:t> AP </a:t>
+            </a:r>
+            <a:r>
+              <a:rPr lang="en-US" altLang="en-US" sz="1833" dirty="0" err="1">
+                <a:latin typeface="Tahoma" panose="020B0604030504040204" pitchFamily="34" charset="0"/>
+                <a:ea typeface="ＭＳ Ｐゴシック" panose="020B0600070205080204" pitchFamily="34" charset="-128"/>
+              </a:rPr>
+              <a:t>CollegeBoard</a:t>
+            </a:r>
+            <a:r>
+              <a:rPr lang="en-US" altLang="en-US" sz="1833" dirty="0">
+                <a:latin typeface="Tahoma" panose="020B0604030504040204" pitchFamily="34" charset="0"/>
+                <a:ea typeface="ＭＳ Ｐゴシック" panose="020B0600070205080204" pitchFamily="34" charset="-128"/>
+              </a:rPr>
+              <a:t>. AP Computer Science Course Description. (2020).</a:t>
+            </a:r>
+          </a:p>
+          <a:p>
+            <a:pPr marL="0" indent="0">
+              <a:buNone/>
+            </a:pPr>
+            <a:endParaRPr lang="en-US" altLang="en-US" sz="1833" dirty="0">
+              <a:latin typeface="Tahoma" panose="020B0604030504040204" pitchFamily="34" charset="0"/>
+              <a:ea typeface="ＭＳ Ｐゴシック" panose="020B0600070205080204" pitchFamily="34" charset="-128"/>
+            </a:endParaRPr>
+          </a:p>
+          <a:p>
+            <a:pPr marL="0" indent="0">
+              <a:buNone/>
+            </a:pPr>
+            <a:r>
+              <a:rPr lang="en-US" altLang="en-US" sz="1833" dirty="0">
+                <a:latin typeface="Tahoma" panose="020B0604030504040204" pitchFamily="34" charset="0"/>
+                <a:ea typeface="ＭＳ Ｐゴシック" panose="020B0600070205080204" pitchFamily="34" charset="-128"/>
+              </a:rPr>
+              <a:t>2) </a:t>
+            </a:r>
+            <a:r>
+              <a:rPr lang="en-US" altLang="en-US" sz="1833" dirty="0" err="1">
+                <a:latin typeface="Tahoma" panose="020B0604030504040204" pitchFamily="34" charset="0"/>
+                <a:ea typeface="ＭＳ Ｐゴシック" panose="020B0600070205080204" pitchFamily="34" charset="-128"/>
+              </a:rPr>
+              <a:t>Unversity</a:t>
+            </a:r>
+            <a:r>
+              <a:rPr lang="en-US" altLang="en-US" sz="1833" dirty="0">
+                <a:latin typeface="Tahoma" panose="020B0604030504040204" pitchFamily="34" charset="0"/>
+                <a:ea typeface="ＭＳ Ｐゴシック" panose="020B0600070205080204" pitchFamily="34" charset="-128"/>
+              </a:rPr>
+              <a:t> of Rhode Island. AP Computer Science Principles. Global Impact. Retrieved from </a:t>
+            </a:r>
+          </a:p>
+          <a:p>
+            <a:pPr marL="0" indent="0">
+              <a:buNone/>
+            </a:pPr>
+            <a:r>
+              <a:rPr lang="en-US" altLang="en-US" sz="1833" dirty="0">
+                <a:latin typeface="Tahoma" panose="020B0604030504040204" pitchFamily="34" charset="0"/>
+                <a:ea typeface="ＭＳ Ｐゴシック" panose="020B0600070205080204" pitchFamily="34" charset="-128"/>
+              </a:rPr>
+              <a:t>     </a:t>
+            </a:r>
+            <a:r>
+              <a:rPr lang="en-US" altLang="en-US" sz="1833" dirty="0">
+                <a:latin typeface="Tahoma" panose="020B0604030504040204" pitchFamily="34" charset="0"/>
+                <a:ea typeface="ＭＳ Ｐゴシック" panose="020B0600070205080204" pitchFamily="34" charset="-128"/>
+                <a:hlinkClick r:id="rId2"/>
+              </a:rPr>
+              <a:t>http://computing-concepts.cs.uri.edu/index.php/Main_Page</a:t>
+            </a:r>
+            <a:endParaRPr lang="en-US" altLang="en-US" sz="1833" dirty="0">
+              <a:latin typeface="Tahoma" panose="020B0604030504040204" pitchFamily="34" charset="0"/>
+              <a:ea typeface="ＭＳ Ｐゴシック" panose="020B0600070205080204" pitchFamily="34" charset="-128"/>
+            </a:endParaRPr>
+          </a:p>
+          <a:p>
+            <a:pPr marL="0" indent="0">
+              <a:buNone/>
+            </a:pPr>
+            <a:endParaRPr lang="en-US" altLang="en-US" sz="1833" dirty="0">
+              <a:latin typeface="Tahoma" panose="020B0604030504040204" pitchFamily="34" charset="0"/>
+              <a:ea typeface="ＭＳ Ｐゴシック" panose="020B0600070205080204" pitchFamily="34" charset="-128"/>
+            </a:endParaRPr>
+          </a:p>
+        </p:txBody>
+      </p:sp>
+    </p:spTree>
+    <p:extLst>
+      <p:ext uri="{BB962C8B-B14F-4D97-AF65-F5344CB8AC3E}">
+        <p14:creationId xmlns:p14="http://schemas.microsoft.com/office/powerpoint/2010/main" val="186989517"/>
+      </p:ext>
+    </p:extLst>
+  </p:cSld>
+  <p:clrMapOvr>
+    <a:masterClrMapping/>
+  </p:clrMapOvr>
+</p:sld>
+</file>
+
 <file path=ppt/slides/slide3.xml><?xml version="1.0" encoding="utf-8"?>
 <p:sld xmlns:a="http://schemas.openxmlformats.org/drawingml/2006/main" xmlns:r="http://schemas.openxmlformats.org/officeDocument/2006/relationships" xmlns:p="http://schemas.openxmlformats.org/presentationml/2006/main">
   <p:cSld>
@@ -27664,837 +26611,6 @@
 </p:sld>
 </file>
 
-<file path=ppt/slides/slide30.xml><?xml version="1.0" encoding="utf-8"?>
-<p:sld xmlns:a="http://schemas.openxmlformats.org/drawingml/2006/main" xmlns:r="http://schemas.openxmlformats.org/officeDocument/2006/relationships" xmlns:p="http://schemas.openxmlformats.org/presentationml/2006/main">
-  <p:cSld>
-    <p:spTree>
-      <p:nvGrpSpPr>
-        <p:cNvPr id="1" name=""/>
-        <p:cNvGrpSpPr/>
-        <p:nvPr/>
-      </p:nvGrpSpPr>
-      <p:grpSpPr>
-        <a:xfrm>
-          <a:off x="0" y="0"/>
-          <a:ext cx="0" cy="0"/>
-          <a:chOff x="0" y="0"/>
-          <a:chExt cx="0" cy="0"/>
-        </a:xfrm>
-      </p:grpSpPr>
-      <p:sp>
-        <p:nvSpPr>
-          <p:cNvPr id="51201" name="Rectangle 2">
-            <a:extLst>
-              <a:ext uri="{FF2B5EF4-FFF2-40B4-BE49-F238E27FC236}">
-                <a16:creationId xmlns:a16="http://schemas.microsoft.com/office/drawing/2014/main" id="{3CCB58DD-B169-C14C-B52C-FFE6690EC44E}"/>
-              </a:ext>
-            </a:extLst>
-          </p:cNvPr>
-          <p:cNvSpPr>
-            <a:spLocks noGrp="1" noChangeArrowheads="1"/>
-          </p:cNvSpPr>
-          <p:nvPr>
-            <p:ph type="title"/>
-          </p:nvPr>
-        </p:nvSpPr>
-        <p:spPr>
-          <a:xfrm>
-            <a:off x="215758" y="127000"/>
-            <a:ext cx="7886700" cy="1104636"/>
-          </a:xfrm>
-        </p:spPr>
-        <p:txBody>
-          <a:bodyPr/>
-          <a:lstStyle/>
-          <a:p>
-            <a:pPr eaLnBrk="1" hangingPunct="1"/>
-            <a:r>
-              <a:rPr lang="en-US" altLang="en-US" dirty="0">
-                <a:latin typeface="Tahoma" panose="020B0604030504040204" pitchFamily="34" charset="0"/>
-                <a:ea typeface="ＭＳ Ｐゴシック" panose="020B0600070205080204" pitchFamily="34" charset="-128"/>
-              </a:rPr>
-              <a:t>Malware</a:t>
-            </a:r>
-          </a:p>
-        </p:txBody>
-      </p:sp>
-      <p:sp>
-        <p:nvSpPr>
-          <p:cNvPr id="47106" name="Rectangle 3">
-            <a:extLst>
-              <a:ext uri="{FF2B5EF4-FFF2-40B4-BE49-F238E27FC236}">
-                <a16:creationId xmlns:a16="http://schemas.microsoft.com/office/drawing/2014/main" id="{64F0002E-82C3-5B47-91CB-42BC1288860E}"/>
-              </a:ext>
-            </a:extLst>
-          </p:cNvPr>
-          <p:cNvSpPr>
-            <a:spLocks noGrp="1" noChangeArrowheads="1"/>
-          </p:cNvSpPr>
-          <p:nvPr>
-            <p:ph type="body" idx="1"/>
-          </p:nvPr>
-        </p:nvSpPr>
-        <p:spPr>
-          <a:xfrm>
-            <a:off x="277401" y="1079500"/>
-            <a:ext cx="8650841" cy="4508500"/>
-          </a:xfrm>
-        </p:spPr>
-        <p:txBody>
-          <a:bodyPr/>
-          <a:lstStyle/>
-          <a:p>
-            <a:pPr marL="0" indent="0" eaLnBrk="1" hangingPunct="1">
-              <a:buNone/>
-            </a:pPr>
-            <a:r>
-              <a:rPr lang="en-US" altLang="en-US" sz="2000" dirty="0">
-                <a:latin typeface="Tahoma" panose="020B0604030504040204" pitchFamily="34" charset="0"/>
-                <a:ea typeface="ＭＳ Ｐゴシック" panose="020B0600070205080204" pitchFamily="34" charset="-128"/>
-              </a:rPr>
-              <a:t>emails can be a common delivery mechanism for </a:t>
-            </a:r>
-            <a:r>
-              <a:rPr lang="en-US" altLang="en-US" sz="2000" b="1" dirty="0">
-                <a:latin typeface="Tahoma" panose="020B0604030504040204" pitchFamily="34" charset="0"/>
-                <a:ea typeface="ＭＳ Ｐゴシック" panose="020B0600070205080204" pitchFamily="34" charset="-128"/>
-              </a:rPr>
-              <a:t>trojan horses</a:t>
-            </a:r>
-            <a:r>
-              <a:rPr lang="en-US" altLang="en-US" sz="2000" dirty="0">
-                <a:latin typeface="Tahoma" panose="020B0604030504040204" pitchFamily="34" charset="0"/>
-                <a:ea typeface="ＭＳ Ｐゴシック" panose="020B0600070205080204" pitchFamily="34" charset="-128"/>
-              </a:rPr>
-              <a:t>, programs that masquerade as harmless attachments, like a photo, but actually contain malicious software, called </a:t>
-            </a:r>
-            <a:r>
-              <a:rPr lang="en-US" altLang="en-US" sz="2000" b="1" dirty="0">
-                <a:latin typeface="Tahoma" panose="020B0604030504040204" pitchFamily="34" charset="0"/>
-                <a:ea typeface="ＭＳ Ｐゴシック" panose="020B0600070205080204" pitchFamily="34" charset="-128"/>
-              </a:rPr>
-              <a:t>malware</a:t>
-            </a:r>
-            <a:r>
-              <a:rPr lang="en-US" altLang="en-US" sz="2000" dirty="0">
-                <a:latin typeface="Tahoma" panose="020B0604030504040204" pitchFamily="34" charset="0"/>
-                <a:ea typeface="ＭＳ Ｐゴシック" panose="020B0600070205080204" pitchFamily="34" charset="-128"/>
-              </a:rPr>
-              <a:t>. </a:t>
-            </a:r>
-          </a:p>
-          <a:p>
-            <a:pPr marL="0" indent="0" eaLnBrk="1" hangingPunct="1">
-              <a:buNone/>
-            </a:pPr>
-            <a:endParaRPr lang="en-US" altLang="en-US" sz="2000" b="1" dirty="0">
-              <a:latin typeface="Tahoma" panose="020B0604030504040204" pitchFamily="34" charset="0"/>
-              <a:ea typeface="ＭＳ Ｐゴシック" panose="020B0600070205080204" pitchFamily="34" charset="-128"/>
-            </a:endParaRPr>
-          </a:p>
-          <a:p>
-            <a:pPr marL="0" indent="0" eaLnBrk="1" hangingPunct="1">
-              <a:buNone/>
-            </a:pPr>
-            <a:r>
-              <a:rPr lang="en-US" altLang="en-US" sz="2000" b="1" dirty="0">
-                <a:latin typeface="Tahoma" panose="020B0604030504040204" pitchFamily="34" charset="0"/>
-                <a:ea typeface="ＭＳ Ｐゴシック" panose="020B0600070205080204" pitchFamily="34" charset="-128"/>
-              </a:rPr>
-              <a:t>malware</a:t>
-            </a:r>
-            <a:r>
-              <a:rPr lang="en-US" altLang="en-US" sz="2000" dirty="0">
-                <a:latin typeface="Tahoma" panose="020B0604030504040204" pitchFamily="34" charset="0"/>
-                <a:ea typeface="ＭＳ Ｐゴシック" panose="020B0600070205080204" pitchFamily="34" charset="-128"/>
-              </a:rPr>
-              <a:t> can take on many forms.</a:t>
-            </a:r>
-          </a:p>
-          <a:p>
-            <a:pPr lvl="1" eaLnBrk="1" hangingPunct="1"/>
-            <a:r>
-              <a:rPr lang="en-US" altLang="en-US" sz="1667" dirty="0">
-                <a:latin typeface="Tahoma" panose="020B0604030504040204" pitchFamily="34" charset="0"/>
-              </a:rPr>
-              <a:t>some steal confidential data(</a:t>
-            </a:r>
-            <a:r>
-              <a:rPr lang="en-US" altLang="en-US" sz="1667" b="1" dirty="0">
-                <a:latin typeface="Tahoma" panose="020B0604030504040204" pitchFamily="34" charset="0"/>
-              </a:rPr>
-              <a:t>spyware</a:t>
-            </a:r>
-            <a:r>
-              <a:rPr lang="en-US" altLang="en-US" sz="1667" dirty="0">
-                <a:latin typeface="Tahoma" panose="020B0604030504040204" pitchFamily="34" charset="0"/>
-              </a:rPr>
-              <a:t>)</a:t>
-            </a:r>
-          </a:p>
-          <a:p>
-            <a:pPr lvl="2" eaLnBrk="1" hangingPunct="1"/>
-            <a:r>
-              <a:rPr lang="en-US" altLang="en-US" sz="1667" dirty="0">
-                <a:latin typeface="Tahoma" panose="020B0604030504040204" pitchFamily="34" charset="0"/>
-              </a:rPr>
-              <a:t>install </a:t>
-            </a:r>
-            <a:r>
-              <a:rPr lang="en-US" altLang="en-US" sz="1667" b="1" dirty="0">
-                <a:latin typeface="Tahoma" panose="020B0604030504040204" pitchFamily="34" charset="0"/>
-              </a:rPr>
-              <a:t>keylogger</a:t>
-            </a:r>
-            <a:r>
-              <a:rPr lang="en-US" altLang="en-US" sz="1667" dirty="0">
-                <a:latin typeface="Tahoma" panose="020B0604030504040204" pitchFamily="34" charset="0"/>
-              </a:rPr>
-              <a:t>, that records all your keystrokes and send them to a remote source.</a:t>
-            </a:r>
-          </a:p>
-          <a:p>
-            <a:pPr lvl="1" eaLnBrk="1" hangingPunct="1"/>
-            <a:r>
-              <a:rPr lang="en-US" altLang="en-US" sz="1667" dirty="0">
-                <a:latin typeface="Tahoma" panose="020B0604030504040204" pitchFamily="34" charset="0"/>
-              </a:rPr>
-              <a:t>others encrypt data and demand a ransom(</a:t>
-            </a:r>
-            <a:r>
-              <a:rPr lang="en-US" altLang="en-US" sz="1667" b="1" dirty="0">
-                <a:latin typeface="Tahoma" panose="020B0604030504040204" pitchFamily="34" charset="0"/>
-              </a:rPr>
-              <a:t>ransomware</a:t>
-            </a:r>
-            <a:r>
-              <a:rPr lang="en-US" altLang="en-US" sz="1667" dirty="0">
-                <a:latin typeface="Tahoma" panose="020B0604030504040204" pitchFamily="34" charset="0"/>
-              </a:rPr>
-              <a:t>)</a:t>
-            </a:r>
-          </a:p>
-          <a:p>
-            <a:pPr lvl="1" eaLnBrk="1" hangingPunct="1"/>
-            <a:r>
-              <a:rPr lang="en-US" altLang="en-US" sz="1667" b="1" dirty="0">
-                <a:latin typeface="Tahoma" panose="020B0604030504040204" pitchFamily="34" charset="0"/>
-              </a:rPr>
-              <a:t>virus</a:t>
-            </a:r>
-            <a:r>
-              <a:rPr lang="en-US" altLang="en-US" sz="1667" dirty="0">
-                <a:latin typeface="Tahoma" panose="020B0604030504040204" pitchFamily="34" charset="0"/>
-              </a:rPr>
-              <a:t>: attach itself to a file or program and harm your computer if opened. </a:t>
-            </a:r>
-          </a:p>
-          <a:p>
-            <a:pPr lvl="2" eaLnBrk="1" hangingPunct="1"/>
-            <a:r>
-              <a:rPr lang="en-US" altLang="en-US" sz="1667" dirty="0">
-                <a:latin typeface="Tahoma" panose="020B0604030504040204" pitchFamily="34" charset="0"/>
-              </a:rPr>
-              <a:t>delete files, slow down computer</a:t>
-            </a:r>
-          </a:p>
-          <a:p>
-            <a:pPr lvl="2" eaLnBrk="1" hangingPunct="1"/>
-            <a:r>
-              <a:rPr lang="en-US" altLang="en-US" sz="1667" dirty="0">
-                <a:latin typeface="Tahoma" panose="020B0604030504040204" pitchFamily="34" charset="0"/>
-              </a:rPr>
-              <a:t>requires human interaction(running or opening the file)</a:t>
-            </a:r>
-          </a:p>
-          <a:p>
-            <a:pPr lvl="1" eaLnBrk="1" hangingPunct="1"/>
-            <a:r>
-              <a:rPr lang="en-US" altLang="en-US" sz="1667" b="1" dirty="0">
-                <a:latin typeface="Tahoma" panose="020B0604030504040204" pitchFamily="34" charset="0"/>
-              </a:rPr>
-              <a:t>worms</a:t>
-            </a:r>
-            <a:r>
-              <a:rPr lang="en-US" altLang="en-US" sz="1667" dirty="0">
-                <a:latin typeface="Tahoma" panose="020B0604030504040204" pitchFamily="34" charset="0"/>
-              </a:rPr>
-              <a:t>: similar to virus but can self-propagate without user interaction.</a:t>
-            </a:r>
-          </a:p>
-          <a:p>
-            <a:pPr lvl="1" eaLnBrk="1" hangingPunct="1"/>
-            <a:endParaRPr lang="en-US" altLang="en-US" sz="1667" dirty="0">
-              <a:latin typeface="Tahoma" panose="020B0604030504040204" pitchFamily="34" charset="0"/>
-            </a:endParaRPr>
-          </a:p>
-          <a:p>
-            <a:pPr lvl="1" eaLnBrk="1" hangingPunct="1"/>
-            <a:endParaRPr lang="en-US" altLang="en-US" sz="1667" dirty="0">
-              <a:latin typeface="Tahoma" panose="020B0604030504040204" pitchFamily="34" charset="0"/>
-            </a:endParaRPr>
-          </a:p>
-          <a:p>
-            <a:pPr lvl="1" eaLnBrk="1" hangingPunct="1"/>
-            <a:endParaRPr lang="en-US" altLang="en-US" sz="1667" dirty="0">
-              <a:latin typeface="Tahoma" panose="020B0604030504040204" pitchFamily="34" charset="0"/>
-            </a:endParaRPr>
-          </a:p>
-          <a:p>
-            <a:pPr lvl="1" eaLnBrk="1" hangingPunct="1"/>
-            <a:endParaRPr lang="en-US" altLang="en-US" sz="1667" dirty="0">
-              <a:latin typeface="Tahoma" panose="020B0604030504040204" pitchFamily="34" charset="0"/>
-            </a:endParaRPr>
-          </a:p>
-        </p:txBody>
-      </p:sp>
-    </p:spTree>
-    <p:extLst>
-      <p:ext uri="{BB962C8B-B14F-4D97-AF65-F5344CB8AC3E}">
-        <p14:creationId xmlns:p14="http://schemas.microsoft.com/office/powerpoint/2010/main" val="154962666"/>
-      </p:ext>
-    </p:extLst>
-  </p:cSld>
-  <p:clrMapOvr>
-    <a:masterClrMapping/>
-  </p:clrMapOvr>
-  <p:transition/>
-  <p:timing>
-    <p:tnLst>
-      <p:par>
-        <p:cTn id="1" dur="indefinite" restart="never" nodeType="tmRoot">
-          <p:childTnLst>
-            <p:seq concurrent="1" nextAc="seek">
-              <p:cTn id="2" dur="indefinite" nodeType="mainSeq">
-                <p:childTnLst>
-                  <p:par>
-                    <p:cTn id="3" fill="hold" nodeType="clickPar">
-                      <p:stCondLst>
-                        <p:cond delay="indefinite"/>
-                      </p:stCondLst>
-                      <p:childTnLst>
-                        <p:par>
-                          <p:cTn id="4" fill="hold" nodeType="withGroup">
-                            <p:stCondLst>
-                              <p:cond delay="0"/>
-                            </p:stCondLst>
-                            <p:childTnLst>
-                              <p:par>
-                                <p:cTn id="5" presetID="1" presetClass="entr" presetSubtype="0" fill="hold" nodeType="clickEffect">
-                                  <p:stCondLst>
-                                    <p:cond delay="0"/>
-                                  </p:stCondLst>
-                                  <p:childTnLst>
-                                    <p:set>
-                                      <p:cBhvr>
-                                        <p:cTn id="6" dur="1" fill="hold">
-                                          <p:stCondLst>
-                                            <p:cond delay="0"/>
-                                          </p:stCondLst>
-                                        </p:cTn>
-                                        <p:tgtEl>
-                                          <p:spTgt spid="47106">
-                                            <p:txEl>
-                                              <p:pRg st="2" end="2"/>
-                                            </p:txEl>
-                                          </p:spTgt>
-                                        </p:tgtEl>
-                                        <p:attrNameLst>
-                                          <p:attrName>style.visibility</p:attrName>
-                                        </p:attrNameLst>
-                                      </p:cBhvr>
-                                      <p:to>
-                                        <p:strVal val="visible"/>
-                                      </p:to>
-                                    </p:set>
-                                  </p:childTnLst>
-                                </p:cTn>
-                              </p:par>
-                              <p:par>
-                                <p:cTn id="7" presetID="1" presetClass="entr" presetSubtype="0" fill="hold" nodeType="withEffect">
-                                  <p:stCondLst>
-                                    <p:cond delay="0"/>
-                                  </p:stCondLst>
-                                  <p:childTnLst>
-                                    <p:set>
-                                      <p:cBhvr>
-                                        <p:cTn id="8" dur="1" fill="hold">
-                                          <p:stCondLst>
-                                            <p:cond delay="0"/>
-                                          </p:stCondLst>
-                                        </p:cTn>
-                                        <p:tgtEl>
-                                          <p:spTgt spid="47106">
-                                            <p:txEl>
-                                              <p:pRg st="3" end="3"/>
-                                            </p:txEl>
-                                          </p:spTgt>
-                                        </p:tgtEl>
-                                        <p:attrNameLst>
-                                          <p:attrName>style.visibility</p:attrName>
-                                        </p:attrNameLst>
-                                      </p:cBhvr>
-                                      <p:to>
-                                        <p:strVal val="visible"/>
-                                      </p:to>
-                                    </p:set>
-                                  </p:childTnLst>
-                                </p:cTn>
-                              </p:par>
-                              <p:par>
-                                <p:cTn id="9" presetID="1" presetClass="entr" presetSubtype="0" fill="hold" nodeType="withEffect">
-                                  <p:stCondLst>
-                                    <p:cond delay="0"/>
-                                  </p:stCondLst>
-                                  <p:childTnLst>
-                                    <p:set>
-                                      <p:cBhvr>
-                                        <p:cTn id="10" dur="1" fill="hold">
-                                          <p:stCondLst>
-                                            <p:cond delay="0"/>
-                                          </p:stCondLst>
-                                        </p:cTn>
-                                        <p:tgtEl>
-                                          <p:spTgt spid="47106">
-                                            <p:txEl>
-                                              <p:pRg st="4" end="4"/>
-                                            </p:txEl>
-                                          </p:spTgt>
-                                        </p:tgtEl>
-                                        <p:attrNameLst>
-                                          <p:attrName>style.visibility</p:attrName>
-                                        </p:attrNameLst>
-                                      </p:cBhvr>
-                                      <p:to>
-                                        <p:strVal val="visible"/>
-                                      </p:to>
-                                    </p:set>
-                                  </p:childTnLst>
-                                </p:cTn>
-                              </p:par>
-                            </p:childTnLst>
-                          </p:cTn>
-                        </p:par>
-                      </p:childTnLst>
-                    </p:cTn>
-                  </p:par>
-                  <p:par>
-                    <p:cTn id="11" fill="hold" nodeType="clickPar">
-                      <p:stCondLst>
-                        <p:cond delay="indefinite"/>
-                      </p:stCondLst>
-                      <p:childTnLst>
-                        <p:par>
-                          <p:cTn id="12" fill="hold" nodeType="withGroup">
-                            <p:stCondLst>
-                              <p:cond delay="0"/>
-                            </p:stCondLst>
-                            <p:childTnLst>
-                              <p:par>
-                                <p:cTn id="13" presetID="1" presetClass="entr" presetSubtype="0" fill="hold" nodeType="clickEffect">
-                                  <p:stCondLst>
-                                    <p:cond delay="0"/>
-                                  </p:stCondLst>
-                                  <p:childTnLst>
-                                    <p:set>
-                                      <p:cBhvr>
-                                        <p:cTn id="14" dur="1" fill="hold">
-                                          <p:stCondLst>
-                                            <p:cond delay="0"/>
-                                          </p:stCondLst>
-                                        </p:cTn>
-                                        <p:tgtEl>
-                                          <p:spTgt spid="47106">
-                                            <p:txEl>
-                                              <p:pRg st="5" end="5"/>
-                                            </p:txEl>
-                                          </p:spTgt>
-                                        </p:tgtEl>
-                                        <p:attrNameLst>
-                                          <p:attrName>style.visibility</p:attrName>
-                                        </p:attrNameLst>
-                                      </p:cBhvr>
-                                      <p:to>
-                                        <p:strVal val="visible"/>
-                                      </p:to>
-                                    </p:set>
-                                  </p:childTnLst>
-                                </p:cTn>
-                              </p:par>
-                              <p:par>
-                                <p:cTn id="15" presetID="1" presetClass="entr" presetSubtype="0" fill="hold" nodeType="withEffect">
-                                  <p:stCondLst>
-                                    <p:cond delay="0"/>
-                                  </p:stCondLst>
-                                  <p:childTnLst>
-                                    <p:set>
-                                      <p:cBhvr>
-                                        <p:cTn id="16" dur="1" fill="hold">
-                                          <p:stCondLst>
-                                            <p:cond delay="0"/>
-                                          </p:stCondLst>
-                                        </p:cTn>
-                                        <p:tgtEl>
-                                          <p:spTgt spid="47106">
-                                            <p:txEl>
-                                              <p:pRg st="6" end="6"/>
-                                            </p:txEl>
-                                          </p:spTgt>
-                                        </p:tgtEl>
-                                        <p:attrNameLst>
-                                          <p:attrName>style.visibility</p:attrName>
-                                        </p:attrNameLst>
-                                      </p:cBhvr>
-                                      <p:to>
-                                        <p:strVal val="visible"/>
-                                      </p:to>
-                                    </p:set>
-                                  </p:childTnLst>
-                                </p:cTn>
-                              </p:par>
-                              <p:par>
-                                <p:cTn id="17" presetID="1" presetClass="entr" presetSubtype="0" fill="hold" nodeType="withEffect">
-                                  <p:stCondLst>
-                                    <p:cond delay="0"/>
-                                  </p:stCondLst>
-                                  <p:childTnLst>
-                                    <p:set>
-                                      <p:cBhvr>
-                                        <p:cTn id="18" dur="1" fill="hold">
-                                          <p:stCondLst>
-                                            <p:cond delay="0"/>
-                                          </p:stCondLst>
-                                        </p:cTn>
-                                        <p:tgtEl>
-                                          <p:spTgt spid="47106">
-                                            <p:txEl>
-                                              <p:pRg st="7" end="7"/>
-                                            </p:txEl>
-                                          </p:spTgt>
-                                        </p:tgtEl>
-                                        <p:attrNameLst>
-                                          <p:attrName>style.visibility</p:attrName>
-                                        </p:attrNameLst>
-                                      </p:cBhvr>
-                                      <p:to>
-                                        <p:strVal val="visible"/>
-                                      </p:to>
-                                    </p:set>
-                                  </p:childTnLst>
-                                </p:cTn>
-                              </p:par>
-                              <p:par>
-                                <p:cTn id="19" presetID="1" presetClass="entr" presetSubtype="0" fill="hold" nodeType="withEffect">
-                                  <p:stCondLst>
-                                    <p:cond delay="0"/>
-                                  </p:stCondLst>
-                                  <p:childTnLst>
-                                    <p:set>
-                                      <p:cBhvr>
-                                        <p:cTn id="20" dur="1" fill="hold">
-                                          <p:stCondLst>
-                                            <p:cond delay="0"/>
-                                          </p:stCondLst>
-                                        </p:cTn>
-                                        <p:tgtEl>
-                                          <p:spTgt spid="47106">
-                                            <p:txEl>
-                                              <p:pRg st="8" end="8"/>
-                                            </p:txEl>
-                                          </p:spTgt>
-                                        </p:tgtEl>
-                                        <p:attrNameLst>
-                                          <p:attrName>style.visibility</p:attrName>
-                                        </p:attrNameLst>
-                                      </p:cBhvr>
-                                      <p:to>
-                                        <p:strVal val="visible"/>
-                                      </p:to>
-                                    </p:set>
-                                  </p:childTnLst>
-                                </p:cTn>
-                              </p:par>
-                            </p:childTnLst>
-                          </p:cTn>
-                        </p:par>
-                      </p:childTnLst>
-                    </p:cTn>
-                  </p:par>
-                  <p:par>
-                    <p:cTn id="21" fill="hold" nodeType="clickPar">
-                      <p:stCondLst>
-                        <p:cond delay="indefinite"/>
-                      </p:stCondLst>
-                      <p:childTnLst>
-                        <p:par>
-                          <p:cTn id="22" fill="hold" nodeType="withGroup">
-                            <p:stCondLst>
-                              <p:cond delay="0"/>
-                            </p:stCondLst>
-                            <p:childTnLst>
-                              <p:par>
-                                <p:cTn id="23" presetID="1" presetClass="entr" presetSubtype="0" fill="hold" nodeType="clickEffect">
-                                  <p:stCondLst>
-                                    <p:cond delay="0"/>
-                                  </p:stCondLst>
-                                  <p:childTnLst>
-                                    <p:set>
-                                      <p:cBhvr>
-                                        <p:cTn id="24" dur="1" fill="hold">
-                                          <p:stCondLst>
-                                            <p:cond delay="0"/>
-                                          </p:stCondLst>
-                                        </p:cTn>
-                                        <p:tgtEl>
-                                          <p:spTgt spid="47106">
-                                            <p:txEl>
-                                              <p:pRg st="9" end="9"/>
-                                            </p:txEl>
-                                          </p:spTgt>
-                                        </p:tgtEl>
-                                        <p:attrNameLst>
-                                          <p:attrName>style.visibility</p:attrName>
-                                        </p:attrNameLst>
-                                      </p:cBhvr>
-                                      <p:to>
-                                        <p:strVal val="visible"/>
-                                      </p:to>
-                                    </p:set>
-                                  </p:childTnLst>
-                                </p:cTn>
-                              </p:par>
-                            </p:childTnLst>
-                          </p:cTn>
-                        </p:par>
-                      </p:childTnLst>
-                    </p:cTn>
-                  </p:par>
-                </p:childTnLst>
-              </p:cTn>
-              <p:prevCondLst>
-                <p:cond evt="onPrev" delay="0">
-                  <p:tgtEl>
-                    <p:sldTgt/>
-                  </p:tgtEl>
-                </p:cond>
-              </p:prevCondLst>
-              <p:nextCondLst>
-                <p:cond evt="onNext" delay="0">
-                  <p:tgtEl>
-                    <p:sldTgt/>
-                  </p:tgtEl>
-                </p:cond>
-              </p:nextCondLst>
-            </p:seq>
-          </p:childTnLst>
-        </p:cTn>
-      </p:par>
-    </p:tnLst>
-  </p:timing>
-</p:sld>
-</file>
-
-<file path=ppt/slides/slide31.xml><?xml version="1.0" encoding="utf-8"?>
-<p:sld xmlns:a="http://schemas.openxmlformats.org/drawingml/2006/main" xmlns:r="http://schemas.openxmlformats.org/officeDocument/2006/relationships" xmlns:p="http://schemas.openxmlformats.org/presentationml/2006/main">
-  <p:cSld>
-    <p:spTree>
-      <p:nvGrpSpPr>
-        <p:cNvPr id="1" name=""/>
-        <p:cNvGrpSpPr/>
-        <p:nvPr/>
-      </p:nvGrpSpPr>
-      <p:grpSpPr>
-        <a:xfrm>
-          <a:off x="0" y="0"/>
-          <a:ext cx="0" cy="0"/>
-          <a:chOff x="0" y="0"/>
-          <a:chExt cx="0" cy="0"/>
-        </a:xfrm>
-      </p:grpSpPr>
-      <p:sp>
-        <p:nvSpPr>
-          <p:cNvPr id="50177" name="Title 1">
-            <a:extLst>
-              <a:ext uri="{FF2B5EF4-FFF2-40B4-BE49-F238E27FC236}">
-                <a16:creationId xmlns:a16="http://schemas.microsoft.com/office/drawing/2014/main" id="{4F862BE3-CAB8-864C-9B8F-C7CEC381F978}"/>
-              </a:ext>
-            </a:extLst>
-          </p:cNvPr>
-          <p:cNvSpPr>
-            <a:spLocks noGrp="1" noChangeArrowheads="1"/>
-          </p:cNvSpPr>
-          <p:nvPr>
-            <p:ph type="title"/>
-          </p:nvPr>
-        </p:nvSpPr>
-        <p:spPr/>
-        <p:txBody>
-          <a:bodyPr/>
-          <a:lstStyle/>
-          <a:p>
-            <a:pPr eaLnBrk="1" hangingPunct="1"/>
-            <a:r>
-              <a:rPr lang="en-US" altLang="en-US" dirty="0">
-                <a:ea typeface="ＭＳ Ｐゴシック" panose="020B0600070205080204" pitchFamily="34" charset="-128"/>
-              </a:rPr>
-              <a:t>References</a:t>
-            </a:r>
-          </a:p>
-        </p:txBody>
-      </p:sp>
-      <p:sp>
-        <p:nvSpPr>
-          <p:cNvPr id="50178" name="Content Placeholder 2">
-            <a:extLst>
-              <a:ext uri="{FF2B5EF4-FFF2-40B4-BE49-F238E27FC236}">
-                <a16:creationId xmlns:a16="http://schemas.microsoft.com/office/drawing/2014/main" id="{327CB0B4-2578-5740-B0E0-F346965CCB10}"/>
-              </a:ext>
-            </a:extLst>
-          </p:cNvPr>
-          <p:cNvSpPr>
-            <a:spLocks noGrp="1" noChangeArrowheads="1"/>
-          </p:cNvSpPr>
-          <p:nvPr>
-            <p:ph idx="1"/>
-          </p:nvPr>
-        </p:nvSpPr>
-        <p:spPr>
-          <a:xfrm>
-            <a:off x="369870" y="1333500"/>
-            <a:ext cx="7621870" cy="3984625"/>
-          </a:xfrm>
-        </p:spPr>
-        <p:txBody>
-          <a:bodyPr/>
-          <a:lstStyle/>
-          <a:p>
-            <a:pPr marL="0" indent="0">
-              <a:buNone/>
-            </a:pPr>
-            <a:endParaRPr lang="en-US" altLang="en-US" sz="1833" dirty="0">
-              <a:latin typeface="Tahoma" panose="020B0604030504040204" pitchFamily="34" charset="0"/>
-              <a:ea typeface="ＭＳ Ｐゴシック" panose="020B0600070205080204" pitchFamily="34" charset="-128"/>
-            </a:endParaRPr>
-          </a:p>
-          <a:p>
-            <a:pPr marL="0" indent="0">
-              <a:buNone/>
-            </a:pPr>
-            <a:endParaRPr lang="en-US" altLang="en-US" sz="1833" dirty="0">
-              <a:latin typeface="Tahoma" panose="020B0604030504040204" pitchFamily="34" charset="0"/>
-              <a:ea typeface="ＭＳ Ｐゴシック" panose="020B0600070205080204" pitchFamily="34" charset="-128"/>
-            </a:endParaRPr>
-          </a:p>
-          <a:p>
-            <a:pPr marL="0" indent="0">
-              <a:buFontTx/>
-              <a:buAutoNum type="arabicParenR"/>
-            </a:pPr>
-            <a:r>
-              <a:rPr lang="en-US" altLang="en-US" sz="1833" dirty="0">
-                <a:latin typeface="Tahoma" panose="020B0604030504040204" pitchFamily="34" charset="0"/>
-                <a:ea typeface="ＭＳ Ｐゴシック" panose="020B0600070205080204" pitchFamily="34" charset="-128"/>
-              </a:rPr>
-              <a:t> AP </a:t>
-            </a:r>
-            <a:r>
-              <a:rPr lang="en-US" altLang="en-US" sz="1833" dirty="0" err="1">
-                <a:latin typeface="Tahoma" panose="020B0604030504040204" pitchFamily="34" charset="0"/>
-                <a:ea typeface="ＭＳ Ｐゴシック" panose="020B0600070205080204" pitchFamily="34" charset="-128"/>
-              </a:rPr>
-              <a:t>CollegeBoard</a:t>
-            </a:r>
-            <a:r>
-              <a:rPr lang="en-US" altLang="en-US" sz="1833" dirty="0">
-                <a:latin typeface="Tahoma" panose="020B0604030504040204" pitchFamily="34" charset="0"/>
-                <a:ea typeface="ＭＳ Ｐゴシック" panose="020B0600070205080204" pitchFamily="34" charset="-128"/>
-              </a:rPr>
-              <a:t>. AP Computer Science Course Description. (2020).</a:t>
-            </a:r>
-          </a:p>
-          <a:p>
-            <a:pPr marL="0" indent="0">
-              <a:buNone/>
-            </a:pPr>
-            <a:endParaRPr lang="en-US" altLang="en-US" sz="1833" dirty="0">
-              <a:latin typeface="Tahoma" panose="020B0604030504040204" pitchFamily="34" charset="0"/>
-              <a:ea typeface="ＭＳ Ｐゴシック" panose="020B0600070205080204" pitchFamily="34" charset="-128"/>
-            </a:endParaRPr>
-          </a:p>
-          <a:p>
-            <a:pPr marL="0" indent="0">
-              <a:buNone/>
-            </a:pPr>
-            <a:r>
-              <a:rPr lang="en-US" altLang="en-US" sz="1833" dirty="0">
-                <a:latin typeface="Tahoma" panose="020B0604030504040204" pitchFamily="34" charset="0"/>
-                <a:ea typeface="ＭＳ Ｐゴシック" panose="020B0600070205080204" pitchFamily="34" charset="-128"/>
-              </a:rPr>
-              <a:t>2) </a:t>
-            </a:r>
-            <a:r>
-              <a:rPr lang="en-US" altLang="en-US" sz="1833" dirty="0" err="1">
-                <a:latin typeface="Tahoma" panose="020B0604030504040204" pitchFamily="34" charset="0"/>
-                <a:ea typeface="ＭＳ Ｐゴシック" panose="020B0600070205080204" pitchFamily="34" charset="-128"/>
-              </a:rPr>
-              <a:t>Unversity</a:t>
-            </a:r>
-            <a:r>
-              <a:rPr lang="en-US" altLang="en-US" sz="1833" dirty="0">
-                <a:latin typeface="Tahoma" panose="020B0604030504040204" pitchFamily="34" charset="0"/>
-                <a:ea typeface="ＭＳ Ｐゴシック" panose="020B0600070205080204" pitchFamily="34" charset="-128"/>
-              </a:rPr>
-              <a:t> of Rhode Island. AP Computer Science Principles. Global Impact. Retrieved from </a:t>
-            </a:r>
-          </a:p>
-          <a:p>
-            <a:pPr marL="0" indent="0">
-              <a:buNone/>
-            </a:pPr>
-            <a:r>
-              <a:rPr lang="en-US" altLang="en-US" sz="1833" dirty="0">
-                <a:latin typeface="Tahoma" panose="020B0604030504040204" pitchFamily="34" charset="0"/>
-                <a:ea typeface="ＭＳ Ｐゴシック" panose="020B0600070205080204" pitchFamily="34" charset="-128"/>
-              </a:rPr>
-              <a:t>     </a:t>
-            </a:r>
-            <a:r>
-              <a:rPr lang="en-US" altLang="en-US" sz="1833" dirty="0">
-                <a:latin typeface="Tahoma" panose="020B0604030504040204" pitchFamily="34" charset="0"/>
-                <a:ea typeface="ＭＳ Ｐゴシック" panose="020B0600070205080204" pitchFamily="34" charset="-128"/>
-                <a:hlinkClick r:id="rId2"/>
-              </a:rPr>
-              <a:t>http://computing-concepts.cs.uri.edu/index.php/Main_Page</a:t>
-            </a:r>
-            <a:endParaRPr lang="en-US" altLang="en-US" sz="1833" dirty="0">
-              <a:latin typeface="Tahoma" panose="020B0604030504040204" pitchFamily="34" charset="0"/>
-              <a:ea typeface="ＭＳ Ｐゴシック" panose="020B0600070205080204" pitchFamily="34" charset="-128"/>
-            </a:endParaRPr>
-          </a:p>
-          <a:p>
-            <a:pPr marL="0" indent="0">
-              <a:buNone/>
-            </a:pPr>
-            <a:endParaRPr lang="en-US" altLang="en-US" sz="1833" dirty="0">
-              <a:latin typeface="Tahoma" panose="020B0604030504040204" pitchFamily="34" charset="0"/>
-              <a:ea typeface="ＭＳ Ｐゴシック" panose="020B0600070205080204" pitchFamily="34" charset="-128"/>
-            </a:endParaRPr>
-          </a:p>
-        </p:txBody>
-      </p:sp>
-    </p:spTree>
-    <p:extLst>
-      <p:ext uri="{BB962C8B-B14F-4D97-AF65-F5344CB8AC3E}">
-        <p14:creationId xmlns:p14="http://schemas.microsoft.com/office/powerpoint/2010/main" val="186989517"/>
-      </p:ext>
-    </p:extLst>
-  </p:cSld>
-  <p:clrMapOvr>
-    <a:masterClrMapping/>
-  </p:clrMapOvr>
-</p:sld>
-</file>
-
 <file path=ppt/slides/slide4.xml><?xml version="1.0" encoding="utf-8"?>
 <p:sld xmlns:a="http://schemas.openxmlformats.org/drawingml/2006/main" xmlns:r="http://schemas.openxmlformats.org/officeDocument/2006/relationships" xmlns:p="http://schemas.openxmlformats.org/presentationml/2006/main">
   <p:cSld>
@@ -29370,7 +27486,7 @@
             </a:pPr>
             <a:r>
               <a:rPr lang="en-US" dirty="0"/>
-              <a:t>It is not possible for a programmer to consider all the ways a computing innovation can be used. </a:t>
+              <a:t>Rapid sharing of a program or running a program with a large number of users can result in significant impacts beyond the intended purpose or control of the programmer. </a:t>
             </a:r>
           </a:p>
           <a:p>
@@ -29480,55 +27596,6 @@
                                           <p:spTgt spid="5">
                                             <p:txEl>
                                               <p:pRg st="3" end="3"/>
-                                            </p:txEl>
-                                          </p:spTgt>
-                                        </p:tgtEl>
-                                        <p:attrNameLst>
-                                          <p:attrName>style.visibility</p:attrName>
-                                        </p:attrNameLst>
-                                      </p:cBhvr>
-                                      <p:to>
-                                        <p:strVal val="visible"/>
-                                      </p:to>
-                                    </p:set>
-                                  </p:childTnLst>
-                                </p:cTn>
-                              </p:par>
-                            </p:childTnLst>
-                          </p:cTn>
-                        </p:par>
-                      </p:childTnLst>
-                    </p:cTn>
-                  </p:par>
-                  <p:par>
-                    <p:cTn id="11" fill="hold">
-                      <p:stCondLst>
-                        <p:cond delay="indefinite"/>
-                      </p:stCondLst>
-                      <p:childTnLst>
-                        <p:par>
-                          <p:cTn id="12" fill="hold">
-                            <p:stCondLst>
-                              <p:cond delay="0"/>
-                            </p:stCondLst>
-                            <p:childTnLst>
-                              <p:par>
-                                <p:cTn id="13" presetID="1" presetClass="entr" presetSubtype="0" fill="hold" nodeType="clickEffect">
-                                  <p:stCondLst>
-                                    <p:cond delay="0"/>
-                                  </p:stCondLst>
-                                  <p:childTnLst>
-                                    <p:set>
-                                      <p:cBhvr>
-                                        <p:cTn id="14" dur="1" fill="hold">
-                                          <p:stCondLst>
-                                            <p:cond delay="0"/>
-                                          </p:stCondLst>
-                                        </p:cTn>
-                                        <p:tgtEl>
-                                          <p:spTgt spid="5">
-                                            <p:txEl>
-                                              <p:pRg st="5" end="5"/>
                                             </p:txEl>
                                           </p:spTgt>
                                         </p:tgtEl>
@@ -30918,23 +28985,55 @@
           </a:xfrm>
         </p:spPr>
         <p:txBody>
-          <a:bodyPr/>
+          <a:bodyPr>
+            <a:normAutofit lnSpcReduction="10000"/>
+          </a:bodyPr>
           <a:lstStyle/>
+          <a:p>
+            <a:pPr marL="0" indent="0">
+              <a:buNone/>
+            </a:pPr>
+            <a:r>
+              <a:rPr lang="en-US" sz="2000" dirty="0">
+                <a:latin typeface="Tahoma" panose="020B0604030504040204" pitchFamily="34" charset="0"/>
+                <a:ea typeface="Tahoma" panose="020B0604030504040204" pitchFamily="34" charset="0"/>
+                <a:cs typeface="Tahoma" panose="020B0604030504040204" pitchFamily="34" charset="0"/>
+              </a:rPr>
+              <a:t>Widespread access to information and public data facilitates the identification of problems, development of solutions, and dissemination of results. </a:t>
+            </a:r>
+            <a:endParaRPr lang="en-US" altLang="en-US" sz="1800" dirty="0">
+              <a:latin typeface="Tahoma" panose="020B0604030504040204" pitchFamily="34" charset="0"/>
+              <a:ea typeface="Tahoma" panose="020B0604030504040204" pitchFamily="34" charset="0"/>
+              <a:cs typeface="Tahoma" panose="020B0604030504040204" pitchFamily="34" charset="0"/>
+            </a:endParaRPr>
+          </a:p>
           <a:p>
             <a:pPr marL="0" indent="0" eaLnBrk="1" hangingPunct="1">
               <a:buNone/>
             </a:pPr>
+            <a:endParaRPr lang="en-US" altLang="en-US" sz="1833" b="1" dirty="0">
+              <a:latin typeface="Tahoma" panose="020B0604030504040204" pitchFamily="34" charset="0"/>
+              <a:ea typeface="Tahoma" panose="020B0604030504040204" pitchFamily="34" charset="0"/>
+              <a:cs typeface="Tahoma" panose="020B0604030504040204" pitchFamily="34" charset="0"/>
+            </a:endParaRPr>
+          </a:p>
+          <a:p>
+            <a:pPr marL="0" indent="0" eaLnBrk="1" hangingPunct="1">
+              <a:buNone/>
+            </a:pPr>
             <a:r>
               <a:rPr lang="en-US" altLang="en-US" sz="1833" b="1" dirty="0">
                 <a:latin typeface="Tahoma" panose="020B0604030504040204" pitchFamily="34" charset="0"/>
-                <a:ea typeface="ＭＳ Ｐゴシック" panose="020B0600070205080204" pitchFamily="34" charset="-128"/>
+                <a:ea typeface="Tahoma" panose="020B0604030504040204" pitchFamily="34" charset="0"/>
+                <a:cs typeface="Tahoma" panose="020B0604030504040204" pitchFamily="34" charset="0"/>
               </a:rPr>
               <a:t>Crowdsourcing</a:t>
             </a:r>
             <a:r>
               <a:rPr lang="en-US" altLang="en-US" sz="1833" dirty="0">
                 <a:latin typeface="Tahoma" panose="020B0604030504040204" pitchFamily="34" charset="0"/>
-                <a:ea typeface="ＭＳ Ｐゴシック" panose="020B0600070205080204" pitchFamily="34" charset="-128"/>
+                <a:ea typeface="Tahoma" panose="020B0604030504040204" pitchFamily="34" charset="0"/>
+                <a:cs typeface="Tahoma" panose="020B0604030504040204" pitchFamily="34" charset="0"/>
               </a:rPr>
               <a:t> is a sourcing model in which individuals or organizations obtain goods and services, including ideas and finances, from a large group of internet users.</a:t>
             </a:r>
@@ -30944,6 +29043,8 @@
             <a:r>
               <a:rPr lang="en-US" altLang="en-US" sz="1500" dirty="0">
                 <a:latin typeface="Tahoma" panose="020B0604030504040204" pitchFamily="34" charset="0"/>
+                <a:ea typeface="Tahoma" panose="020B0604030504040204" pitchFamily="34" charset="0"/>
+                <a:cs typeface="Tahoma" panose="020B0604030504040204" pitchFamily="34" charset="0"/>
               </a:rPr>
               <a:t>it divides work between participants to achieve a cumulative result. </a:t>
             </a:r>
@@ -30953,6 +29054,8 @@
             <a:r>
               <a:rPr lang="en-US" altLang="en-US" sz="1500" dirty="0">
                 <a:latin typeface="Tahoma" panose="020B0604030504040204" pitchFamily="34" charset="0"/>
+                <a:ea typeface="Tahoma" panose="020B0604030504040204" pitchFamily="34" charset="0"/>
+                <a:cs typeface="Tahoma" panose="020B0604030504040204" pitchFamily="34" charset="0"/>
               </a:rPr>
               <a:t>E.g. “idea competitions” and “innovation contests”. (Netflix Prize, Lego Ideas)</a:t>
             </a:r>
@@ -30962,6 +29065,8 @@
             <a:r>
               <a:rPr lang="en-US" altLang="en-US" sz="1500" dirty="0">
                 <a:latin typeface="Tahoma" panose="020B0604030504040204" pitchFamily="34" charset="0"/>
+                <a:ea typeface="Tahoma" panose="020B0604030504040204" pitchFamily="34" charset="0"/>
+                <a:cs typeface="Tahoma" panose="020B0604030504040204" pitchFamily="34" charset="0"/>
               </a:rPr>
               <a:t>Tedious "microtasks" performed in parallel by large, paid crowds (e.g. Amazon Mechanical Turk, Bitcoin miners) are another form of crowdsourcing.</a:t>
             </a:r>
@@ -31004,7 +29109,8 @@
             </a:pPr>
             <a:endParaRPr lang="en-US" altLang="en-US" sz="1833" dirty="0">
               <a:latin typeface="Tahoma" panose="020B0604030504040204" pitchFamily="34" charset="0"/>
-              <a:ea typeface="ＭＳ Ｐゴシック" panose="020B0600070205080204" pitchFamily="34" charset="-128"/>
+              <a:ea typeface="Tahoma" panose="020B0604030504040204" pitchFamily="34" charset="0"/>
+              <a:cs typeface="Tahoma" panose="020B0604030504040204" pitchFamily="34" charset="0"/>
             </a:endParaRPr>
           </a:p>
           <a:p>
@@ -31014,7 +29120,8 @@
             <a:r>
               <a:rPr lang="en-US" altLang="en-US" sz="1833" dirty="0">
                 <a:latin typeface="Tahoma" panose="020B0604030504040204" pitchFamily="34" charset="0"/>
-                <a:ea typeface="ＭＳ Ｐゴシック" panose="020B0600070205080204" pitchFamily="34" charset="-128"/>
+                <a:ea typeface="Tahoma" panose="020B0604030504040204" pitchFamily="34" charset="0"/>
+                <a:cs typeface="Tahoma" panose="020B0604030504040204" pitchFamily="34" charset="0"/>
               </a:rPr>
               <a:t>Crowdsourcing offers new models for collaboration, such as connecting businesses or social causes with funding. </a:t>
             </a:r>
@@ -31025,7 +29132,8 @@
             </a:pPr>
             <a:endParaRPr lang="en-US" altLang="en-US" sz="1833" dirty="0">
               <a:latin typeface="Tahoma" panose="020B0604030504040204" pitchFamily="34" charset="0"/>
-              <a:ea typeface="ＭＳ Ｐゴシック" panose="020B0600070205080204" pitchFamily="34" charset="-128"/>
+              <a:ea typeface="Tahoma" panose="020B0604030504040204" pitchFamily="34" charset="0"/>
+              <a:cs typeface="Tahoma" panose="020B0604030504040204" pitchFamily="34" charset="0"/>
             </a:endParaRPr>
           </a:p>
         </p:txBody>
@@ -31050,13 +29158,13 @@
               <p:cTn id="2" dur="indefinite" nodeType="mainSeq">
                 <p:childTnLst>
                   <p:par>
-                    <p:cTn id="3" fill="hold" nodeType="clickPar">
+                    <p:cTn id="3" fill="hold">
                       <p:stCondLst>
                         <p:cond delay="indefinite"/>
                       </p:stCondLst>
                       <p:childTnLst>
                         <p:par>
-                          <p:cTn id="4" fill="hold" nodeType="withGroup">
+                          <p:cTn id="4" fill="hold">
                             <p:stCondLst>
                               <p:cond delay="0"/>
                             </p:stCondLst>
@@ -31077,7 +29185,7 @@
                                         <p:tgtEl>
                                           <p:spTgt spid="16386">
                                             <p:txEl>
-                                              <p:pRg st="0" end="0"/>
+                                              <p:pRg st="2" end="2"/>
                                             </p:txEl>
                                           </p:spTgt>
                                         </p:tgtEl>
@@ -31099,13 +29207,13 @@
                     </p:cTn>
                   </p:par>
                   <p:par>
-                    <p:cTn id="7" fill="hold" nodeType="clickPar">
+                    <p:cTn id="7" fill="hold">
                       <p:stCondLst>
                         <p:cond delay="indefinite"/>
                       </p:stCondLst>
                       <p:childTnLst>
                         <p:par>
-                          <p:cTn id="8" fill="hold" nodeType="withGroup">
+                          <p:cTn id="8" fill="hold">
                             <p:stCondLst>
                               <p:cond delay="0"/>
                             </p:stCondLst>
@@ -31126,7 +29234,7 @@
                                         <p:tgtEl>
                                           <p:spTgt spid="16386">
                                             <p:txEl>
-                                              <p:pRg st="1" end="1"/>
+                                              <p:pRg st="0" end="0"/>
                                             </p:txEl>
                                           </p:spTgt>
                                         </p:tgtEl>
@@ -31175,7 +29283,7 @@
                                         <p:tgtEl>
                                           <p:spTgt spid="16386">
                                             <p:txEl>
-                                              <p:pRg st="2" end="2"/>
+                                              <p:pRg st="3" end="3"/>
                                             </p:txEl>
                                           </p:spTgt>
                                         </p:tgtEl>
@@ -31224,7 +29332,7 @@
                                         <p:tgtEl>
                                           <p:spTgt spid="16386">
                                             <p:txEl>
-                                              <p:pRg st="3" end="3"/>
+                                              <p:pRg st="4" end="4"/>
                                             </p:txEl>
                                           </p:spTgt>
                                         </p:tgtEl>
@@ -31246,13 +29354,13 @@
                     </p:cTn>
                   </p:par>
                   <p:par>
-                    <p:cTn id="19" fill="hold">
+                    <p:cTn id="19" fill="hold" nodeType="clickPar">
                       <p:stCondLst>
                         <p:cond delay="indefinite"/>
                       </p:stCondLst>
                       <p:childTnLst>
                         <p:par>
-                          <p:cTn id="20" fill="hold">
+                          <p:cTn id="20" fill="hold" nodeType="withGroup">
                             <p:stCondLst>
                               <p:cond delay="0"/>
                             </p:stCondLst>
@@ -31273,7 +29381,7 @@
                                         <p:tgtEl>
                                           <p:spTgt spid="16386">
                                             <p:txEl>
-                                              <p:pRg st="4" end="4"/>
+                                              <p:pRg st="5" end="5"/>
                                             </p:txEl>
                                           </p:spTgt>
                                         </p:tgtEl>
@@ -31323,6 +29431,55 @@
                                           <p:spTgt spid="16386">
                                             <p:txEl>
                                               <p:pRg st="6" end="6"/>
+                                            </p:txEl>
+                                          </p:spTgt>
+                                        </p:tgtEl>
+                                        <p:attrNameLst>
+                                          <p:attrName>style.visibility</p:attrName>
+                                        </p:attrNameLst>
+                                      </p:cBhvr>
+                                      <p:to>
+                                        <p:strVal val="visible"/>
+                                      </p:to>
+                                    </p:set>
+                                  </p:childTnLst>
+                                </p:cTn>
+                              </p:par>
+                            </p:childTnLst>
+                          </p:cTn>
+                        </p:par>
+                      </p:childTnLst>
+                    </p:cTn>
+                  </p:par>
+                  <p:par>
+                    <p:cTn id="27" fill="hold">
+                      <p:stCondLst>
+                        <p:cond delay="indefinite"/>
+                      </p:stCondLst>
+                      <p:childTnLst>
+                        <p:par>
+                          <p:cTn id="28" fill="hold">
+                            <p:stCondLst>
+                              <p:cond delay="0"/>
+                            </p:stCondLst>
+                            <p:childTnLst>
+                              <p:par>
+                                <p:cTn id="29" presetID="1" presetClass="entr" presetSubtype="0" fill="hold" nodeType="clickEffect">
+                                  <p:stCondLst>
+                                    <p:cond delay="0"/>
+                                  </p:stCondLst>
+                                  <p:childTnLst>
+                                    <p:set>
+                                      <p:cBhvr>
+                                        <p:cTn id="30" dur="1" fill="hold">
+                                          <p:stCondLst>
+                                            <p:cond delay="0"/>
+                                          </p:stCondLst>
+                                        </p:cTn>
+                                        <p:tgtEl>
+                                          <p:spTgt spid="16386">
+                                            <p:txEl>
+                                              <p:pRg st="8" end="8"/>
                                             </p:txEl>
                                           </p:spTgt>
                                         </p:tgtEl>

--- a/courses/apcsp/lect19.pptx
+++ b/courses/apcsp/lect19.pptx
@@ -4109,7 +4109,7 @@
   <pc:docChgLst>
     <pc:chgData name="Long Nguyen" userId="f59fb8f3-a021-417a-8bc1-65c8d471c621" providerId="ADAL" clId="{9E9E5F5A-7190-2943-95D4-1A1ED8423A79}"/>
     <pc:docChg chg="custSel addSld delSld modSld">
-      <pc:chgData name="Long Nguyen" userId="f59fb8f3-a021-417a-8bc1-65c8d471c621" providerId="ADAL" clId="{9E9E5F5A-7190-2943-95D4-1A1ED8423A79}" dt="2022-03-24T11:59:00.858" v="246" actId="2696"/>
+      <pc:chgData name="Long Nguyen" userId="f59fb8f3-a021-417a-8bc1-65c8d471c621" providerId="ADAL" clId="{9E9E5F5A-7190-2943-95D4-1A1ED8423A79}" dt="2022-03-24T14:36:35.941" v="247" actId="20577"/>
       <pc:docMkLst>
         <pc:docMk/>
       </pc:docMkLst>
@@ -4237,6 +4237,21 @@
             <pc:docMk/>
             <pc:sldMk cId="3082545194" sldId="600"/>
             <ac:spMk id="28673" creationId="{907EFF68-9C71-F04B-B369-88AED7B7A835}"/>
+          </ac:spMkLst>
+        </pc:spChg>
+      </pc:sldChg>
+      <pc:sldChg chg="modSp mod">
+        <pc:chgData name="Long Nguyen" userId="f59fb8f3-a021-417a-8bc1-65c8d471c621" providerId="ADAL" clId="{9E9E5F5A-7190-2943-95D4-1A1ED8423A79}" dt="2022-03-24T14:36:35.941" v="247" actId="20577"/>
+        <pc:sldMkLst>
+          <pc:docMk/>
+          <pc:sldMk cId="186989517" sldId="612"/>
+        </pc:sldMkLst>
+        <pc:spChg chg="mod">
+          <ac:chgData name="Long Nguyen" userId="f59fb8f3-a021-417a-8bc1-65c8d471c621" providerId="ADAL" clId="{9E9E5F5A-7190-2943-95D4-1A1ED8423A79}" dt="2022-03-24T14:36:35.941" v="247" actId="20577"/>
+          <ac:spMkLst>
+            <pc:docMk/>
+            <pc:sldMk cId="186989517" sldId="612"/>
+            <ac:spMk id="50178" creationId="{327CB0B4-2578-5740-B0E0-F346965CCB10}"/>
           </ac:spMkLst>
         </pc:spChg>
       </pc:sldChg>
@@ -26061,7 +26076,7 @@
                 <a:latin typeface="Tahoma" panose="020B0604030504040204" pitchFamily="34" charset="0"/>
                 <a:ea typeface="ＭＳ Ｐゴシック" panose="020B0600070205080204" pitchFamily="34" charset="-128"/>
               </a:rPr>
-              <a:t>Unversity</a:t>
+              <a:t>Uinversity</a:t>
             </a:r>
             <a:r>
               <a:rPr lang="en-US" altLang="en-US" sz="1833" dirty="0">

--- a/courses/apcsp/lect19.pptx
+++ b/courses/apcsp/lect19.pptx
@@ -146,7 +146,7 @@
 <file path=ppt/revisionInfo.xml><?xml version="1.0" encoding="utf-8"?>
 <p1510:revInfo xmlns:a="http://schemas.openxmlformats.org/drawingml/2006/main" xmlns:r="http://schemas.openxmlformats.org/officeDocument/2006/relationships" xmlns:p1510="http://schemas.microsoft.com/office/powerpoint/2015/10/main">
   <p1510:revLst>
-    <p1510:client id="{9E9E5F5A-7190-2943-95D4-1A1ED8423A79}" v="161" dt="2022-03-24T11:57:50.388"/>
+    <p1510:client id="{BFF36CE0-60EF-8B47-B70B-E2DD14C37FCA}" v="31" dt="2023-03-22T12:29:31.491"/>
   </p1510:revLst>
 </p1510:revInfo>
 </file>
@@ -4715,6 +4715,60 @@
       </pc:sldChg>
     </pc:docChg>
   </pc:docChgLst>
+  <pc:docChgLst>
+    <pc:chgData name="Long Nguyen" userId="f59fb8f3-a021-417a-8bc1-65c8d471c621" providerId="ADAL" clId="{BFF36CE0-60EF-8B47-B70B-E2DD14C37FCA}"/>
+    <pc:docChg chg="modSld">
+      <pc:chgData name="Long Nguyen" userId="f59fb8f3-a021-417a-8bc1-65c8d471c621" providerId="ADAL" clId="{BFF36CE0-60EF-8B47-B70B-E2DD14C37FCA}" dt="2023-03-22T12:29:31.491" v="30" actId="255"/>
+      <pc:docMkLst>
+        <pc:docMk/>
+      </pc:docMkLst>
+      <pc:sldChg chg="modSp">
+        <pc:chgData name="Long Nguyen" userId="f59fb8f3-a021-417a-8bc1-65c8d471c621" providerId="ADAL" clId="{BFF36CE0-60EF-8B47-B70B-E2DD14C37FCA}" dt="2023-03-22T12:28:15.206" v="2" actId="255"/>
+        <pc:sldMkLst>
+          <pc:docMk/>
+          <pc:sldMk cId="316487430" sldId="619"/>
+        </pc:sldMkLst>
+        <pc:spChg chg="mod">
+          <ac:chgData name="Long Nguyen" userId="f59fb8f3-a021-417a-8bc1-65c8d471c621" providerId="ADAL" clId="{BFF36CE0-60EF-8B47-B70B-E2DD14C37FCA}" dt="2023-03-22T12:28:15.206" v="2" actId="255"/>
+          <ac:spMkLst>
+            <pc:docMk/>
+            <pc:sldMk cId="316487430" sldId="619"/>
+            <ac:spMk id="16386" creationId="{8A97D40A-E6BF-E14C-B07D-5BAE101CB071}"/>
+          </ac:spMkLst>
+        </pc:spChg>
+      </pc:sldChg>
+      <pc:sldChg chg="modSp">
+        <pc:chgData name="Long Nguyen" userId="f59fb8f3-a021-417a-8bc1-65c8d471c621" providerId="ADAL" clId="{BFF36CE0-60EF-8B47-B70B-E2DD14C37FCA}" dt="2023-03-22T12:28:56.220" v="28" actId="20577"/>
+        <pc:sldMkLst>
+          <pc:docMk/>
+          <pc:sldMk cId="655231489" sldId="620"/>
+        </pc:sldMkLst>
+        <pc:spChg chg="mod">
+          <ac:chgData name="Long Nguyen" userId="f59fb8f3-a021-417a-8bc1-65c8d471c621" providerId="ADAL" clId="{BFF36CE0-60EF-8B47-B70B-E2DD14C37FCA}" dt="2023-03-22T12:28:56.220" v="28" actId="20577"/>
+          <ac:spMkLst>
+            <pc:docMk/>
+            <pc:sldMk cId="655231489" sldId="620"/>
+            <ac:spMk id="16386" creationId="{8A97D40A-E6BF-E14C-B07D-5BAE101CB071}"/>
+          </ac:spMkLst>
+        </pc:spChg>
+      </pc:sldChg>
+      <pc:sldChg chg="modSp">
+        <pc:chgData name="Long Nguyen" userId="f59fb8f3-a021-417a-8bc1-65c8d471c621" providerId="ADAL" clId="{BFF36CE0-60EF-8B47-B70B-E2DD14C37FCA}" dt="2023-03-22T12:29:31.491" v="30" actId="255"/>
+        <pc:sldMkLst>
+          <pc:docMk/>
+          <pc:sldMk cId="3767073501" sldId="621"/>
+        </pc:sldMkLst>
+        <pc:spChg chg="mod">
+          <ac:chgData name="Long Nguyen" userId="f59fb8f3-a021-417a-8bc1-65c8d471c621" providerId="ADAL" clId="{BFF36CE0-60EF-8B47-B70B-E2DD14C37FCA}" dt="2023-03-22T12:29:31.491" v="30" actId="255"/>
+          <ac:spMkLst>
+            <pc:docMk/>
+            <pc:sldMk cId="3767073501" sldId="621"/>
+            <ac:spMk id="16386" creationId="{8AED6484-1413-8C45-B6F1-BD8A0459A082}"/>
+          </ac:spMkLst>
+        </pc:spChg>
+      </pc:sldChg>
+    </pc:docChg>
+  </pc:docChgLst>
 </pc:chgInfo>
 </file>
 
@@ -4800,7 +4854,7 @@
           <a:p>
             <a:fld id="{6EDD99D2-A624-5E4F-A4E3-584054837B5A}" type="datetimeFigureOut">
               <a:rPr lang="en-US" smtClean="0"/>
-              <a:t>3/24/22</a:t>
+              <a:t>3/22/23</a:t>
             </a:fld>
             <a:endParaRPr lang="en-US"/>
           </a:p>
@@ -12974,7 +13028,7 @@
           <a:p>
             <a:fld id="{4AAD347D-5ACD-4C99-B74B-A9C85AD731AF}" type="datetimeFigureOut">
               <a:rPr lang="en-US" smtClean="0"/>
-              <a:t>3/24/22</a:t>
+              <a:t>3/22/23</a:t>
             </a:fld>
             <a:endParaRPr lang="en-US" dirty="0"/>
           </a:p>
@@ -13144,7 +13198,7 @@
           <a:p>
             <a:fld id="{4509A250-FF31-4206-8172-F9D3106AACB1}" type="datetimeFigureOut">
               <a:rPr lang="en-US" smtClean="0"/>
-              <a:t>3/24/22</a:t>
+              <a:t>3/22/23</a:t>
             </a:fld>
             <a:endParaRPr lang="en-US" dirty="0"/>
           </a:p>
@@ -13324,7 +13378,7 @@
           <a:p>
             <a:fld id="{4509A250-FF31-4206-8172-F9D3106AACB1}" type="datetimeFigureOut">
               <a:rPr lang="en-US" smtClean="0"/>
-              <a:t>3/24/22</a:t>
+              <a:t>3/22/23</a:t>
             </a:fld>
             <a:endParaRPr lang="en-US" dirty="0"/>
           </a:p>
@@ -13494,7 +13548,7 @@
           <a:p>
             <a:fld id="{4509A250-FF31-4206-8172-F9D3106AACB1}" type="datetimeFigureOut">
               <a:rPr lang="en-US" smtClean="0"/>
-              <a:t>3/24/22</a:t>
+              <a:t>3/22/23</a:t>
             </a:fld>
             <a:endParaRPr lang="en-US" dirty="0"/>
           </a:p>
@@ -13740,7 +13794,7 @@
           <a:p>
             <a:fld id="{9796027F-7875-4030-9381-8BD8C4F21935}" type="datetimeFigureOut">
               <a:rPr lang="en-US" smtClean="0"/>
-              <a:t>3/24/22</a:t>
+              <a:t>3/22/23</a:t>
             </a:fld>
             <a:endParaRPr lang="en-US" dirty="0"/>
           </a:p>
@@ -13972,7 +14026,7 @@
           <a:p>
             <a:fld id="{9796027F-7875-4030-9381-8BD8C4F21935}" type="datetimeFigureOut">
               <a:rPr lang="en-US" smtClean="0"/>
-              <a:t>3/24/22</a:t>
+              <a:t>3/22/23</a:t>
             </a:fld>
             <a:endParaRPr lang="en-US" dirty="0"/>
           </a:p>
@@ -14339,7 +14393,7 @@
           <a:p>
             <a:fld id="{9796027F-7875-4030-9381-8BD8C4F21935}" type="datetimeFigureOut">
               <a:rPr lang="en-US" smtClean="0"/>
-              <a:t>3/24/22</a:t>
+              <a:t>3/22/23</a:t>
             </a:fld>
             <a:endParaRPr lang="en-US" dirty="0"/>
           </a:p>
@@ -14457,7 +14511,7 @@
           <a:p>
             <a:fld id="{4509A250-FF31-4206-8172-F9D3106AACB1}" type="datetimeFigureOut">
               <a:rPr lang="en-US" smtClean="0"/>
-              <a:t>3/24/22</a:t>
+              <a:t>3/22/23</a:t>
             </a:fld>
             <a:endParaRPr lang="en-US" dirty="0"/>
           </a:p>
@@ -14552,7 +14606,7 @@
           <a:p>
             <a:fld id="{4509A250-FF31-4206-8172-F9D3106AACB1}" type="datetimeFigureOut">
               <a:rPr lang="en-US" smtClean="0"/>
-              <a:t>3/24/22</a:t>
+              <a:t>3/22/23</a:t>
             </a:fld>
             <a:endParaRPr lang="en-US" dirty="0"/>
           </a:p>
@@ -14829,7 +14883,7 @@
           <a:p>
             <a:fld id="{4509A250-FF31-4206-8172-F9D3106AACB1}" type="datetimeFigureOut">
               <a:rPr lang="en-US" smtClean="0"/>
-              <a:t>3/24/22</a:t>
+              <a:t>3/22/23</a:t>
             </a:fld>
             <a:endParaRPr lang="en-US" dirty="0"/>
           </a:p>
@@ -15086,7 +15140,7 @@
           <a:p>
             <a:fld id="{4509A250-FF31-4206-8172-F9D3106AACB1}" type="datetimeFigureOut">
               <a:rPr lang="en-US" smtClean="0"/>
-              <a:t>3/24/22</a:t>
+              <a:t>3/22/23</a:t>
             </a:fld>
             <a:endParaRPr lang="en-US" dirty="0"/>
           </a:p>
@@ -15299,7 +15353,7 @@
           <a:p>
             <a:fld id="{4AAD347D-5ACD-4C99-B74B-A9C85AD731AF}" type="datetimeFigureOut">
               <a:rPr lang="en-US" smtClean="0"/>
-              <a:t>3/24/22</a:t>
+              <a:t>3/22/23</a:t>
             </a:fld>
             <a:endParaRPr lang="en-US" dirty="0"/>
           </a:p>
@@ -27733,14 +27787,16 @@
           </a:xfrm>
         </p:spPr>
         <p:txBody>
-          <a:bodyPr/>
+          <a:bodyPr>
+            <a:normAutofit/>
+          </a:bodyPr>
           <a:lstStyle/>
           <a:p>
             <a:pPr marL="0" indent="0">
               <a:buNone/>
             </a:pPr>
-            <a:endParaRPr lang="en-US" altLang="en-US" sz="1667" dirty="0">
-              <a:latin typeface="Tahoma" panose="020B0604030504040204" pitchFamily="34" charset="0"/>
+            <a:endParaRPr lang="en-US" altLang="en-US" sz="2000" dirty="0">
+              <a:latin typeface="Gill Sans MT" panose="020B0502020104020203" pitchFamily="34" charset="77"/>
               <a:ea typeface="ＭＳ Ｐゴシック" panose="020B0600070205080204" pitchFamily="34" charset="-128"/>
             </a:endParaRPr>
           </a:p>
@@ -27749,8 +27805,8 @@
               <a:buNone/>
             </a:pPr>
             <a:r>
-              <a:rPr lang="en-US" altLang="en-US" sz="1667" dirty="0">
-                <a:latin typeface="Tahoma" panose="020B0604030504040204" pitchFamily="34" charset="0"/>
+              <a:rPr lang="en-US" altLang="en-US" sz="2000" dirty="0">
+                <a:latin typeface="Gill Sans MT" panose="020B0502020104020203" pitchFamily="34" charset="77"/>
                 <a:ea typeface="ＭＳ Ｐゴシック" panose="020B0600070205080204" pitchFamily="34" charset="-128"/>
               </a:rPr>
               <a:t>Internet access varies between socioeconomic, geographic, and demographic characteristics, as well as between countries. </a:t>
@@ -27760,8 +27816,8 @@
             <a:pPr marL="0" indent="0">
               <a:buNone/>
             </a:pPr>
-            <a:endParaRPr lang="en-US" altLang="en-US" sz="1667" dirty="0">
-              <a:latin typeface="Tahoma" panose="020B0604030504040204" pitchFamily="34" charset="0"/>
+            <a:endParaRPr lang="en-US" altLang="en-US" sz="2000" dirty="0">
+              <a:latin typeface="Gill Sans MT" panose="020B0502020104020203" pitchFamily="34" charset="77"/>
               <a:ea typeface="ＭＳ Ｐゴシック" panose="020B0600070205080204" pitchFamily="34" charset="-128"/>
             </a:endParaRPr>
           </a:p>
@@ -27770,23 +27826,23 @@
               <a:buNone/>
             </a:pPr>
             <a:r>
-              <a:rPr lang="en-US" altLang="en-US" sz="1667" dirty="0">
-                <a:latin typeface="Tahoma" panose="020B0604030504040204" pitchFamily="34" charset="0"/>
+              <a:rPr lang="en-US" altLang="en-US" sz="2000" dirty="0">
+                <a:latin typeface="Gill Sans MT" panose="020B0502020104020203" pitchFamily="34" charset="77"/>
                 <a:ea typeface="ＭＳ Ｐゴシック" panose="020B0600070205080204" pitchFamily="34" charset="-128"/>
               </a:rPr>
               <a:t>The </a:t>
             </a:r>
             <a:r>
-              <a:rPr lang="en-US" altLang="en-US" sz="1667" b="1" dirty="0">
-                <a:latin typeface="Tahoma" panose="020B0604030504040204" pitchFamily="34" charset="0"/>
+              <a:rPr lang="en-US" altLang="en-US" sz="2000" b="1" dirty="0">
+                <a:latin typeface="Gill Sans MT" panose="020B0502020104020203" pitchFamily="34" charset="77"/>
                 <a:ea typeface="Tahoma" panose="020B0604030504040204" pitchFamily="34" charset="0"/>
                 <a:cs typeface="Tahoma" panose="020B0604030504040204" pitchFamily="34" charset="0"/>
               </a:rPr>
               <a:t>digital divide</a:t>
             </a:r>
             <a:r>
-              <a:rPr lang="en-US" altLang="en-US" sz="1667" dirty="0">
-                <a:latin typeface="Tahoma" panose="020B0604030504040204" pitchFamily="34" charset="0"/>
+              <a:rPr lang="en-US" altLang="en-US" sz="2000" dirty="0">
+                <a:latin typeface="Gill Sans MT" panose="020B0502020104020203" pitchFamily="34" charset="77"/>
                 <a:ea typeface="ＭＳ Ｐゴシック" panose="020B0600070205080204" pitchFamily="34" charset="-128"/>
               </a:rPr>
               <a:t> is the gap that exists between individuals who have access to modern information and communication technology and those who lack access. This difference in access to computing devices and technology is based on socioeconomic, geographic, or demographic characteristics. </a:t>
@@ -27796,8 +27852,8 @@
             <a:pPr marL="0" indent="0">
               <a:buNone/>
             </a:pPr>
-            <a:endParaRPr lang="en-US" altLang="en-US" sz="1667" dirty="0">
-              <a:latin typeface="Tahoma" panose="020B0604030504040204" pitchFamily="34" charset="0"/>
+            <a:endParaRPr lang="en-US" altLang="en-US" sz="2000" dirty="0">
+              <a:latin typeface="Gill Sans MT" panose="020B0502020104020203" pitchFamily="34" charset="77"/>
               <a:ea typeface="ＭＳ Ｐゴシック" panose="020B0600070205080204" pitchFamily="34" charset="-128"/>
             </a:endParaRPr>
           </a:p>
@@ -27806,8 +27862,8 @@
               <a:buNone/>
             </a:pPr>
             <a:r>
-              <a:rPr lang="en-US" altLang="en-US" sz="1667" dirty="0">
-                <a:latin typeface="Tahoma" panose="020B0604030504040204" pitchFamily="34" charset="0"/>
+              <a:rPr lang="en-US" altLang="en-US" sz="2000" dirty="0">
+                <a:latin typeface="Gill Sans MT" panose="020B0502020104020203" pitchFamily="34" charset="77"/>
                 <a:ea typeface="ＭＳ Ｐゴシック" panose="020B0600070205080204" pitchFamily="34" charset="-128"/>
               </a:rPr>
               <a:t>The digital divide:</a:t>
@@ -27815,8 +27871,8 @@
           </a:p>
           <a:p>
             <a:r>
-              <a:rPr lang="en-US" altLang="en-US" sz="1667" dirty="0">
-                <a:latin typeface="Tahoma" panose="020B0604030504040204" pitchFamily="34" charset="0"/>
+              <a:rPr lang="en-US" altLang="en-US" sz="2000" dirty="0">
+                <a:latin typeface="Gill Sans MT" panose="020B0502020104020203" pitchFamily="34" charset="77"/>
                 <a:ea typeface="ＭＳ Ｐゴシック" panose="020B0600070205080204" pitchFamily="34" charset="-128"/>
               </a:rPr>
               <a:t>can affect both groups and individuals</a:t>
@@ -27824,8 +27880,8 @@
           </a:p>
           <a:p>
             <a:r>
-              <a:rPr lang="en-US" altLang="en-US" sz="1667" dirty="0">
-                <a:latin typeface="Tahoma" panose="020B0604030504040204" pitchFamily="34" charset="0"/>
+              <a:rPr lang="en-US" altLang="en-US" sz="2000" dirty="0">
+                <a:latin typeface="Gill Sans MT" panose="020B0502020104020203" pitchFamily="34" charset="77"/>
                 <a:ea typeface="ＭＳ Ｐゴシック" panose="020B0600070205080204" pitchFamily="34" charset="-128"/>
               </a:rPr>
               <a:t>raises issues of equity, access, and influence, both globally and locally. </a:t>
@@ -27833,8 +27889,8 @@
           </a:p>
           <a:p>
             <a:r>
-              <a:rPr lang="en-US" altLang="en-US" sz="1667" dirty="0">
-                <a:latin typeface="Tahoma" panose="020B0604030504040204" pitchFamily="34" charset="0"/>
+              <a:rPr lang="en-US" altLang="en-US" sz="2000" dirty="0">
+                <a:latin typeface="Gill Sans MT" panose="020B0502020104020203" pitchFamily="34" charset="77"/>
                 <a:ea typeface="ＭＳ Ｐゴシック" panose="020B0600070205080204" pitchFamily="34" charset="-128"/>
               </a:rPr>
               <a:t>is affected by the actions of individuals, organizations, and governments. </a:t>
@@ -27844,8 +27900,8 @@
             <a:pPr marL="0" indent="0" eaLnBrk="1" hangingPunct="1">
               <a:buNone/>
             </a:pPr>
-            <a:endParaRPr lang="en-US" altLang="en-US" sz="1667" dirty="0">
-              <a:latin typeface="Tahoma" panose="020B0604030504040204" pitchFamily="34" charset="0"/>
+            <a:endParaRPr lang="en-US" altLang="en-US" sz="2000" dirty="0">
+              <a:latin typeface="Gill Sans MT" panose="020B0502020104020203" pitchFamily="34" charset="77"/>
               <a:ea typeface="ＭＳ Ｐゴシック" panose="020B0600070205080204" pitchFamily="34" charset="-128"/>
             </a:endParaRPr>
           </a:p>
@@ -27853,8 +27909,8 @@
             <a:pPr marL="0" indent="0" eaLnBrk="1" hangingPunct="1">
               <a:buNone/>
             </a:pPr>
-            <a:endParaRPr lang="en-US" altLang="en-US" sz="1667" dirty="0">
-              <a:latin typeface="Tahoma" panose="020B0604030504040204" pitchFamily="34" charset="0"/>
+            <a:endParaRPr lang="en-US" altLang="en-US" sz="2000" dirty="0">
+              <a:latin typeface="Gill Sans MT" panose="020B0502020104020203" pitchFamily="34" charset="77"/>
               <a:ea typeface="ＭＳ Ｐゴシック" panose="020B0600070205080204" pitchFamily="34" charset="-128"/>
             </a:endParaRPr>
           </a:p>
@@ -27862,8 +27918,8 @@
             <a:pPr marL="0" indent="0" eaLnBrk="1" hangingPunct="1">
               <a:buNone/>
             </a:pPr>
-            <a:endParaRPr lang="en-US" altLang="en-US" sz="1667" dirty="0">
-              <a:latin typeface="Tahoma" panose="020B0604030504040204" pitchFamily="34" charset="0"/>
+            <a:endParaRPr lang="en-US" altLang="en-US" sz="2000" dirty="0">
+              <a:latin typeface="Gill Sans MT" panose="020B0502020104020203" pitchFamily="34" charset="77"/>
               <a:ea typeface="ＭＳ Ｐゴシック" panose="020B0600070205080204" pitchFamily="34" charset="-128"/>
             </a:endParaRPr>
           </a:p>
@@ -28322,7 +28378,7 @@
                 <a:latin typeface="Tahoma" panose="020B0604030504040204" pitchFamily="34" charset="0"/>
                 <a:ea typeface="ＭＳ Ｐゴシック" panose="020B0600070205080204" pitchFamily="34" charset="-128"/>
               </a:rPr>
-              <a:t>Google translate takes gendered-neutral languages like Filipino, Turkish, Chinese and introduces gender biases in the translations. See a recent tweet below:</a:t>
+              <a:t>Google translate takes gendered-neutral languages like Filipino, Turkish, Chinese and introduces gender biases in the translations:</a:t>
             </a:r>
           </a:p>
           <a:p>
@@ -29617,14 +29673,16 @@
           </a:xfrm>
         </p:spPr>
         <p:txBody>
-          <a:bodyPr/>
+          <a:bodyPr>
+            <a:normAutofit/>
+          </a:bodyPr>
           <a:lstStyle/>
           <a:p>
             <a:pPr marL="0" indent="0" eaLnBrk="1" hangingPunct="1">
               <a:buNone/>
             </a:pPr>
-            <a:endParaRPr lang="en-US" altLang="en-US" sz="1833" dirty="0">
-              <a:latin typeface="Tahoma" panose="020B0604030504040204" pitchFamily="34" charset="0"/>
+            <a:endParaRPr lang="en-US" altLang="en-US" sz="2000" dirty="0">
+              <a:latin typeface="Gill Sans MT" panose="020B0502020104020203" pitchFamily="34" charset="77"/>
               <a:ea typeface="ＭＳ Ｐゴシック" panose="020B0600070205080204" pitchFamily="34" charset="-128"/>
             </a:endParaRPr>
           </a:p>
@@ -29632,8 +29690,8 @@
             <a:pPr marL="0" indent="0" eaLnBrk="1" hangingPunct="1">
               <a:buNone/>
             </a:pPr>
-            <a:endParaRPr lang="en-US" altLang="en-US" sz="1833" dirty="0">
-              <a:latin typeface="Tahoma" panose="020B0604030504040204" pitchFamily="34" charset="0"/>
+            <a:endParaRPr lang="en-US" altLang="en-US" sz="2000" dirty="0">
+              <a:latin typeface="Gill Sans MT" panose="020B0502020104020203" pitchFamily="34" charset="77"/>
               <a:ea typeface="ＭＳ Ｐゴシック" panose="020B0600070205080204" pitchFamily="34" charset="-128"/>
             </a:endParaRPr>
           </a:p>
@@ -29642,29 +29700,29 @@
               <a:buNone/>
             </a:pPr>
             <a:r>
-              <a:rPr lang="en-US" altLang="en-US" sz="1833" dirty="0">
-                <a:latin typeface="Tahoma" panose="020B0604030504040204" pitchFamily="34" charset="0"/>
+              <a:rPr lang="en-US" altLang="en-US" sz="2000" dirty="0">
+                <a:latin typeface="Gill Sans MT" panose="020B0502020104020203" pitchFamily="34" charset="77"/>
                 <a:ea typeface="ＭＳ Ｐゴシック" panose="020B0600070205080204" pitchFamily="34" charset="-128"/>
               </a:rPr>
               <a:t>Science has been impacted by using scale and “</a:t>
             </a:r>
             <a:r>
-              <a:rPr lang="en-US" altLang="ja-JP" sz="1833" b="1" dirty="0">
-                <a:latin typeface="Tahoma" panose="020B0604030504040204" pitchFamily="34" charset="0"/>
+              <a:rPr lang="en-US" altLang="ja-JP" sz="2000" b="1" dirty="0">
+                <a:latin typeface="Gill Sans MT" panose="020B0502020104020203" pitchFamily="34" charset="77"/>
                 <a:ea typeface="ＭＳ Ｐゴシック" panose="020B0600070205080204" pitchFamily="34" charset="-128"/>
               </a:rPr>
               <a:t>citizen science</a:t>
             </a:r>
             <a:r>
-              <a:rPr lang="en-US" altLang="en-US" sz="1833" dirty="0">
-                <a:latin typeface="Tahoma" panose="020B0604030504040204" pitchFamily="34" charset="0"/>
+              <a:rPr lang="en-US" altLang="en-US" sz="2000" dirty="0">
+                <a:latin typeface="Gill Sans MT" panose="020B0502020104020203" pitchFamily="34" charset="77"/>
                 <a:ea typeface="ＭＳ Ｐゴシック" panose="020B0600070205080204" pitchFamily="34" charset="-128"/>
               </a:rPr>
               <a:t>”</a:t>
             </a:r>
             <a:r>
-              <a:rPr lang="en-US" altLang="ja-JP" sz="1833" dirty="0">
-                <a:latin typeface="Tahoma" panose="020B0604030504040204" pitchFamily="34" charset="0"/>
+              <a:rPr lang="en-US" altLang="ja-JP" sz="2000" dirty="0">
+                <a:latin typeface="Gill Sans MT" panose="020B0502020104020203" pitchFamily="34" charset="77"/>
                 <a:ea typeface="ＭＳ Ｐゴシック" panose="020B0600070205080204" pitchFamily="34" charset="-128"/>
               </a:rPr>
               <a:t> to solve scientific problems using home computers in scientific research</a:t>
@@ -29673,41 +29731,41 @@
           <a:p>
             <a:pPr lvl="1"/>
             <a:r>
-              <a:rPr lang="en-US" b="1" dirty="0">
-                <a:latin typeface="Tahoma" panose="020B0604030504040204" pitchFamily="34" charset="0"/>
+              <a:rPr lang="en-US" sz="2000" b="1" dirty="0">
+                <a:latin typeface="Gill Sans MT" panose="020B0502020104020203" pitchFamily="34" charset="77"/>
                 <a:ea typeface="Tahoma" panose="020B0604030504040204" pitchFamily="34" charset="0"/>
                 <a:cs typeface="Tahoma" panose="020B0604030504040204" pitchFamily="34" charset="0"/>
               </a:rPr>
               <a:t>Citizen science </a:t>
             </a:r>
             <a:r>
-              <a:rPr lang="en-US" dirty="0">
-                <a:latin typeface="Tahoma" panose="020B0604030504040204" pitchFamily="34" charset="0"/>
+              <a:rPr lang="en-US" sz="2000" dirty="0">
+                <a:latin typeface="Gill Sans MT" panose="020B0502020104020203" pitchFamily="34" charset="77"/>
                 <a:ea typeface="Tahoma" panose="020B0604030504040204" pitchFamily="34" charset="0"/>
                 <a:cs typeface="Tahoma" panose="020B0604030504040204" pitchFamily="34" charset="0"/>
               </a:rPr>
               <a:t>is scientific research conducted in whole or part by distributed individuals, many of whom may not be scientists, who contribute relevant data to research using their own computing devices e.g.</a:t>
             </a:r>
             <a:r>
-              <a:rPr lang="en-US" altLang="en-US" dirty="0">
-                <a:latin typeface="Tahoma" panose="020B0604030504040204" pitchFamily="34" charset="0"/>
+              <a:rPr lang="en-US" altLang="en-US" sz="2000" dirty="0">
+                <a:latin typeface="Gill Sans MT" panose="020B0502020104020203" pitchFamily="34" charset="77"/>
               </a:rPr>
               <a:t> </a:t>
             </a:r>
             <a:r>
-              <a:rPr lang="en-US" altLang="en-US" dirty="0" err="1">
-                <a:latin typeface="Tahoma" panose="020B0604030504040204" pitchFamily="34" charset="0"/>
+              <a:rPr lang="en-US" altLang="en-US" sz="2000" dirty="0" err="1">
+                <a:latin typeface="Gill Sans MT" panose="020B0502020104020203" pitchFamily="34" charset="77"/>
               </a:rPr>
               <a:t>folding@home</a:t>
             </a:r>
             <a:r>
-              <a:rPr lang="en-US" altLang="en-US" dirty="0">
-                <a:latin typeface="Tahoma" panose="020B0604030504040204" pitchFamily="34" charset="0"/>
+              <a:rPr lang="en-US" altLang="en-US" sz="2000" dirty="0">
+                <a:latin typeface="Gill Sans MT" panose="020B0502020104020203" pitchFamily="34" charset="77"/>
               </a:rPr>
               <a:t>(protein folding) and Galaxy Zoo(classify galaxies).</a:t>
             </a:r>
-            <a:endParaRPr lang="en-US" dirty="0">
-              <a:latin typeface="Tahoma" panose="020B0604030504040204" pitchFamily="34" charset="0"/>
+            <a:endParaRPr lang="en-US" sz="2000" dirty="0">
+              <a:latin typeface="Gill Sans MT" panose="020B0502020104020203" pitchFamily="34" charset="77"/>
               <a:ea typeface="Tahoma" panose="020B0604030504040204" pitchFamily="34" charset="0"/>
               <a:cs typeface="Tahoma" panose="020B0604030504040204" pitchFamily="34" charset="0"/>
             </a:endParaRPr>
@@ -29715,8 +29773,8 @@
           <a:p>
             <a:pPr lvl="1"/>
             <a:r>
-              <a:rPr lang="en-US" altLang="en-US" dirty="0">
-                <a:latin typeface="Tahoma" panose="020B0604030504040204" pitchFamily="34" charset="0"/>
+              <a:rPr lang="en-US" altLang="en-US" sz="2000" dirty="0">
+                <a:latin typeface="Gill Sans MT" panose="020B0502020104020203" pitchFamily="34" charset="77"/>
               </a:rPr>
               <a:t>Some online services use the contributions of many people to benefit both individuals and society, for example, ImageNet which uses Amazon Mechanical Turk to find/hire people to classify/label images to be used for image classification algorithms. </a:t>
             </a:r>
@@ -29724,24 +29782,18 @@
           <a:p>
             <a:pPr lvl="1" eaLnBrk="1" hangingPunct="1"/>
             <a:r>
-              <a:rPr lang="en-US" altLang="en-US" dirty="0">
-                <a:latin typeface="Tahoma" panose="020B0604030504040204" pitchFamily="34" charset="0"/>
+              <a:rPr lang="en-US" altLang="en-US" sz="2000" dirty="0">
+                <a:latin typeface="Gill Sans MT" panose="020B0502020104020203" pitchFamily="34" charset="77"/>
               </a:rPr>
-              <a:t>Human capabilities are enhanced by digitally enabled collaboration</a:t>
-            </a:r>
-            <a:r>
-              <a:rPr lang="en-US" altLang="en-US" sz="1500" dirty="0">
-                <a:latin typeface="Tahoma" panose="020B0604030504040204" pitchFamily="34" charset="0"/>
-              </a:rPr>
-              <a:t>.</a:t>
+              <a:t>Human capabilities are enhanced by digitally enabled collaboration.</a:t>
             </a:r>
           </a:p>
           <a:p>
             <a:pPr marL="342900" lvl="1" indent="0" eaLnBrk="1" hangingPunct="1">
               <a:buNone/>
             </a:pPr>
-            <a:endParaRPr lang="en-US" altLang="en-US" sz="1500" dirty="0">
-              <a:latin typeface="Tahoma" panose="020B0604030504040204" pitchFamily="34" charset="0"/>
+            <a:endParaRPr lang="en-US" altLang="en-US" sz="2000" dirty="0">
+              <a:latin typeface="Gill Sans MT" panose="020B0502020104020203" pitchFamily="34" charset="77"/>
             </a:endParaRPr>
           </a:p>
         </p:txBody>
